--- a/Plumbing Business Analysis.pptx
+++ b/Plumbing Business Analysis.pptx
@@ -16,19 +16,21 @@
     <p:sldId id="291" r:id="rId10"/>
     <p:sldId id="295" r:id="rId11"/>
     <p:sldId id="296" r:id="rId12"/>
-    <p:sldId id="300" r:id="rId13"/>
-    <p:sldId id="299" r:id="rId14"/>
-    <p:sldId id="302" r:id="rId15"/>
-    <p:sldId id="303" r:id="rId16"/>
-    <p:sldId id="306" r:id="rId17"/>
-    <p:sldId id="304" r:id="rId18"/>
-    <p:sldId id="305" r:id="rId19"/>
-    <p:sldId id="307" r:id="rId20"/>
-    <p:sldId id="308" r:id="rId21"/>
-    <p:sldId id="310" r:id="rId22"/>
-    <p:sldId id="311" r:id="rId23"/>
-    <p:sldId id="312" r:id="rId24"/>
-    <p:sldId id="265" r:id="rId25"/>
+    <p:sldId id="317" r:id="rId13"/>
+    <p:sldId id="316" r:id="rId14"/>
+    <p:sldId id="318" r:id="rId15"/>
+    <p:sldId id="299" r:id="rId16"/>
+    <p:sldId id="302" r:id="rId17"/>
+    <p:sldId id="303" r:id="rId18"/>
+    <p:sldId id="306" r:id="rId19"/>
+    <p:sldId id="304" r:id="rId20"/>
+    <p:sldId id="305" r:id="rId21"/>
+    <p:sldId id="307" r:id="rId22"/>
+    <p:sldId id="308" r:id="rId23"/>
+    <p:sldId id="310" r:id="rId24"/>
+    <p:sldId id="311" r:id="rId25"/>
+    <p:sldId id="312" r:id="rId26"/>
+    <p:sldId id="265" r:id="rId27"/>
   </p:sldIdLst>
   <p:sldSz cx="12192000" cy="6858000"/>
   <p:notesSz cx="6858000" cy="9144000"/>
@@ -143,7 +145,9 @@
             <p14:sldId id="291"/>
             <p14:sldId id="295"/>
             <p14:sldId id="296"/>
-            <p14:sldId id="300"/>
+            <p14:sldId id="317"/>
+            <p14:sldId id="316"/>
+            <p14:sldId id="318"/>
             <p14:sldId id="299"/>
             <p14:sldId id="302"/>
             <p14:sldId id="303"/>
@@ -499,7 +503,7 @@
             <a:fld id="{B61BEF0D-F0BB-DE4B-95CE-6DB70DBA9567}" type="datetimeFigureOut">
               <a:rPr lang="en-US" dirty="0"/>
               <a:pPr/>
-              <a:t>10/20/17</a:t>
+              <a:t>10/21/17</a:t>
             </a:fld>
             <a:endParaRPr lang="en-US" dirty="0"/>
           </a:p>
@@ -820,7 +824,7 @@
             <a:fld id="{B61BEF0D-F0BB-DE4B-95CE-6DB70DBA9567}" type="datetimeFigureOut">
               <a:rPr lang="en-US" dirty="0"/>
               <a:pPr/>
-              <a:t>10/20/17</a:t>
+              <a:t>10/21/17</a:t>
             </a:fld>
             <a:endParaRPr lang="en-US" dirty="0"/>
           </a:p>
@@ -1065,7 +1069,7 @@
             <a:fld id="{B61BEF0D-F0BB-DE4B-95CE-6DB70DBA9567}" type="datetimeFigureOut">
               <a:rPr lang="en-US" dirty="0"/>
               <a:pPr/>
-              <a:t>10/20/17</a:t>
+              <a:t>10/21/17</a:t>
             </a:fld>
             <a:endParaRPr lang="en-US" dirty="0"/>
           </a:p>
@@ -1401,7 +1405,7 @@
             <a:fld id="{B61BEF0D-F0BB-DE4B-95CE-6DB70DBA9567}" type="datetimeFigureOut">
               <a:rPr lang="en-US" dirty="0"/>
               <a:pPr/>
-              <a:t>10/20/17</a:t>
+              <a:t>10/21/17</a:t>
             </a:fld>
             <a:endParaRPr lang="en-US" dirty="0"/>
           </a:p>
@@ -1745,7 +1749,7 @@
             <a:fld id="{B61BEF0D-F0BB-DE4B-95CE-6DB70DBA9567}" type="datetimeFigureOut">
               <a:rPr lang="en-US" dirty="0"/>
               <a:pPr/>
-              <a:t>10/20/17</a:t>
+              <a:t>10/21/17</a:t>
             </a:fld>
             <a:endParaRPr lang="en-US" dirty="0"/>
           </a:p>
@@ -2116,7 +2120,7 @@
             <a:fld id="{B61BEF0D-F0BB-DE4B-95CE-6DB70DBA9567}" type="datetimeFigureOut">
               <a:rPr lang="en-US" dirty="0"/>
               <a:pPr/>
-              <a:t>10/20/17</a:t>
+              <a:t>10/21/17</a:t>
             </a:fld>
             <a:endParaRPr lang="en-US" dirty="0"/>
           </a:p>
@@ -2583,7 +2587,7 @@
             <a:fld id="{B61BEF0D-F0BB-DE4B-95CE-6DB70DBA9567}" type="datetimeFigureOut">
               <a:rPr lang="en-US" dirty="0"/>
               <a:pPr/>
-              <a:t>10/20/17</a:t>
+              <a:t>10/21/17</a:t>
             </a:fld>
             <a:endParaRPr lang="en-US" dirty="0"/>
           </a:p>
@@ -2785,7 +2789,7 @@
             <a:fld id="{B61BEF0D-F0BB-DE4B-95CE-6DB70DBA9567}" type="datetimeFigureOut">
               <a:rPr lang="en-US" dirty="0"/>
               <a:pPr/>
-              <a:t>10/20/17</a:t>
+              <a:t>10/21/17</a:t>
             </a:fld>
             <a:endParaRPr lang="en-US" dirty="0"/>
           </a:p>
@@ -2993,7 +2997,7 @@
             <a:fld id="{B61BEF0D-F0BB-DE4B-95CE-6DB70DBA9567}" type="datetimeFigureOut">
               <a:rPr lang="en-US" dirty="0"/>
               <a:pPr/>
-              <a:t>10/20/17</a:t>
+              <a:t>10/21/17</a:t>
             </a:fld>
             <a:endParaRPr lang="en-US" dirty="0"/>
           </a:p>
@@ -3221,7 +3225,7 @@
           <a:p>
             <a:fld id="{52647F38-B617-4D2F-AE0A-013F0C4D2C57}" type="datetimeFigureOut">
               <a:rPr lang="en-US" dirty="0"/>
-              <a:t>10/20/17</a:t>
+              <a:t>10/21/17</a:t>
             </a:fld>
             <a:endParaRPr lang="en-US" dirty="0"/>
           </a:p>
@@ -3465,7 +3469,7 @@
             <a:fld id="{B61BEF0D-F0BB-DE4B-95CE-6DB70DBA9567}" type="datetimeFigureOut">
               <a:rPr lang="en-US" dirty="0"/>
               <a:pPr/>
-              <a:t>10/20/17</a:t>
+              <a:t>10/21/17</a:t>
             </a:fld>
             <a:endParaRPr lang="en-US" dirty="0"/>
           </a:p>
@@ -3759,7 +3763,7 @@
           <a:p>
             <a:fld id="{05BFA754-D5C3-4E66-96A6-867B257F58DC}" type="datetimeFigureOut">
               <a:rPr lang="en-US" dirty="0"/>
-              <a:t>10/20/17</a:t>
+              <a:t>10/21/17</a:t>
             </a:fld>
             <a:endParaRPr lang="en-US" dirty="0"/>
           </a:p>
@@ -4149,7 +4153,7 @@
             <a:fld id="{B61BEF0D-F0BB-DE4B-95CE-6DB70DBA9567}" type="datetimeFigureOut">
               <a:rPr lang="en-US" dirty="0"/>
               <a:pPr/>
-              <a:t>10/20/17</a:t>
+              <a:t>10/21/17</a:t>
             </a:fld>
             <a:endParaRPr lang="en-US" dirty="0"/>
           </a:p>
@@ -4295,7 +4299,7 @@
             <a:fld id="{B61BEF0D-F0BB-DE4B-95CE-6DB70DBA9567}" type="datetimeFigureOut">
               <a:rPr lang="en-US" dirty="0"/>
               <a:pPr/>
-              <a:t>10/20/17</a:t>
+              <a:t>10/21/17</a:t>
             </a:fld>
             <a:endParaRPr lang="en-US" dirty="0"/>
           </a:p>
@@ -4418,7 +4422,7 @@
             <a:fld id="{B61BEF0D-F0BB-DE4B-95CE-6DB70DBA9567}" type="datetimeFigureOut">
               <a:rPr lang="en-US" dirty="0"/>
               <a:pPr/>
-              <a:t>10/20/17</a:t>
+              <a:t>10/21/17</a:t>
             </a:fld>
             <a:endParaRPr lang="en-US" dirty="0"/>
           </a:p>
@@ -4670,7 +4674,7 @@
             <a:fld id="{B61BEF0D-F0BB-DE4B-95CE-6DB70DBA9567}" type="datetimeFigureOut">
               <a:rPr lang="en-US" dirty="0"/>
               <a:pPr/>
-              <a:t>10/20/17</a:t>
+              <a:t>10/21/17</a:t>
             </a:fld>
             <a:endParaRPr lang="en-US" dirty="0"/>
           </a:p>
@@ -4982,7 +4986,7 @@
             <a:fld id="{B61BEF0D-F0BB-DE4B-95CE-6DB70DBA9567}" type="datetimeFigureOut">
               <a:rPr lang="en-US" dirty="0"/>
               <a:pPr/>
-              <a:t>10/20/17</a:t>
+              <a:t>10/21/17</a:t>
             </a:fld>
             <a:endParaRPr lang="en-US" dirty="0"/>
           </a:p>
@@ -5330,7 +5334,7 @@
             <a:fld id="{B61BEF0D-F0BB-DE4B-95CE-6DB70DBA9567}" type="datetimeFigureOut">
               <a:rPr lang="en-US" dirty="0"/>
               <a:pPr/>
-              <a:t>10/20/17</a:t>
+              <a:t>10/21/17</a:t>
             </a:fld>
             <a:endParaRPr lang="en-US" dirty="0"/>
           </a:p>
@@ -5886,11 +5890,7 @@
           <a:p>
             <a:r>
               <a:rPr lang="en-US" dirty="0" smtClean="0"/>
-              <a:t>Plumbing Business </a:t>
-            </a:r>
-            <a:r>
-              <a:rPr lang="en-US" dirty="0" smtClean="0"/>
-              <a:t>Analysis </a:t>
+              <a:t>Plumbing Business Analysis </a:t>
             </a:r>
             <a:endParaRPr lang="en-US" dirty="0"/>
           </a:p>
@@ -5985,19 +5985,7 @@
           <a:p>
             <a:r>
               <a:rPr lang="en-US" sz="3200" dirty="0" smtClean="0"/>
-              <a:t>Calls </a:t>
-            </a:r>
-            <a:r>
-              <a:rPr lang="en-US" sz="3200" dirty="0" smtClean="0"/>
-              <a:t>throughout </a:t>
-            </a:r>
-            <a:r>
-              <a:rPr lang="en-US" sz="3200" dirty="0" smtClean="0"/>
-              <a:t>week </a:t>
-            </a:r>
-            <a:r>
-              <a:rPr lang="en-US" sz="3200" dirty="0" smtClean="0"/>
-              <a:t>shows decreasing trend</a:t>
+              <a:t>Service calls throughout week shows decreasing trend</a:t>
             </a:r>
             <a:endParaRPr lang="en-US" sz="3200" dirty="0"/>
           </a:p>
@@ -6166,7 +6154,49 @@
                   </a:outerShdw>
                 </a:effectLst>
               </a:rPr>
-              <a:t>724 </a:t>
+              <a:t>33 </a:t>
+            </a:r>
+            <a:r>
+              <a:rPr lang="en-US" b="1" dirty="0" smtClean="0">
+                <a:ln w="9525">
+                  <a:noFill/>
+                  <a:prstDash val="solid"/>
+                </a:ln>
+                <a:solidFill>
+                  <a:schemeClr val="accent6">
+                    <a:lumMod val="50000"/>
+                  </a:schemeClr>
+                </a:solidFill>
+                <a:effectLst>
+                  <a:outerShdw blurRad="12700" dist="38100" dir="2700000" algn="tl" rotWithShape="0">
+                    <a:schemeClr val="accent5">
+                      <a:lumMod val="60000"/>
+                      <a:lumOff val="40000"/>
+                    </a:schemeClr>
+                  </a:outerShdw>
+                </a:effectLst>
+              </a:rPr>
+              <a:t> </a:t>
+            </a:r>
+            <a:r>
+              <a:rPr lang="en-US" b="1" dirty="0" smtClean="0">
+                <a:ln w="9525">
+                  <a:noFill/>
+                  <a:prstDash val="solid"/>
+                </a:ln>
+                <a:solidFill>
+                  <a:srgbClr val="FFC000"/>
+                </a:solidFill>
+                <a:effectLst>
+                  <a:outerShdw blurRad="12700" dist="38100" dir="2700000" algn="tl" rotWithShape="0">
+                    <a:schemeClr val="accent5">
+                      <a:lumMod val="60000"/>
+                      <a:lumOff val="40000"/>
+                    </a:schemeClr>
+                  </a:outerShdw>
+                </a:effectLst>
+              </a:rPr>
+              <a:t>Revenue</a:t>
             </a:r>
             <a:r>
               <a:rPr lang="en-US" b="1" dirty="0">
@@ -6186,7 +6216,7 @@
                   </a:outerShdw>
                 </a:effectLst>
               </a:rPr>
-              <a:t>Revenue($): </a:t>
+              <a:t>($): </a:t>
             </a:r>
             <a:r>
               <a:rPr lang="is-IS" b="1" dirty="0" smtClean="0">
@@ -6206,7 +6236,7 @@
                   </a:outerShdw>
                 </a:effectLst>
               </a:rPr>
-              <a:t>3,24,922</a:t>
+              <a:t>14,963</a:t>
             </a:r>
             <a:endParaRPr lang="en-US" b="1" dirty="0">
               <a:ln w="9525">
@@ -6291,23 +6321,7 @@
             <a:pPr algn="ctr"/>
             <a:r>
               <a:rPr lang="en-US" dirty="0" smtClean="0"/>
-              <a:t>On avg. </a:t>
-            </a:r>
-            <a:r>
-              <a:rPr lang="en-US" dirty="0" smtClean="0"/>
-              <a:t>37</a:t>
-            </a:r>
-            <a:r>
-              <a:rPr lang="en-US" dirty="0" smtClean="0"/>
-              <a:t>% </a:t>
-            </a:r>
-            <a:r>
-              <a:rPr lang="en-US" dirty="0" smtClean="0"/>
-              <a:t>more </a:t>
-            </a:r>
-            <a:r>
-              <a:rPr lang="en-US" dirty="0" smtClean="0"/>
-              <a:t>calls on Mondays</a:t>
+              <a:t>On avg. 37% more calls on Mondays</a:t>
             </a:r>
             <a:endParaRPr lang="en-US" dirty="0"/>
           </a:p>
@@ -6382,7 +6396,15 @@
           <a:p>
             <a:r>
               <a:rPr lang="en-US" sz="3200" dirty="0" smtClean="0"/>
-              <a:t>Sales of Café throughout day shows variations</a:t>
+              <a:t>Service provided </a:t>
+            </a:r>
+            <a:r>
+              <a:rPr lang="en-US" sz="3200" dirty="0" smtClean="0"/>
+              <a:t>throughout </a:t>
+            </a:r>
+            <a:r>
+              <a:rPr lang="en-US" sz="3200" dirty="0" smtClean="0"/>
+              <a:t>day</a:t>
             </a:r>
             <a:endParaRPr lang="en-US" sz="3200" dirty="0"/>
           </a:p>
@@ -6423,36 +6445,6 @@
           </a:p>
         </p:txBody>
       </p:sp>
-      <p:cxnSp>
-        <p:nvCxnSpPr>
-          <p:cNvPr id="5" name="Straight Connector 4"/>
-          <p:cNvCxnSpPr/>
-          <p:nvPr/>
-        </p:nvCxnSpPr>
-        <p:spPr>
-          <a:xfrm>
-            <a:off x="1481959" y="1513482"/>
-            <a:ext cx="9285889" cy="0"/>
-          </a:xfrm>
-          <a:prstGeom prst="line">
-            <a:avLst/>
-          </a:prstGeom>
-        </p:spPr>
-        <p:style>
-          <a:lnRef idx="1">
-            <a:schemeClr val="accent1"/>
-          </a:lnRef>
-          <a:fillRef idx="0">
-            <a:schemeClr val="accent1"/>
-          </a:fillRef>
-          <a:effectRef idx="0">
-            <a:schemeClr val="accent1"/>
-          </a:effectRef>
-          <a:fontRef idx="minor">
-            <a:schemeClr val="tx1"/>
-          </a:fontRef>
-        </p:style>
-      </p:cxnSp>
       <p:sp>
         <p:nvSpPr>
           <p:cNvPr id="11" name="TextBox 10"/>
@@ -6462,7 +6454,7 @@
         <p:spPr>
           <a:xfrm>
             <a:off x="1481959" y="5737102"/>
-            <a:ext cx="9285889" cy="369332"/>
+            <a:ext cx="9285889" cy="307777"/>
           </a:xfrm>
           <a:prstGeom prst="rect">
             <a:avLst/>
@@ -6490,19 +6482,19 @@
           <a:p>
             <a:pPr algn="ctr"/>
             <a:r>
-              <a:rPr lang="en-US" dirty="0" smtClean="0"/>
+              <a:rPr lang="en-US" sz="1400" dirty="0" smtClean="0"/>
               <a:t>Avg. </a:t>
             </a:r>
             <a:r>
-              <a:rPr lang="en-US" dirty="0"/>
+              <a:rPr lang="en-US" sz="1400" dirty="0"/>
               <a:t>D</a:t>
             </a:r>
             <a:r>
-              <a:rPr lang="en-US" dirty="0" smtClean="0"/>
+              <a:rPr lang="en-US" sz="1400" dirty="0" smtClean="0"/>
               <a:t>aily total :</a:t>
             </a:r>
             <a:r>
-              <a:rPr lang="en-US" b="1" dirty="0" smtClean="0">
+              <a:rPr lang="en-US" sz="1400" b="1" dirty="0" smtClean="0">
                 <a:ln w="9525">
                   <a:noFill/>
                   <a:prstDash val="solid"/>
@@ -6518,27 +6510,7 @@
               <a:t> </a:t>
             </a:r>
             <a:r>
-              <a:rPr lang="en-US" b="1" dirty="0" smtClean="0">
-                <a:ln w="9525">
-                  <a:noFill/>
-                  <a:prstDash val="solid"/>
-                </a:ln>
-                <a:solidFill>
-                  <a:schemeClr val="accent5"/>
-                </a:solidFill>
-                <a:effectLst>
-                  <a:outerShdw blurRad="12700" dist="38100" dir="2700000" algn="tl" rotWithShape="0">
-                    <a:schemeClr val="accent5">
-                      <a:lumMod val="60000"/>
-                      <a:lumOff val="40000"/>
-                    </a:schemeClr>
-                  </a:outerShdw>
-                </a:effectLst>
-              </a:rPr>
-              <a:t>Transactions: 192   </a:t>
-            </a:r>
-            <a:r>
-              <a:rPr lang="en-US" b="1" dirty="0" smtClean="0">
+              <a:rPr lang="is-IS" sz="1400" b="1" dirty="0">
                 <a:ln w="9525">
                   <a:noFill/>
                   <a:prstDash val="solid"/>
@@ -6555,16 +6527,73 @@
                   </a:outerShdw>
                 </a:effectLst>
               </a:rPr>
-              <a:t>Rev. w/o Tax: </a:t>
-            </a:r>
-            <a:r>
-              <a:rPr lang="is-IS" b="1" dirty="0" smtClean="0">
+              <a:t> </a:t>
+            </a:r>
+            <a:r>
+              <a:rPr lang="is-IS" sz="1400" b="1" dirty="0">
                 <a:ln w="9525">
                   <a:noFill/>
                   <a:prstDash val="solid"/>
                 </a:ln>
                 <a:solidFill>
-                  <a:srgbClr val="FFC000"/>
+                  <a:schemeClr val="tx1"/>
+                </a:solidFill>
+                <a:effectLst>
+                  <a:outerShdw blurRad="12700" dist="38100" dir="2700000" algn="tl" rotWithShape="0">
+                    <a:schemeClr val="bg1">
+                      <a:lumMod val="50000"/>
+                    </a:schemeClr>
+                  </a:outerShdw>
+                </a:effectLst>
+              </a:rPr>
+              <a:t>Service Calls: </a:t>
+            </a:r>
+            <a:r>
+              <a:rPr lang="is-IS" sz="1400" b="1" dirty="0" smtClean="0">
+                <a:ln w="9525">
+                  <a:noFill/>
+                  <a:prstDash val="solid"/>
+                </a:ln>
+                <a:solidFill>
+                  <a:schemeClr val="tx1"/>
+                </a:solidFill>
+                <a:effectLst>
+                  <a:outerShdw blurRad="12700" dist="38100" dir="2700000" algn="tl" rotWithShape="0">
+                    <a:schemeClr val="bg1">
+                      <a:lumMod val="50000"/>
+                    </a:schemeClr>
+                  </a:outerShdw>
+                </a:effectLst>
+              </a:rPr>
+              <a:t>4.76</a:t>
+            </a:r>
+            <a:r>
+              <a:rPr lang="is-IS" sz="1400" b="1" dirty="0" smtClean="0">
+                <a:ln w="9525">
+                  <a:noFill/>
+                  <a:prstDash val="solid"/>
+                </a:ln>
+                <a:solidFill>
+                  <a:schemeClr val="tx1"/>
+                </a:solidFill>
+                <a:effectLst>
+                  <a:outerShdw blurRad="12700" dist="38100" dir="2700000" algn="tl" rotWithShape="0">
+                    <a:schemeClr val="bg1">
+                      <a:lumMod val="50000"/>
+                    </a:schemeClr>
+                  </a:outerShdw>
+                </a:effectLst>
+              </a:rPr>
+              <a:t>  </a:t>
+            </a:r>
+            <a:r>
+              <a:rPr lang="en-US" sz="1400" b="1" dirty="0" smtClean="0">
+                <a:ln w="9525">
+                  <a:noFill/>
+                  <a:prstDash val="solid"/>
+                </a:ln>
+                <a:solidFill>
+                  <a:schemeClr val="accent6"/>
                 </a:solidFill>
                 <a:effectLst>
                   <a:outerShdw blurRad="12700" dist="38100" dir="2700000" algn="tl" rotWithShape="0">
@@ -6575,72 +6604,115 @@
                   </a:outerShdw>
                 </a:effectLst>
               </a:rPr>
-              <a:t>70,330  </a:t>
-            </a:r>
-            <a:r>
-              <a:rPr lang="is-IS" b="1" dirty="0" smtClean="0">
+              <a:t>Scheduled Calls: </a:t>
+            </a:r>
+            <a:r>
+              <a:rPr lang="en-US" sz="1400" b="1" dirty="0" smtClean="0">
                 <a:ln w="9525">
                   <a:noFill/>
                   <a:prstDash val="solid"/>
                 </a:ln>
                 <a:solidFill>
-                  <a:srgbClr val="92D050"/>
+                  <a:schemeClr val="accent6"/>
                 </a:solidFill>
                 <a:effectLst>
                   <a:outerShdw blurRad="12700" dist="38100" dir="2700000" algn="tl" rotWithShape="0">
-                    <a:schemeClr val="bg1">
-                      <a:lumMod val="50000"/>
+                    <a:schemeClr val="accent5">
+                      <a:lumMod val="60000"/>
+                      <a:lumOff val="40000"/>
                     </a:schemeClr>
                   </a:outerShdw>
                 </a:effectLst>
               </a:rPr>
-              <a:t>Item </a:t>
-            </a:r>
-            <a:r>
-              <a:rPr lang="is-IS" b="1" dirty="0">
+              <a:t>4.74</a:t>
+            </a:r>
+            <a:r>
+              <a:rPr lang="en-US" sz="1400" b="1" dirty="0" smtClean="0">
                 <a:ln w="9525">
                   <a:noFill/>
                   <a:prstDash val="solid"/>
                 </a:ln>
                 <a:solidFill>
-                  <a:srgbClr val="92D050"/>
+                  <a:schemeClr val="accent6"/>
                 </a:solidFill>
                 <a:effectLst>
                   <a:outerShdw blurRad="12700" dist="38100" dir="2700000" algn="tl" rotWithShape="0">
-                    <a:schemeClr val="bg1">
-                      <a:lumMod val="50000"/>
+                    <a:schemeClr val="accent5">
+                      <a:lumMod val="60000"/>
+                      <a:lumOff val="40000"/>
                     </a:schemeClr>
                   </a:outerShdw>
                 </a:effectLst>
               </a:rPr>
-              <a:t>Sold: </a:t>
-            </a:r>
-            <a:r>
-              <a:rPr lang="is-IS" b="1" dirty="0" smtClean="0">
+              <a:t> </a:t>
+            </a:r>
+            <a:r>
+              <a:rPr lang="en-US" sz="1400" b="1" dirty="0" smtClean="0">
                 <a:ln w="9525">
                   <a:noFill/>
                   <a:prstDash val="solid"/>
                 </a:ln>
                 <a:solidFill>
-                  <a:srgbClr val="92D050"/>
+                  <a:srgbClr val="C00000"/>
                 </a:solidFill>
                 <a:effectLst>
                   <a:outerShdw blurRad="12700" dist="38100" dir="2700000" algn="tl" rotWithShape="0">
-                    <a:schemeClr val="bg1">
-                      <a:lumMod val="50000"/>
+                    <a:schemeClr val="accent5">
+                      <a:lumMod val="60000"/>
+                      <a:lumOff val="40000"/>
                     </a:schemeClr>
                   </a:outerShdw>
                 </a:effectLst>
               </a:rPr>
-              <a:t>448 </a:t>
-            </a:r>
-            <a:endParaRPr lang="en-US" b="1" dirty="0">
+              <a:t>Dispatched Calls: </a:t>
+            </a:r>
+            <a:r>
+              <a:rPr lang="is-IS" sz="1400" b="1" dirty="0" smtClean="0">
+                <a:ln w="9525">
+                  <a:noFill/>
+                  <a:prstDash val="solid"/>
+                </a:ln>
+                <a:solidFill>
+                  <a:srgbClr val="C00000"/>
+                </a:solidFill>
+                <a:effectLst>
+                  <a:outerShdw blurRad="12700" dist="38100" dir="2700000" algn="tl" rotWithShape="0">
+                    <a:schemeClr val="accent5">
+                      <a:lumMod val="60000"/>
+                      <a:lumOff val="40000"/>
+                    </a:schemeClr>
+                  </a:outerShdw>
+                </a:effectLst>
+              </a:rPr>
+              <a:t>4.75  </a:t>
+            </a:r>
+            <a:r>
+              <a:rPr lang="is-IS" sz="1400" b="1" dirty="0" smtClean="0">
+                <a:ln w="9525">
+                  <a:noFill/>
+                  <a:prstDash val="solid"/>
+                </a:ln>
+                <a:solidFill>
+                  <a:srgbClr val="00B050"/>
+                </a:solidFill>
+                <a:effectLst>
+                  <a:outerShdw blurRad="12700" dist="38100" dir="2700000" algn="tl" rotWithShape="0">
+                    <a:schemeClr val="accent5">
+                      <a:lumMod val="60000"/>
+                      <a:lumOff val="40000"/>
+                    </a:schemeClr>
+                  </a:outerShdw>
+                </a:effectLst>
+              </a:rPr>
+              <a:t>Revenue($): 2,124 </a:t>
+            </a:r>
+            <a:endParaRPr lang="en-US" sz="1400" b="1" dirty="0">
               <a:ln w="9525">
                 <a:noFill/>
                 <a:prstDash val="solid"/>
               </a:ln>
               <a:solidFill>
-                <a:srgbClr val="92D050"/>
+                <a:srgbClr val="00B050"/>
               </a:solidFill>
               <a:effectLst>
                 <a:outerShdw blurRad="12700" dist="38100" dir="2700000" algn="tl" rotWithShape="0">
@@ -6655,7 +6727,7 @@
       </p:sp>
       <p:pic>
         <p:nvPicPr>
-          <p:cNvPr id="10" name="Picture 9"/>
+          <p:cNvPr id="9" name="Picture 8"/>
           <p:cNvPicPr>
             <a:picLocks noChangeAspect="1"/>
           </p:cNvPicPr>
@@ -6669,8 +6741,8 @@
         </p:blipFill>
         <p:spPr>
           <a:xfrm>
-            <a:off x="1481959" y="1593850"/>
-            <a:ext cx="9285889" cy="4018674"/>
+            <a:off x="1481959" y="1474317"/>
+            <a:ext cx="9285889" cy="4265943"/>
           </a:xfrm>
           <a:prstGeom prst="rect">
             <a:avLst/>
@@ -6679,59 +6751,13 @@
       </p:pic>
       <p:sp>
         <p:nvSpPr>
-          <p:cNvPr id="14" name="Rounded Rectangular Callout 13"/>
+          <p:cNvPr id="33" name="Rounded Rectangular Callout 32"/>
           <p:cNvSpPr/>
           <p:nvPr/>
         </p:nvSpPr>
         <p:spPr>
           <a:xfrm>
-            <a:off x="7805984" y="1547606"/>
-            <a:ext cx="1303868" cy="299552"/>
-          </a:xfrm>
-          <a:prstGeom prst="wedgeRoundRectCallout">
-            <a:avLst>
-              <a:gd name="adj1" fmla="val 2460"/>
-              <a:gd name="adj2" fmla="val 110290"/>
-              <a:gd name="adj3" fmla="val 16667"/>
-            </a:avLst>
-          </a:prstGeom>
-        </p:spPr>
-        <p:style>
-          <a:lnRef idx="1">
-            <a:schemeClr val="accent5"/>
-          </a:lnRef>
-          <a:fillRef idx="2">
-            <a:schemeClr val="accent5"/>
-          </a:fillRef>
-          <a:effectRef idx="1">
-            <a:schemeClr val="accent5"/>
-          </a:effectRef>
-          <a:fontRef idx="minor">
-            <a:schemeClr val="dk1"/>
-          </a:fontRef>
-        </p:style>
-        <p:txBody>
-          <a:bodyPr rtlCol="0" anchor="ctr"/>
-          <a:lstStyle/>
-          <a:p>
-            <a:pPr algn="ctr"/>
-            <a:r>
-              <a:rPr lang="en-US" sz="1200" dirty="0" smtClean="0"/>
-              <a:t>Rush hours</a:t>
-            </a:r>
-            <a:endParaRPr lang="en-US" sz="1200" dirty="0"/>
-          </a:p>
-        </p:txBody>
-      </p:sp>
-      <p:sp>
-        <p:nvSpPr>
-          <p:cNvPr id="15" name="Rounded Rectangular Callout 14"/>
-          <p:cNvSpPr/>
-          <p:nvPr/>
-        </p:nvSpPr>
-        <p:spPr>
-          <a:xfrm>
-            <a:off x="2207169" y="2806247"/>
+            <a:off x="2365737" y="3436395"/>
             <a:ext cx="1324304" cy="819822"/>
           </a:xfrm>
           <a:prstGeom prst="wedgeRoundRectCallout">
@@ -6763,131 +6789,27 @@
             <a:pPr algn="ctr"/>
             <a:r>
               <a:rPr lang="en-US" sz="1200" dirty="0" smtClean="0"/>
-              <a:t>Total sale just 0.2% during early morning </a:t>
-            </a:r>
-            <a:r>
-              <a:rPr lang="en-US" sz="1200" dirty="0" err="1" smtClean="0"/>
-              <a:t>hrs</a:t>
+              <a:t>Ad-hoc nature of business</a:t>
             </a:r>
             <a:endParaRPr lang="en-US" sz="1200" dirty="0"/>
           </a:p>
         </p:txBody>
       </p:sp>
-      <p:cxnSp>
-        <p:nvCxnSpPr>
-          <p:cNvPr id="7" name="Straight Connector 6"/>
-          <p:cNvCxnSpPr/>
+      <p:sp>
+        <p:nvSpPr>
+          <p:cNvPr id="34" name="Rounded Rectangular Callout 33"/>
+          <p:cNvSpPr/>
           <p:nvPr/>
-        </p:nvCxnSpPr>
-        <p:spPr>
-          <a:xfrm flipH="1">
-            <a:off x="3594532" y="1593850"/>
-            <a:ext cx="15766" cy="4118944"/>
-          </a:xfrm>
-          <a:prstGeom prst="line">
-            <a:avLst/>
-          </a:prstGeom>
-        </p:spPr>
-        <p:style>
-          <a:lnRef idx="1">
-            <a:schemeClr val="accent1"/>
-          </a:lnRef>
-          <a:fillRef idx="0">
-            <a:schemeClr val="accent1"/>
-          </a:fillRef>
-          <a:effectRef idx="0">
-            <a:schemeClr val="accent1"/>
-          </a:effectRef>
-          <a:fontRef idx="minor">
-            <a:schemeClr val="tx1"/>
-          </a:fontRef>
-        </p:style>
-      </p:cxnSp>
-      <p:cxnSp>
-        <p:nvCxnSpPr>
-          <p:cNvPr id="16" name="Straight Connector 15"/>
-          <p:cNvCxnSpPr/>
-          <p:nvPr/>
-        </p:nvCxnSpPr>
+        </p:nvSpPr>
         <p:spPr>
           <a:xfrm>
-            <a:off x="9238604" y="1593850"/>
-            <a:ext cx="26297" cy="4129450"/>
-          </a:xfrm>
-          <a:prstGeom prst="line">
-            <a:avLst/>
-          </a:prstGeom>
-        </p:spPr>
-        <p:style>
-          <a:lnRef idx="1">
-            <a:schemeClr val="accent1"/>
-          </a:lnRef>
-          <a:fillRef idx="0">
-            <a:schemeClr val="accent1"/>
-          </a:fillRef>
-          <a:effectRef idx="0">
-            <a:schemeClr val="accent1"/>
-          </a:effectRef>
-          <a:fontRef idx="minor">
-            <a:schemeClr val="tx1"/>
-          </a:fontRef>
-        </p:style>
-      </p:cxnSp>
-      <p:cxnSp>
-        <p:nvCxnSpPr>
-          <p:cNvPr id="30" name="Straight Arrow Connector 29"/>
-          <p:cNvCxnSpPr/>
-          <p:nvPr/>
-        </p:nvCxnSpPr>
-        <p:spPr>
-          <a:xfrm>
-            <a:off x="3610298" y="3594537"/>
-            <a:ext cx="5654603" cy="0"/>
-          </a:xfrm>
-          <a:prstGeom prst="straightConnector1">
-            <a:avLst/>
-          </a:prstGeom>
-          <a:ln>
-            <a:solidFill>
-              <a:schemeClr val="accent4">
-                <a:lumMod val="40000"/>
-                <a:lumOff val="60000"/>
-              </a:schemeClr>
-            </a:solidFill>
-            <a:headEnd type="triangle"/>
-            <a:tailEnd type="triangle"/>
-          </a:ln>
-        </p:spPr>
-        <p:style>
-          <a:lnRef idx="1">
-            <a:schemeClr val="accent1"/>
-          </a:lnRef>
-          <a:fillRef idx="0">
-            <a:schemeClr val="accent1"/>
-          </a:fillRef>
-          <a:effectRef idx="0">
-            <a:schemeClr val="accent1"/>
-          </a:effectRef>
-          <a:fontRef idx="minor">
-            <a:schemeClr val="tx1"/>
-          </a:fontRef>
-        </p:style>
-      </p:cxnSp>
-      <p:sp>
-        <p:nvSpPr>
-          <p:cNvPr id="31" name="Rounded Rectangular Callout 30"/>
-          <p:cNvSpPr/>
-          <p:nvPr/>
-        </p:nvSpPr>
-        <p:spPr>
-          <a:xfrm>
-            <a:off x="5549457" y="3310750"/>
-            <a:ext cx="2017986" cy="183517"/>
+            <a:off x="3289949" y="1868445"/>
+            <a:ext cx="1303868" cy="354023"/>
           </a:xfrm>
           <a:prstGeom prst="wedgeRoundRectCallout">
             <a:avLst>
-              <a:gd name="adj1" fmla="val 20597"/>
-              <a:gd name="adj2" fmla="val 41871"/>
+              <a:gd name="adj1" fmla="val 92778"/>
+              <a:gd name="adj2" fmla="val 244418"/>
               <a:gd name="adj3" fmla="val 16667"/>
             </a:avLst>
           </a:prstGeom>
@@ -6912,16 +6834,12 @@
           <a:p>
             <a:pPr algn="ctr"/>
             <a:r>
-              <a:rPr lang="en-US" sz="1200"/>
-              <a:t>R</a:t>
-            </a:r>
-            <a:r>
-              <a:rPr lang="en-US" sz="1200" smtClean="0"/>
-              <a:t>ecommended </a:t>
-            </a:r>
-            <a:r>
-              <a:rPr lang="en-US" sz="1200"/>
-              <a:t>business Hour</a:t>
+              <a:rPr lang="en-US" sz="1200" dirty="0" smtClean="0"/>
+              <a:t>NO show </a:t>
+            </a:r>
+            <a:r>
+              <a:rPr lang="en-US" sz="1200" dirty="0" smtClean="0"/>
+              <a:t>on scheduled time</a:t>
             </a:r>
             <a:endParaRPr lang="en-US" sz="1200" dirty="0"/>
           </a:p>
@@ -6929,14 +6847,52 @@
       </p:sp>
       <p:sp>
         <p:nvSpPr>
-          <p:cNvPr id="32" name="Oval Callout 31"/>
+          <p:cNvPr id="35" name="Up-Down Arrow 34"/>
           <p:cNvSpPr/>
           <p:nvPr/>
         </p:nvSpPr>
         <p:spPr>
           <a:xfrm>
-            <a:off x="5549457" y="1956612"/>
-            <a:ext cx="3560395" cy="1054582"/>
+            <a:off x="5209309" y="2563093"/>
+            <a:ext cx="152400" cy="682406"/>
+          </a:xfrm>
+          <a:prstGeom prst="upDownArrow">
+            <a:avLst/>
+          </a:prstGeom>
+        </p:spPr>
+        <p:style>
+          <a:lnRef idx="1">
+            <a:schemeClr val="accent5"/>
+          </a:lnRef>
+          <a:fillRef idx="2">
+            <a:schemeClr val="accent5"/>
+          </a:fillRef>
+          <a:effectRef idx="1">
+            <a:schemeClr val="accent5"/>
+          </a:effectRef>
+          <a:fontRef idx="minor">
+            <a:schemeClr val="dk1"/>
+          </a:fontRef>
+        </p:style>
+        <p:txBody>
+          <a:bodyPr rtlCol="0" anchor="ctr"/>
+          <a:lstStyle/>
+          <a:p>
+            <a:pPr algn="ctr"/>
+            <a:endParaRPr lang="en-US"/>
+          </a:p>
+        </p:txBody>
+      </p:sp>
+      <p:sp>
+        <p:nvSpPr>
+          <p:cNvPr id="36" name="Oval Callout 35"/>
+          <p:cNvSpPr/>
+          <p:nvPr/>
+        </p:nvSpPr>
+        <p:spPr>
+          <a:xfrm>
+            <a:off x="4482980" y="2289300"/>
+            <a:ext cx="3566511" cy="1669105"/>
           </a:xfrm>
           <a:prstGeom prst="wedgeEllipseCallout">
             <a:avLst>
@@ -6971,6 +6927,98 @@
           <a:p>
             <a:pPr algn="ctr"/>
             <a:endParaRPr lang="en-US"/>
+          </a:p>
+        </p:txBody>
+      </p:sp>
+      <p:sp>
+        <p:nvSpPr>
+          <p:cNvPr id="37" name="Rounded Rectangular Callout 36"/>
+          <p:cNvSpPr/>
+          <p:nvPr/>
+        </p:nvSpPr>
+        <p:spPr>
+          <a:xfrm>
+            <a:off x="6880730" y="1882307"/>
+            <a:ext cx="1303868" cy="299552"/>
+          </a:xfrm>
+          <a:prstGeom prst="wedgeRoundRectCallout">
+            <a:avLst>
+              <a:gd name="adj1" fmla="val 1397"/>
+              <a:gd name="adj2" fmla="val 151916"/>
+              <a:gd name="adj3" fmla="val 16667"/>
+            </a:avLst>
+          </a:prstGeom>
+        </p:spPr>
+        <p:style>
+          <a:lnRef idx="1">
+            <a:schemeClr val="accent5"/>
+          </a:lnRef>
+          <a:fillRef idx="2">
+            <a:schemeClr val="accent5"/>
+          </a:fillRef>
+          <a:effectRef idx="1">
+            <a:schemeClr val="accent5"/>
+          </a:effectRef>
+          <a:fontRef idx="minor">
+            <a:schemeClr val="dk1"/>
+          </a:fontRef>
+        </p:style>
+        <p:txBody>
+          <a:bodyPr rtlCol="0" anchor="ctr"/>
+          <a:lstStyle/>
+          <a:p>
+            <a:pPr algn="ctr"/>
+            <a:r>
+              <a:rPr lang="en-US" sz="1200" dirty="0" smtClean="0"/>
+              <a:t>Rush hours</a:t>
+            </a:r>
+            <a:endParaRPr lang="en-US" sz="1200" dirty="0"/>
+          </a:p>
+        </p:txBody>
+      </p:sp>
+      <p:sp>
+        <p:nvSpPr>
+          <p:cNvPr id="38" name="Rounded Rectangular Callout 37"/>
+          <p:cNvSpPr/>
+          <p:nvPr/>
+        </p:nvSpPr>
+        <p:spPr>
+          <a:xfrm>
+            <a:off x="8524499" y="2085571"/>
+            <a:ext cx="1589320" cy="366684"/>
+          </a:xfrm>
+          <a:prstGeom prst="wedgeRoundRectCallout">
+            <a:avLst>
+              <a:gd name="adj1" fmla="val -43833"/>
+              <a:gd name="adj2" fmla="val 216903"/>
+              <a:gd name="adj3" fmla="val 16667"/>
+            </a:avLst>
+          </a:prstGeom>
+        </p:spPr>
+        <p:style>
+          <a:lnRef idx="1">
+            <a:schemeClr val="accent5"/>
+          </a:lnRef>
+          <a:fillRef idx="2">
+            <a:schemeClr val="accent5"/>
+          </a:fillRef>
+          <a:effectRef idx="1">
+            <a:schemeClr val="accent5"/>
+          </a:effectRef>
+          <a:fontRef idx="minor">
+            <a:schemeClr val="dk1"/>
+          </a:fontRef>
+        </p:style>
+        <p:txBody>
+          <a:bodyPr rtlCol="0" anchor="ctr"/>
+          <a:lstStyle/>
+          <a:p>
+            <a:pPr algn="ctr"/>
+            <a:r>
+              <a:rPr lang="en-US" sz="1200" dirty="0" smtClean="0"/>
+              <a:t>by late evening most jobs complete</a:t>
+            </a:r>
+            <a:endParaRPr lang="en-US" sz="1200" dirty="0"/>
           </a:p>
         </p:txBody>
       </p:sp>
@@ -7142,7 +7190,7 @@
       </p:sp>
       <p:pic>
         <p:nvPicPr>
-          <p:cNvPr id="6" name="Picture 5"/>
+          <p:cNvPr id="10" name="Picture 9"/>
           <p:cNvPicPr>
             <a:picLocks noChangeAspect="1"/>
           </p:cNvPicPr>
@@ -7156,8 +7204,8 @@
         </p:blipFill>
         <p:spPr>
           <a:xfrm>
-            <a:off x="1481959" y="1350781"/>
-            <a:ext cx="9285889" cy="1660426"/>
+            <a:off x="1454150" y="3556001"/>
+            <a:ext cx="9283700" cy="2489200"/>
           </a:xfrm>
           <a:prstGeom prst="rect">
             <a:avLst/>
@@ -7166,19 +7214,19 @@
       </p:pic>
       <p:sp>
         <p:nvSpPr>
-          <p:cNvPr id="14" name="Rounded Rectangular Callout 13"/>
+          <p:cNvPr id="24" name="Rounded Rectangular Callout 23"/>
           <p:cNvSpPr/>
           <p:nvPr/>
         </p:nvSpPr>
         <p:spPr>
           <a:xfrm>
-            <a:off x="7586133" y="1702678"/>
-            <a:ext cx="1888943" cy="313712"/>
+            <a:off x="4971417" y="4974158"/>
+            <a:ext cx="2579308" cy="318281"/>
           </a:xfrm>
           <a:prstGeom prst="wedgeRoundRectCallout">
             <a:avLst>
-              <a:gd name="adj1" fmla="val -46271"/>
-              <a:gd name="adj2" fmla="val 124382"/>
+              <a:gd name="adj1" fmla="val -22067"/>
+              <a:gd name="adj2" fmla="val 52003"/>
               <a:gd name="adj3" fmla="val 16667"/>
             </a:avLst>
           </a:prstGeom>
@@ -7204,7 +7252,11 @@
             <a:pPr algn="ctr"/>
             <a:r>
               <a:rPr lang="en-US" sz="1200" dirty="0" smtClean="0"/>
-              <a:t>On avg. 2 items per bill</a:t>
+              <a:t>Type 1 customers </a:t>
+            </a:r>
+            <a:r>
+              <a:rPr lang="en-US" sz="1200" smtClean="0"/>
+              <a:t>dominate throughout</a:t>
             </a:r>
             <a:endParaRPr lang="en-US" sz="1200" dirty="0"/>
           </a:p>
@@ -7226,53 +7278,29 @@
         </p:blipFill>
         <p:spPr>
           <a:xfrm>
-            <a:off x="1481960" y="2995422"/>
-            <a:ext cx="9285888" cy="1826391"/>
+            <a:off x="1473200" y="1309247"/>
+            <a:ext cx="9245600" cy="2133600"/>
           </a:xfrm>
           <a:prstGeom prst="rect">
             <a:avLst/>
           </a:prstGeom>
         </p:spPr>
       </p:pic>
-      <p:pic>
-        <p:nvPicPr>
-          <p:cNvPr id="8" name="Picture 7"/>
-          <p:cNvPicPr>
-            <a:picLocks noChangeAspect="1"/>
-          </p:cNvPicPr>
+      <p:sp>
+        <p:nvSpPr>
+          <p:cNvPr id="15" name="Rounded Rectangular Callout 14"/>
+          <p:cNvSpPr/>
           <p:nvPr/>
-        </p:nvPicPr>
-        <p:blipFill>
-          <a:blip r:embed="rId4"/>
-          <a:stretch>
-            <a:fillRect/>
-          </a:stretch>
-        </p:blipFill>
+        </p:nvSpPr>
         <p:spPr>
           <a:xfrm>
-            <a:off x="1481959" y="4427671"/>
-            <a:ext cx="9285889" cy="1781259"/>
-          </a:xfrm>
-          <a:prstGeom prst="rect">
-            <a:avLst/>
-          </a:prstGeom>
-        </p:spPr>
-      </p:pic>
-      <p:sp>
-        <p:nvSpPr>
-          <p:cNvPr id="17" name="Rounded Rectangular Callout 16"/>
-          <p:cNvSpPr/>
-          <p:nvPr/>
-        </p:nvSpPr>
-        <p:spPr>
-          <a:xfrm>
-            <a:off x="8580820" y="3090041"/>
-            <a:ext cx="1888943" cy="306258"/>
+            <a:off x="7830525" y="1484331"/>
+            <a:ext cx="1888943" cy="421383"/>
           </a:xfrm>
           <a:prstGeom prst="wedgeRoundRectCallout">
             <a:avLst>
-              <a:gd name="adj1" fmla="val -37925"/>
-              <a:gd name="adj2" fmla="val 109795"/>
+              <a:gd name="adj1" fmla="val -22800"/>
+              <a:gd name="adj2" fmla="val 49304"/>
               <a:gd name="adj3" fmla="val 16667"/>
             </a:avLst>
           </a:prstGeom>
@@ -7297,62 +7325,16 @@
           <a:p>
             <a:pPr algn="ctr"/>
             <a:r>
-              <a:rPr lang="en-US" sz="1200" smtClean="0"/>
-              <a:t>Higher on weekends</a:t>
-            </a:r>
-            <a:endParaRPr lang="en-US" sz="1200" dirty="0"/>
-          </a:p>
-        </p:txBody>
-      </p:sp>
-      <p:sp>
-        <p:nvSpPr>
-          <p:cNvPr id="18" name="Rounded Rectangular Callout 17"/>
-          <p:cNvSpPr/>
-          <p:nvPr/>
-        </p:nvSpPr>
-        <p:spPr>
-          <a:xfrm>
-            <a:off x="8274852" y="4540469"/>
-            <a:ext cx="2020031" cy="281344"/>
-          </a:xfrm>
-          <a:prstGeom prst="wedgeRoundRectCallout">
-            <a:avLst>
-              <a:gd name="adj1" fmla="val -43204"/>
-              <a:gd name="adj2" fmla="val 113132"/>
-              <a:gd name="adj3" fmla="val 16667"/>
-            </a:avLst>
-          </a:prstGeom>
-        </p:spPr>
-        <p:style>
-          <a:lnRef idx="1">
-            <a:schemeClr val="accent5"/>
-          </a:lnRef>
-          <a:fillRef idx="2">
-            <a:schemeClr val="accent5"/>
-          </a:fillRef>
-          <a:effectRef idx="1">
-            <a:schemeClr val="accent5"/>
-          </a:effectRef>
-          <a:fontRef idx="minor">
-            <a:schemeClr val="dk1"/>
-          </a:fontRef>
-        </p:style>
-        <p:txBody>
-          <a:bodyPr rtlCol="0" anchor="ctr"/>
-          <a:lstStyle/>
-          <a:p>
-            <a:pPr algn="ctr"/>
+              <a:rPr lang="en-US" sz="1200" dirty="0"/>
+              <a:t>A</a:t>
+            </a:r>
             <a:r>
               <a:rPr lang="en-US" sz="1200" dirty="0" smtClean="0"/>
-              <a:t>On avg. price per item </a:t>
-            </a:r>
-            <a:r>
-              <a:rPr lang="en-US" sz="1200" dirty="0" err="1" smtClean="0"/>
-              <a:t>Rs</a:t>
+              <a:t>vg</a:t>
             </a:r>
             <a:r>
               <a:rPr lang="en-US" sz="1200" dirty="0" smtClean="0"/>
-              <a:t>. 150</a:t>
+              <a:t>. revenue per bill is $340 </a:t>
             </a:r>
             <a:endParaRPr lang="en-US" sz="1200" dirty="0"/>
           </a:p>
@@ -7361,18 +7343,18 @@
     </p:spTree>
     <p:extLst>
       <p:ext uri="{BB962C8B-B14F-4D97-AF65-F5344CB8AC3E}">
-        <p14:creationId xmlns:p14="http://schemas.microsoft.com/office/powerpoint/2010/main" val="1348325554"/>
+        <p14:creationId xmlns:p14="http://schemas.microsoft.com/office/powerpoint/2010/main" val="1437046647"/>
       </p:ext>
     </p:extLst>
   </p:cSld>
   <p:clrMapOvr>
     <a:masterClrMapping/>
   </p:clrMapOvr>
-  <mc:AlternateContent xmlns:mc="http://schemas.openxmlformats.org/markup-compatibility/2006" xmlns:p14="http://schemas.microsoft.com/office/powerpoint/2010/main">
-    <mc:Choice Requires="p14">
+  <mc:AlternateContent xmlns:mc="http://schemas.openxmlformats.org/markup-compatibility/2006">
+    <mc:Choice xmlns:p14="http://schemas.microsoft.com/office/powerpoint/2010/main" Requires="p14">
       <p:transition p14:dur="0"/>
     </mc:Choice>
-    <mc:Fallback xmlns="">
+    <mc:Fallback>
       <p:transition/>
     </mc:Fallback>
   </mc:AlternateContent>
@@ -7410,6 +7392,565 @@
             <a:spLocks noGrp="1"/>
           </p:cNvSpPr>
           <p:nvPr>
+            <p:ph type="title" idx="4294967295"/>
+          </p:nvPr>
+        </p:nvSpPr>
+        <p:spPr>
+          <a:xfrm>
+            <a:off x="1295400" y="220718"/>
+            <a:ext cx="9601200" cy="1576552"/>
+          </a:xfrm>
+        </p:spPr>
+        <p:txBody>
+          <a:bodyPr>
+            <a:normAutofit/>
+          </a:bodyPr>
+          <a:lstStyle/>
+          <a:p>
+            <a:r>
+              <a:rPr lang="en-US" sz="3200" dirty="0" smtClean="0"/>
+              <a:t>Business from Customer types across geography</a:t>
+            </a:r>
+            <a:endParaRPr lang="en-US" sz="3200" dirty="0"/>
+          </a:p>
+        </p:txBody>
+      </p:sp>
+      <p:sp>
+        <p:nvSpPr>
+          <p:cNvPr id="3" name="Content Placeholder 2"/>
+          <p:cNvSpPr>
+            <a:spLocks noGrp="1"/>
+          </p:cNvSpPr>
+          <p:nvPr>
+            <p:ph idx="4294967295"/>
+          </p:nvPr>
+        </p:nvSpPr>
+        <p:spPr>
+          <a:xfrm>
+            <a:off x="851338" y="1718429"/>
+            <a:ext cx="10562896" cy="4382826"/>
+          </a:xfrm>
+        </p:spPr>
+        <p:txBody>
+          <a:bodyPr>
+            <a:normAutofit/>
+          </a:bodyPr>
+          <a:lstStyle/>
+          <a:p>
+            <a:pPr marL="0" indent="0">
+              <a:buNone/>
+            </a:pPr>
+            <a:endParaRPr lang="en-US" dirty="0" smtClean="0"/>
+          </a:p>
+          <a:p>
+            <a:pPr marL="0" indent="0">
+              <a:buNone/>
+            </a:pPr>
+            <a:endParaRPr lang="en-US" dirty="0"/>
+          </a:p>
+        </p:txBody>
+      </p:sp>
+      <p:sp>
+        <p:nvSpPr>
+          <p:cNvPr id="11" name="TextBox 10"/>
+          <p:cNvSpPr txBox="1"/>
+          <p:nvPr/>
+        </p:nvSpPr>
+        <p:spPr>
+          <a:xfrm>
+            <a:off x="1481959" y="5746391"/>
+            <a:ext cx="9285889" cy="369332"/>
+          </a:xfrm>
+          <a:prstGeom prst="rect">
+            <a:avLst/>
+          </a:prstGeom>
+        </p:spPr>
+        <p:style>
+          <a:lnRef idx="2">
+            <a:schemeClr val="dk1"/>
+          </a:lnRef>
+          <a:fillRef idx="1">
+            <a:schemeClr val="lt1"/>
+          </a:fillRef>
+          <a:effectRef idx="0">
+            <a:schemeClr val="dk1"/>
+          </a:effectRef>
+          <a:fontRef idx="minor">
+            <a:schemeClr val="dk1"/>
+          </a:fontRef>
+        </p:style>
+        <p:txBody>
+          <a:bodyPr wrap="square" rtlCol="0">
+            <a:spAutoFit/>
+          </a:bodyPr>
+          <a:lstStyle/>
+          <a:p>
+            <a:pPr algn="ctr"/>
+            <a:r>
+              <a:rPr lang="en-US" dirty="0" smtClean="0"/>
+              <a:t>Avg. </a:t>
+            </a:r>
+            <a:r>
+              <a:rPr lang="en-US" dirty="0" smtClean="0"/>
+              <a:t>weekly revenue($):</a:t>
+            </a:r>
+            <a:r>
+              <a:rPr lang="en-US" b="1" dirty="0" smtClean="0">
+                <a:ln w="9525">
+                  <a:noFill/>
+                  <a:prstDash val="solid"/>
+                </a:ln>
+                <a:effectLst>
+                  <a:outerShdw blurRad="12700" dist="38100" dir="2700000" algn="tl" rotWithShape="0">
+                    <a:schemeClr val="bg1">
+                      <a:lumMod val="50000"/>
+                    </a:schemeClr>
+                  </a:outerShdw>
+                </a:effectLst>
+              </a:rPr>
+              <a:t> </a:t>
+            </a:r>
+            <a:r>
+              <a:rPr lang="is-IS" b="1" dirty="0" smtClean="0">
+                <a:ln w="9525">
+                  <a:noFill/>
+                  <a:prstDash val="solid"/>
+                </a:ln>
+                <a:solidFill>
+                  <a:srgbClr val="FFC000"/>
+                </a:solidFill>
+                <a:effectLst>
+                  <a:outerShdw blurRad="12700" dist="38100" dir="2700000" algn="tl" rotWithShape="0">
+                    <a:schemeClr val="accent5">
+                      <a:lumMod val="60000"/>
+                      <a:lumOff val="40000"/>
+                    </a:schemeClr>
+                  </a:outerShdw>
+                </a:effectLst>
+              </a:rPr>
+              <a:t> </a:t>
+            </a:r>
+            <a:r>
+              <a:rPr lang="is-IS" dirty="0" smtClean="0">
+                <a:ln w="9525">
+                  <a:noFill/>
+                  <a:prstDash val="solid"/>
+                </a:ln>
+                <a:solidFill>
+                  <a:schemeClr val="accent6"/>
+                </a:solidFill>
+                <a:effectLst>
+                  <a:outerShdw blurRad="12700" dist="38100" dir="2700000" algn="tl" rotWithShape="0">
+                    <a:schemeClr val="bg1">
+                      <a:lumMod val="50000"/>
+                    </a:schemeClr>
+                  </a:outerShdw>
+                </a:effectLst>
+              </a:rPr>
+              <a:t>CustType01</a:t>
+            </a:r>
+            <a:r>
+              <a:rPr lang="is-IS" dirty="0">
+                <a:ln w="9525">
+                  <a:noFill/>
+                  <a:prstDash val="solid"/>
+                </a:ln>
+                <a:solidFill>
+                  <a:schemeClr val="accent6"/>
+                </a:solidFill>
+                <a:effectLst>
+                  <a:outerShdw blurRad="12700" dist="38100" dir="2700000" algn="tl" rotWithShape="0">
+                    <a:schemeClr val="bg1">
+                      <a:lumMod val="50000"/>
+                    </a:schemeClr>
+                  </a:outerShdw>
+                </a:effectLst>
+              </a:rPr>
+              <a:t>: 1,138 </a:t>
+            </a:r>
+            <a:r>
+              <a:rPr lang="is-IS" dirty="0" smtClean="0">
+                <a:ln w="9525">
+                  <a:noFill/>
+                  <a:prstDash val="solid"/>
+                </a:ln>
+                <a:solidFill>
+                  <a:schemeClr val="accent6"/>
+                </a:solidFill>
+                <a:effectLst>
+                  <a:outerShdw blurRad="12700" dist="38100" dir="2700000" algn="tl" rotWithShape="0">
+                    <a:schemeClr val="bg1">
+                      <a:lumMod val="50000"/>
+                    </a:schemeClr>
+                  </a:outerShdw>
+                </a:effectLst>
+              </a:rPr>
+              <a:t> CustType02: 322  CustType03: 678</a:t>
+            </a:r>
+            <a:endParaRPr lang="en-US" dirty="0">
+              <a:ln w="9525">
+                <a:noFill/>
+                <a:prstDash val="solid"/>
+              </a:ln>
+              <a:solidFill>
+                <a:schemeClr val="accent6"/>
+              </a:solidFill>
+              <a:effectLst>
+                <a:outerShdw blurRad="12700" dist="38100" dir="2700000" algn="tl" rotWithShape="0">
+                  <a:schemeClr val="bg1">
+                    <a:lumMod val="50000"/>
+                  </a:schemeClr>
+                </a:outerShdw>
+              </a:effectLst>
+            </a:endParaRPr>
+          </a:p>
+        </p:txBody>
+      </p:sp>
+      <p:pic>
+        <p:nvPicPr>
+          <p:cNvPr id="5" name="Picture 4"/>
+          <p:cNvPicPr>
+            <a:picLocks noChangeAspect="1"/>
+          </p:cNvPicPr>
+          <p:nvPr/>
+        </p:nvPicPr>
+        <p:blipFill>
+          <a:blip r:embed="rId2"/>
+          <a:stretch>
+            <a:fillRect/>
+          </a:stretch>
+        </p:blipFill>
+        <p:spPr>
+          <a:xfrm>
+            <a:off x="1481959" y="1454727"/>
+            <a:ext cx="9285889" cy="4291664"/>
+          </a:xfrm>
+          <a:prstGeom prst="rect">
+            <a:avLst/>
+          </a:prstGeom>
+        </p:spPr>
+      </p:pic>
+      <p:sp>
+        <p:nvSpPr>
+          <p:cNvPr id="16" name="Rounded Rectangular Callout 15"/>
+          <p:cNvSpPr/>
+          <p:nvPr/>
+        </p:nvSpPr>
+        <p:spPr>
+          <a:xfrm>
+            <a:off x="4606634" y="2161309"/>
+            <a:ext cx="1303868" cy="460147"/>
+          </a:xfrm>
+          <a:prstGeom prst="wedgeRoundRectCallout">
+            <a:avLst>
+              <a:gd name="adj1" fmla="val -125050"/>
+              <a:gd name="adj2" fmla="val 322686"/>
+              <a:gd name="adj3" fmla="val 16667"/>
+            </a:avLst>
+          </a:prstGeom>
+        </p:spPr>
+        <p:style>
+          <a:lnRef idx="1">
+            <a:schemeClr val="accent5"/>
+          </a:lnRef>
+          <a:fillRef idx="2">
+            <a:schemeClr val="accent5"/>
+          </a:fillRef>
+          <a:effectRef idx="1">
+            <a:schemeClr val="accent5"/>
+          </a:effectRef>
+          <a:fontRef idx="minor">
+            <a:schemeClr val="dk1"/>
+          </a:fontRef>
+        </p:style>
+        <p:txBody>
+          <a:bodyPr rtlCol="0" anchor="ctr"/>
+          <a:lstStyle/>
+          <a:p>
+            <a:pPr algn="ctr"/>
+            <a:r>
+              <a:rPr lang="en-US" sz="1200" dirty="0" smtClean="0"/>
+              <a:t>Most Contributing type</a:t>
+            </a:r>
+            <a:endParaRPr lang="en-US" sz="1200" dirty="0"/>
+          </a:p>
+        </p:txBody>
+      </p:sp>
+    </p:spTree>
+    <p:extLst>
+      <p:ext uri="{BB962C8B-B14F-4D97-AF65-F5344CB8AC3E}">
+        <p14:creationId xmlns:p14="http://schemas.microsoft.com/office/powerpoint/2010/main" val="75245562"/>
+      </p:ext>
+    </p:extLst>
+  </p:cSld>
+  <p:clrMapOvr>
+    <a:masterClrMapping/>
+  </p:clrMapOvr>
+  <mc:AlternateContent xmlns:mc="http://schemas.openxmlformats.org/markup-compatibility/2006">
+    <mc:Choice xmlns:p14="http://schemas.microsoft.com/office/powerpoint/2010/main" Requires="p14">
+      <p:transition p14:dur="0"/>
+    </mc:Choice>
+    <mc:Fallback>
+      <p:transition/>
+    </mc:Fallback>
+  </mc:AlternateContent>
+  <p:timing>
+    <p:tnLst>
+      <p:par>
+        <p:cTn id="1" dur="indefinite" restart="never" nodeType="tmRoot"/>
+      </p:par>
+    </p:tnLst>
+  </p:timing>
+</p:sld>
+</file>
+
+<file path=ppt/slides/slide14.xml><?xml version="1.0" encoding="utf-8"?>
+<p:sld xmlns:a="http://schemas.openxmlformats.org/drawingml/2006/main" xmlns:r="http://schemas.openxmlformats.org/officeDocument/2006/relationships" xmlns:p="http://schemas.openxmlformats.org/presentationml/2006/main">
+  <p:cSld>
+    <p:spTree>
+      <p:nvGrpSpPr>
+        <p:cNvPr id="1" name=""/>
+        <p:cNvGrpSpPr/>
+        <p:nvPr/>
+      </p:nvGrpSpPr>
+      <p:grpSpPr>
+        <a:xfrm>
+          <a:off x="0" y="0"/>
+          <a:ext cx="0" cy="0"/>
+          <a:chOff x="0" y="0"/>
+          <a:chExt cx="0" cy="0"/>
+        </a:xfrm>
+      </p:grpSpPr>
+      <p:sp>
+        <p:nvSpPr>
+          <p:cNvPr id="2" name="Title 1"/>
+          <p:cNvSpPr>
+            <a:spLocks noGrp="1"/>
+          </p:cNvSpPr>
+          <p:nvPr>
+            <p:ph type="title" idx="4294967295"/>
+          </p:nvPr>
+        </p:nvSpPr>
+        <p:spPr>
+          <a:xfrm>
+            <a:off x="1295400" y="220718"/>
+            <a:ext cx="9601200" cy="1576552"/>
+          </a:xfrm>
+        </p:spPr>
+        <p:txBody>
+          <a:bodyPr>
+            <a:normAutofit/>
+          </a:bodyPr>
+          <a:lstStyle/>
+          <a:p>
+            <a:r>
+              <a:rPr lang="en-US" sz="3200" dirty="0" smtClean="0"/>
+              <a:t>Top revenue generating Job codes</a:t>
+            </a:r>
+            <a:endParaRPr lang="en-US" sz="3200" dirty="0"/>
+          </a:p>
+        </p:txBody>
+      </p:sp>
+      <p:sp>
+        <p:nvSpPr>
+          <p:cNvPr id="3" name="Content Placeholder 2"/>
+          <p:cNvSpPr>
+            <a:spLocks noGrp="1"/>
+          </p:cNvSpPr>
+          <p:nvPr>
+            <p:ph idx="4294967295"/>
+          </p:nvPr>
+        </p:nvSpPr>
+        <p:spPr>
+          <a:xfrm>
+            <a:off x="851338" y="1718429"/>
+            <a:ext cx="10562896" cy="4382826"/>
+          </a:xfrm>
+        </p:spPr>
+        <p:txBody>
+          <a:bodyPr>
+            <a:normAutofit/>
+          </a:bodyPr>
+          <a:lstStyle/>
+          <a:p>
+            <a:pPr marL="0" indent="0">
+              <a:buNone/>
+            </a:pPr>
+            <a:endParaRPr lang="en-US" dirty="0" smtClean="0"/>
+          </a:p>
+          <a:p>
+            <a:pPr marL="0" indent="0">
+              <a:buNone/>
+            </a:pPr>
+            <a:endParaRPr lang="en-US" dirty="0"/>
+          </a:p>
+        </p:txBody>
+      </p:sp>
+      <p:cxnSp>
+        <p:nvCxnSpPr>
+          <p:cNvPr id="5" name="Straight Connector 4"/>
+          <p:cNvCxnSpPr/>
+          <p:nvPr/>
+        </p:nvCxnSpPr>
+        <p:spPr>
+          <a:xfrm>
+            <a:off x="1481959" y="1513482"/>
+            <a:ext cx="9285889" cy="0"/>
+          </a:xfrm>
+          <a:prstGeom prst="line">
+            <a:avLst/>
+          </a:prstGeom>
+        </p:spPr>
+        <p:style>
+          <a:lnRef idx="1">
+            <a:schemeClr val="accent1"/>
+          </a:lnRef>
+          <a:fillRef idx="0">
+            <a:schemeClr val="accent1"/>
+          </a:fillRef>
+          <a:effectRef idx="0">
+            <a:schemeClr val="accent1"/>
+          </a:effectRef>
+          <a:fontRef idx="minor">
+            <a:schemeClr val="tx1"/>
+          </a:fontRef>
+        </p:style>
+      </p:cxnSp>
+      <p:sp>
+        <p:nvSpPr>
+          <p:cNvPr id="11" name="TextBox 10"/>
+          <p:cNvSpPr txBox="1"/>
+          <p:nvPr/>
+        </p:nvSpPr>
+        <p:spPr>
+          <a:xfrm>
+            <a:off x="1481959" y="5733114"/>
+            <a:ext cx="9285889" cy="369332"/>
+          </a:xfrm>
+          <a:prstGeom prst="rect">
+            <a:avLst/>
+          </a:prstGeom>
+        </p:spPr>
+        <p:style>
+          <a:lnRef idx="2">
+            <a:schemeClr val="dk1"/>
+          </a:lnRef>
+          <a:fillRef idx="1">
+            <a:schemeClr val="lt1"/>
+          </a:fillRef>
+          <a:effectRef idx="0">
+            <a:schemeClr val="dk1"/>
+          </a:effectRef>
+          <a:fontRef idx="minor">
+            <a:schemeClr val="dk1"/>
+          </a:fontRef>
+        </p:style>
+        <p:txBody>
+          <a:bodyPr wrap="square" rtlCol="0">
+            <a:spAutoFit/>
+          </a:bodyPr>
+          <a:lstStyle/>
+          <a:p>
+            <a:pPr algn="ctr"/>
+            <a:r>
+              <a:rPr lang="en-US" b="1" dirty="0" smtClean="0"/>
+              <a:t>86% of total revenue belongs to above codes</a:t>
+            </a:r>
+            <a:endParaRPr lang="en-US" b="1" dirty="0">
+              <a:ln w="9525">
+                <a:noFill/>
+                <a:prstDash val="solid"/>
+              </a:ln>
+              <a:solidFill>
+                <a:srgbClr val="92D050"/>
+              </a:solidFill>
+              <a:effectLst>
+                <a:outerShdw blurRad="12700" dist="38100" dir="2700000" algn="tl" rotWithShape="0">
+                  <a:schemeClr val="bg1">
+                    <a:lumMod val="50000"/>
+                  </a:schemeClr>
+                </a:outerShdw>
+              </a:effectLst>
+            </a:endParaRPr>
+          </a:p>
+        </p:txBody>
+      </p:sp>
+      <p:pic>
+        <p:nvPicPr>
+          <p:cNvPr id="20" name="Picture 19"/>
+          <p:cNvPicPr>
+            <a:picLocks noChangeAspect="1"/>
+          </p:cNvPicPr>
+          <p:nvPr/>
+        </p:nvPicPr>
+        <p:blipFill>
+          <a:blip r:embed="rId2"/>
+          <a:stretch>
+            <a:fillRect/>
+          </a:stretch>
+        </p:blipFill>
+        <p:spPr>
+          <a:xfrm>
+            <a:off x="1447800" y="1494565"/>
+            <a:ext cx="9320048" cy="4229100"/>
+          </a:xfrm>
+          <a:prstGeom prst="rect">
+            <a:avLst/>
+          </a:prstGeom>
+        </p:spPr>
+      </p:pic>
+    </p:spTree>
+    <p:extLst>
+      <p:ext uri="{BB962C8B-B14F-4D97-AF65-F5344CB8AC3E}">
+        <p14:creationId xmlns:p14="http://schemas.microsoft.com/office/powerpoint/2010/main" val="987059619"/>
+      </p:ext>
+    </p:extLst>
+  </p:cSld>
+  <p:clrMapOvr>
+    <a:masterClrMapping/>
+  </p:clrMapOvr>
+  <mc:AlternateContent xmlns:mc="http://schemas.openxmlformats.org/markup-compatibility/2006">
+    <mc:Choice xmlns:p14="http://schemas.microsoft.com/office/powerpoint/2010/main" Requires="p14">
+      <p:transition p14:dur="0"/>
+    </mc:Choice>
+    <mc:Fallback>
+      <p:transition/>
+    </mc:Fallback>
+  </mc:AlternateContent>
+  <p:timing>
+    <p:tnLst>
+      <p:par>
+        <p:cTn id="1" dur="indefinite" restart="never" nodeType="tmRoot"/>
+      </p:par>
+    </p:tnLst>
+  </p:timing>
+</p:sld>
+</file>
+
+<file path=ppt/slides/slide15.xml><?xml version="1.0" encoding="utf-8"?>
+<p:sld xmlns:a="http://schemas.openxmlformats.org/drawingml/2006/main" xmlns:r="http://schemas.openxmlformats.org/officeDocument/2006/relationships" xmlns:p="http://schemas.openxmlformats.org/presentationml/2006/main">
+  <p:cSld>
+    <p:spTree>
+      <p:nvGrpSpPr>
+        <p:cNvPr id="1" name=""/>
+        <p:cNvGrpSpPr/>
+        <p:nvPr/>
+      </p:nvGrpSpPr>
+      <p:grpSpPr>
+        <a:xfrm>
+          <a:off x="0" y="0"/>
+          <a:ext cx="0" cy="0"/>
+          <a:chOff x="0" y="0"/>
+          <a:chExt cx="0" cy="0"/>
+        </a:xfrm>
+      </p:grpSpPr>
+      <p:sp>
+        <p:nvSpPr>
+          <p:cNvPr id="2" name="Title 1"/>
+          <p:cNvSpPr>
+            <a:spLocks noGrp="1"/>
+          </p:cNvSpPr>
+          <p:nvPr>
             <p:ph type="ctrTitle"/>
           </p:nvPr>
         </p:nvSpPr>
@@ -7461,7 +8002,7 @@
 </p:sld>
 </file>
 
-<file path=ppt/slides/slide14.xml><?xml version="1.0" encoding="utf-8"?>
+<file path=ppt/slides/slide16.xml><?xml version="1.0" encoding="utf-8"?>
 <p:sld xmlns:a="http://schemas.openxmlformats.org/drawingml/2006/main" xmlns:r="http://schemas.openxmlformats.org/officeDocument/2006/relationships" xmlns:p="http://schemas.openxmlformats.org/presentationml/2006/main">
   <p:cSld>
     <p:spTree>
@@ -11226,7 +11767,7 @@
 </p:sld>
 </file>
 
-<file path=ppt/slides/slide15.xml><?xml version="1.0" encoding="utf-8"?>
+<file path=ppt/slides/slide17.xml><?xml version="1.0" encoding="utf-8"?>
 <p:sld xmlns:a="http://schemas.openxmlformats.org/drawingml/2006/main" xmlns:r="http://schemas.openxmlformats.org/officeDocument/2006/relationships" xmlns:p="http://schemas.openxmlformats.org/presentationml/2006/main">
   <p:cSld>
     <p:spTree>
@@ -11808,7 +12349,7 @@
 </p:sld>
 </file>
 
-<file path=ppt/slides/slide16.xml><?xml version="1.0" encoding="utf-8"?>
+<file path=ppt/slides/slide18.xml><?xml version="1.0" encoding="utf-8"?>
 <p:sld xmlns:a="http://schemas.openxmlformats.org/drawingml/2006/main" xmlns:r="http://schemas.openxmlformats.org/officeDocument/2006/relationships" xmlns:p="http://schemas.openxmlformats.org/presentationml/2006/main">
   <p:cSld>
     <p:spTree>
@@ -11890,7 +12431,7 @@
 </p:sld>
 </file>
 
-<file path=ppt/slides/slide17.xml><?xml version="1.0" encoding="utf-8"?>
+<file path=ppt/slides/slide19.xml><?xml version="1.0" encoding="utf-8"?>
 <p:sld xmlns:a="http://schemas.openxmlformats.org/drawingml/2006/main" xmlns:r="http://schemas.openxmlformats.org/officeDocument/2006/relationships" xmlns:p="http://schemas.openxmlformats.org/presentationml/2006/main">
   <p:cSld>
     <p:spTree>
@@ -12112,7 +12653,167 @@
 </p:sld>
 </file>
 
-<file path=ppt/slides/slide18.xml><?xml version="1.0" encoding="utf-8"?>
+<file path=ppt/slides/slide2.xml><?xml version="1.0" encoding="utf-8"?>
+<p:sld xmlns:a="http://schemas.openxmlformats.org/drawingml/2006/main" xmlns:r="http://schemas.openxmlformats.org/officeDocument/2006/relationships" xmlns:p="http://schemas.openxmlformats.org/presentationml/2006/main">
+  <p:cSld>
+    <p:spTree>
+      <p:nvGrpSpPr>
+        <p:cNvPr id="1" name=""/>
+        <p:cNvGrpSpPr/>
+        <p:nvPr/>
+      </p:nvGrpSpPr>
+      <p:grpSpPr>
+        <a:xfrm>
+          <a:off x="0" y="0"/>
+          <a:ext cx="0" cy="0"/>
+          <a:chOff x="0" y="0"/>
+          <a:chExt cx="0" cy="0"/>
+        </a:xfrm>
+      </p:grpSpPr>
+      <p:sp>
+        <p:nvSpPr>
+          <p:cNvPr id="2" name="Title 1"/>
+          <p:cNvSpPr>
+            <a:spLocks noGrp="1"/>
+          </p:cNvSpPr>
+          <p:nvPr>
+            <p:ph type="title"/>
+          </p:nvPr>
+        </p:nvSpPr>
+        <p:spPr/>
+        <p:txBody>
+          <a:bodyPr/>
+          <a:lstStyle/>
+          <a:p>
+            <a:pPr algn="l"/>
+            <a:r>
+              <a:rPr lang="en-US" dirty="0" smtClean="0"/>
+              <a:t>INDEX</a:t>
+            </a:r>
+            <a:endParaRPr lang="en-US" dirty="0"/>
+          </a:p>
+        </p:txBody>
+      </p:sp>
+      <p:sp>
+        <p:nvSpPr>
+          <p:cNvPr id="3" name="Content Placeholder 2"/>
+          <p:cNvSpPr>
+            <a:spLocks noGrp="1"/>
+          </p:cNvSpPr>
+          <p:nvPr>
+            <p:ph idx="1"/>
+          </p:nvPr>
+        </p:nvSpPr>
+        <p:spPr/>
+        <p:txBody>
+          <a:bodyPr>
+            <a:normAutofit fontScale="92500" lnSpcReduction="20000"/>
+          </a:bodyPr>
+          <a:lstStyle/>
+          <a:p>
+            <a:r>
+              <a:rPr lang="en-US" dirty="0" smtClean="0"/>
+              <a:t>Objective</a:t>
+            </a:r>
+          </a:p>
+          <a:p>
+            <a:r>
+              <a:rPr lang="en-US" dirty="0" smtClean="0"/>
+              <a:t>Executive Summary and key findings</a:t>
+            </a:r>
+          </a:p>
+          <a:p>
+            <a:r>
+              <a:rPr lang="en-US" dirty="0"/>
+              <a:t>E</a:t>
+            </a:r>
+            <a:r>
+              <a:rPr lang="en-US" dirty="0" smtClean="0"/>
+              <a:t>xploratory Analysis</a:t>
+            </a:r>
+          </a:p>
+          <a:p>
+            <a:r>
+              <a:rPr lang="en-US" dirty="0" smtClean="0"/>
+              <a:t>Branch-wise </a:t>
+            </a:r>
+            <a:r>
+              <a:rPr lang="en-US" dirty="0"/>
+              <a:t>A</a:t>
+            </a:r>
+            <a:r>
+              <a:rPr lang="en-US" dirty="0" smtClean="0"/>
+              <a:t>nalysis</a:t>
+            </a:r>
+          </a:p>
+          <a:p>
+            <a:r>
+              <a:rPr lang="en-US" dirty="0" smtClean="0"/>
+              <a:t>Job Ranking and Delisting</a:t>
+            </a:r>
+            <a:endParaRPr lang="en-US" b="1" dirty="0" smtClean="0"/>
+          </a:p>
+          <a:p>
+            <a:r>
+              <a:rPr lang="en-US" dirty="0" smtClean="0"/>
+              <a:t>Sales/Demand </a:t>
+            </a:r>
+            <a:r>
+              <a:rPr lang="en-US" dirty="0"/>
+              <a:t>F</a:t>
+            </a:r>
+            <a:r>
+              <a:rPr lang="en-US" dirty="0" smtClean="0"/>
+              <a:t>orecasting</a:t>
+            </a:r>
+          </a:p>
+          <a:p>
+            <a:r>
+              <a:rPr lang="en-US" dirty="0" smtClean="0"/>
+              <a:t>Annual Maintenance </a:t>
+            </a:r>
+            <a:r>
+              <a:rPr lang="en-US" dirty="0"/>
+              <a:t>P</a:t>
+            </a:r>
+            <a:r>
+              <a:rPr lang="en-US" dirty="0" smtClean="0"/>
+              <a:t>rogram and Target Marketing</a:t>
+            </a:r>
+          </a:p>
+          <a:p>
+            <a:r>
+              <a:rPr lang="en-US" dirty="0"/>
+              <a:t>Conclusion/Recommendation</a:t>
+            </a:r>
+            <a:endParaRPr lang="en-US" dirty="0" smtClean="0"/>
+          </a:p>
+          <a:p>
+            <a:endParaRPr lang="en-US" dirty="0"/>
+          </a:p>
+        </p:txBody>
+      </p:sp>
+    </p:spTree>
+    <p:extLst>
+      <p:ext uri="{BB962C8B-B14F-4D97-AF65-F5344CB8AC3E}">
+        <p14:creationId xmlns:p14="http://schemas.microsoft.com/office/powerpoint/2010/main" val="1034949299"/>
+      </p:ext>
+    </p:extLst>
+  </p:cSld>
+  <p:clrMapOvr>
+    <a:masterClrMapping/>
+  </p:clrMapOvr>
+  <p:timing>
+    <p:tnLst>
+      <p:par>
+        <p:cTn id="1" dur="indefinite" restart="never" nodeType="tmRoot"/>
+      </p:par>
+    </p:tnLst>
+  </p:timing>
+</p:sld>
+</file>
+
+<file path=ppt/slides/slide20.xml><?xml version="1.0" encoding="utf-8"?>
 <p:sld xmlns:a="http://schemas.openxmlformats.org/drawingml/2006/main" xmlns:r="http://schemas.openxmlformats.org/officeDocument/2006/relationships" xmlns:p="http://schemas.openxmlformats.org/presentationml/2006/main">
   <p:cSld>
     <p:spTree>
@@ -12338,7 +13039,7 @@
 </p:sld>
 </file>
 
-<file path=ppt/slides/slide19.xml><?xml version="1.0" encoding="utf-8"?>
+<file path=ppt/slides/slide21.xml><?xml version="1.0" encoding="utf-8"?>
 <p:sld xmlns:a="http://schemas.openxmlformats.org/drawingml/2006/main" xmlns:r="http://schemas.openxmlformats.org/officeDocument/2006/relationships" xmlns:p="http://schemas.openxmlformats.org/presentationml/2006/main">
   <p:cSld>
     <p:spTree>
@@ -12425,174 +13126,7 @@
 </p:sld>
 </file>
 
-<file path=ppt/slides/slide2.xml><?xml version="1.0" encoding="utf-8"?>
-<p:sld xmlns:a="http://schemas.openxmlformats.org/drawingml/2006/main" xmlns:r="http://schemas.openxmlformats.org/officeDocument/2006/relationships" xmlns:p="http://schemas.openxmlformats.org/presentationml/2006/main">
-  <p:cSld>
-    <p:spTree>
-      <p:nvGrpSpPr>
-        <p:cNvPr id="1" name=""/>
-        <p:cNvGrpSpPr/>
-        <p:nvPr/>
-      </p:nvGrpSpPr>
-      <p:grpSpPr>
-        <a:xfrm>
-          <a:off x="0" y="0"/>
-          <a:ext cx="0" cy="0"/>
-          <a:chOff x="0" y="0"/>
-          <a:chExt cx="0" cy="0"/>
-        </a:xfrm>
-      </p:grpSpPr>
-      <p:sp>
-        <p:nvSpPr>
-          <p:cNvPr id="2" name="Title 1"/>
-          <p:cNvSpPr>
-            <a:spLocks noGrp="1"/>
-          </p:cNvSpPr>
-          <p:nvPr>
-            <p:ph type="title"/>
-          </p:nvPr>
-        </p:nvSpPr>
-        <p:spPr/>
-        <p:txBody>
-          <a:bodyPr/>
-          <a:lstStyle/>
-          <a:p>
-            <a:pPr algn="l"/>
-            <a:r>
-              <a:rPr lang="en-US" dirty="0" smtClean="0"/>
-              <a:t>INDEX</a:t>
-            </a:r>
-            <a:endParaRPr lang="en-US" dirty="0"/>
-          </a:p>
-        </p:txBody>
-      </p:sp>
-      <p:sp>
-        <p:nvSpPr>
-          <p:cNvPr id="3" name="Content Placeholder 2"/>
-          <p:cNvSpPr>
-            <a:spLocks noGrp="1"/>
-          </p:cNvSpPr>
-          <p:nvPr>
-            <p:ph idx="1"/>
-          </p:nvPr>
-        </p:nvSpPr>
-        <p:spPr/>
-        <p:txBody>
-          <a:bodyPr>
-            <a:normAutofit fontScale="92500" lnSpcReduction="20000"/>
-          </a:bodyPr>
-          <a:lstStyle/>
-          <a:p>
-            <a:r>
-              <a:rPr lang="en-US" dirty="0" smtClean="0"/>
-              <a:t>Objective</a:t>
-            </a:r>
-          </a:p>
-          <a:p>
-            <a:r>
-              <a:rPr lang="en-US" dirty="0" smtClean="0"/>
-              <a:t>Executive Summary and key findings</a:t>
-            </a:r>
-          </a:p>
-          <a:p>
-            <a:r>
-              <a:rPr lang="en-US" dirty="0"/>
-              <a:t>E</a:t>
-            </a:r>
-            <a:r>
-              <a:rPr lang="en-US" dirty="0" smtClean="0"/>
-              <a:t>xploratory </a:t>
-            </a:r>
-            <a:r>
-              <a:rPr lang="en-US" dirty="0" smtClean="0"/>
-              <a:t>Analysis</a:t>
-            </a:r>
-            <a:endParaRPr lang="en-US" dirty="0" smtClean="0"/>
-          </a:p>
-          <a:p>
-            <a:r>
-              <a:rPr lang="en-US" dirty="0" smtClean="0"/>
-              <a:t>Branch-wise </a:t>
-            </a:r>
-            <a:r>
-              <a:rPr lang="en-US" dirty="0"/>
-              <a:t>A</a:t>
-            </a:r>
-            <a:r>
-              <a:rPr lang="en-US" dirty="0" smtClean="0"/>
-              <a:t>nalysis</a:t>
-            </a:r>
-            <a:endParaRPr lang="en-US" dirty="0" smtClean="0"/>
-          </a:p>
-          <a:p>
-            <a:r>
-              <a:rPr lang="en-US" dirty="0" smtClean="0"/>
-              <a:t>Job Ranking and Delisting</a:t>
-            </a:r>
-            <a:endParaRPr lang="en-US" b="1" dirty="0" smtClean="0"/>
-          </a:p>
-          <a:p>
-            <a:r>
-              <a:rPr lang="en-US" dirty="0" smtClean="0"/>
-              <a:t>Sales/Demand </a:t>
-            </a:r>
-            <a:r>
-              <a:rPr lang="en-US" dirty="0"/>
-              <a:t>F</a:t>
-            </a:r>
-            <a:r>
-              <a:rPr lang="en-US" dirty="0" smtClean="0"/>
-              <a:t>orecasting</a:t>
-            </a:r>
-          </a:p>
-          <a:p>
-            <a:r>
-              <a:rPr lang="en-US" dirty="0" smtClean="0"/>
-              <a:t>Annual Maintenance </a:t>
-            </a:r>
-            <a:r>
-              <a:rPr lang="en-US" dirty="0"/>
-              <a:t>P</a:t>
-            </a:r>
-            <a:r>
-              <a:rPr lang="en-US" dirty="0" smtClean="0"/>
-              <a:t>rogram and Target Marketing</a:t>
-            </a:r>
-            <a:endParaRPr lang="en-US" dirty="0" smtClean="0"/>
-          </a:p>
-          <a:p>
-            <a:r>
-              <a:rPr lang="en-US" dirty="0"/>
-              <a:t>Conclusion/Recommendation</a:t>
-            </a:r>
-            <a:endParaRPr lang="en-US" dirty="0" smtClean="0"/>
-          </a:p>
-          <a:p>
-            <a:endParaRPr lang="en-US" dirty="0"/>
-          </a:p>
-        </p:txBody>
-      </p:sp>
-    </p:spTree>
-    <p:extLst>
-      <p:ext uri="{BB962C8B-B14F-4D97-AF65-F5344CB8AC3E}">
-        <p14:creationId xmlns:p14="http://schemas.microsoft.com/office/powerpoint/2010/main" val="1034949299"/>
-      </p:ext>
-    </p:extLst>
-  </p:cSld>
-  <p:clrMapOvr>
-    <a:masterClrMapping/>
-  </p:clrMapOvr>
-  <p:timing>
-    <p:tnLst>
-      <p:par>
-        <p:cTn id="1" dur="indefinite" restart="never" nodeType="tmRoot"/>
-      </p:par>
-    </p:tnLst>
-  </p:timing>
-</p:sld>
-</file>
-
-<file path=ppt/slides/slide20.xml><?xml version="1.0" encoding="utf-8"?>
+<file path=ppt/slides/slide22.xml><?xml version="1.0" encoding="utf-8"?>
 <p:sld xmlns:a="http://schemas.openxmlformats.org/drawingml/2006/main" xmlns:r="http://schemas.openxmlformats.org/officeDocument/2006/relationships" xmlns:p="http://schemas.openxmlformats.org/presentationml/2006/main">
   <p:cSld>
     <p:spTree>
@@ -12882,7 +13416,7 @@
 </p:sld>
 </file>
 
-<file path=ppt/slides/slide21.xml><?xml version="1.0" encoding="utf-8"?>
+<file path=ppt/slides/slide23.xml><?xml version="1.0" encoding="utf-8"?>
 <p:sld xmlns:a="http://schemas.openxmlformats.org/drawingml/2006/main" xmlns:r="http://schemas.openxmlformats.org/officeDocument/2006/relationships" xmlns:p="http://schemas.openxmlformats.org/presentationml/2006/main">
   <p:cSld>
     <p:spTree>
@@ -14899,7 +15433,7 @@
 </p:sld>
 </file>
 
-<file path=ppt/slides/slide22.xml><?xml version="1.0" encoding="utf-8"?>
+<file path=ppt/slides/slide24.xml><?xml version="1.0" encoding="utf-8"?>
 <p:sld xmlns:a="http://schemas.openxmlformats.org/drawingml/2006/main" xmlns:r="http://schemas.openxmlformats.org/officeDocument/2006/relationships" xmlns:p="http://schemas.openxmlformats.org/presentationml/2006/main">
   <p:cSld>
     <p:spTree>
@@ -15125,7 +15659,7 @@
 </p:sld>
 </file>
 
-<file path=ppt/slides/slide23.xml><?xml version="1.0" encoding="utf-8"?>
+<file path=ppt/slides/slide25.xml><?xml version="1.0" encoding="utf-8"?>
 <p:sld xmlns:a="http://schemas.openxmlformats.org/drawingml/2006/main" xmlns:r="http://schemas.openxmlformats.org/officeDocument/2006/relationships" xmlns:p="http://schemas.openxmlformats.org/presentationml/2006/main">
   <p:cSld>
     <p:spTree>
@@ -15245,7 +15779,7 @@
 </p:sld>
 </file>
 
-<file path=ppt/slides/slide24.xml><?xml version="1.0" encoding="utf-8"?>
+<file path=ppt/slides/slide26.xml><?xml version="1.0" encoding="utf-8"?>
 <p:sld xmlns:a="http://schemas.openxmlformats.org/drawingml/2006/main" xmlns:r="http://schemas.openxmlformats.org/officeDocument/2006/relationships" xmlns:p="http://schemas.openxmlformats.org/presentationml/2006/main">
   <p:cSld>
     <p:spTree>
@@ -15365,11 +15899,7 @@
             </a:r>
             <a:r>
               <a:rPr lang="en-US" dirty="0"/>
-              <a:t>owner of </a:t>
-            </a:r>
-            <a:r>
-              <a:rPr lang="en-US" dirty="0"/>
-              <a:t>Plumbing &amp; Drain Service company (PDS) </a:t>
+              <a:t>owner of Plumbing &amp; Drain Service company (PDS) </a:t>
             </a:r>
             <a:r>
               <a:rPr lang="en-US" dirty="0" smtClean="0"/>
@@ -15389,19 +15919,7 @@
             </a:r>
             <a:r>
               <a:rPr lang="en-US" dirty="0" smtClean="0"/>
-              <a:t>his business increase </a:t>
-            </a:r>
-            <a:r>
-              <a:rPr lang="en-US" dirty="0" smtClean="0"/>
-              <a:t>their </a:t>
-            </a:r>
-            <a:r>
-              <a:rPr lang="en-US" dirty="0" smtClean="0"/>
-              <a:t>revenues, build customer base, control customer churn, forecast calls and services, </a:t>
-            </a:r>
-            <a:r>
-              <a:rPr lang="en-US" dirty="0" smtClean="0"/>
-              <a:t>launch </a:t>
+              <a:t>his business increase their revenues, build customer base, control customer churn, forecast calls and services, launch </a:t>
             </a:r>
             <a:r>
               <a:rPr lang="en-US" dirty="0"/>
@@ -15425,15 +15943,7 @@
             </a:r>
             <a:r>
               <a:rPr lang="en-US" dirty="0" smtClean="0"/>
-              <a:t>rogram </a:t>
-            </a:r>
-            <a:r>
-              <a:rPr lang="en-US" dirty="0" smtClean="0"/>
-              <a:t>for </a:t>
-            </a:r>
-            <a:r>
-              <a:rPr lang="en-US" dirty="0" smtClean="0"/>
-              <a:t>customers and target marketing. </a:t>
+              <a:t>rogram for customers and target marketing. </a:t>
             </a:r>
             <a:endParaRPr lang="en-US" dirty="0"/>
           </a:p>
@@ -15517,7 +16027,6 @@
               <a:rPr lang="en-US" dirty="0"/>
               <a:t>Plumbing Business Analysis </a:t>
             </a:r>
-            <a:endParaRPr lang="en-US" dirty="0"/>
           </a:p>
         </p:txBody>
       </p:sp>
@@ -15602,11 +16111,7 @@
           <a:p>
             <a:r>
               <a:rPr lang="en-US" sz="2200" b="1" dirty="0" smtClean="0"/>
-              <a:t>Three</a:t>
-            </a:r>
-            <a:r>
-              <a:rPr lang="en-US" sz="2200" b="1" dirty="0" smtClean="0"/>
-              <a:t>-year </a:t>
+              <a:t>Three-year </a:t>
             </a:r>
             <a:r>
               <a:rPr lang="en-US" sz="2200" b="1" dirty="0"/>
@@ -15690,16 +16195,32 @@
               <a:t> – </a:t>
             </a:r>
             <a:r>
+              <a:rPr lang="en-US" sz="2200" b="1" dirty="0" smtClean="0"/>
+              <a:t>Mondays make more business </a:t>
+            </a:r>
+            <a:r>
+              <a:rPr lang="en-US" sz="2200" dirty="0" smtClean="0"/>
+              <a:t>compared </a:t>
+            </a:r>
+            <a:r>
               <a:rPr lang="en-US" sz="2200" dirty="0"/>
-              <a:t>Mondays </a:t>
+              <a:t>to other days of week </a:t>
             </a:r>
             <a:r>
               <a:rPr lang="en-US" sz="2200" dirty="0" smtClean="0"/>
-              <a:t>make more business compared </a:t>
+              <a:t>(</a:t>
+            </a:r>
+            <a:r>
+              <a:rPr lang="en-US" sz="2200" b="1" dirty="0" smtClean="0"/>
+              <a:t>on </a:t>
+            </a:r>
+            <a:r>
+              <a:rPr lang="en-US" sz="2200" b="1" dirty="0"/>
+              <a:t>avg. 37% more</a:t>
             </a:r>
             <a:r>
               <a:rPr lang="en-US" sz="2200" dirty="0"/>
-              <a:t>to other days of week (On avg. 37% more </a:t>
+              <a:t> </a:t>
             </a:r>
             <a:r>
               <a:rPr lang="en-US" sz="2200" dirty="0" smtClean="0"/>
@@ -15724,7 +16245,15 @@
             </a:r>
             <a:r>
               <a:rPr lang="en-US" sz="2200" b="1" dirty="0" smtClean="0"/>
-              <a:t>Morning from 7AM till late afternoon sees </a:t>
+              <a:t>Morning from 7AM till late afternoon </a:t>
+            </a:r>
+            <a:r>
+              <a:rPr lang="en-US" sz="2200" dirty="0" smtClean="0"/>
+              <a:t>sees</a:t>
+            </a:r>
+            <a:r>
+              <a:rPr lang="en-US" sz="2200" b="1" dirty="0" smtClean="0"/>
+              <a:t> </a:t>
             </a:r>
             <a:r>
               <a:rPr lang="en-US" sz="2200" b="1" dirty="0"/>
@@ -15740,15 +16269,7 @@
             </a:r>
             <a:r>
               <a:rPr lang="en-US" sz="2200" b="1" dirty="0" smtClean="0"/>
-              <a:t>(82%  	    of </a:t>
-            </a:r>
-            <a:r>
-              <a:rPr lang="en-US" sz="2200" b="1" dirty="0" smtClean="0"/>
-              <a:t>total </a:t>
-            </a:r>
-            <a:r>
-              <a:rPr lang="en-US" sz="2200" b="1" dirty="0" smtClean="0"/>
-              <a:t>calls</a:t>
+              <a:t>(82%  	    of total calls</a:t>
             </a:r>
             <a:r>
               <a:rPr lang="en-US" sz="2200" dirty="0" smtClean="0"/>
@@ -15774,11 +16295,7 @@
             </a:r>
             <a:r>
               <a:rPr lang="en-US" sz="2200" b="1" dirty="0" smtClean="0"/>
-              <a:t>Almost </a:t>
-            </a:r>
-            <a:r>
-              <a:rPr lang="en-US" sz="2200" b="1" dirty="0" smtClean="0"/>
-              <a:t>42%</a:t>
+              <a:t>Almost 42%</a:t>
             </a:r>
             <a:r>
               <a:rPr lang="en-US" sz="2200" dirty="0" smtClean="0"/>
@@ -15786,11 +16303,7 @@
             </a:r>
             <a:r>
               <a:rPr lang="en-US" sz="2200" b="1" dirty="0" smtClean="0"/>
-              <a:t>of total </a:t>
-            </a:r>
-            <a:r>
-              <a:rPr lang="en-US" sz="2200" b="1" dirty="0" smtClean="0"/>
-              <a:t>calls/revenue </a:t>
+              <a:t>of total calls/revenue </a:t>
             </a:r>
             <a:r>
               <a:rPr lang="en-US" sz="2200" dirty="0" smtClean="0"/>
@@ -15942,10 +16455,22 @@
               <a:buNone/>
             </a:pPr>
             <a:r>
+              <a:rPr lang="en-GB" dirty="0"/>
+              <a:t>&gt; </a:t>
+            </a:r>
+            <a:r>
+              <a:rPr lang="en-US" b="1" dirty="0" smtClean="0"/>
+              <a:t>57 % of total service calls</a:t>
+            </a:r>
+            <a:r>
               <a:rPr lang="en-US" dirty="0" smtClean="0"/>
-              <a:t>Work in progress ---------</a:t>
-            </a:r>
-            <a:endParaRPr lang="en-US" dirty="0"/>
+              <a:t> across branches/states is </a:t>
+            </a:r>
+            <a:r>
+              <a:rPr lang="en-US" b="1" dirty="0" smtClean="0"/>
+              <a:t>by Customer type 1</a:t>
+            </a:r>
+            <a:endParaRPr lang="en-GB" b="1" dirty="0"/>
           </a:p>
         </p:txBody>
       </p:sp>
@@ -16124,11 +16649,11 @@
   <p:clrMapOvr>
     <a:masterClrMapping/>
   </p:clrMapOvr>
-  <mc:AlternateContent xmlns:mc="http://schemas.openxmlformats.org/markup-compatibility/2006">
-    <mc:Choice xmlns:p14="http://schemas.microsoft.com/office/powerpoint/2010/main" Requires="p14">
+  <mc:AlternateContent xmlns:mc="http://schemas.openxmlformats.org/markup-compatibility/2006" xmlns:p14="http://schemas.microsoft.com/office/powerpoint/2010/main">
+    <mc:Choice Requires="p14">
       <p:transition p14:dur="0"/>
     </mc:Choice>
-    <mc:Fallback>
+    <mc:Fallback xmlns="">
       <p:transition/>
     </mc:Fallback>
   </mc:AlternateContent>
@@ -16201,7 +16726,6 @@
               <a:rPr lang="en-US" dirty="0"/>
               <a:t>Plumbing Business Analysis </a:t>
             </a:r>
-            <a:endParaRPr lang="en-US" dirty="0"/>
           </a:p>
         </p:txBody>
       </p:sp>
@@ -16215,6 +16739,13 @@
   <p:clrMapOvr>
     <a:masterClrMapping/>
   </p:clrMapOvr>
+  <p:timing>
+    <p:tnLst>
+      <p:par>
+        <p:cTn id="1" dur="indefinite" restart="never" nodeType="tmRoot"/>
+      </p:par>
+    </p:tnLst>
+  </p:timing>
 </p:sld>
 </file>
 
@@ -16368,11 +16899,7 @@
             <a:pPr algn="ctr"/>
             <a:r>
               <a:rPr lang="en-US" dirty="0" smtClean="0"/>
-              <a:t>Years </a:t>
-            </a:r>
-            <a:r>
-              <a:rPr lang="en-US" dirty="0" smtClean="0"/>
-              <a:t>total :</a:t>
+              <a:t>Years total :</a:t>
             </a:r>
             <a:r>
               <a:rPr lang="en-US" b="1" dirty="0" smtClean="0">
@@ -16419,7 +16946,7 @@
                   <a:prstDash val="solid"/>
                 </a:ln>
                 <a:solidFill>
-                  <a:srgbClr val="FFC000"/>
+                  <a:schemeClr val="accent6"/>
                 </a:solidFill>
                 <a:effectLst>
                   <a:outerShdw blurRad="12700" dist="38100" dir="2700000" algn="tl" rotWithShape="0">
@@ -16439,7 +16966,7 @@
                   <a:prstDash val="solid"/>
                 </a:ln>
                 <a:solidFill>
-                  <a:srgbClr val="FFC000"/>
+                  <a:schemeClr val="accent6"/>
                 </a:solidFill>
                 <a:effectLst>
                   <a:outerShdw blurRad="12700" dist="38100" dir="2700000" algn="tl" rotWithShape="0">
@@ -16458,7 +16985,7 @@
                 <a:prstDash val="solid"/>
               </a:ln>
               <a:solidFill>
-                <a:srgbClr val="92D050"/>
+                <a:schemeClr val="accent6"/>
               </a:solidFill>
               <a:effectLst>
                 <a:outerShdw blurRad="12700" dist="38100" dir="2700000" algn="tl" rotWithShape="0">
@@ -16473,7 +17000,7 @@
       </p:sp>
       <p:pic>
         <p:nvPicPr>
-          <p:cNvPr id="7" name="Picture 6"/>
+          <p:cNvPr id="6" name="Picture 5"/>
           <p:cNvPicPr>
             <a:picLocks noChangeAspect="1"/>
           </p:cNvPicPr>
@@ -16487,8 +17014,8 @@
         </p:blipFill>
         <p:spPr>
           <a:xfrm>
-            <a:off x="1481959" y="1513483"/>
-            <a:ext cx="9285889" cy="4199310"/>
+            <a:off x="1481959" y="1513482"/>
+            <a:ext cx="9285889" cy="4199311"/>
           </a:xfrm>
           <a:prstGeom prst="rect">
             <a:avLst/>
@@ -16497,13 +17024,13 @@
       </p:pic>
       <p:sp>
         <p:nvSpPr>
-          <p:cNvPr id="19" name="Rounded Rectangular Callout 18"/>
+          <p:cNvPr id="14" name="Rounded Rectangular Callout 13"/>
           <p:cNvSpPr/>
           <p:nvPr/>
         </p:nvSpPr>
         <p:spPr>
           <a:xfrm>
-            <a:off x="8251576" y="1818286"/>
+            <a:off x="8251576" y="1776723"/>
             <a:ext cx="2065282" cy="686119"/>
           </a:xfrm>
           <a:prstGeom prst="wedgeRoundRectCallout">
@@ -16534,8 +17061,12 @@
           <a:p>
             <a:pPr algn="ctr"/>
             <a:r>
-              <a:rPr lang="en-US" dirty="0" smtClean="0"/>
-              <a:t>Randomly Distributed</a:t>
+              <a:rPr lang="en-US" smtClean="0"/>
+              <a:t>Randomly </a:t>
+            </a:r>
+            <a:r>
+              <a:rPr lang="en-US" smtClean="0"/>
+              <a:t>Distributed</a:t>
             </a:r>
             <a:endParaRPr lang="en-US" dirty="0"/>
           </a:p>

--- a/Plumbing Business Analysis.pptx
+++ b/Plumbing Business Analysis.pptx
@@ -7961,7 +7961,15 @@
           <a:p>
             <a:r>
               <a:rPr lang="en-US" dirty="0" smtClean="0"/>
-              <a:t>Price Change Analysis</a:t>
+              <a:t>Branch-wise</a:t>
+            </a:r>
+            <a:r>
+              <a:rPr lang="en-US" dirty="0" smtClean="0"/>
+              <a:t> </a:t>
+            </a:r>
+            <a:r>
+              <a:rPr lang="en-US" dirty="0" smtClean="0"/>
+              <a:t>Analysis</a:t>
             </a:r>
             <a:endParaRPr lang="en-US" dirty="0"/>
           </a:p>
@@ -7984,8 +7992,9 @@
           <a:p>
             <a:r>
               <a:rPr lang="en-US" dirty="0"/>
-              <a:t>Café Chain Analysis </a:t>
-            </a:r>
+              <a:t>Plumbing Business Analysis </a:t>
+            </a:r>
+            <a:endParaRPr lang="en-US" dirty="0"/>
           </a:p>
         </p:txBody>
       </p:sp>

--- a/Plumbing Business Analysis.pptx
+++ b/Plumbing Business Analysis.pptx
@@ -6154,89 +6154,7 @@
                   </a:outerShdw>
                 </a:effectLst>
               </a:rPr>
-              <a:t>33 </a:t>
-            </a:r>
-            <a:r>
-              <a:rPr lang="en-US" b="1" dirty="0" smtClean="0">
-                <a:ln w="9525">
-                  <a:noFill/>
-                  <a:prstDash val="solid"/>
-                </a:ln>
-                <a:solidFill>
-                  <a:schemeClr val="accent6">
-                    <a:lumMod val="50000"/>
-                  </a:schemeClr>
-                </a:solidFill>
-                <a:effectLst>
-                  <a:outerShdw blurRad="12700" dist="38100" dir="2700000" algn="tl" rotWithShape="0">
-                    <a:schemeClr val="accent5">
-                      <a:lumMod val="60000"/>
-                      <a:lumOff val="40000"/>
-                    </a:schemeClr>
-                  </a:outerShdw>
-                </a:effectLst>
-              </a:rPr>
-              <a:t> </a:t>
-            </a:r>
-            <a:r>
-              <a:rPr lang="en-US" b="1" dirty="0" smtClean="0">
-                <a:ln w="9525">
-                  <a:noFill/>
-                  <a:prstDash val="solid"/>
-                </a:ln>
-                <a:solidFill>
-                  <a:srgbClr val="FFC000"/>
-                </a:solidFill>
-                <a:effectLst>
-                  <a:outerShdw blurRad="12700" dist="38100" dir="2700000" algn="tl" rotWithShape="0">
-                    <a:schemeClr val="accent5">
-                      <a:lumMod val="60000"/>
-                      <a:lumOff val="40000"/>
-                    </a:schemeClr>
-                  </a:outerShdw>
-                </a:effectLst>
-              </a:rPr>
-              <a:t>Revenue</a:t>
-            </a:r>
-            <a:r>
-              <a:rPr lang="en-US" b="1" dirty="0">
-                <a:ln w="9525">
-                  <a:noFill/>
-                  <a:prstDash val="solid"/>
-                </a:ln>
-                <a:solidFill>
-                  <a:srgbClr val="FFC000"/>
-                </a:solidFill>
-                <a:effectLst>
-                  <a:outerShdw blurRad="12700" dist="38100" dir="2700000" algn="tl" rotWithShape="0">
-                    <a:schemeClr val="accent5">
-                      <a:lumMod val="60000"/>
-                      <a:lumOff val="40000"/>
-                    </a:schemeClr>
-                  </a:outerShdw>
-                </a:effectLst>
-              </a:rPr>
-              <a:t>($): </a:t>
-            </a:r>
-            <a:r>
-              <a:rPr lang="is-IS" b="1" dirty="0" smtClean="0">
-                <a:ln w="9525">
-                  <a:noFill/>
-                  <a:prstDash val="solid"/>
-                </a:ln>
-                <a:solidFill>
-                  <a:srgbClr val="FFC000"/>
-                </a:solidFill>
-                <a:effectLst>
-                  <a:outerShdw blurRad="12700" dist="38100" dir="2700000" algn="tl" rotWithShape="0">
-                    <a:schemeClr val="accent5">
-                      <a:lumMod val="60000"/>
-                      <a:lumOff val="40000"/>
-                    </a:schemeClr>
-                  </a:outerShdw>
-                </a:effectLst>
-              </a:rPr>
-              <a:t>14,963</a:t>
+              <a:t>33</a:t>
             </a:r>
             <a:endParaRPr lang="en-US" b="1" dirty="0">
               <a:ln w="9525">
@@ -6259,7 +6177,7 @@
       </p:sp>
       <p:pic>
         <p:nvPicPr>
-          <p:cNvPr id="7" name="Picture 6"/>
+          <p:cNvPr id="4" name="Picture 3"/>
           <p:cNvPicPr>
             <a:picLocks noChangeAspect="1"/>
           </p:cNvPicPr>
@@ -6273,8 +6191,8 @@
         </p:blipFill>
         <p:spPr>
           <a:xfrm>
-            <a:off x="1481959" y="1513481"/>
-            <a:ext cx="9285889" cy="4218441"/>
+            <a:off x="1481959" y="1512291"/>
+            <a:ext cx="9299799" cy="4219632"/>
           </a:xfrm>
           <a:prstGeom prst="rect">
             <a:avLst/>
@@ -6283,19 +6201,19 @@
       </p:pic>
       <p:sp>
         <p:nvSpPr>
-          <p:cNvPr id="17" name="Rounded Rectangular Callout 16"/>
+          <p:cNvPr id="12" name="Rounded Rectangular Callout 11"/>
           <p:cNvSpPr/>
           <p:nvPr/>
         </p:nvSpPr>
         <p:spPr>
           <a:xfrm>
-            <a:off x="2891712" y="1797270"/>
-            <a:ext cx="1992732" cy="686119"/>
+            <a:off x="2545343" y="1963529"/>
+            <a:ext cx="1992732" cy="474875"/>
           </a:xfrm>
           <a:prstGeom prst="wedgeRoundRectCallout">
             <a:avLst>
-              <a:gd name="adj1" fmla="val -56144"/>
-              <a:gd name="adj2" fmla="val 77088"/>
+              <a:gd name="adj1" fmla="val -33201"/>
+              <a:gd name="adj2" fmla="val 123768"/>
               <a:gd name="adj3" fmla="val 16667"/>
             </a:avLst>
           </a:prstGeom>
@@ -6320,10 +6238,18 @@
           <a:p>
             <a:pPr algn="ctr"/>
             <a:r>
-              <a:rPr lang="en-US" dirty="0" smtClean="0"/>
-              <a:t>On avg. 37% more calls on Mondays</a:t>
-            </a:r>
-            <a:endParaRPr lang="en-US" dirty="0"/>
+              <a:rPr lang="en-US" sz="1400" dirty="0" smtClean="0"/>
+              <a:t>On avg. </a:t>
+            </a:r>
+            <a:r>
+              <a:rPr lang="en-US" sz="1400" dirty="0" smtClean="0"/>
+              <a:t>38% </a:t>
+            </a:r>
+            <a:r>
+              <a:rPr lang="en-US" sz="1400" dirty="0" smtClean="0"/>
+              <a:t>more calls on Mondays</a:t>
+            </a:r>
+            <a:endParaRPr lang="en-US" sz="1400" dirty="0"/>
           </a:p>
         </p:txBody>
       </p:sp>

--- a/Plumbing Business Analysis.pptx
+++ b/Plumbing Business Analysis.pptx
@@ -20,17 +20,7 @@
     <p:sldId id="316" r:id="rId14"/>
     <p:sldId id="318" r:id="rId15"/>
     <p:sldId id="299" r:id="rId16"/>
-    <p:sldId id="302" r:id="rId17"/>
-    <p:sldId id="303" r:id="rId18"/>
-    <p:sldId id="306" r:id="rId19"/>
-    <p:sldId id="304" r:id="rId20"/>
-    <p:sldId id="305" r:id="rId21"/>
-    <p:sldId id="307" r:id="rId22"/>
-    <p:sldId id="308" r:id="rId23"/>
-    <p:sldId id="310" r:id="rId24"/>
-    <p:sldId id="311" r:id="rId25"/>
-    <p:sldId id="312" r:id="rId26"/>
-    <p:sldId id="265" r:id="rId27"/>
+    <p:sldId id="265" r:id="rId17"/>
   </p:sldIdLst>
   <p:sldSz cx="12192000" cy="6858000"/>
   <p:notesSz cx="6858000" cy="9144000"/>
@@ -149,23 +139,13 @@
             <p14:sldId id="316"/>
             <p14:sldId id="318"/>
             <p14:sldId id="299"/>
-            <p14:sldId id="302"/>
-            <p14:sldId id="303"/>
-            <p14:sldId id="306"/>
-            <p14:sldId id="304"/>
-            <p14:sldId id="305"/>
-            <p14:sldId id="307"/>
-            <p14:sldId id="308"/>
-            <p14:sldId id="310"/>
-            <p14:sldId id="311"/>
-            <p14:sldId id="312"/>
             <p14:sldId id="265"/>
           </p14:sldIdLst>
         </p14:section>
       </p14:sectionLst>
     </p:ext>
     <p:ext uri="{EFAFB233-063F-42B5-8137-9DF3F51BA10A}">
-      <p15:sldGuideLst xmlns:p15="http://schemas.microsoft.com/office/powerpoint/2012/main"/>
+      <p15:sldGuideLst xmlns:p15="http://schemas.microsoft.com/office/powerpoint/2012/main" xmlns=""/>
     </p:ext>
   </p:extLst>
 </p:presentation>
@@ -503,7 +483,7 @@
             <a:fld id="{B61BEF0D-F0BB-DE4B-95CE-6DB70DBA9567}" type="datetimeFigureOut">
               <a:rPr lang="en-US" dirty="0"/>
               <a:pPr/>
-              <a:t>10/21/17</a:t>
+              <a:t>10/24/2017</a:t>
             </a:fld>
             <a:endParaRPr lang="en-US" dirty="0"/>
           </a:p>
@@ -824,7 +804,7 @@
             <a:fld id="{B61BEF0D-F0BB-DE4B-95CE-6DB70DBA9567}" type="datetimeFigureOut">
               <a:rPr lang="en-US" dirty="0"/>
               <a:pPr/>
-              <a:t>10/21/17</a:t>
+              <a:t>10/24/2017</a:t>
             </a:fld>
             <a:endParaRPr lang="en-US" dirty="0"/>
           </a:p>
@@ -1069,7 +1049,7 @@
             <a:fld id="{B61BEF0D-F0BB-DE4B-95CE-6DB70DBA9567}" type="datetimeFigureOut">
               <a:rPr lang="en-US" dirty="0"/>
               <a:pPr/>
-              <a:t>10/21/17</a:t>
+              <a:t>10/24/2017</a:t>
             </a:fld>
             <a:endParaRPr lang="en-US" dirty="0"/>
           </a:p>
@@ -1405,7 +1385,7 @@
             <a:fld id="{B61BEF0D-F0BB-DE4B-95CE-6DB70DBA9567}" type="datetimeFigureOut">
               <a:rPr lang="en-US" dirty="0"/>
               <a:pPr/>
-              <a:t>10/21/17</a:t>
+              <a:t>10/24/2017</a:t>
             </a:fld>
             <a:endParaRPr lang="en-US" dirty="0"/>
           </a:p>
@@ -1749,7 +1729,7 @@
             <a:fld id="{B61BEF0D-F0BB-DE4B-95CE-6DB70DBA9567}" type="datetimeFigureOut">
               <a:rPr lang="en-US" dirty="0"/>
               <a:pPr/>
-              <a:t>10/21/17</a:t>
+              <a:t>10/24/2017</a:t>
             </a:fld>
             <a:endParaRPr lang="en-US" dirty="0"/>
           </a:p>
@@ -2120,7 +2100,7 @@
             <a:fld id="{B61BEF0D-F0BB-DE4B-95CE-6DB70DBA9567}" type="datetimeFigureOut">
               <a:rPr lang="en-US" dirty="0"/>
               <a:pPr/>
-              <a:t>10/21/17</a:t>
+              <a:t>10/24/2017</a:t>
             </a:fld>
             <a:endParaRPr lang="en-US" dirty="0"/>
           </a:p>
@@ -2587,7 +2567,7 @@
             <a:fld id="{B61BEF0D-F0BB-DE4B-95CE-6DB70DBA9567}" type="datetimeFigureOut">
               <a:rPr lang="en-US" dirty="0"/>
               <a:pPr/>
-              <a:t>10/21/17</a:t>
+              <a:t>10/24/2017</a:t>
             </a:fld>
             <a:endParaRPr lang="en-US" dirty="0"/>
           </a:p>
@@ -2789,7 +2769,7 @@
             <a:fld id="{B61BEF0D-F0BB-DE4B-95CE-6DB70DBA9567}" type="datetimeFigureOut">
               <a:rPr lang="en-US" dirty="0"/>
               <a:pPr/>
-              <a:t>10/21/17</a:t>
+              <a:t>10/24/2017</a:t>
             </a:fld>
             <a:endParaRPr lang="en-US" dirty="0"/>
           </a:p>
@@ -2997,7 +2977,7 @@
             <a:fld id="{B61BEF0D-F0BB-DE4B-95CE-6DB70DBA9567}" type="datetimeFigureOut">
               <a:rPr lang="en-US" dirty="0"/>
               <a:pPr/>
-              <a:t>10/21/17</a:t>
+              <a:t>10/24/2017</a:t>
             </a:fld>
             <a:endParaRPr lang="en-US" dirty="0"/>
           </a:p>
@@ -3225,7 +3205,7 @@
           <a:p>
             <a:fld id="{52647F38-B617-4D2F-AE0A-013F0C4D2C57}" type="datetimeFigureOut">
               <a:rPr lang="en-US" dirty="0"/>
-              <a:t>10/21/17</a:t>
+              <a:t>10/24/2017</a:t>
             </a:fld>
             <a:endParaRPr lang="en-US" dirty="0"/>
           </a:p>
@@ -3469,7 +3449,7 @@
             <a:fld id="{B61BEF0D-F0BB-DE4B-95CE-6DB70DBA9567}" type="datetimeFigureOut">
               <a:rPr lang="en-US" dirty="0"/>
               <a:pPr/>
-              <a:t>10/21/17</a:t>
+              <a:t>10/24/2017</a:t>
             </a:fld>
             <a:endParaRPr lang="en-US" dirty="0"/>
           </a:p>
@@ -3763,7 +3743,7 @@
           <a:p>
             <a:fld id="{05BFA754-D5C3-4E66-96A6-867B257F58DC}" type="datetimeFigureOut">
               <a:rPr lang="en-US" dirty="0"/>
-              <a:t>10/21/17</a:t>
+              <a:t>10/24/2017</a:t>
             </a:fld>
             <a:endParaRPr lang="en-US" dirty="0"/>
           </a:p>
@@ -4153,7 +4133,7 @@
             <a:fld id="{B61BEF0D-F0BB-DE4B-95CE-6DB70DBA9567}" type="datetimeFigureOut">
               <a:rPr lang="en-US" dirty="0"/>
               <a:pPr/>
-              <a:t>10/21/17</a:t>
+              <a:t>10/24/2017</a:t>
             </a:fld>
             <a:endParaRPr lang="en-US" dirty="0"/>
           </a:p>
@@ -4299,7 +4279,7 @@
             <a:fld id="{B61BEF0D-F0BB-DE4B-95CE-6DB70DBA9567}" type="datetimeFigureOut">
               <a:rPr lang="en-US" dirty="0"/>
               <a:pPr/>
-              <a:t>10/21/17</a:t>
+              <a:t>10/24/2017</a:t>
             </a:fld>
             <a:endParaRPr lang="en-US" dirty="0"/>
           </a:p>
@@ -4422,7 +4402,7 @@
             <a:fld id="{B61BEF0D-F0BB-DE4B-95CE-6DB70DBA9567}" type="datetimeFigureOut">
               <a:rPr lang="en-US" dirty="0"/>
               <a:pPr/>
-              <a:t>10/21/17</a:t>
+              <a:t>10/24/2017</a:t>
             </a:fld>
             <a:endParaRPr lang="en-US" dirty="0"/>
           </a:p>
@@ -4674,7 +4654,7 @@
             <a:fld id="{B61BEF0D-F0BB-DE4B-95CE-6DB70DBA9567}" type="datetimeFigureOut">
               <a:rPr lang="en-US" dirty="0"/>
               <a:pPr/>
-              <a:t>10/21/17</a:t>
+              <a:t>10/24/2017</a:t>
             </a:fld>
             <a:endParaRPr lang="en-US" dirty="0"/>
           </a:p>
@@ -4986,7 +4966,7 @@
             <a:fld id="{B61BEF0D-F0BB-DE4B-95CE-6DB70DBA9567}" type="datetimeFigureOut">
               <a:rPr lang="en-US" dirty="0"/>
               <a:pPr/>
-              <a:t>10/21/17</a:t>
+              <a:t>10/24/2017</a:t>
             </a:fld>
             <a:endParaRPr lang="en-US" dirty="0"/>
           </a:p>
@@ -5334,7 +5314,7 @@
             <a:fld id="{B61BEF0D-F0BB-DE4B-95CE-6DB70DBA9567}" type="datetimeFigureOut">
               <a:rPr lang="en-US" dirty="0"/>
               <a:pPr/>
-              <a:t>10/21/17</a:t>
+              <a:t>10/24/2017</a:t>
             </a:fld>
             <a:endParaRPr lang="en-US" dirty="0"/>
           </a:p>
@@ -6239,15 +6219,7 @@
             <a:pPr algn="ctr"/>
             <a:r>
               <a:rPr lang="en-US" sz="1400" dirty="0" smtClean="0"/>
-              <a:t>On avg. </a:t>
-            </a:r>
-            <a:r>
-              <a:rPr lang="en-US" sz="1400" dirty="0" smtClean="0"/>
-              <a:t>38% </a:t>
-            </a:r>
-            <a:r>
-              <a:rPr lang="en-US" sz="1400" dirty="0" smtClean="0"/>
-              <a:t>more calls on Mondays</a:t>
+              <a:t>On avg. 38% more calls on Mondays</a:t>
             </a:r>
             <a:endParaRPr lang="en-US" sz="1400" dirty="0"/>
           </a:p>
@@ -6322,15 +6294,7 @@
           <a:p>
             <a:r>
               <a:rPr lang="en-US" sz="3200" dirty="0" smtClean="0"/>
-              <a:t>Service provided </a:t>
-            </a:r>
-            <a:r>
-              <a:rPr lang="en-US" sz="3200" dirty="0" smtClean="0"/>
-              <a:t>throughout </a:t>
-            </a:r>
-            <a:r>
-              <a:rPr lang="en-US" sz="3200" dirty="0" smtClean="0"/>
-              <a:t>day</a:t>
+              <a:t>Service provided throughout day</a:t>
             </a:r>
             <a:endParaRPr lang="en-US" sz="3200" dirty="0"/>
           </a:p>
@@ -6491,26 +6455,7 @@
                   </a:outerShdw>
                 </a:effectLst>
               </a:rPr>
-              <a:t>4.76</a:t>
-            </a:r>
-            <a:r>
-              <a:rPr lang="is-IS" sz="1400" b="1" dirty="0" smtClean="0">
-                <a:ln w="9525">
-                  <a:noFill/>
-                  <a:prstDash val="solid"/>
-                </a:ln>
-                <a:solidFill>
-                  <a:schemeClr val="tx1"/>
-                </a:solidFill>
-                <a:effectLst>
-                  <a:outerShdw blurRad="12700" dist="38100" dir="2700000" algn="tl" rotWithShape="0">
-                    <a:schemeClr val="bg1">
-                      <a:lumMod val="50000"/>
-                    </a:schemeClr>
-                  </a:outerShdw>
-                </a:effectLst>
-              </a:rPr>
-              <a:t>  </a:t>
+              <a:t>4.76  </a:t>
             </a:r>
             <a:r>
               <a:rPr lang="en-US" sz="1400" b="1" dirty="0" smtClean="0">
@@ -6530,47 +6475,7 @@
                   </a:outerShdw>
                 </a:effectLst>
               </a:rPr>
-              <a:t>Scheduled Calls: </a:t>
-            </a:r>
-            <a:r>
-              <a:rPr lang="en-US" sz="1400" b="1" dirty="0" smtClean="0">
-                <a:ln w="9525">
-                  <a:noFill/>
-                  <a:prstDash val="solid"/>
-                </a:ln>
-                <a:solidFill>
-                  <a:schemeClr val="accent6"/>
-                </a:solidFill>
-                <a:effectLst>
-                  <a:outerShdw blurRad="12700" dist="38100" dir="2700000" algn="tl" rotWithShape="0">
-                    <a:schemeClr val="accent5">
-                      <a:lumMod val="60000"/>
-                      <a:lumOff val="40000"/>
-                    </a:schemeClr>
-                  </a:outerShdw>
-                </a:effectLst>
-              </a:rPr>
-              <a:t>4.74</a:t>
-            </a:r>
-            <a:r>
-              <a:rPr lang="en-US" sz="1400" b="1" dirty="0" smtClean="0">
-                <a:ln w="9525">
-                  <a:noFill/>
-                  <a:prstDash val="solid"/>
-                </a:ln>
-                <a:solidFill>
-                  <a:schemeClr val="accent6"/>
-                </a:solidFill>
-                <a:effectLst>
-                  <a:outerShdw blurRad="12700" dist="38100" dir="2700000" algn="tl" rotWithShape="0">
-                    <a:schemeClr val="accent5">
-                      <a:lumMod val="60000"/>
-                      <a:lumOff val="40000"/>
-                    </a:schemeClr>
-                  </a:outerShdw>
-                </a:effectLst>
-              </a:rPr>
-              <a:t> </a:t>
+              <a:t>Scheduled Calls: 4.74 </a:t>
             </a:r>
             <a:r>
               <a:rPr lang="en-US" sz="1400" b="1" dirty="0" smtClean="0">
@@ -6761,11 +6666,7 @@
             <a:pPr algn="ctr"/>
             <a:r>
               <a:rPr lang="en-US" sz="1200" dirty="0" smtClean="0"/>
-              <a:t>NO show </a:t>
-            </a:r>
-            <a:r>
-              <a:rPr lang="en-US" sz="1200" dirty="0" smtClean="0"/>
-              <a:t>on scheduled time</a:t>
+              <a:t>NO show on scheduled time</a:t>
             </a:r>
             <a:endParaRPr lang="en-US" sz="1200" dirty="0"/>
           </a:p>
@@ -7256,11 +7157,7 @@
             </a:r>
             <a:r>
               <a:rPr lang="en-US" sz="1200" dirty="0" smtClean="0"/>
-              <a:t>vg</a:t>
-            </a:r>
-            <a:r>
-              <a:rPr lang="en-US" sz="1200" dirty="0" smtClean="0"/>
-              <a:t>. revenue per bill is $340 </a:t>
+              <a:t>vg. revenue per bill is $340 </a:t>
             </a:r>
             <a:endParaRPr lang="en-US" sz="1200" dirty="0"/>
           </a:p>
@@ -7276,11 +7173,11 @@
   <p:clrMapOvr>
     <a:masterClrMapping/>
   </p:clrMapOvr>
-  <mc:AlternateContent xmlns:mc="http://schemas.openxmlformats.org/markup-compatibility/2006">
-    <mc:Choice xmlns:p14="http://schemas.microsoft.com/office/powerpoint/2010/main" Requires="p14">
+  <mc:AlternateContent xmlns:mc="http://schemas.openxmlformats.org/markup-compatibility/2006" xmlns:p14="http://schemas.microsoft.com/office/powerpoint/2010/main">
+    <mc:Choice Requires="p14">
       <p:transition p14:dur="0"/>
     </mc:Choice>
-    <mc:Fallback>
+    <mc:Fallback xmlns="">
       <p:transition/>
     </mc:Fallback>
   </mc:AlternateContent>
@@ -7414,11 +7311,7 @@
             <a:pPr algn="ctr"/>
             <a:r>
               <a:rPr lang="en-US" dirty="0" smtClean="0"/>
-              <a:t>Avg. </a:t>
-            </a:r>
-            <a:r>
-              <a:rPr lang="en-US" dirty="0" smtClean="0"/>
-              <a:t>weekly revenue($):</a:t>
+              <a:t>Avg. weekly revenue($):</a:t>
             </a:r>
             <a:r>
               <a:rPr lang="en-US" b="1" dirty="0" smtClean="0">
@@ -7612,11 +7505,11 @@
   <p:clrMapOvr>
     <a:masterClrMapping/>
   </p:clrMapOvr>
-  <mc:AlternateContent xmlns:mc="http://schemas.openxmlformats.org/markup-compatibility/2006">
-    <mc:Choice xmlns:p14="http://schemas.microsoft.com/office/powerpoint/2010/main" Requires="p14">
+  <mc:AlternateContent xmlns:mc="http://schemas.openxmlformats.org/markup-compatibility/2006" xmlns:p14="http://schemas.microsoft.com/office/powerpoint/2010/main">
+    <mc:Choice Requires="p14">
       <p:transition p14:dur="0"/>
     </mc:Choice>
-    <mc:Fallback>
+    <mc:Fallback xmlns="">
       <p:transition/>
     </mc:Fallback>
   </mc:AlternateContent>
@@ -7835,11 +7728,11 @@
   <p:clrMapOvr>
     <a:masterClrMapping/>
   </p:clrMapOvr>
-  <mc:AlternateContent xmlns:mc="http://schemas.openxmlformats.org/markup-compatibility/2006">
-    <mc:Choice xmlns:p14="http://schemas.microsoft.com/office/powerpoint/2010/main" Requires="p14">
+  <mc:AlternateContent xmlns:mc="http://schemas.openxmlformats.org/markup-compatibility/2006" xmlns:p14="http://schemas.microsoft.com/office/powerpoint/2010/main">
+    <mc:Choice Requires="p14">
       <p:transition p14:dur="0"/>
     </mc:Choice>
-    <mc:Fallback>
+    <mc:Fallback xmlns="">
       <p:transition/>
     </mc:Fallback>
   </mc:AlternateContent>
@@ -7887,15 +7780,7 @@
           <a:p>
             <a:r>
               <a:rPr lang="en-US" dirty="0" smtClean="0"/>
-              <a:t>Branch-wise</a:t>
-            </a:r>
-            <a:r>
-              <a:rPr lang="en-US" dirty="0" smtClean="0"/>
-              <a:t> </a:t>
-            </a:r>
-            <a:r>
-              <a:rPr lang="en-US" dirty="0" smtClean="0"/>
-              <a:t>Analysis</a:t>
+              <a:t>Branch-wise Analysis</a:t>
             </a:r>
             <a:endParaRPr lang="en-US" dirty="0"/>
           </a:p>
@@ -7920,7 +7805,6 @@
               <a:rPr lang="en-US" dirty="0"/>
               <a:t>Plumbing Business Analysis </a:t>
             </a:r>
-            <a:endParaRPr lang="en-US" dirty="0"/>
           </a:p>
         </p:txBody>
       </p:sp>
@@ -7961,4630 +7845,32 @@
             <a:spLocks noGrp="1"/>
           </p:cNvSpPr>
           <p:nvPr>
-            <p:ph type="title" idx="4294967295"/>
-          </p:nvPr>
-        </p:nvSpPr>
-        <p:spPr>
-          <a:xfrm>
-            <a:off x="1295400" y="47292"/>
-            <a:ext cx="9601200" cy="1576552"/>
-          </a:xfrm>
-        </p:spPr>
-        <p:txBody>
-          <a:bodyPr>
-            <a:normAutofit/>
-          </a:bodyPr>
-          <a:lstStyle/>
-          <a:p>
-            <a:r>
-              <a:rPr lang="en-US" sz="3200" dirty="0" smtClean="0"/>
-              <a:t>Price change effect chart of 46 items</a:t>
-            </a:r>
-            <a:endParaRPr lang="en-US" sz="3200" dirty="0"/>
-          </a:p>
-        </p:txBody>
-      </p:sp>
-      <p:sp>
-        <p:nvSpPr>
-          <p:cNvPr id="3" name="Content Placeholder 2"/>
-          <p:cNvSpPr>
-            <a:spLocks noGrp="1"/>
-          </p:cNvSpPr>
-          <p:nvPr>
-            <p:ph idx="4294967295"/>
-          </p:nvPr>
-        </p:nvSpPr>
-        <p:spPr>
-          <a:xfrm>
-            <a:off x="851338" y="1718429"/>
-            <a:ext cx="10562896" cy="4382826"/>
-          </a:xfrm>
-        </p:spPr>
-        <p:txBody>
-          <a:bodyPr>
-            <a:normAutofit/>
-          </a:bodyPr>
-          <a:lstStyle/>
-          <a:p>
-            <a:pPr marL="0" indent="0">
-              <a:buNone/>
-            </a:pPr>
-            <a:endParaRPr lang="en-US" dirty="0" smtClean="0"/>
-          </a:p>
-          <a:p>
-            <a:pPr marL="0" indent="0">
-              <a:buNone/>
-            </a:pPr>
-            <a:endParaRPr lang="en-US" dirty="0"/>
-          </a:p>
-        </p:txBody>
-      </p:sp>
-      <p:cxnSp>
-        <p:nvCxnSpPr>
-          <p:cNvPr id="5" name="Straight Connector 4"/>
-          <p:cNvCxnSpPr/>
-          <p:nvPr/>
-        </p:nvCxnSpPr>
-        <p:spPr>
-          <a:xfrm>
-            <a:off x="1481959" y="1292758"/>
-            <a:ext cx="9285889" cy="0"/>
-          </a:xfrm>
-          <a:prstGeom prst="line">
-            <a:avLst/>
-          </a:prstGeom>
-        </p:spPr>
-        <p:style>
-          <a:lnRef idx="1">
-            <a:schemeClr val="accent1"/>
-          </a:lnRef>
-          <a:fillRef idx="0">
-            <a:schemeClr val="accent1"/>
-          </a:fillRef>
-          <a:effectRef idx="0">
-            <a:schemeClr val="accent1"/>
-          </a:effectRef>
-          <a:fontRef idx="minor">
-            <a:schemeClr val="tx1"/>
-          </a:fontRef>
-        </p:style>
-      </p:cxnSp>
-      <p:sp>
-        <p:nvSpPr>
-          <p:cNvPr id="4" name="TextBox 3"/>
-          <p:cNvSpPr txBox="1"/>
-          <p:nvPr/>
-        </p:nvSpPr>
-        <p:spPr>
-          <a:xfrm>
-            <a:off x="4272455" y="3090041"/>
-            <a:ext cx="184731" cy="369332"/>
-          </a:xfrm>
-          <a:prstGeom prst="rect">
-            <a:avLst/>
-          </a:prstGeom>
-          <a:noFill/>
-        </p:spPr>
-        <p:txBody>
-          <a:bodyPr wrap="none" rtlCol="0">
-            <a:spAutoFit/>
-          </a:bodyPr>
-          <a:lstStyle/>
-          <a:p>
-            <a:endParaRPr lang="en-US" dirty="0"/>
-          </a:p>
-        </p:txBody>
-      </p:sp>
-      <p:graphicFrame>
-        <p:nvGraphicFramePr>
-          <p:cNvPr id="9" name="Table 8"/>
-          <p:cNvGraphicFramePr>
-            <a:graphicFrameLocks noGrp="1"/>
-          </p:cNvGraphicFramePr>
-          <p:nvPr>
-            <p:extLst>
-              <p:ext uri="{D42A27DB-BD31-4B8C-83A1-F6EECF244321}">
-                <p14:modId xmlns:p14="http://schemas.microsoft.com/office/powerpoint/2010/main" val="614371690"/>
-              </p:ext>
-            </p:extLst>
-          </p:nvPr>
-        </p:nvGraphicFramePr>
-        <p:xfrm>
-          <a:off x="892763" y="1377818"/>
-          <a:ext cx="3379692" cy="4817439"/>
-        </p:xfrm>
-        <a:graphic>
-          <a:graphicData uri="http://schemas.openxmlformats.org/drawingml/2006/table">
-            <a:tbl>
-              <a:tblPr>
-                <a:tableStyleId>{93296810-A885-4BE3-A3E7-6D5BEEA58F35}</a:tableStyleId>
-              </a:tblPr>
-              <a:tblGrid>
-                <a:gridCol w="1693438"/>
-                <a:gridCol w="724558"/>
-                <a:gridCol w="961696"/>
-              </a:tblGrid>
-              <a:tr h="321851">
-                <a:tc>
-                  <a:txBody>
-                    <a:bodyPr/>
-                    <a:lstStyle/>
-                    <a:p>
-                      <a:pPr algn="l" fontAlgn="b"/>
-                      <a:r>
-                        <a:rPr lang="en-US" sz="1100" b="1" u="none" strike="noStrike" dirty="0">
-                          <a:effectLst/>
-                        </a:rPr>
-                        <a:t>Item Name</a:t>
-                      </a:r>
-                      <a:endParaRPr lang="en-US" sz="1100" b="1" i="0" u="none" strike="noStrike" dirty="0">
-                        <a:solidFill>
-                          <a:srgbClr val="000000"/>
-                        </a:solidFill>
-                        <a:effectLst/>
-                        <a:latin typeface="Calibri" charset="0"/>
-                      </a:endParaRPr>
-                    </a:p>
-                  </a:txBody>
-                  <a:tcPr marL="0" marR="0" marT="0" marB="0" anchor="ctr"/>
-                </a:tc>
-                <a:tc>
-                  <a:txBody>
-                    <a:bodyPr/>
-                    <a:lstStyle/>
-                    <a:p>
-                      <a:pPr algn="l" fontAlgn="b"/>
-                      <a:r>
-                        <a:rPr lang="en-US" sz="1100" b="1" u="none" strike="noStrike" dirty="0">
-                          <a:effectLst/>
-                        </a:rPr>
-                        <a:t>Price Change</a:t>
-                      </a:r>
-                      <a:endParaRPr lang="en-US" sz="1100" b="1" i="0" u="none" strike="noStrike" dirty="0">
-                        <a:solidFill>
-                          <a:srgbClr val="000000"/>
-                        </a:solidFill>
-                        <a:effectLst/>
-                        <a:latin typeface="Calibri" charset="0"/>
-                      </a:endParaRPr>
-                    </a:p>
-                  </a:txBody>
-                  <a:tcPr marL="0" marR="0" marT="0" marB="0" anchor="ctr"/>
-                </a:tc>
-                <a:tc>
-                  <a:txBody>
-                    <a:bodyPr/>
-                    <a:lstStyle/>
-                    <a:p>
-                      <a:pPr algn="l" fontAlgn="b"/>
-                      <a:r>
-                        <a:rPr lang="en-US" sz="1100" b="1" u="none" strike="noStrike" dirty="0">
-                          <a:effectLst/>
-                        </a:rPr>
-                        <a:t>Sales Volume Change</a:t>
-                      </a:r>
-                      <a:endParaRPr lang="en-US" sz="1100" b="1" i="0" u="none" strike="noStrike" dirty="0">
-                        <a:solidFill>
-                          <a:srgbClr val="000000"/>
-                        </a:solidFill>
-                        <a:effectLst/>
-                        <a:latin typeface="Calibri" charset="0"/>
-                      </a:endParaRPr>
-                    </a:p>
-                  </a:txBody>
-                  <a:tcPr marL="0" marR="0" marT="0" marB="0" anchor="ctr"/>
-                </a:tc>
-              </a:tr>
-              <a:tr h="224589">
-                <a:tc>
-                  <a:txBody>
-                    <a:bodyPr/>
-                    <a:lstStyle/>
-                    <a:p>
-                      <a:pPr algn="l" fontAlgn="b"/>
-                      <a:r>
-                        <a:rPr lang="mr-IN" sz="1100" u="none" strike="noStrike" dirty="0">
-                          <a:solidFill>
-                            <a:srgbClr val="00B050"/>
-                          </a:solidFill>
-                          <a:effectLst/>
-                        </a:rPr>
-                        <a:t>BUN MASKA &amp; CHAI              </a:t>
-                      </a:r>
-                      <a:endParaRPr lang="mr-IN" sz="1100" b="1" i="0" u="none" strike="noStrike" dirty="0">
-                        <a:solidFill>
-                          <a:srgbClr val="00B050"/>
-                        </a:solidFill>
-                        <a:effectLst/>
-                        <a:latin typeface="Calibri" charset="0"/>
-                      </a:endParaRPr>
-                    </a:p>
-                  </a:txBody>
-                  <a:tcPr marL="0" marR="0" marT="0" marB="0" anchor="b"/>
-                </a:tc>
-                <a:tc>
-                  <a:txBody>
-                    <a:bodyPr/>
-                    <a:lstStyle/>
-                    <a:p>
-                      <a:pPr algn="r" fontAlgn="b"/>
-                      <a:r>
-                        <a:rPr lang="en-US" sz="1100" u="none" strike="noStrike">
-                          <a:solidFill>
-                            <a:srgbClr val="00B050"/>
-                          </a:solidFill>
-                          <a:effectLst/>
-                        </a:rPr>
-                        <a:t>17</a:t>
-                      </a:r>
-                      <a:endParaRPr lang="en-US" sz="1100" b="0" i="0" u="none" strike="noStrike">
-                        <a:solidFill>
-                          <a:srgbClr val="00B050"/>
-                        </a:solidFill>
-                        <a:effectLst/>
-                        <a:latin typeface="Calibri" charset="0"/>
-                      </a:endParaRPr>
-                    </a:p>
-                  </a:txBody>
-                  <a:tcPr marL="0" marR="0" marT="0" marB="0" anchor="b"/>
-                </a:tc>
-                <a:tc>
-                  <a:txBody>
-                    <a:bodyPr/>
-                    <a:lstStyle/>
-                    <a:p>
-                      <a:pPr algn="r" fontAlgn="b"/>
-                      <a:r>
-                        <a:rPr lang="en-US" sz="1100" u="none" strike="noStrike" dirty="0">
-                          <a:solidFill>
-                            <a:srgbClr val="00B050"/>
-                          </a:solidFill>
-                          <a:effectLst/>
-                        </a:rPr>
-                        <a:t>70</a:t>
-                      </a:r>
-                      <a:endParaRPr lang="en-US" sz="1100" b="0" i="0" u="none" strike="noStrike" dirty="0">
-                        <a:solidFill>
-                          <a:srgbClr val="00B050"/>
-                        </a:solidFill>
-                        <a:effectLst/>
-                        <a:latin typeface="Calibri" charset="0"/>
-                      </a:endParaRPr>
-                    </a:p>
-                  </a:txBody>
-                  <a:tcPr marL="0" marR="0" marT="0" marB="0" anchor="b"/>
-                </a:tc>
-              </a:tr>
-              <a:tr h="224589">
-                <a:tc>
-                  <a:txBody>
-                    <a:bodyPr/>
-                    <a:lstStyle/>
-                    <a:p>
-                      <a:pPr algn="l" fontAlgn="b"/>
-                      <a:r>
-                        <a:rPr lang="mr-IN" sz="1100" u="none" strike="noStrike" dirty="0">
-                          <a:solidFill>
-                            <a:srgbClr val="00B050"/>
-                          </a:solidFill>
-                          <a:effectLst/>
-                        </a:rPr>
-                        <a:t>KHEEMA GHOTALA                </a:t>
-                      </a:r>
-                      <a:endParaRPr lang="mr-IN" sz="1100" b="1" i="0" u="none" strike="noStrike" dirty="0">
-                        <a:solidFill>
-                          <a:srgbClr val="00B050"/>
-                        </a:solidFill>
-                        <a:effectLst/>
-                        <a:latin typeface="Calibri" charset="0"/>
-                      </a:endParaRPr>
-                    </a:p>
-                  </a:txBody>
-                  <a:tcPr marL="0" marR="0" marT="0" marB="0" anchor="b"/>
-                </a:tc>
-                <a:tc>
-                  <a:txBody>
-                    <a:bodyPr/>
-                    <a:lstStyle/>
-                    <a:p>
-                      <a:pPr algn="r" fontAlgn="b"/>
-                      <a:r>
-                        <a:rPr lang="fi-FI" sz="1100" u="none" strike="noStrike">
-                          <a:solidFill>
-                            <a:srgbClr val="00B050"/>
-                          </a:solidFill>
-                          <a:effectLst/>
-                        </a:rPr>
-                        <a:t>18</a:t>
-                      </a:r>
-                      <a:endParaRPr lang="fi-FI" sz="1100" b="0" i="0" u="none" strike="noStrike">
-                        <a:solidFill>
-                          <a:srgbClr val="00B050"/>
-                        </a:solidFill>
-                        <a:effectLst/>
-                        <a:latin typeface="Calibri" charset="0"/>
-                      </a:endParaRPr>
-                    </a:p>
-                  </a:txBody>
-                  <a:tcPr marL="0" marR="0" marT="0" marB="0" anchor="b"/>
-                </a:tc>
-                <a:tc>
-                  <a:txBody>
-                    <a:bodyPr/>
-                    <a:lstStyle/>
-                    <a:p>
-                      <a:pPr algn="r" fontAlgn="b"/>
-                      <a:r>
-                        <a:rPr lang="en-US" sz="1100" u="none" strike="noStrike">
-                          <a:solidFill>
-                            <a:srgbClr val="00B050"/>
-                          </a:solidFill>
-                          <a:effectLst/>
-                        </a:rPr>
-                        <a:t>15</a:t>
-                      </a:r>
-                      <a:endParaRPr lang="en-US" sz="1100" b="0" i="0" u="none" strike="noStrike">
-                        <a:solidFill>
-                          <a:srgbClr val="00B050"/>
-                        </a:solidFill>
-                        <a:effectLst/>
-                        <a:latin typeface="Calibri" charset="0"/>
-                      </a:endParaRPr>
-                    </a:p>
-                  </a:txBody>
-                  <a:tcPr marL="0" marR="0" marT="0" marB="0" anchor="b"/>
-                </a:tc>
-              </a:tr>
-              <a:tr h="224589">
-                <a:tc>
-                  <a:txBody>
-                    <a:bodyPr/>
-                    <a:lstStyle/>
-                    <a:p>
-                      <a:pPr algn="l" fontAlgn="b"/>
-                      <a:r>
-                        <a:rPr lang="mr-IN" sz="1100" u="none" strike="noStrike" dirty="0">
-                          <a:solidFill>
-                            <a:srgbClr val="00B050"/>
-                          </a:solidFill>
-                          <a:effectLst/>
-                        </a:rPr>
-                        <a:t>MEZE PLATTER                  </a:t>
-                      </a:r>
-                      <a:endParaRPr lang="mr-IN" sz="1100" b="1" i="0" u="none" strike="noStrike" dirty="0">
-                        <a:solidFill>
-                          <a:srgbClr val="00B050"/>
-                        </a:solidFill>
-                        <a:effectLst/>
-                        <a:latin typeface="Calibri" charset="0"/>
-                      </a:endParaRPr>
-                    </a:p>
-                  </a:txBody>
-                  <a:tcPr marL="0" marR="0" marT="0" marB="0" anchor="b"/>
-                </a:tc>
-                <a:tc>
-                  <a:txBody>
-                    <a:bodyPr/>
-                    <a:lstStyle/>
-                    <a:p>
-                      <a:pPr algn="r" fontAlgn="b"/>
-                      <a:r>
-                        <a:rPr lang="cs-CZ" sz="1100" u="none" strike="noStrike">
-                          <a:solidFill>
-                            <a:srgbClr val="00B050"/>
-                          </a:solidFill>
-                          <a:effectLst/>
-                        </a:rPr>
-                        <a:t>36</a:t>
-                      </a:r>
-                      <a:endParaRPr lang="cs-CZ" sz="1100" b="0" i="0" u="none" strike="noStrike">
-                        <a:solidFill>
-                          <a:srgbClr val="00B050"/>
-                        </a:solidFill>
-                        <a:effectLst/>
-                        <a:latin typeface="Calibri" charset="0"/>
-                      </a:endParaRPr>
-                    </a:p>
-                  </a:txBody>
-                  <a:tcPr marL="0" marR="0" marT="0" marB="0" anchor="b"/>
-                </a:tc>
-                <a:tc>
-                  <a:txBody>
-                    <a:bodyPr/>
-                    <a:lstStyle/>
-                    <a:p>
-                      <a:pPr algn="r" fontAlgn="b"/>
-                      <a:r>
-                        <a:rPr lang="is-IS" sz="1100" u="none" strike="noStrike" dirty="0">
-                          <a:solidFill>
-                            <a:srgbClr val="00B050"/>
-                          </a:solidFill>
-                          <a:effectLst/>
-                        </a:rPr>
-                        <a:t>25</a:t>
-                      </a:r>
-                      <a:endParaRPr lang="is-IS" sz="1100" b="0" i="0" u="none" strike="noStrike" dirty="0">
-                        <a:solidFill>
-                          <a:srgbClr val="00B050"/>
-                        </a:solidFill>
-                        <a:effectLst/>
-                        <a:latin typeface="Calibri" charset="0"/>
-                      </a:endParaRPr>
-                    </a:p>
-                  </a:txBody>
-                  <a:tcPr marL="0" marR="0" marT="0" marB="0" anchor="b"/>
-                </a:tc>
-              </a:tr>
-              <a:tr h="321851">
-                <a:tc>
-                  <a:txBody>
-                    <a:bodyPr/>
-                    <a:lstStyle/>
-                    <a:p>
-                      <a:pPr algn="l" fontAlgn="b"/>
-                      <a:r>
-                        <a:rPr lang="en-US" sz="1100" u="none" strike="noStrike" dirty="0">
-                          <a:solidFill>
-                            <a:srgbClr val="00B050"/>
-                          </a:solidFill>
-                          <a:effectLst/>
-                        </a:rPr>
-                        <a:t>RED BULL ENERGY DRINK         </a:t>
-                      </a:r>
-                      <a:endParaRPr lang="en-US" sz="1100" b="1" i="0" u="none" strike="noStrike" dirty="0">
-                        <a:solidFill>
-                          <a:srgbClr val="00B050"/>
-                        </a:solidFill>
-                        <a:effectLst/>
-                        <a:latin typeface="Calibri" charset="0"/>
-                      </a:endParaRPr>
-                    </a:p>
-                  </a:txBody>
-                  <a:tcPr marL="0" marR="0" marT="0" marB="0" anchor="b"/>
-                </a:tc>
-                <a:tc>
-                  <a:txBody>
-                    <a:bodyPr/>
-                    <a:lstStyle/>
-                    <a:p>
-                      <a:pPr algn="r" fontAlgn="b"/>
-                      <a:r>
-                        <a:rPr lang="is-IS" sz="1100" u="none" strike="noStrike">
-                          <a:solidFill>
-                            <a:srgbClr val="00B050"/>
-                          </a:solidFill>
-                          <a:effectLst/>
-                        </a:rPr>
-                        <a:t>20</a:t>
-                      </a:r>
-                      <a:endParaRPr lang="is-IS" sz="1100" b="0" i="0" u="none" strike="noStrike">
-                        <a:solidFill>
-                          <a:srgbClr val="00B050"/>
-                        </a:solidFill>
-                        <a:effectLst/>
-                        <a:latin typeface="Calibri" charset="0"/>
-                      </a:endParaRPr>
-                    </a:p>
-                  </a:txBody>
-                  <a:tcPr marL="0" marR="0" marT="0" marB="0" anchor="b"/>
-                </a:tc>
-                <a:tc>
-                  <a:txBody>
-                    <a:bodyPr/>
-                    <a:lstStyle/>
-                    <a:p>
-                      <a:pPr algn="r" fontAlgn="b"/>
-                      <a:r>
-                        <a:rPr lang="en-US" sz="1100" u="none" strike="noStrike">
-                          <a:solidFill>
-                            <a:srgbClr val="00B050"/>
-                          </a:solidFill>
-                          <a:effectLst/>
-                        </a:rPr>
-                        <a:t>35</a:t>
-                      </a:r>
-                      <a:endParaRPr lang="en-US" sz="1100" b="0" i="0" u="none" strike="noStrike">
-                        <a:solidFill>
-                          <a:srgbClr val="00B050"/>
-                        </a:solidFill>
-                        <a:effectLst/>
-                        <a:latin typeface="Calibri" charset="0"/>
-                      </a:endParaRPr>
-                    </a:p>
-                  </a:txBody>
-                  <a:tcPr marL="0" marR="0" marT="0" marB="0" anchor="b"/>
-                </a:tc>
-              </a:tr>
-              <a:tr h="224589">
-                <a:tc>
-                  <a:txBody>
-                    <a:bodyPr/>
-                    <a:lstStyle/>
-                    <a:p>
-                      <a:pPr algn="l" fontAlgn="b"/>
-                      <a:r>
-                        <a:rPr lang="mr-IN" sz="1100" u="none" strike="noStrike" dirty="0">
-                          <a:solidFill>
-                            <a:srgbClr val="00B050"/>
-                          </a:solidFill>
-                          <a:effectLst/>
-                        </a:rPr>
-                        <a:t>KF DRAUGHT (1LTR)             </a:t>
-                      </a:r>
-                      <a:endParaRPr lang="mr-IN" sz="1100" b="1" i="0" u="none" strike="noStrike" dirty="0">
-                        <a:solidFill>
-                          <a:srgbClr val="00B050"/>
-                        </a:solidFill>
-                        <a:effectLst/>
-                        <a:latin typeface="Calibri" charset="0"/>
-                      </a:endParaRPr>
-                    </a:p>
-                  </a:txBody>
-                  <a:tcPr marL="0" marR="0" marT="0" marB="0" anchor="b"/>
-                </a:tc>
-                <a:tc>
-                  <a:txBody>
-                    <a:bodyPr/>
-                    <a:lstStyle/>
-                    <a:p>
-                      <a:pPr algn="r" fontAlgn="b"/>
-                      <a:r>
-                        <a:rPr lang="is-IS" sz="1100" u="none" strike="noStrike">
-                          <a:solidFill>
-                            <a:srgbClr val="00B050"/>
-                          </a:solidFill>
-                          <a:effectLst/>
-                        </a:rPr>
-                        <a:t>22</a:t>
-                      </a:r>
-                      <a:endParaRPr lang="is-IS" sz="1100" b="0" i="0" u="none" strike="noStrike">
-                        <a:solidFill>
-                          <a:srgbClr val="00B050"/>
-                        </a:solidFill>
-                        <a:effectLst/>
-                        <a:latin typeface="Calibri" charset="0"/>
-                      </a:endParaRPr>
-                    </a:p>
-                  </a:txBody>
-                  <a:tcPr marL="0" marR="0" marT="0" marB="0" anchor="b"/>
-                </a:tc>
-                <a:tc>
-                  <a:txBody>
-                    <a:bodyPr/>
-                    <a:lstStyle/>
-                    <a:p>
-                      <a:pPr algn="r" fontAlgn="b"/>
-                      <a:r>
-                        <a:rPr lang="cs-CZ" sz="1100" u="none" strike="noStrike">
-                          <a:solidFill>
-                            <a:srgbClr val="00B050"/>
-                          </a:solidFill>
-                          <a:effectLst/>
-                        </a:rPr>
-                        <a:t>11</a:t>
-                      </a:r>
-                      <a:endParaRPr lang="cs-CZ" sz="1100" b="0" i="0" u="none" strike="noStrike">
-                        <a:solidFill>
-                          <a:srgbClr val="00B050"/>
-                        </a:solidFill>
-                        <a:effectLst/>
-                        <a:latin typeface="Calibri" charset="0"/>
-                      </a:endParaRPr>
-                    </a:p>
-                  </a:txBody>
-                  <a:tcPr marL="0" marR="0" marT="0" marB="0" anchor="b"/>
-                </a:tc>
-              </a:tr>
-              <a:tr h="321851">
-                <a:tc>
-                  <a:txBody>
-                    <a:bodyPr/>
-                    <a:lstStyle/>
-                    <a:p>
-                      <a:pPr algn="l" fontAlgn="b"/>
-                      <a:r>
-                        <a:rPr lang="en-US" sz="1100" u="none" strike="noStrike" dirty="0">
-                          <a:solidFill>
-                            <a:srgbClr val="00B050"/>
-                          </a:solidFill>
-                          <a:effectLst/>
-                        </a:rPr>
-                        <a:t>AL SIKANDARI HOOKAH SINGLE    </a:t>
-                      </a:r>
-                      <a:endParaRPr lang="en-US" sz="1100" b="1" i="0" u="none" strike="noStrike" dirty="0">
-                        <a:solidFill>
-                          <a:srgbClr val="00B050"/>
-                        </a:solidFill>
-                        <a:effectLst/>
-                        <a:latin typeface="Calibri" charset="0"/>
-                      </a:endParaRPr>
-                    </a:p>
-                  </a:txBody>
-                  <a:tcPr marL="0" marR="0" marT="0" marB="0" anchor="b"/>
-                </a:tc>
-                <a:tc>
-                  <a:txBody>
-                    <a:bodyPr/>
-                    <a:lstStyle/>
-                    <a:p>
-                      <a:pPr algn="r" fontAlgn="b"/>
-                      <a:r>
-                        <a:rPr lang="fi-FI" sz="1100" u="none" strike="noStrike">
-                          <a:solidFill>
-                            <a:srgbClr val="00B050"/>
-                          </a:solidFill>
-                          <a:effectLst/>
-                        </a:rPr>
-                        <a:t>18</a:t>
-                      </a:r>
-                      <a:endParaRPr lang="fi-FI" sz="1100" b="0" i="0" u="none" strike="noStrike">
-                        <a:solidFill>
-                          <a:srgbClr val="00B050"/>
-                        </a:solidFill>
-                        <a:effectLst/>
-                        <a:latin typeface="Calibri" charset="0"/>
-                      </a:endParaRPr>
-                    </a:p>
-                  </a:txBody>
-                  <a:tcPr marL="0" marR="0" marT="0" marB="0" anchor="b"/>
-                </a:tc>
-                <a:tc>
-                  <a:txBody>
-                    <a:bodyPr/>
-                    <a:lstStyle/>
-                    <a:p>
-                      <a:pPr algn="r" fontAlgn="b"/>
-                      <a:r>
-                        <a:rPr lang="is-IS" sz="1100" u="none" strike="noStrike">
-                          <a:solidFill>
-                            <a:srgbClr val="00B050"/>
-                          </a:solidFill>
-                          <a:effectLst/>
-                        </a:rPr>
-                        <a:t>13</a:t>
-                      </a:r>
-                      <a:endParaRPr lang="is-IS" sz="1100" b="0" i="0" u="none" strike="noStrike">
-                        <a:solidFill>
-                          <a:srgbClr val="00B050"/>
-                        </a:solidFill>
-                        <a:effectLst/>
-                        <a:latin typeface="Calibri" charset="0"/>
-                      </a:endParaRPr>
-                    </a:p>
-                  </a:txBody>
-                  <a:tcPr marL="0" marR="0" marT="0" marB="0" anchor="b"/>
-                </a:tc>
-              </a:tr>
-              <a:tr h="224589">
-                <a:tc>
-                  <a:txBody>
-                    <a:bodyPr/>
-                    <a:lstStyle/>
-                    <a:p>
-                      <a:pPr algn="l" fontAlgn="b"/>
-                      <a:r>
-                        <a:rPr lang="en-US" sz="1100" u="none" strike="noStrike" dirty="0">
-                          <a:solidFill>
-                            <a:srgbClr val="00B050"/>
-                          </a:solidFill>
-                          <a:effectLst/>
-                        </a:rPr>
-                        <a:t>APPLE FLAVOUR SINGLE          </a:t>
-                      </a:r>
-                      <a:endParaRPr lang="en-US" sz="1100" b="1" i="0" u="none" strike="noStrike" dirty="0">
-                        <a:solidFill>
-                          <a:srgbClr val="00B050"/>
-                        </a:solidFill>
-                        <a:effectLst/>
-                        <a:latin typeface="Calibri" charset="0"/>
-                      </a:endParaRPr>
-                    </a:p>
-                  </a:txBody>
-                  <a:tcPr marL="0" marR="0" marT="0" marB="0" anchor="b"/>
-                </a:tc>
-                <a:tc>
-                  <a:txBody>
-                    <a:bodyPr/>
-                    <a:lstStyle/>
-                    <a:p>
-                      <a:pPr algn="r" fontAlgn="b"/>
-                      <a:r>
-                        <a:rPr lang="cs-CZ" sz="1100" u="none" strike="noStrike">
-                          <a:solidFill>
-                            <a:srgbClr val="00B050"/>
-                          </a:solidFill>
-                          <a:effectLst/>
-                        </a:rPr>
-                        <a:t>11</a:t>
-                      </a:r>
-                      <a:endParaRPr lang="cs-CZ" sz="1100" b="0" i="0" u="none" strike="noStrike">
-                        <a:solidFill>
-                          <a:srgbClr val="00B050"/>
-                        </a:solidFill>
-                        <a:effectLst/>
-                        <a:latin typeface="Calibri" charset="0"/>
-                      </a:endParaRPr>
-                    </a:p>
-                  </a:txBody>
-                  <a:tcPr marL="0" marR="0" marT="0" marB="0" anchor="b"/>
-                </a:tc>
-                <a:tc>
-                  <a:txBody>
-                    <a:bodyPr/>
-                    <a:lstStyle/>
-                    <a:p>
-                      <a:pPr algn="r" fontAlgn="b"/>
-                      <a:r>
-                        <a:rPr lang="en-US" sz="1100" u="none" strike="noStrike">
-                          <a:solidFill>
-                            <a:srgbClr val="00B050"/>
-                          </a:solidFill>
-                          <a:effectLst/>
-                        </a:rPr>
-                        <a:t>30</a:t>
-                      </a:r>
-                      <a:endParaRPr lang="en-US" sz="1100" b="0" i="0" u="none" strike="noStrike">
-                        <a:solidFill>
-                          <a:srgbClr val="00B050"/>
-                        </a:solidFill>
-                        <a:effectLst/>
-                        <a:latin typeface="Calibri" charset="0"/>
-                      </a:endParaRPr>
-                    </a:p>
-                  </a:txBody>
-                  <a:tcPr marL="0" marR="0" marT="0" marB="0" anchor="b"/>
-                </a:tc>
-              </a:tr>
-              <a:tr h="224589">
-                <a:tc>
-                  <a:txBody>
-                    <a:bodyPr/>
-                    <a:lstStyle/>
-                    <a:p>
-                      <a:pPr algn="l" fontAlgn="b"/>
-                      <a:r>
-                        <a:rPr lang="mr-IN" sz="1100" u="none" strike="noStrike" dirty="0">
-                          <a:solidFill>
-                            <a:srgbClr val="00B050"/>
-                          </a:solidFill>
-                          <a:effectLst/>
-                        </a:rPr>
-                        <a:t>CALCUTTA MINT                 </a:t>
-                      </a:r>
-                      <a:endParaRPr lang="mr-IN" sz="1100" b="1" i="0" u="none" strike="noStrike" dirty="0">
-                        <a:solidFill>
-                          <a:srgbClr val="00B050"/>
-                        </a:solidFill>
-                        <a:effectLst/>
-                        <a:latin typeface="Calibri" charset="0"/>
-                      </a:endParaRPr>
-                    </a:p>
-                  </a:txBody>
-                  <a:tcPr marL="0" marR="0" marT="0" marB="0" anchor="b"/>
-                </a:tc>
-                <a:tc>
-                  <a:txBody>
-                    <a:bodyPr/>
-                    <a:lstStyle/>
-                    <a:p>
-                      <a:pPr algn="r" fontAlgn="b"/>
-                      <a:r>
-                        <a:rPr lang="is-IS" sz="1100" u="none" strike="noStrike">
-                          <a:solidFill>
-                            <a:srgbClr val="00B050"/>
-                          </a:solidFill>
-                          <a:effectLst/>
-                        </a:rPr>
-                        <a:t>28</a:t>
-                      </a:r>
-                      <a:endParaRPr lang="is-IS" sz="1100" b="0" i="0" u="none" strike="noStrike">
-                        <a:solidFill>
-                          <a:srgbClr val="00B050"/>
-                        </a:solidFill>
-                        <a:effectLst/>
-                        <a:latin typeface="Calibri" charset="0"/>
-                      </a:endParaRPr>
-                    </a:p>
-                  </a:txBody>
-                  <a:tcPr marL="0" marR="0" marT="0" marB="0" anchor="b"/>
-                </a:tc>
-                <a:tc>
-                  <a:txBody>
-                    <a:bodyPr/>
-                    <a:lstStyle/>
-                    <a:p>
-                      <a:pPr algn="r" fontAlgn="b"/>
-                      <a:r>
-                        <a:rPr lang="is-IS" sz="1100" u="none" strike="noStrike">
-                          <a:solidFill>
-                            <a:srgbClr val="00B050"/>
-                          </a:solidFill>
-                          <a:effectLst/>
-                        </a:rPr>
-                        <a:t>62</a:t>
-                      </a:r>
-                      <a:endParaRPr lang="is-IS" sz="1100" b="0" i="0" u="none" strike="noStrike">
-                        <a:solidFill>
-                          <a:srgbClr val="00B050"/>
-                        </a:solidFill>
-                        <a:effectLst/>
-                        <a:latin typeface="Calibri" charset="0"/>
-                      </a:endParaRPr>
-                    </a:p>
-                  </a:txBody>
-                  <a:tcPr marL="0" marR="0" marT="0" marB="0" anchor="b"/>
-                </a:tc>
-              </a:tr>
-              <a:tr h="224589">
-                <a:tc>
-                  <a:txBody>
-                    <a:bodyPr/>
-                    <a:lstStyle/>
-                    <a:p>
-                      <a:pPr algn="l" fontAlgn="b"/>
-                      <a:r>
-                        <a:rPr lang="en-US" sz="1100" u="none" strike="noStrike" dirty="0">
-                          <a:solidFill>
-                            <a:srgbClr val="00B050"/>
-                          </a:solidFill>
-                          <a:effectLst/>
-                        </a:rPr>
-                        <a:t>JUICE HOOKAH SINGLE           </a:t>
-                      </a:r>
-                      <a:endParaRPr lang="en-US" sz="1100" b="1" i="0" u="none" strike="noStrike" dirty="0">
-                        <a:solidFill>
-                          <a:srgbClr val="00B050"/>
-                        </a:solidFill>
-                        <a:effectLst/>
-                        <a:latin typeface="Calibri" charset="0"/>
-                      </a:endParaRPr>
-                    </a:p>
-                  </a:txBody>
-                  <a:tcPr marL="0" marR="0" marT="0" marB="0" anchor="b"/>
-                </a:tc>
-                <a:tc>
-                  <a:txBody>
-                    <a:bodyPr/>
-                    <a:lstStyle/>
-                    <a:p>
-                      <a:pPr algn="r" fontAlgn="b"/>
-                      <a:r>
-                        <a:rPr lang="fi-FI" sz="1100" u="none" strike="noStrike" dirty="0">
-                          <a:solidFill>
-                            <a:srgbClr val="00B050"/>
-                          </a:solidFill>
-                          <a:effectLst/>
-                        </a:rPr>
-                        <a:t>18</a:t>
-                      </a:r>
-                      <a:endParaRPr lang="fi-FI" sz="1100" b="0" i="0" u="none" strike="noStrike" dirty="0">
-                        <a:solidFill>
-                          <a:srgbClr val="00B050"/>
-                        </a:solidFill>
-                        <a:effectLst/>
-                        <a:latin typeface="Calibri" charset="0"/>
-                      </a:endParaRPr>
-                    </a:p>
-                  </a:txBody>
-                  <a:tcPr marL="0" marR="0" marT="0" marB="0" anchor="b"/>
-                </a:tc>
-                <a:tc>
-                  <a:txBody>
-                    <a:bodyPr/>
-                    <a:lstStyle/>
-                    <a:p>
-                      <a:pPr algn="r" fontAlgn="b"/>
-                      <a:r>
-                        <a:rPr lang="en-US" sz="1100" u="none" strike="noStrike">
-                          <a:solidFill>
-                            <a:srgbClr val="00B050"/>
-                          </a:solidFill>
-                          <a:effectLst/>
-                        </a:rPr>
-                        <a:t>90</a:t>
-                      </a:r>
-                      <a:endParaRPr lang="en-US" sz="1100" b="0" i="0" u="none" strike="noStrike">
-                        <a:solidFill>
-                          <a:srgbClr val="00B050"/>
-                        </a:solidFill>
-                        <a:effectLst/>
-                        <a:latin typeface="Calibri" charset="0"/>
-                      </a:endParaRPr>
-                    </a:p>
-                  </a:txBody>
-                  <a:tcPr marL="0" marR="0" marT="0" marB="0" anchor="b"/>
-                </a:tc>
-              </a:tr>
-              <a:tr h="224589">
-                <a:tc>
-                  <a:txBody>
-                    <a:bodyPr/>
-                    <a:lstStyle/>
-                    <a:p>
-                      <a:pPr algn="l" fontAlgn="b"/>
-                      <a:r>
-                        <a:rPr lang="en-US" sz="1100" u="none" strike="noStrike" dirty="0">
-                          <a:solidFill>
-                            <a:srgbClr val="00B050"/>
-                          </a:solidFill>
-                          <a:effectLst/>
-                        </a:rPr>
-                        <a:t>MINT FLAVOUR SINGLE           </a:t>
-                      </a:r>
-                      <a:endParaRPr lang="en-US" sz="1100" b="1" i="0" u="none" strike="noStrike" dirty="0">
-                        <a:solidFill>
-                          <a:srgbClr val="00B050"/>
-                        </a:solidFill>
-                        <a:effectLst/>
-                        <a:latin typeface="Calibri" charset="0"/>
-                      </a:endParaRPr>
-                    </a:p>
-                  </a:txBody>
-                  <a:tcPr marL="0" marR="0" marT="0" marB="0" anchor="b"/>
-                </a:tc>
-                <a:tc>
-                  <a:txBody>
-                    <a:bodyPr/>
-                    <a:lstStyle/>
-                    <a:p>
-                      <a:pPr algn="r" fontAlgn="b"/>
-                      <a:r>
-                        <a:rPr lang="cs-CZ" sz="1100" u="none" strike="noStrike" dirty="0">
-                          <a:solidFill>
-                            <a:srgbClr val="00B050"/>
-                          </a:solidFill>
-                          <a:effectLst/>
-                        </a:rPr>
-                        <a:t>11</a:t>
-                      </a:r>
-                      <a:endParaRPr lang="cs-CZ" sz="1100" b="0" i="0" u="none" strike="noStrike" dirty="0">
-                        <a:solidFill>
-                          <a:srgbClr val="00B050"/>
-                        </a:solidFill>
-                        <a:effectLst/>
-                        <a:latin typeface="Calibri" charset="0"/>
-                      </a:endParaRPr>
-                    </a:p>
-                  </a:txBody>
-                  <a:tcPr marL="0" marR="0" marT="0" marB="0" anchor="b"/>
-                </a:tc>
-                <a:tc>
-                  <a:txBody>
-                    <a:bodyPr/>
-                    <a:lstStyle/>
-                    <a:p>
-                      <a:pPr algn="r" fontAlgn="b"/>
-                      <a:r>
-                        <a:rPr lang="is-IS" sz="1100" u="none" strike="noStrike" dirty="0">
-                          <a:solidFill>
-                            <a:srgbClr val="00B050"/>
-                          </a:solidFill>
-                          <a:effectLst/>
-                        </a:rPr>
-                        <a:t>13</a:t>
-                      </a:r>
-                      <a:endParaRPr lang="is-IS" sz="1100" b="0" i="0" u="none" strike="noStrike" dirty="0">
-                        <a:solidFill>
-                          <a:srgbClr val="00B050"/>
-                        </a:solidFill>
-                        <a:effectLst/>
-                        <a:latin typeface="Calibri" charset="0"/>
-                      </a:endParaRPr>
-                    </a:p>
-                  </a:txBody>
-                  <a:tcPr marL="0" marR="0" marT="0" marB="0" anchor="b"/>
-                </a:tc>
-              </a:tr>
-              <a:tr h="321851">
-                <a:tc>
-                  <a:txBody>
-                    <a:bodyPr/>
-                    <a:lstStyle/>
-                    <a:p>
-                      <a:pPr algn="l" fontAlgn="b"/>
-                      <a:r>
-                        <a:rPr lang="en-US" sz="1100" u="none" strike="noStrike" dirty="0">
-                          <a:solidFill>
-                            <a:srgbClr val="00B050"/>
-                          </a:solidFill>
-                          <a:effectLst/>
-                        </a:rPr>
-                        <a:t>MISCHIEF HOOKAH SINGLE        </a:t>
-                      </a:r>
-                      <a:endParaRPr lang="en-US" sz="1100" b="1" i="0" u="none" strike="noStrike" dirty="0">
-                        <a:solidFill>
-                          <a:srgbClr val="00B050"/>
-                        </a:solidFill>
-                        <a:effectLst/>
-                        <a:latin typeface="Calibri" charset="0"/>
-                      </a:endParaRPr>
-                    </a:p>
-                  </a:txBody>
-                  <a:tcPr marL="0" marR="0" marT="0" marB="0" anchor="b"/>
-                </a:tc>
-                <a:tc>
-                  <a:txBody>
-                    <a:bodyPr/>
-                    <a:lstStyle/>
-                    <a:p>
-                      <a:pPr algn="r" fontAlgn="b"/>
-                      <a:r>
-                        <a:rPr lang="is-IS" sz="1100" u="none" strike="noStrike">
-                          <a:solidFill>
-                            <a:srgbClr val="00B050"/>
-                          </a:solidFill>
-                          <a:effectLst/>
-                        </a:rPr>
-                        <a:t>22</a:t>
-                      </a:r>
-                      <a:endParaRPr lang="is-IS" sz="1100" b="0" i="0" u="none" strike="noStrike">
-                        <a:solidFill>
-                          <a:srgbClr val="00B050"/>
-                        </a:solidFill>
-                        <a:effectLst/>
-                        <a:latin typeface="Calibri" charset="0"/>
-                      </a:endParaRPr>
-                    </a:p>
-                  </a:txBody>
-                  <a:tcPr marL="0" marR="0" marT="0" marB="0" anchor="b"/>
-                </a:tc>
-                <a:tc>
-                  <a:txBody>
-                    <a:bodyPr/>
-                    <a:lstStyle/>
-                    <a:p>
-                      <a:pPr algn="r" fontAlgn="b"/>
-                      <a:r>
-                        <a:rPr lang="is-IS" sz="1100" u="none" strike="noStrike" dirty="0">
-                          <a:solidFill>
-                            <a:srgbClr val="00B050"/>
-                          </a:solidFill>
-                          <a:effectLst/>
-                        </a:rPr>
-                        <a:t>62</a:t>
-                      </a:r>
-                      <a:endParaRPr lang="is-IS" sz="1100" b="0" i="0" u="none" strike="noStrike" dirty="0">
-                        <a:solidFill>
-                          <a:srgbClr val="00B050"/>
-                        </a:solidFill>
-                        <a:effectLst/>
-                        <a:latin typeface="Calibri" charset="0"/>
-                      </a:endParaRPr>
-                    </a:p>
-                  </a:txBody>
-                  <a:tcPr marL="0" marR="0" marT="0" marB="0" anchor="b"/>
-                </a:tc>
-              </a:tr>
-              <a:tr h="224589">
-                <a:tc>
-                  <a:txBody>
-                    <a:bodyPr/>
-                    <a:lstStyle/>
-                    <a:p>
-                      <a:pPr algn="l" fontAlgn="b"/>
-                      <a:r>
-                        <a:rPr lang="en-US" sz="1100" u="none" strike="noStrike" dirty="0">
-                          <a:solidFill>
-                            <a:srgbClr val="00B050"/>
-                          </a:solidFill>
-                          <a:effectLst/>
-                        </a:rPr>
-                        <a:t>RABAT HOOKAH SINGLE           </a:t>
-                      </a:r>
-                      <a:endParaRPr lang="en-US" sz="1100" b="1" i="0" u="none" strike="noStrike" dirty="0">
-                        <a:solidFill>
-                          <a:srgbClr val="00B050"/>
-                        </a:solidFill>
-                        <a:effectLst/>
-                        <a:latin typeface="Calibri" charset="0"/>
-                      </a:endParaRPr>
-                    </a:p>
-                  </a:txBody>
-                  <a:tcPr marL="0" marR="0" marT="0" marB="0" anchor="b"/>
-                </a:tc>
-                <a:tc>
-                  <a:txBody>
-                    <a:bodyPr/>
-                    <a:lstStyle/>
-                    <a:p>
-                      <a:pPr algn="r" fontAlgn="b"/>
-                      <a:r>
-                        <a:rPr lang="fi-FI" sz="1100" u="none" strike="noStrike">
-                          <a:solidFill>
-                            <a:srgbClr val="00B050"/>
-                          </a:solidFill>
-                          <a:effectLst/>
-                        </a:rPr>
-                        <a:t>18</a:t>
-                      </a:r>
-                      <a:endParaRPr lang="fi-FI" sz="1100" b="0" i="0" u="none" strike="noStrike">
-                        <a:solidFill>
-                          <a:srgbClr val="00B050"/>
-                        </a:solidFill>
-                        <a:effectLst/>
-                        <a:latin typeface="Calibri" charset="0"/>
-                      </a:endParaRPr>
-                    </a:p>
-                  </a:txBody>
-                  <a:tcPr marL="0" marR="0" marT="0" marB="0" anchor="b"/>
-                </a:tc>
-                <a:tc>
-                  <a:txBody>
-                    <a:bodyPr/>
-                    <a:lstStyle/>
-                    <a:p>
-                      <a:pPr algn="r" fontAlgn="b"/>
-                      <a:r>
-                        <a:rPr lang="en-US" sz="1100" u="none" strike="noStrike" dirty="0">
-                          <a:solidFill>
-                            <a:srgbClr val="00B050"/>
-                          </a:solidFill>
-                          <a:effectLst/>
-                        </a:rPr>
-                        <a:t>84</a:t>
-                      </a:r>
-                      <a:endParaRPr lang="en-US" sz="1100" b="0" i="0" u="none" strike="noStrike" dirty="0">
-                        <a:solidFill>
-                          <a:srgbClr val="00B050"/>
-                        </a:solidFill>
-                        <a:effectLst/>
-                        <a:latin typeface="Calibri" charset="0"/>
-                      </a:endParaRPr>
-                    </a:p>
-                  </a:txBody>
-                  <a:tcPr marL="0" marR="0" marT="0" marB="0" anchor="b"/>
-                </a:tc>
-              </a:tr>
-              <a:tr h="321851">
-                <a:tc>
-                  <a:txBody>
-                    <a:bodyPr/>
-                    <a:lstStyle/>
-                    <a:p>
-                      <a:pPr algn="l" fontAlgn="b"/>
-                      <a:r>
-                        <a:rPr lang="en-US" sz="1100" u="none" strike="noStrike" dirty="0">
-                          <a:solidFill>
-                            <a:srgbClr val="00B050"/>
-                          </a:solidFill>
-                          <a:effectLst/>
-                        </a:rPr>
-                        <a:t>LINDT CHOCOLATE SHAKE         </a:t>
-                      </a:r>
-                      <a:endParaRPr lang="en-US" sz="1100" b="1" i="0" u="none" strike="noStrike" dirty="0">
-                        <a:solidFill>
-                          <a:srgbClr val="00B050"/>
-                        </a:solidFill>
-                        <a:effectLst/>
-                        <a:latin typeface="Calibri" charset="0"/>
-                      </a:endParaRPr>
-                    </a:p>
-                  </a:txBody>
-                  <a:tcPr marL="0" marR="0" marT="0" marB="0" anchor="b"/>
-                </a:tc>
-                <a:tc>
-                  <a:txBody>
-                    <a:bodyPr/>
-                    <a:lstStyle/>
-                    <a:p>
-                      <a:pPr algn="r" fontAlgn="b"/>
-                      <a:r>
-                        <a:rPr lang="mr-IN" sz="1100" u="none" strike="noStrike">
-                          <a:solidFill>
-                            <a:srgbClr val="00B050"/>
-                          </a:solidFill>
-                          <a:effectLst/>
-                        </a:rPr>
-                        <a:t>-20</a:t>
-                      </a:r>
-                      <a:endParaRPr lang="mr-IN" sz="1100" b="0" i="0" u="none" strike="noStrike">
-                        <a:solidFill>
-                          <a:srgbClr val="00B050"/>
-                        </a:solidFill>
-                        <a:effectLst/>
-                        <a:latin typeface="Calibri" charset="0"/>
-                      </a:endParaRPr>
-                    </a:p>
-                  </a:txBody>
-                  <a:tcPr marL="0" marR="0" marT="0" marB="0" anchor="b"/>
-                </a:tc>
-                <a:tc>
-                  <a:txBody>
-                    <a:bodyPr/>
-                    <a:lstStyle/>
-                    <a:p>
-                      <a:pPr algn="r" fontAlgn="b"/>
-                      <a:r>
-                        <a:rPr lang="is-IS" sz="1100" u="none" strike="noStrike" dirty="0">
-                          <a:solidFill>
-                            <a:srgbClr val="00B050"/>
-                          </a:solidFill>
-                          <a:effectLst/>
-                        </a:rPr>
-                        <a:t>13</a:t>
-                      </a:r>
-                      <a:endParaRPr lang="is-IS" sz="1100" b="0" i="0" u="none" strike="noStrike" dirty="0">
-                        <a:solidFill>
-                          <a:srgbClr val="00B050"/>
-                        </a:solidFill>
-                        <a:effectLst/>
-                        <a:latin typeface="Calibri" charset="0"/>
-                      </a:endParaRPr>
-                    </a:p>
-                  </a:txBody>
-                  <a:tcPr marL="0" marR="0" marT="0" marB="0" anchor="b"/>
-                </a:tc>
-              </a:tr>
-              <a:tr h="224589">
-                <a:tc>
-                  <a:txBody>
-                    <a:bodyPr/>
-                    <a:lstStyle/>
-                    <a:p>
-                      <a:pPr algn="l" fontAlgn="b"/>
-                      <a:r>
-                        <a:rPr lang="mr-IN" sz="1100" u="none" strike="noStrike" dirty="0">
-                          <a:solidFill>
-                            <a:srgbClr val="00B050"/>
-                          </a:solidFill>
-                          <a:effectLst/>
-                        </a:rPr>
-                        <a:t>MT. BROWNIE                   </a:t>
-                      </a:r>
-                      <a:endParaRPr lang="mr-IN" sz="1100" b="1" i="0" u="none" strike="noStrike" dirty="0">
-                        <a:solidFill>
-                          <a:srgbClr val="00B050"/>
-                        </a:solidFill>
-                        <a:effectLst/>
-                        <a:latin typeface="Calibri" charset="0"/>
-                      </a:endParaRPr>
-                    </a:p>
-                  </a:txBody>
-                  <a:tcPr marL="0" marR="0" marT="0" marB="0" anchor="b"/>
-                </a:tc>
-                <a:tc>
-                  <a:txBody>
-                    <a:bodyPr/>
-                    <a:lstStyle/>
-                    <a:p>
-                      <a:pPr algn="r" fontAlgn="b"/>
-                      <a:r>
-                        <a:rPr lang="mr-IN" sz="1100" u="none" strike="noStrike">
-                          <a:solidFill>
-                            <a:srgbClr val="00B050"/>
-                          </a:solidFill>
-                          <a:effectLst/>
-                        </a:rPr>
-                        <a:t>-11</a:t>
-                      </a:r>
-                      <a:endParaRPr lang="mr-IN" sz="1100" b="0" i="0" u="none" strike="noStrike">
-                        <a:solidFill>
-                          <a:srgbClr val="00B050"/>
-                        </a:solidFill>
-                        <a:effectLst/>
-                        <a:latin typeface="Calibri" charset="0"/>
-                      </a:endParaRPr>
-                    </a:p>
-                  </a:txBody>
-                  <a:tcPr marL="0" marR="0" marT="0" marB="0" anchor="b"/>
-                </a:tc>
-                <a:tc>
-                  <a:txBody>
-                    <a:bodyPr/>
-                    <a:lstStyle/>
-                    <a:p>
-                      <a:pPr algn="r" fontAlgn="b"/>
-                      <a:r>
-                        <a:rPr lang="ru-RU" sz="1100" u="none" strike="noStrike" dirty="0">
-                          <a:solidFill>
-                            <a:srgbClr val="00B050"/>
-                          </a:solidFill>
-                          <a:effectLst/>
-                        </a:rPr>
-                        <a:t>34</a:t>
-                      </a:r>
-                      <a:endParaRPr lang="ru-RU" sz="1100" b="0" i="0" u="none" strike="noStrike" dirty="0">
-                        <a:solidFill>
-                          <a:srgbClr val="00B050"/>
-                        </a:solidFill>
-                        <a:effectLst/>
-                        <a:latin typeface="Calibri" charset="0"/>
-                      </a:endParaRPr>
-                    </a:p>
-                  </a:txBody>
-                  <a:tcPr marL="0" marR="0" marT="0" marB="0" anchor="b"/>
-                </a:tc>
-              </a:tr>
-              <a:tr h="321851">
-                <a:tc>
-                  <a:txBody>
-                    <a:bodyPr/>
-                    <a:lstStyle/>
-                    <a:p>
-                      <a:pPr algn="l" fontAlgn="b"/>
-                      <a:r>
-                        <a:rPr lang="en-US" sz="1100" u="none" strike="noStrike" dirty="0">
-                          <a:solidFill>
-                            <a:srgbClr val="00B050"/>
-                          </a:solidFill>
-                          <a:effectLst/>
-                        </a:rPr>
-                        <a:t>COLUMBIAN SUPREMO  (REG)      </a:t>
-                      </a:r>
-                      <a:endParaRPr lang="en-US" sz="1100" b="1" i="0" u="none" strike="noStrike" dirty="0">
-                        <a:solidFill>
-                          <a:srgbClr val="00B050"/>
-                        </a:solidFill>
-                        <a:effectLst/>
-                        <a:latin typeface="Calibri" charset="0"/>
-                      </a:endParaRPr>
-                    </a:p>
-                  </a:txBody>
-                  <a:tcPr marL="0" marR="0" marT="0" marB="0" anchor="b"/>
-                </a:tc>
-                <a:tc>
-                  <a:txBody>
-                    <a:bodyPr/>
-                    <a:lstStyle/>
-                    <a:p>
-                      <a:pPr algn="r" fontAlgn="b"/>
-                      <a:r>
-                        <a:rPr lang="mr-IN" sz="1100" u="none" strike="noStrike">
-                          <a:solidFill>
-                            <a:srgbClr val="00B050"/>
-                          </a:solidFill>
-                          <a:effectLst/>
-                        </a:rPr>
-                        <a:t>-17</a:t>
-                      </a:r>
-                      <a:endParaRPr lang="mr-IN" sz="1100" b="0" i="0" u="none" strike="noStrike">
-                        <a:solidFill>
-                          <a:srgbClr val="00B050"/>
-                        </a:solidFill>
-                        <a:effectLst/>
-                        <a:latin typeface="Calibri" charset="0"/>
-                      </a:endParaRPr>
-                    </a:p>
-                  </a:txBody>
-                  <a:tcPr marL="0" marR="0" marT="0" marB="0" anchor="b"/>
-                </a:tc>
-                <a:tc>
-                  <a:txBody>
-                    <a:bodyPr/>
-                    <a:lstStyle/>
-                    <a:p>
-                      <a:pPr algn="r" fontAlgn="b"/>
-                      <a:r>
-                        <a:rPr lang="en-US" sz="1100" u="none" strike="noStrike" dirty="0">
-                          <a:solidFill>
-                            <a:srgbClr val="00B050"/>
-                          </a:solidFill>
-                          <a:effectLst/>
-                        </a:rPr>
-                        <a:t>47</a:t>
-                      </a:r>
-                      <a:endParaRPr lang="en-US" sz="1100" b="0" i="0" u="none" strike="noStrike" dirty="0">
-                        <a:solidFill>
-                          <a:srgbClr val="00B050"/>
-                        </a:solidFill>
-                        <a:effectLst/>
-                        <a:latin typeface="Calibri" charset="0"/>
-                      </a:endParaRPr>
-                    </a:p>
-                  </a:txBody>
-                  <a:tcPr marL="0" marR="0" marT="0" marB="0" anchor="b"/>
-                </a:tc>
-              </a:tr>
-              <a:tr h="224589">
-                <a:tc>
-                  <a:txBody>
-                    <a:bodyPr/>
-                    <a:lstStyle/>
-                    <a:p>
-                      <a:pPr algn="l" fontAlgn="b"/>
-                      <a:r>
-                        <a:rPr lang="en-US" sz="1100" u="none" strike="noStrike" dirty="0">
-                          <a:solidFill>
-                            <a:srgbClr val="00B050"/>
-                          </a:solidFill>
-                          <a:effectLst/>
-                        </a:rPr>
-                        <a:t>LINDT HOT CHOCOLATE           </a:t>
-                      </a:r>
-                      <a:endParaRPr lang="en-US" sz="1100" b="1" i="0" u="none" strike="noStrike" dirty="0">
-                        <a:solidFill>
-                          <a:srgbClr val="00B050"/>
-                        </a:solidFill>
-                        <a:effectLst/>
-                        <a:latin typeface="Calibri" charset="0"/>
-                      </a:endParaRPr>
-                    </a:p>
-                  </a:txBody>
-                  <a:tcPr marL="0" marR="0" marT="0" marB="0" anchor="b"/>
-                </a:tc>
-                <a:tc>
-                  <a:txBody>
-                    <a:bodyPr/>
-                    <a:lstStyle/>
-                    <a:p>
-                      <a:pPr algn="r" fontAlgn="b"/>
-                      <a:r>
-                        <a:rPr lang="mr-IN" sz="1100" u="none" strike="noStrike">
-                          <a:solidFill>
-                            <a:srgbClr val="00B050"/>
-                          </a:solidFill>
-                          <a:effectLst/>
-                        </a:rPr>
-                        <a:t>-23</a:t>
-                      </a:r>
-                      <a:endParaRPr lang="mr-IN" sz="1100" b="0" i="0" u="none" strike="noStrike">
-                        <a:solidFill>
-                          <a:srgbClr val="00B050"/>
-                        </a:solidFill>
-                        <a:effectLst/>
-                        <a:latin typeface="Calibri" charset="0"/>
-                      </a:endParaRPr>
-                    </a:p>
-                  </a:txBody>
-                  <a:tcPr marL="0" marR="0" marT="0" marB="0" anchor="b"/>
-                </a:tc>
-                <a:tc>
-                  <a:txBody>
-                    <a:bodyPr/>
-                    <a:lstStyle/>
-                    <a:p>
-                      <a:pPr algn="r" fontAlgn="b"/>
-                      <a:r>
-                        <a:rPr lang="en-US" sz="1100" u="none" strike="noStrike" dirty="0">
-                          <a:solidFill>
-                            <a:srgbClr val="00B050"/>
-                          </a:solidFill>
-                          <a:effectLst/>
-                        </a:rPr>
-                        <a:t>50</a:t>
-                      </a:r>
-                      <a:endParaRPr lang="en-US" sz="1100" b="0" i="0" u="none" strike="noStrike" dirty="0">
-                        <a:solidFill>
-                          <a:srgbClr val="00B050"/>
-                        </a:solidFill>
-                        <a:effectLst/>
-                        <a:latin typeface="Calibri" charset="0"/>
-                      </a:endParaRPr>
-                    </a:p>
-                  </a:txBody>
-                  <a:tcPr marL="0" marR="0" marT="0" marB="0" anchor="b"/>
-                </a:tc>
-              </a:tr>
-              <a:tr h="321851">
-                <a:tc>
-                  <a:txBody>
-                    <a:bodyPr/>
-                    <a:lstStyle/>
-                    <a:p>
-                      <a:pPr algn="l" fontAlgn="b"/>
-                      <a:r>
-                        <a:rPr lang="en-US" sz="1100" u="none" strike="noStrike" dirty="0">
-                          <a:solidFill>
-                            <a:srgbClr val="00B050"/>
-                          </a:solidFill>
-                          <a:effectLst/>
-                        </a:rPr>
-                        <a:t>COLUMBIAN SUPREMO (AULAIT)    </a:t>
-                      </a:r>
-                      <a:endParaRPr lang="en-US" sz="1100" b="1" i="0" u="none" strike="noStrike" dirty="0">
-                        <a:solidFill>
-                          <a:srgbClr val="00B050"/>
-                        </a:solidFill>
-                        <a:effectLst/>
-                        <a:latin typeface="Calibri" charset="0"/>
-                      </a:endParaRPr>
-                    </a:p>
-                  </a:txBody>
-                  <a:tcPr marL="0" marR="0" marT="0" marB="0" anchor="b"/>
-                </a:tc>
-                <a:tc>
-                  <a:txBody>
-                    <a:bodyPr/>
-                    <a:lstStyle/>
-                    <a:p>
-                      <a:pPr algn="r" fontAlgn="b"/>
-                      <a:r>
-                        <a:rPr lang="mr-IN" sz="1100" u="none" strike="noStrike" dirty="0">
-                          <a:solidFill>
-                            <a:srgbClr val="00B050"/>
-                          </a:solidFill>
-                          <a:effectLst/>
-                        </a:rPr>
-                        <a:t>-15</a:t>
-                      </a:r>
-                      <a:endParaRPr lang="mr-IN" sz="1100" b="0" i="0" u="none" strike="noStrike" dirty="0">
-                        <a:solidFill>
-                          <a:srgbClr val="00B050"/>
-                        </a:solidFill>
-                        <a:effectLst/>
-                        <a:latin typeface="Calibri" charset="0"/>
-                      </a:endParaRPr>
-                    </a:p>
-                  </a:txBody>
-                  <a:tcPr marL="0" marR="0" marT="0" marB="0" anchor="b"/>
-                </a:tc>
-                <a:tc>
-                  <a:txBody>
-                    <a:bodyPr/>
-                    <a:lstStyle/>
-                    <a:p>
-                      <a:pPr algn="r" fontAlgn="b"/>
-                      <a:r>
-                        <a:rPr lang="is-IS" sz="1100" u="none" strike="noStrike" dirty="0">
-                          <a:solidFill>
-                            <a:srgbClr val="00B050"/>
-                          </a:solidFill>
-                          <a:effectLst/>
-                        </a:rPr>
-                        <a:t>27</a:t>
-                      </a:r>
-                      <a:endParaRPr lang="is-IS" sz="1100" b="0" i="0" u="none" strike="noStrike" dirty="0">
-                        <a:solidFill>
-                          <a:srgbClr val="00B050"/>
-                        </a:solidFill>
-                        <a:effectLst/>
-                        <a:latin typeface="Calibri" charset="0"/>
-                      </a:endParaRPr>
-                    </a:p>
-                  </a:txBody>
-                  <a:tcPr marL="0" marR="0" marT="0" marB="0" anchor="b"/>
-                </a:tc>
-              </a:tr>
-            </a:tbl>
-          </a:graphicData>
-        </a:graphic>
-      </p:graphicFrame>
-      <p:graphicFrame>
-        <p:nvGraphicFramePr>
-          <p:cNvPr id="10" name="Table 9"/>
-          <p:cNvGraphicFramePr>
-            <a:graphicFrameLocks noGrp="1"/>
-          </p:cNvGraphicFramePr>
-          <p:nvPr>
-            <p:extLst>
-              <p:ext uri="{D42A27DB-BD31-4B8C-83A1-F6EECF244321}">
-                <p14:modId xmlns:p14="http://schemas.microsoft.com/office/powerpoint/2010/main" val="867406200"/>
-              </p:ext>
-            </p:extLst>
-          </p:nvPr>
-        </p:nvGraphicFramePr>
-        <p:xfrm>
-          <a:off x="4467790" y="1387344"/>
-          <a:ext cx="3121293" cy="4827408"/>
-        </p:xfrm>
-        <a:graphic>
-          <a:graphicData uri="http://schemas.openxmlformats.org/drawingml/2006/table">
-            <a:tbl>
-              <a:tblPr>
-                <a:tableStyleId>{93296810-A885-4BE3-A3E7-6D5BEEA58F35}</a:tableStyleId>
-              </a:tblPr>
-              <a:tblGrid>
-                <a:gridCol w="1362619"/>
-                <a:gridCol w="607429"/>
-                <a:gridCol w="1151245"/>
-              </a:tblGrid>
-              <a:tr h="184326">
-                <a:tc>
-                  <a:txBody>
-                    <a:bodyPr/>
-                    <a:lstStyle/>
-                    <a:p>
-                      <a:pPr algn="l" fontAlgn="b"/>
-                      <a:r>
-                        <a:rPr lang="en-US" sz="1100" b="1" u="none" strike="noStrike" dirty="0">
-                          <a:effectLst/>
-                        </a:rPr>
-                        <a:t>Item Name</a:t>
-                      </a:r>
-                      <a:endParaRPr lang="en-US" sz="1100" b="1" i="0" u="none" strike="noStrike" dirty="0">
-                        <a:solidFill>
-                          <a:srgbClr val="000000"/>
-                        </a:solidFill>
-                        <a:effectLst/>
-                        <a:latin typeface="Calibri" charset="0"/>
-                      </a:endParaRPr>
-                    </a:p>
-                  </a:txBody>
-                  <a:tcPr marL="0" marR="0" marT="0" marB="0" anchor="ctr"/>
-                </a:tc>
-                <a:tc>
-                  <a:txBody>
-                    <a:bodyPr/>
-                    <a:lstStyle/>
-                    <a:p>
-                      <a:pPr algn="l" fontAlgn="b"/>
-                      <a:r>
-                        <a:rPr lang="en-US" sz="1100" b="1" u="none" strike="noStrike" dirty="0">
-                          <a:effectLst/>
-                        </a:rPr>
-                        <a:t>Price Change</a:t>
-                      </a:r>
-                      <a:endParaRPr lang="en-US" sz="1100" b="1" i="0" u="none" strike="noStrike" dirty="0">
-                        <a:solidFill>
-                          <a:srgbClr val="000000"/>
-                        </a:solidFill>
-                        <a:effectLst/>
-                        <a:latin typeface="Calibri" charset="0"/>
-                      </a:endParaRPr>
-                    </a:p>
-                  </a:txBody>
-                  <a:tcPr marL="0" marR="0" marT="0" marB="0" anchor="ctr"/>
-                </a:tc>
-                <a:tc>
-                  <a:txBody>
-                    <a:bodyPr/>
-                    <a:lstStyle/>
-                    <a:p>
-                      <a:pPr algn="l" fontAlgn="b"/>
-                      <a:r>
-                        <a:rPr lang="en-US" sz="1100" b="1" u="none" strike="noStrike" dirty="0">
-                          <a:effectLst/>
-                        </a:rPr>
-                        <a:t>Sales Volume Change</a:t>
-                      </a:r>
-                      <a:endParaRPr lang="en-US" sz="1100" b="1" i="0" u="none" strike="noStrike" dirty="0">
-                        <a:solidFill>
-                          <a:srgbClr val="000000"/>
-                        </a:solidFill>
-                        <a:effectLst/>
-                        <a:latin typeface="Calibri" charset="0"/>
-                      </a:endParaRPr>
-                    </a:p>
-                  </a:txBody>
-                  <a:tcPr marL="0" marR="0" marT="0" marB="0" anchor="ctr"/>
-                </a:tc>
-              </a:tr>
-              <a:tr h="184326">
-                <a:tc>
-                  <a:txBody>
-                    <a:bodyPr/>
-                    <a:lstStyle/>
-                    <a:p>
-                      <a:pPr algn="l" fontAlgn="b"/>
-                      <a:r>
-                        <a:rPr lang="en-US" sz="1100" u="none" strike="noStrike" dirty="0">
-                          <a:solidFill>
-                            <a:srgbClr val="FF0000"/>
-                          </a:solidFill>
-                          <a:effectLst/>
-                        </a:rPr>
-                        <a:t>BAILEYS IRISH SHAKE           </a:t>
-                      </a:r>
-                      <a:endParaRPr lang="en-US" sz="1100" b="1" i="0" u="none" strike="noStrike" dirty="0">
-                        <a:solidFill>
-                          <a:srgbClr val="FF0000"/>
-                        </a:solidFill>
-                        <a:effectLst/>
-                        <a:latin typeface="Calibri" charset="0"/>
-                      </a:endParaRPr>
-                    </a:p>
-                  </a:txBody>
-                  <a:tcPr marL="0" marR="0" marT="0" marB="0" anchor="b"/>
-                </a:tc>
-                <a:tc>
-                  <a:txBody>
-                    <a:bodyPr/>
-                    <a:lstStyle/>
-                    <a:p>
-                      <a:pPr algn="r" fontAlgn="b"/>
-                      <a:r>
-                        <a:rPr lang="en-US" sz="1100" u="none" strike="noStrike">
-                          <a:solidFill>
-                            <a:srgbClr val="FF0000"/>
-                          </a:solidFill>
-                          <a:effectLst/>
-                        </a:rPr>
-                        <a:t>17</a:t>
-                      </a:r>
-                      <a:endParaRPr lang="en-US" sz="1100" b="0" i="0" u="none" strike="noStrike">
-                        <a:solidFill>
-                          <a:srgbClr val="FF0000"/>
-                        </a:solidFill>
-                        <a:effectLst/>
-                        <a:latin typeface="Calibri" charset="0"/>
-                      </a:endParaRPr>
-                    </a:p>
-                  </a:txBody>
-                  <a:tcPr marL="0" marR="0" marT="0" marB="0" anchor="b"/>
-                </a:tc>
-                <a:tc>
-                  <a:txBody>
-                    <a:bodyPr/>
-                    <a:lstStyle/>
-                    <a:p>
-                      <a:pPr algn="r" fontAlgn="b"/>
-                      <a:r>
-                        <a:rPr lang="mr-IN" sz="1100" u="none" strike="noStrike" dirty="0">
-                          <a:solidFill>
-                            <a:srgbClr val="FF0000"/>
-                          </a:solidFill>
-                          <a:effectLst/>
-                        </a:rPr>
-                        <a:t>-12</a:t>
-                      </a:r>
-                      <a:endParaRPr lang="mr-IN" sz="1100" b="0" i="0" u="none" strike="noStrike" dirty="0">
-                        <a:solidFill>
-                          <a:srgbClr val="FF0000"/>
-                        </a:solidFill>
-                        <a:effectLst/>
-                        <a:latin typeface="Calibri" charset="0"/>
-                      </a:endParaRPr>
-                    </a:p>
-                  </a:txBody>
-                  <a:tcPr marL="0" marR="0" marT="0" marB="0" anchor="b"/>
-                </a:tc>
-              </a:tr>
-              <a:tr h="184326">
-                <a:tc>
-                  <a:txBody>
-                    <a:bodyPr/>
-                    <a:lstStyle/>
-                    <a:p>
-                      <a:pPr algn="l" fontAlgn="b"/>
-                      <a:r>
-                        <a:rPr lang="en-US" sz="1100" u="none" strike="noStrike" dirty="0">
-                          <a:solidFill>
-                            <a:srgbClr val="FF0000"/>
-                          </a:solidFill>
-                          <a:effectLst/>
-                        </a:rPr>
-                        <a:t>CHEESE CAKE OF THE WEEK       </a:t>
-                      </a:r>
-                      <a:endParaRPr lang="en-US" sz="1100" b="1" i="0" u="none" strike="noStrike" dirty="0">
-                        <a:solidFill>
-                          <a:srgbClr val="FF0000"/>
-                        </a:solidFill>
-                        <a:effectLst/>
-                        <a:latin typeface="Calibri" charset="0"/>
-                      </a:endParaRPr>
-                    </a:p>
-                  </a:txBody>
-                  <a:tcPr marL="0" marR="0" marT="0" marB="0" anchor="b"/>
-                </a:tc>
-                <a:tc>
-                  <a:txBody>
-                    <a:bodyPr/>
-                    <a:lstStyle/>
-                    <a:p>
-                      <a:pPr algn="r" fontAlgn="b"/>
-                      <a:r>
-                        <a:rPr lang="is-IS" sz="1100" u="none" strike="noStrike">
-                          <a:solidFill>
-                            <a:srgbClr val="FF0000"/>
-                          </a:solidFill>
-                          <a:effectLst/>
-                        </a:rPr>
-                        <a:t>52</a:t>
-                      </a:r>
-                      <a:endParaRPr lang="is-IS" sz="1100" b="0" i="0" u="none" strike="noStrike">
-                        <a:solidFill>
-                          <a:srgbClr val="FF0000"/>
-                        </a:solidFill>
-                        <a:effectLst/>
-                        <a:latin typeface="Calibri" charset="0"/>
-                      </a:endParaRPr>
-                    </a:p>
-                  </a:txBody>
-                  <a:tcPr marL="0" marR="0" marT="0" marB="0" anchor="b"/>
-                </a:tc>
-                <a:tc>
-                  <a:txBody>
-                    <a:bodyPr/>
-                    <a:lstStyle/>
-                    <a:p>
-                      <a:pPr algn="r" fontAlgn="b"/>
-                      <a:r>
-                        <a:rPr lang="mr-IN" sz="1100" u="none" strike="noStrike" dirty="0">
-                          <a:solidFill>
-                            <a:srgbClr val="FF0000"/>
-                          </a:solidFill>
-                          <a:effectLst/>
-                        </a:rPr>
-                        <a:t>-38</a:t>
-                      </a:r>
-                      <a:endParaRPr lang="mr-IN" sz="1100" b="0" i="0" u="none" strike="noStrike" dirty="0">
-                        <a:solidFill>
-                          <a:srgbClr val="FF0000"/>
-                        </a:solidFill>
-                        <a:effectLst/>
-                        <a:latin typeface="Calibri" charset="0"/>
-                      </a:endParaRPr>
-                    </a:p>
-                  </a:txBody>
-                  <a:tcPr marL="0" marR="0" marT="0" marB="0" anchor="b"/>
-                </a:tc>
-              </a:tr>
-              <a:tr h="184326">
-                <a:tc>
-                  <a:txBody>
-                    <a:bodyPr/>
-                    <a:lstStyle/>
-                    <a:p>
-                      <a:pPr algn="l" fontAlgn="b"/>
-                      <a:r>
-                        <a:rPr lang="mr-IN" sz="1100" u="none" strike="noStrike" dirty="0">
-                          <a:solidFill>
-                            <a:srgbClr val="FF0000"/>
-                          </a:solidFill>
-                          <a:effectLst/>
-                        </a:rPr>
-                        <a:t>JR.CHL AVALANCHE              </a:t>
-                      </a:r>
-                      <a:endParaRPr lang="mr-IN" sz="1100" b="1" i="0" u="none" strike="noStrike" dirty="0">
-                        <a:solidFill>
-                          <a:srgbClr val="FF0000"/>
-                        </a:solidFill>
-                        <a:effectLst/>
-                        <a:latin typeface="Calibri" charset="0"/>
-                      </a:endParaRPr>
-                    </a:p>
-                  </a:txBody>
-                  <a:tcPr marL="0" marR="0" marT="0" marB="0" anchor="b"/>
-                </a:tc>
-                <a:tc>
-                  <a:txBody>
-                    <a:bodyPr/>
-                    <a:lstStyle/>
-                    <a:p>
-                      <a:pPr algn="r" fontAlgn="b"/>
-                      <a:r>
-                        <a:rPr lang="en-US" sz="1100" u="none" strike="noStrike">
-                          <a:solidFill>
-                            <a:srgbClr val="FF0000"/>
-                          </a:solidFill>
-                          <a:effectLst/>
-                        </a:rPr>
-                        <a:t>31</a:t>
-                      </a:r>
-                      <a:endParaRPr lang="en-US" sz="1100" b="0" i="0" u="none" strike="noStrike">
-                        <a:solidFill>
-                          <a:srgbClr val="FF0000"/>
-                        </a:solidFill>
-                        <a:effectLst/>
-                        <a:latin typeface="Calibri" charset="0"/>
-                      </a:endParaRPr>
-                    </a:p>
-                  </a:txBody>
-                  <a:tcPr marL="0" marR="0" marT="0" marB="0" anchor="b"/>
-                </a:tc>
-                <a:tc>
-                  <a:txBody>
-                    <a:bodyPr/>
-                    <a:lstStyle/>
-                    <a:p>
-                      <a:pPr algn="r" fontAlgn="b"/>
-                      <a:r>
-                        <a:rPr lang="mr-IN" sz="1100" u="none" strike="noStrike">
-                          <a:solidFill>
-                            <a:srgbClr val="FF0000"/>
-                          </a:solidFill>
-                          <a:effectLst/>
-                        </a:rPr>
-                        <a:t>-50</a:t>
-                      </a:r>
-                      <a:endParaRPr lang="mr-IN" sz="1100" b="0" i="0" u="none" strike="noStrike">
-                        <a:solidFill>
-                          <a:srgbClr val="FF0000"/>
-                        </a:solidFill>
-                        <a:effectLst/>
-                        <a:latin typeface="Calibri" charset="0"/>
-                      </a:endParaRPr>
-                    </a:p>
-                  </a:txBody>
-                  <a:tcPr marL="0" marR="0" marT="0" marB="0" anchor="b"/>
-                </a:tc>
-              </a:tr>
-              <a:tr h="184326">
-                <a:tc>
-                  <a:txBody>
-                    <a:bodyPr/>
-                    <a:lstStyle/>
-                    <a:p>
-                      <a:pPr algn="l" fontAlgn="b"/>
-                      <a:r>
-                        <a:rPr lang="mr-IN" sz="1100" u="none" strike="noStrike" dirty="0">
-                          <a:solidFill>
-                            <a:srgbClr val="FF0000"/>
-                          </a:solidFill>
-                          <a:effectLst/>
-                        </a:rPr>
-                        <a:t>CAFFE LATTE                   </a:t>
-                      </a:r>
-                      <a:endParaRPr lang="mr-IN" sz="1100" b="1" i="0" u="none" strike="noStrike" dirty="0">
-                        <a:solidFill>
-                          <a:srgbClr val="FF0000"/>
-                        </a:solidFill>
-                        <a:effectLst/>
-                        <a:latin typeface="Calibri" charset="0"/>
-                      </a:endParaRPr>
-                    </a:p>
-                  </a:txBody>
-                  <a:tcPr marL="0" marR="0" marT="0" marB="0" anchor="b"/>
-                </a:tc>
-                <a:tc>
-                  <a:txBody>
-                    <a:bodyPr/>
-                    <a:lstStyle/>
-                    <a:p>
-                      <a:pPr algn="r" fontAlgn="b"/>
-                      <a:r>
-                        <a:rPr lang="en-US" sz="1100" u="none" strike="noStrike">
-                          <a:solidFill>
-                            <a:srgbClr val="FF0000"/>
-                          </a:solidFill>
-                          <a:effectLst/>
-                        </a:rPr>
-                        <a:t>14</a:t>
-                      </a:r>
-                      <a:endParaRPr lang="en-US" sz="1100" b="0" i="0" u="none" strike="noStrike">
-                        <a:solidFill>
-                          <a:srgbClr val="FF0000"/>
-                        </a:solidFill>
-                        <a:effectLst/>
-                        <a:latin typeface="Calibri" charset="0"/>
-                      </a:endParaRPr>
-                    </a:p>
-                  </a:txBody>
-                  <a:tcPr marL="0" marR="0" marT="0" marB="0" anchor="b"/>
-                </a:tc>
-                <a:tc>
-                  <a:txBody>
-                    <a:bodyPr/>
-                    <a:lstStyle/>
-                    <a:p>
-                      <a:pPr algn="r" fontAlgn="b"/>
-                      <a:r>
-                        <a:rPr lang="mr-IN" sz="1100" u="none" strike="noStrike">
-                          <a:solidFill>
-                            <a:srgbClr val="FF0000"/>
-                          </a:solidFill>
-                          <a:effectLst/>
-                        </a:rPr>
-                        <a:t>-7</a:t>
-                      </a:r>
-                      <a:endParaRPr lang="mr-IN" sz="1100" b="0" i="0" u="none" strike="noStrike">
-                        <a:solidFill>
-                          <a:srgbClr val="FF0000"/>
-                        </a:solidFill>
-                        <a:effectLst/>
-                        <a:latin typeface="Calibri" charset="0"/>
-                      </a:endParaRPr>
-                    </a:p>
-                  </a:txBody>
-                  <a:tcPr marL="0" marR="0" marT="0" marB="0" anchor="b"/>
-                </a:tc>
-              </a:tr>
-              <a:tr h="184326">
-                <a:tc>
-                  <a:txBody>
-                    <a:bodyPr/>
-                    <a:lstStyle/>
-                    <a:p>
-                      <a:pPr algn="l" fontAlgn="b"/>
-                      <a:r>
-                        <a:rPr lang="mr-IN" sz="1100" u="none" strike="noStrike" dirty="0">
-                          <a:solidFill>
-                            <a:srgbClr val="FF0000"/>
-                          </a:solidFill>
-                          <a:effectLst/>
-                        </a:rPr>
-                        <a:t>CAPPUCCINO                    </a:t>
-                      </a:r>
-                      <a:endParaRPr lang="mr-IN" sz="1100" b="1" i="0" u="none" strike="noStrike" dirty="0">
-                        <a:solidFill>
-                          <a:srgbClr val="FF0000"/>
-                        </a:solidFill>
-                        <a:effectLst/>
-                        <a:latin typeface="Calibri" charset="0"/>
-                      </a:endParaRPr>
-                    </a:p>
-                  </a:txBody>
-                  <a:tcPr marL="0" marR="0" marT="0" marB="0" anchor="b"/>
-                </a:tc>
-                <a:tc>
-                  <a:txBody>
-                    <a:bodyPr/>
-                    <a:lstStyle/>
-                    <a:p>
-                      <a:pPr algn="r" fontAlgn="b"/>
-                      <a:r>
-                        <a:rPr lang="en-US" sz="1100" u="none" strike="noStrike">
-                          <a:solidFill>
-                            <a:srgbClr val="FF0000"/>
-                          </a:solidFill>
-                          <a:effectLst/>
-                        </a:rPr>
-                        <a:t>17</a:t>
-                      </a:r>
-                      <a:endParaRPr lang="en-US" sz="1100" b="0" i="0" u="none" strike="noStrike">
-                        <a:solidFill>
-                          <a:srgbClr val="FF0000"/>
-                        </a:solidFill>
-                        <a:effectLst/>
-                        <a:latin typeface="Calibri" charset="0"/>
-                      </a:endParaRPr>
-                    </a:p>
-                  </a:txBody>
-                  <a:tcPr marL="0" marR="0" marT="0" marB="0" anchor="b"/>
-                </a:tc>
-                <a:tc>
-                  <a:txBody>
-                    <a:bodyPr/>
-                    <a:lstStyle/>
-                    <a:p>
-                      <a:pPr algn="r" fontAlgn="b"/>
-                      <a:r>
-                        <a:rPr lang="mr-IN" sz="1100" u="none" strike="noStrike">
-                          <a:solidFill>
-                            <a:srgbClr val="FF0000"/>
-                          </a:solidFill>
-                          <a:effectLst/>
-                        </a:rPr>
-                        <a:t>-22</a:t>
-                      </a:r>
-                      <a:endParaRPr lang="mr-IN" sz="1100" b="0" i="0" u="none" strike="noStrike">
-                        <a:solidFill>
-                          <a:srgbClr val="FF0000"/>
-                        </a:solidFill>
-                        <a:effectLst/>
-                        <a:latin typeface="Calibri" charset="0"/>
-                      </a:endParaRPr>
-                    </a:p>
-                  </a:txBody>
-                  <a:tcPr marL="0" marR="0" marT="0" marB="0" anchor="b"/>
-                </a:tc>
-              </a:tr>
-              <a:tr h="184326">
-                <a:tc>
-                  <a:txBody>
-                    <a:bodyPr/>
-                    <a:lstStyle/>
-                    <a:p>
-                      <a:pPr algn="l" fontAlgn="b"/>
-                      <a:r>
-                        <a:rPr lang="mr-IN" sz="1100" u="none" strike="noStrike" dirty="0">
-                          <a:solidFill>
-                            <a:srgbClr val="FF0000"/>
-                          </a:solidFill>
-                          <a:effectLst/>
-                        </a:rPr>
-                        <a:t>ESPRESSO                      </a:t>
-                      </a:r>
-                      <a:endParaRPr lang="mr-IN" sz="1100" b="1" i="0" u="none" strike="noStrike" dirty="0">
-                        <a:solidFill>
-                          <a:srgbClr val="FF0000"/>
-                        </a:solidFill>
-                        <a:effectLst/>
-                        <a:latin typeface="Calibri" charset="0"/>
-                      </a:endParaRPr>
-                    </a:p>
-                  </a:txBody>
-                  <a:tcPr marL="0" marR="0" marT="0" marB="0" anchor="b"/>
-                </a:tc>
-                <a:tc>
-                  <a:txBody>
-                    <a:bodyPr/>
-                    <a:lstStyle/>
-                    <a:p>
-                      <a:pPr algn="r" fontAlgn="b"/>
-                      <a:r>
-                        <a:rPr lang="is-IS" sz="1100" u="none" strike="noStrike">
-                          <a:solidFill>
-                            <a:srgbClr val="FF0000"/>
-                          </a:solidFill>
-                          <a:effectLst/>
-                        </a:rPr>
-                        <a:t>25</a:t>
-                      </a:r>
-                      <a:endParaRPr lang="is-IS" sz="1100" b="0" i="0" u="none" strike="noStrike">
-                        <a:solidFill>
-                          <a:srgbClr val="FF0000"/>
-                        </a:solidFill>
-                        <a:effectLst/>
-                        <a:latin typeface="Calibri" charset="0"/>
-                      </a:endParaRPr>
-                    </a:p>
-                  </a:txBody>
-                  <a:tcPr marL="0" marR="0" marT="0" marB="0" anchor="b"/>
-                </a:tc>
-                <a:tc>
-                  <a:txBody>
-                    <a:bodyPr/>
-                    <a:lstStyle/>
-                    <a:p>
-                      <a:pPr algn="r" fontAlgn="b"/>
-                      <a:r>
-                        <a:rPr lang="mr-IN" sz="1100" u="none" strike="noStrike">
-                          <a:solidFill>
-                            <a:srgbClr val="FF0000"/>
-                          </a:solidFill>
-                          <a:effectLst/>
-                        </a:rPr>
-                        <a:t>-27</a:t>
-                      </a:r>
-                      <a:endParaRPr lang="mr-IN" sz="1100" b="0" i="0" u="none" strike="noStrike">
-                        <a:solidFill>
-                          <a:srgbClr val="FF0000"/>
-                        </a:solidFill>
-                        <a:effectLst/>
-                        <a:latin typeface="Calibri" charset="0"/>
-                      </a:endParaRPr>
-                    </a:p>
-                  </a:txBody>
-                  <a:tcPr marL="0" marR="0" marT="0" marB="0" anchor="b"/>
-                </a:tc>
-              </a:tr>
-              <a:tr h="184326">
-                <a:tc>
-                  <a:txBody>
-                    <a:bodyPr/>
-                    <a:lstStyle/>
-                    <a:p>
-                      <a:pPr algn="l" fontAlgn="b"/>
-                      <a:r>
-                        <a:rPr lang="en-US" sz="1100" u="none" strike="noStrike" dirty="0">
-                          <a:solidFill>
-                            <a:srgbClr val="FF0000"/>
-                          </a:solidFill>
-                          <a:effectLst/>
-                        </a:rPr>
-                        <a:t>GREAT LAKES FLOAT W VANILLA         </a:t>
-                      </a:r>
-                      <a:endParaRPr lang="en-US" sz="1100" b="1" i="0" u="none" strike="noStrike" dirty="0">
-                        <a:solidFill>
-                          <a:srgbClr val="FF0000"/>
-                        </a:solidFill>
-                        <a:effectLst/>
-                        <a:latin typeface="Calibri" charset="0"/>
-                      </a:endParaRPr>
-                    </a:p>
-                  </a:txBody>
-                  <a:tcPr marL="0" marR="0" marT="0" marB="0" anchor="b"/>
-                </a:tc>
-                <a:tc>
-                  <a:txBody>
-                    <a:bodyPr/>
-                    <a:lstStyle/>
-                    <a:p>
-                      <a:pPr algn="r" fontAlgn="b"/>
-                      <a:r>
-                        <a:rPr lang="is-IS" sz="1100" u="none" strike="noStrike">
-                          <a:solidFill>
-                            <a:srgbClr val="FF0000"/>
-                          </a:solidFill>
-                          <a:effectLst/>
-                        </a:rPr>
-                        <a:t>20</a:t>
-                      </a:r>
-                      <a:endParaRPr lang="is-IS" sz="1100" b="0" i="0" u="none" strike="noStrike">
-                        <a:solidFill>
-                          <a:srgbClr val="FF0000"/>
-                        </a:solidFill>
-                        <a:effectLst/>
-                        <a:latin typeface="Calibri" charset="0"/>
-                      </a:endParaRPr>
-                    </a:p>
-                  </a:txBody>
-                  <a:tcPr marL="0" marR="0" marT="0" marB="0" anchor="b"/>
-                </a:tc>
-                <a:tc>
-                  <a:txBody>
-                    <a:bodyPr/>
-                    <a:lstStyle/>
-                    <a:p>
-                      <a:pPr algn="r" fontAlgn="b"/>
-                      <a:r>
-                        <a:rPr lang="mr-IN" sz="1100" u="none" strike="noStrike">
-                          <a:solidFill>
-                            <a:srgbClr val="FF0000"/>
-                          </a:solidFill>
-                          <a:effectLst/>
-                        </a:rPr>
-                        <a:t>-3</a:t>
-                      </a:r>
-                      <a:endParaRPr lang="mr-IN" sz="1100" b="0" i="0" u="none" strike="noStrike">
-                        <a:solidFill>
-                          <a:srgbClr val="FF0000"/>
-                        </a:solidFill>
-                        <a:effectLst/>
-                        <a:latin typeface="Calibri" charset="0"/>
-                      </a:endParaRPr>
-                    </a:p>
-                  </a:txBody>
-                  <a:tcPr marL="0" marR="0" marT="0" marB="0" anchor="b"/>
-                </a:tc>
-              </a:tr>
-              <a:tr h="184326">
-                <a:tc>
-                  <a:txBody>
-                    <a:bodyPr/>
-                    <a:lstStyle/>
-                    <a:p>
-                      <a:pPr algn="l" fontAlgn="b"/>
-                      <a:r>
-                        <a:rPr lang="en-US" sz="1100" u="none" strike="noStrike" dirty="0">
-                          <a:solidFill>
-                            <a:srgbClr val="FF0000"/>
-                          </a:solidFill>
-                          <a:effectLst/>
-                        </a:rPr>
-                        <a:t>GREAT LAKES FLOATS W CHOC           </a:t>
-                      </a:r>
-                      <a:endParaRPr lang="en-US" sz="1100" b="1" i="0" u="none" strike="noStrike" dirty="0">
-                        <a:solidFill>
-                          <a:srgbClr val="FF0000"/>
-                        </a:solidFill>
-                        <a:effectLst/>
-                        <a:latin typeface="Calibri" charset="0"/>
-                      </a:endParaRPr>
-                    </a:p>
-                  </a:txBody>
-                  <a:tcPr marL="0" marR="0" marT="0" marB="0" anchor="b"/>
-                </a:tc>
-                <a:tc>
-                  <a:txBody>
-                    <a:bodyPr/>
-                    <a:lstStyle/>
-                    <a:p>
-                      <a:pPr algn="r" fontAlgn="b"/>
-                      <a:r>
-                        <a:rPr lang="is-IS" sz="1100" u="none" strike="noStrike">
-                          <a:solidFill>
-                            <a:srgbClr val="FF0000"/>
-                          </a:solidFill>
-                          <a:effectLst/>
-                        </a:rPr>
-                        <a:t>20</a:t>
-                      </a:r>
-                      <a:endParaRPr lang="is-IS" sz="1100" b="0" i="0" u="none" strike="noStrike">
-                        <a:solidFill>
-                          <a:srgbClr val="FF0000"/>
-                        </a:solidFill>
-                        <a:effectLst/>
-                        <a:latin typeface="Calibri" charset="0"/>
-                      </a:endParaRPr>
-                    </a:p>
-                  </a:txBody>
-                  <a:tcPr marL="0" marR="0" marT="0" marB="0" anchor="b"/>
-                </a:tc>
-                <a:tc>
-                  <a:txBody>
-                    <a:bodyPr/>
-                    <a:lstStyle/>
-                    <a:p>
-                      <a:pPr algn="r" fontAlgn="b"/>
-                      <a:r>
-                        <a:rPr lang="mr-IN" sz="1100" u="none" strike="noStrike">
-                          <a:solidFill>
-                            <a:srgbClr val="FF0000"/>
-                          </a:solidFill>
-                          <a:effectLst/>
-                        </a:rPr>
-                        <a:t>-31</a:t>
-                      </a:r>
-                      <a:endParaRPr lang="mr-IN" sz="1100" b="0" i="0" u="none" strike="noStrike">
-                        <a:solidFill>
-                          <a:srgbClr val="FF0000"/>
-                        </a:solidFill>
-                        <a:effectLst/>
-                        <a:latin typeface="Calibri" charset="0"/>
-                      </a:endParaRPr>
-                    </a:p>
-                  </a:txBody>
-                  <a:tcPr marL="0" marR="0" marT="0" marB="0" anchor="b"/>
-                </a:tc>
-              </a:tr>
-              <a:tr h="184326">
-                <a:tc>
-                  <a:txBody>
-                    <a:bodyPr/>
-                    <a:lstStyle/>
-                    <a:p>
-                      <a:pPr algn="l" fontAlgn="b"/>
-                      <a:r>
-                        <a:rPr lang="en-US" sz="1100" u="none" strike="noStrike" dirty="0">
-                          <a:solidFill>
-                            <a:srgbClr val="FF0000"/>
-                          </a:solidFill>
-                          <a:effectLst/>
-                        </a:rPr>
-                        <a:t>MASALA CHAI CUTTING           </a:t>
-                      </a:r>
-                      <a:endParaRPr lang="en-US" sz="1100" b="1" i="0" u="none" strike="noStrike" dirty="0">
-                        <a:solidFill>
-                          <a:srgbClr val="FF0000"/>
-                        </a:solidFill>
-                        <a:effectLst/>
-                        <a:latin typeface="Calibri" charset="0"/>
-                      </a:endParaRPr>
-                    </a:p>
-                  </a:txBody>
-                  <a:tcPr marL="0" marR="0" marT="0" marB="0" anchor="b"/>
-                </a:tc>
-                <a:tc>
-                  <a:txBody>
-                    <a:bodyPr/>
-                    <a:lstStyle/>
-                    <a:p>
-                      <a:pPr algn="r" fontAlgn="b"/>
-                      <a:r>
-                        <a:rPr lang="is-IS" sz="1100" u="none" strike="noStrike">
-                          <a:solidFill>
-                            <a:srgbClr val="FF0000"/>
-                          </a:solidFill>
-                          <a:effectLst/>
-                        </a:rPr>
-                        <a:t>25</a:t>
-                      </a:r>
-                      <a:endParaRPr lang="is-IS" sz="1100" b="0" i="0" u="none" strike="noStrike">
-                        <a:solidFill>
-                          <a:srgbClr val="FF0000"/>
-                        </a:solidFill>
-                        <a:effectLst/>
-                        <a:latin typeface="Calibri" charset="0"/>
-                      </a:endParaRPr>
-                    </a:p>
-                  </a:txBody>
-                  <a:tcPr marL="0" marR="0" marT="0" marB="0" anchor="b"/>
-                </a:tc>
-                <a:tc>
-                  <a:txBody>
-                    <a:bodyPr/>
-                    <a:lstStyle/>
-                    <a:p>
-                      <a:pPr algn="r" fontAlgn="b"/>
-                      <a:r>
-                        <a:rPr lang="mr-IN" sz="1100" u="none" strike="noStrike">
-                          <a:solidFill>
-                            <a:srgbClr val="FF0000"/>
-                          </a:solidFill>
-                          <a:effectLst/>
-                        </a:rPr>
-                        <a:t>-14</a:t>
-                      </a:r>
-                      <a:endParaRPr lang="mr-IN" sz="1100" b="0" i="0" u="none" strike="noStrike">
-                        <a:solidFill>
-                          <a:srgbClr val="FF0000"/>
-                        </a:solidFill>
-                        <a:effectLst/>
-                        <a:latin typeface="Calibri" charset="0"/>
-                      </a:endParaRPr>
-                    </a:p>
-                  </a:txBody>
-                  <a:tcPr marL="0" marR="0" marT="0" marB="0" anchor="b"/>
-                </a:tc>
-              </a:tr>
-              <a:tr h="184326">
-                <a:tc>
-                  <a:txBody>
-                    <a:bodyPr/>
-                    <a:lstStyle/>
-                    <a:p>
-                      <a:pPr algn="l" fontAlgn="b"/>
-                      <a:r>
-                        <a:rPr lang="mr-IN" sz="1100" u="none" strike="noStrike" dirty="0">
-                          <a:solidFill>
-                            <a:srgbClr val="FF0000"/>
-                          </a:solidFill>
-                          <a:effectLst/>
-                        </a:rPr>
-                        <a:t>MIAMI MELONS                  </a:t>
-                      </a:r>
-                      <a:endParaRPr lang="mr-IN" sz="1100" b="1" i="0" u="none" strike="noStrike" dirty="0">
-                        <a:solidFill>
-                          <a:srgbClr val="FF0000"/>
-                        </a:solidFill>
-                        <a:effectLst/>
-                        <a:latin typeface="Calibri" charset="0"/>
-                      </a:endParaRPr>
-                    </a:p>
-                  </a:txBody>
-                  <a:tcPr marL="0" marR="0" marT="0" marB="0" anchor="b"/>
-                </a:tc>
-                <a:tc>
-                  <a:txBody>
-                    <a:bodyPr/>
-                    <a:lstStyle/>
-                    <a:p>
-                      <a:pPr algn="r" fontAlgn="b"/>
-                      <a:r>
-                        <a:rPr lang="is-IS" sz="1100" u="none" strike="noStrike">
-                          <a:solidFill>
-                            <a:srgbClr val="FF0000"/>
-                          </a:solidFill>
-                          <a:effectLst/>
-                        </a:rPr>
-                        <a:t>12</a:t>
-                      </a:r>
-                      <a:endParaRPr lang="is-IS" sz="1100" b="0" i="0" u="none" strike="noStrike">
-                        <a:solidFill>
-                          <a:srgbClr val="FF0000"/>
-                        </a:solidFill>
-                        <a:effectLst/>
-                        <a:latin typeface="Calibri" charset="0"/>
-                      </a:endParaRPr>
-                    </a:p>
-                  </a:txBody>
-                  <a:tcPr marL="0" marR="0" marT="0" marB="0" anchor="b"/>
-                </a:tc>
-                <a:tc>
-                  <a:txBody>
-                    <a:bodyPr/>
-                    <a:lstStyle/>
-                    <a:p>
-                      <a:pPr algn="r" fontAlgn="b"/>
-                      <a:r>
-                        <a:rPr lang="mr-IN" sz="1100" u="none" strike="noStrike">
-                          <a:solidFill>
-                            <a:srgbClr val="FF0000"/>
-                          </a:solidFill>
-                          <a:effectLst/>
-                        </a:rPr>
-                        <a:t>-19</a:t>
-                      </a:r>
-                      <a:endParaRPr lang="mr-IN" sz="1100" b="0" i="0" u="none" strike="noStrike">
-                        <a:solidFill>
-                          <a:srgbClr val="FF0000"/>
-                        </a:solidFill>
-                        <a:effectLst/>
-                        <a:latin typeface="Calibri" charset="0"/>
-                      </a:endParaRPr>
-                    </a:p>
-                  </a:txBody>
-                  <a:tcPr marL="0" marR="0" marT="0" marB="0" anchor="b"/>
-                </a:tc>
-              </a:tr>
-              <a:tr h="184326">
-                <a:tc>
-                  <a:txBody>
-                    <a:bodyPr/>
-                    <a:lstStyle/>
-                    <a:p>
-                      <a:pPr algn="l" fontAlgn="b"/>
-                      <a:r>
-                        <a:rPr lang="mr-IN" sz="1100" u="none" strike="noStrike" dirty="0">
-                          <a:solidFill>
-                            <a:srgbClr val="FF0000"/>
-                          </a:solidFill>
-                          <a:effectLst/>
-                        </a:rPr>
-                        <a:t>THE CHOCO LATTE               </a:t>
-                      </a:r>
-                      <a:endParaRPr lang="mr-IN" sz="1100" b="1" i="0" u="none" strike="noStrike" dirty="0">
-                        <a:solidFill>
-                          <a:srgbClr val="FF0000"/>
-                        </a:solidFill>
-                        <a:effectLst/>
-                        <a:latin typeface="Calibri" charset="0"/>
-                      </a:endParaRPr>
-                    </a:p>
-                  </a:txBody>
-                  <a:tcPr marL="0" marR="0" marT="0" marB="0" anchor="b"/>
-                </a:tc>
-                <a:tc>
-                  <a:txBody>
-                    <a:bodyPr/>
-                    <a:lstStyle/>
-                    <a:p>
-                      <a:pPr algn="r" fontAlgn="b"/>
-                      <a:r>
-                        <a:rPr lang="en-US" sz="1100" u="none" strike="noStrike">
-                          <a:solidFill>
-                            <a:srgbClr val="FF0000"/>
-                          </a:solidFill>
-                          <a:effectLst/>
-                        </a:rPr>
-                        <a:t>15</a:t>
-                      </a:r>
-                      <a:endParaRPr lang="en-US" sz="1100" b="0" i="0" u="none" strike="noStrike">
-                        <a:solidFill>
-                          <a:srgbClr val="FF0000"/>
-                        </a:solidFill>
-                        <a:effectLst/>
-                        <a:latin typeface="Calibri" charset="0"/>
-                      </a:endParaRPr>
-                    </a:p>
-                  </a:txBody>
-                  <a:tcPr marL="0" marR="0" marT="0" marB="0" anchor="b"/>
-                </a:tc>
-                <a:tc>
-                  <a:txBody>
-                    <a:bodyPr/>
-                    <a:lstStyle/>
-                    <a:p>
-                      <a:pPr algn="r" fontAlgn="b"/>
-                      <a:r>
-                        <a:rPr lang="mr-IN" sz="1100" u="none" strike="noStrike">
-                          <a:solidFill>
-                            <a:srgbClr val="FF0000"/>
-                          </a:solidFill>
-                          <a:effectLst/>
-                        </a:rPr>
-                        <a:t>-16</a:t>
-                      </a:r>
-                      <a:endParaRPr lang="mr-IN" sz="1100" b="0" i="0" u="none" strike="noStrike">
-                        <a:solidFill>
-                          <a:srgbClr val="FF0000"/>
-                        </a:solidFill>
-                        <a:effectLst/>
-                        <a:latin typeface="Calibri" charset="0"/>
-                      </a:endParaRPr>
-                    </a:p>
-                  </a:txBody>
-                  <a:tcPr marL="0" marR="0" marT="0" marB="0" anchor="b"/>
-                </a:tc>
-              </a:tr>
-              <a:tr h="184326">
-                <a:tc>
-                  <a:txBody>
-                    <a:bodyPr/>
-                    <a:lstStyle/>
-                    <a:p>
-                      <a:pPr algn="l" fontAlgn="b"/>
-                      <a:r>
-                        <a:rPr lang="en-US" sz="1100" u="none" strike="noStrike" dirty="0">
-                          <a:solidFill>
-                            <a:srgbClr val="FF0000"/>
-                          </a:solidFill>
-                          <a:effectLst/>
-                        </a:rPr>
-                        <a:t>ULTIMATE HOT CHOCOLATE        </a:t>
-                      </a:r>
-                      <a:endParaRPr lang="en-US" sz="1100" b="1" i="0" u="none" strike="noStrike" dirty="0">
-                        <a:solidFill>
-                          <a:srgbClr val="FF0000"/>
-                        </a:solidFill>
-                        <a:effectLst/>
-                        <a:latin typeface="Calibri" charset="0"/>
-                      </a:endParaRPr>
-                    </a:p>
-                  </a:txBody>
-                  <a:tcPr marL="0" marR="0" marT="0" marB="0" anchor="b"/>
-                </a:tc>
-                <a:tc>
-                  <a:txBody>
-                    <a:bodyPr/>
-                    <a:lstStyle/>
-                    <a:p>
-                      <a:pPr algn="r" fontAlgn="b"/>
-                      <a:r>
-                        <a:rPr lang="en-US" sz="1100" u="none" strike="noStrike" dirty="0">
-                          <a:solidFill>
-                            <a:srgbClr val="FF0000"/>
-                          </a:solidFill>
-                          <a:effectLst/>
-                        </a:rPr>
-                        <a:t>15</a:t>
-                      </a:r>
-                      <a:endParaRPr lang="en-US" sz="1100" b="0" i="0" u="none" strike="noStrike" dirty="0">
-                        <a:solidFill>
-                          <a:srgbClr val="FF0000"/>
-                        </a:solidFill>
-                        <a:effectLst/>
-                        <a:latin typeface="Calibri" charset="0"/>
-                      </a:endParaRPr>
-                    </a:p>
-                  </a:txBody>
-                  <a:tcPr marL="0" marR="0" marT="0" marB="0" anchor="b"/>
-                </a:tc>
-                <a:tc>
-                  <a:txBody>
-                    <a:bodyPr/>
-                    <a:lstStyle/>
-                    <a:p>
-                      <a:pPr algn="r" fontAlgn="b"/>
-                      <a:r>
-                        <a:rPr lang="mr-IN" sz="1100" u="none" strike="noStrike">
-                          <a:solidFill>
-                            <a:srgbClr val="FF0000"/>
-                          </a:solidFill>
-                          <a:effectLst/>
-                        </a:rPr>
-                        <a:t>-3</a:t>
-                      </a:r>
-                      <a:endParaRPr lang="mr-IN" sz="1100" b="0" i="0" u="none" strike="noStrike">
-                        <a:solidFill>
-                          <a:srgbClr val="FF0000"/>
-                        </a:solidFill>
-                        <a:effectLst/>
-                        <a:latin typeface="Calibri" charset="0"/>
-                      </a:endParaRPr>
-                    </a:p>
-                  </a:txBody>
-                  <a:tcPr marL="0" marR="0" marT="0" marB="0" anchor="b"/>
-                </a:tc>
-              </a:tr>
-              <a:tr h="184326">
-                <a:tc>
-                  <a:txBody>
-                    <a:bodyPr/>
-                    <a:lstStyle/>
-                    <a:p>
-                      <a:pPr algn="l" fontAlgn="b"/>
-                      <a:r>
-                        <a:rPr lang="en-US" sz="1100" u="none" strike="noStrike">
-                          <a:solidFill>
-                            <a:srgbClr val="FF0000"/>
-                          </a:solidFill>
-                          <a:effectLst/>
-                        </a:rPr>
-                        <a:t>HOEGAARDEN MUG (1 LITRE)      </a:t>
-                      </a:r>
-                      <a:endParaRPr lang="en-US" sz="1100" b="1" i="0" u="none" strike="noStrike">
-                        <a:solidFill>
-                          <a:srgbClr val="FF0000"/>
-                        </a:solidFill>
-                        <a:effectLst/>
-                        <a:latin typeface="Calibri" charset="0"/>
-                      </a:endParaRPr>
-                    </a:p>
-                  </a:txBody>
-                  <a:tcPr marL="0" marR="0" marT="0" marB="0" anchor="b"/>
-                </a:tc>
-                <a:tc>
-                  <a:txBody>
-                    <a:bodyPr/>
-                    <a:lstStyle/>
-                    <a:p>
-                      <a:pPr algn="r" fontAlgn="b"/>
-                      <a:r>
-                        <a:rPr lang="fi-FI" sz="1100" u="none" strike="noStrike" dirty="0">
-                          <a:solidFill>
-                            <a:srgbClr val="FF0000"/>
-                          </a:solidFill>
-                          <a:effectLst/>
-                        </a:rPr>
-                        <a:t>18</a:t>
-                      </a:r>
-                      <a:endParaRPr lang="fi-FI" sz="1100" b="0" i="0" u="none" strike="noStrike" dirty="0">
-                        <a:solidFill>
-                          <a:srgbClr val="FF0000"/>
-                        </a:solidFill>
-                        <a:effectLst/>
-                        <a:latin typeface="Calibri" charset="0"/>
-                      </a:endParaRPr>
-                    </a:p>
-                  </a:txBody>
-                  <a:tcPr marL="0" marR="0" marT="0" marB="0" anchor="b"/>
-                </a:tc>
-                <a:tc>
-                  <a:txBody>
-                    <a:bodyPr/>
-                    <a:lstStyle/>
-                    <a:p>
-                      <a:pPr algn="r" fontAlgn="b"/>
-                      <a:r>
-                        <a:rPr lang="mr-IN" sz="1100" u="none" strike="noStrike" dirty="0">
-                          <a:solidFill>
-                            <a:srgbClr val="FF0000"/>
-                          </a:solidFill>
-                          <a:effectLst/>
-                        </a:rPr>
-                        <a:t>-62</a:t>
-                      </a:r>
-                      <a:endParaRPr lang="mr-IN" sz="1100" b="0" i="0" u="none" strike="noStrike" dirty="0">
-                        <a:solidFill>
-                          <a:srgbClr val="FF0000"/>
-                        </a:solidFill>
-                        <a:effectLst/>
-                        <a:latin typeface="Calibri" charset="0"/>
-                      </a:endParaRPr>
-                    </a:p>
-                  </a:txBody>
-                  <a:tcPr marL="0" marR="0" marT="0" marB="0" anchor="b"/>
-                </a:tc>
-              </a:tr>
-              <a:tr h="184326">
-                <a:tc>
-                  <a:txBody>
-                    <a:bodyPr/>
-                    <a:lstStyle/>
-                    <a:p>
-                      <a:pPr algn="l" fontAlgn="b"/>
-                      <a:r>
-                        <a:rPr lang="mr-IN" sz="1100" u="none" strike="noStrike">
-                          <a:solidFill>
-                            <a:srgbClr val="FF0000"/>
-                          </a:solidFill>
-                          <a:effectLst/>
-                        </a:rPr>
-                        <a:t>TUBORG                        </a:t>
-                      </a:r>
-                      <a:endParaRPr lang="mr-IN" sz="1100" b="1" i="0" u="none" strike="noStrike">
-                        <a:solidFill>
-                          <a:srgbClr val="FF0000"/>
-                        </a:solidFill>
-                        <a:effectLst/>
-                        <a:latin typeface="Calibri" charset="0"/>
-                      </a:endParaRPr>
-                    </a:p>
-                  </a:txBody>
-                  <a:tcPr marL="0" marR="0" marT="0" marB="0" anchor="b"/>
-                </a:tc>
-                <a:tc>
-                  <a:txBody>
-                    <a:bodyPr/>
-                    <a:lstStyle/>
-                    <a:p>
-                      <a:pPr algn="r" fontAlgn="b"/>
-                      <a:r>
-                        <a:rPr lang="en-US" sz="1100" u="none" strike="noStrike">
-                          <a:solidFill>
-                            <a:srgbClr val="FF0000"/>
-                          </a:solidFill>
-                          <a:effectLst/>
-                        </a:rPr>
-                        <a:t>50</a:t>
-                      </a:r>
-                      <a:endParaRPr lang="en-US" sz="1100" b="0" i="0" u="none" strike="noStrike">
-                        <a:solidFill>
-                          <a:srgbClr val="FF0000"/>
-                        </a:solidFill>
-                        <a:effectLst/>
-                        <a:latin typeface="Calibri" charset="0"/>
-                      </a:endParaRPr>
-                    </a:p>
-                  </a:txBody>
-                  <a:tcPr marL="0" marR="0" marT="0" marB="0" anchor="b"/>
-                </a:tc>
-                <a:tc>
-                  <a:txBody>
-                    <a:bodyPr/>
-                    <a:lstStyle/>
-                    <a:p>
-                      <a:pPr algn="r" fontAlgn="b"/>
-                      <a:r>
-                        <a:rPr lang="mr-IN" sz="1100" u="none" strike="noStrike" dirty="0">
-                          <a:solidFill>
-                            <a:srgbClr val="FF0000"/>
-                          </a:solidFill>
-                          <a:effectLst/>
-                        </a:rPr>
-                        <a:t>-38</a:t>
-                      </a:r>
-                      <a:endParaRPr lang="mr-IN" sz="1100" b="0" i="0" u="none" strike="noStrike" dirty="0">
-                        <a:solidFill>
-                          <a:srgbClr val="FF0000"/>
-                        </a:solidFill>
-                        <a:effectLst/>
-                        <a:latin typeface="Calibri" charset="0"/>
-                      </a:endParaRPr>
-                    </a:p>
-                  </a:txBody>
-                  <a:tcPr marL="0" marR="0" marT="0" marB="0" anchor="b"/>
-                </a:tc>
-              </a:tr>
-              <a:tr h="184326">
-                <a:tc>
-                  <a:txBody>
-                    <a:bodyPr/>
-                    <a:lstStyle/>
-                    <a:p>
-                      <a:pPr algn="l" fontAlgn="b"/>
-                      <a:r>
-                        <a:rPr lang="en-US" sz="1100" u="none" strike="noStrike">
-                          <a:solidFill>
-                            <a:srgbClr val="FF0000"/>
-                          </a:solidFill>
-                          <a:effectLst/>
-                        </a:rPr>
-                        <a:t>GREEN APPLE FLAVOUR SINGLE    </a:t>
-                      </a:r>
-                      <a:endParaRPr lang="en-US" sz="1100" b="1" i="0" u="none" strike="noStrike">
-                        <a:solidFill>
-                          <a:srgbClr val="FF0000"/>
-                        </a:solidFill>
-                        <a:effectLst/>
-                        <a:latin typeface="Calibri" charset="0"/>
-                      </a:endParaRPr>
-                    </a:p>
-                  </a:txBody>
-                  <a:tcPr marL="0" marR="0" marT="0" marB="0" anchor="b"/>
-                </a:tc>
-                <a:tc>
-                  <a:txBody>
-                    <a:bodyPr/>
-                    <a:lstStyle/>
-                    <a:p>
-                      <a:pPr algn="r" fontAlgn="b"/>
-                      <a:r>
-                        <a:rPr lang="cs-CZ" sz="1100" u="none" strike="noStrike">
-                          <a:solidFill>
-                            <a:srgbClr val="FF0000"/>
-                          </a:solidFill>
-                          <a:effectLst/>
-                        </a:rPr>
-                        <a:t>11</a:t>
-                      </a:r>
-                      <a:endParaRPr lang="cs-CZ" sz="1100" b="0" i="0" u="none" strike="noStrike">
-                        <a:solidFill>
-                          <a:srgbClr val="FF0000"/>
-                        </a:solidFill>
-                        <a:effectLst/>
-                        <a:latin typeface="Calibri" charset="0"/>
-                      </a:endParaRPr>
-                    </a:p>
-                  </a:txBody>
-                  <a:tcPr marL="0" marR="0" marT="0" marB="0" anchor="b"/>
-                </a:tc>
-                <a:tc>
-                  <a:txBody>
-                    <a:bodyPr/>
-                    <a:lstStyle/>
-                    <a:p>
-                      <a:pPr algn="r" fontAlgn="b"/>
-                      <a:r>
-                        <a:rPr lang="mr-IN" sz="1100" u="none" strike="noStrike" dirty="0">
-                          <a:solidFill>
-                            <a:srgbClr val="FF0000"/>
-                          </a:solidFill>
-                          <a:effectLst/>
-                        </a:rPr>
-                        <a:t>-20</a:t>
-                      </a:r>
-                      <a:endParaRPr lang="mr-IN" sz="1100" b="0" i="0" u="none" strike="noStrike" dirty="0">
-                        <a:solidFill>
-                          <a:srgbClr val="FF0000"/>
-                        </a:solidFill>
-                        <a:effectLst/>
-                        <a:latin typeface="Calibri" charset="0"/>
-                      </a:endParaRPr>
-                    </a:p>
-                  </a:txBody>
-                  <a:tcPr marL="0" marR="0" marT="0" marB="0" anchor="b"/>
-                </a:tc>
-              </a:tr>
-              <a:tr h="184326">
-                <a:tc>
-                  <a:txBody>
-                    <a:bodyPr/>
-                    <a:lstStyle/>
-                    <a:p>
-                      <a:pPr algn="l" fontAlgn="b"/>
-                      <a:r>
-                        <a:rPr lang="mr-IN" sz="1100" u="none" strike="noStrike">
-                          <a:solidFill>
-                            <a:srgbClr val="FF0000"/>
-                          </a:solidFill>
-                          <a:effectLst/>
-                        </a:rPr>
-                        <a:t>N R G  HOOKAH                 </a:t>
-                      </a:r>
-                      <a:endParaRPr lang="mr-IN" sz="1100" b="1" i="0" u="none" strike="noStrike">
-                        <a:solidFill>
-                          <a:srgbClr val="FF0000"/>
-                        </a:solidFill>
-                        <a:effectLst/>
-                        <a:latin typeface="Calibri" charset="0"/>
-                      </a:endParaRPr>
-                    </a:p>
-                  </a:txBody>
-                  <a:tcPr marL="0" marR="0" marT="0" marB="0" anchor="b"/>
-                </a:tc>
-                <a:tc>
-                  <a:txBody>
-                    <a:bodyPr/>
-                    <a:lstStyle/>
-                    <a:p>
-                      <a:pPr algn="r" fontAlgn="b"/>
-                      <a:r>
-                        <a:rPr lang="en-US" sz="1100" u="none" strike="noStrike">
-                          <a:solidFill>
-                            <a:srgbClr val="FF0000"/>
-                          </a:solidFill>
-                          <a:effectLst/>
-                        </a:rPr>
-                        <a:t>6</a:t>
-                      </a:r>
-                      <a:endParaRPr lang="en-US" sz="1100" b="0" i="0" u="none" strike="noStrike">
-                        <a:solidFill>
-                          <a:srgbClr val="FF0000"/>
-                        </a:solidFill>
-                        <a:effectLst/>
-                        <a:latin typeface="Calibri" charset="0"/>
-                      </a:endParaRPr>
-                    </a:p>
-                  </a:txBody>
-                  <a:tcPr marL="0" marR="0" marT="0" marB="0" anchor="b"/>
-                </a:tc>
-                <a:tc>
-                  <a:txBody>
-                    <a:bodyPr/>
-                    <a:lstStyle/>
-                    <a:p>
-                      <a:pPr algn="r" fontAlgn="b"/>
-                      <a:r>
-                        <a:rPr lang="mr-IN" sz="1100" u="none" strike="noStrike" dirty="0">
-                          <a:solidFill>
-                            <a:srgbClr val="FF0000"/>
-                          </a:solidFill>
-                          <a:effectLst/>
-                        </a:rPr>
-                        <a:t>-12</a:t>
-                      </a:r>
-                      <a:endParaRPr lang="mr-IN" sz="1100" b="0" i="0" u="none" strike="noStrike" dirty="0">
-                        <a:solidFill>
-                          <a:srgbClr val="FF0000"/>
-                        </a:solidFill>
-                        <a:effectLst/>
-                        <a:latin typeface="Calibri" charset="0"/>
-                      </a:endParaRPr>
-                    </a:p>
-                  </a:txBody>
-                  <a:tcPr marL="0" marR="0" marT="0" marB="0" anchor="b"/>
-                </a:tc>
-              </a:tr>
-              <a:tr h="184326">
-                <a:tc>
-                  <a:txBody>
-                    <a:bodyPr/>
-                    <a:lstStyle/>
-                    <a:p>
-                      <a:pPr algn="l" fontAlgn="b"/>
-                      <a:r>
-                        <a:rPr lang="en-US" sz="1100" u="none" strike="noStrike">
-                          <a:solidFill>
-                            <a:srgbClr val="FF0000"/>
-                          </a:solidFill>
-                          <a:effectLst/>
-                        </a:rPr>
-                        <a:t>NIRVANA HOOKAH SINGLE         </a:t>
-                      </a:r>
-                      <a:endParaRPr lang="en-US" sz="1100" b="1" i="0" u="none" strike="noStrike">
-                        <a:solidFill>
-                          <a:srgbClr val="FF0000"/>
-                        </a:solidFill>
-                        <a:effectLst/>
-                        <a:latin typeface="Calibri" charset="0"/>
-                      </a:endParaRPr>
-                    </a:p>
-                  </a:txBody>
-                  <a:tcPr marL="0" marR="0" marT="0" marB="0" anchor="b"/>
-                </a:tc>
-                <a:tc>
-                  <a:txBody>
-                    <a:bodyPr/>
-                    <a:lstStyle/>
-                    <a:p>
-                      <a:pPr algn="r" fontAlgn="b"/>
-                      <a:r>
-                        <a:rPr lang="is-IS" sz="1100" u="none" strike="noStrike">
-                          <a:solidFill>
-                            <a:srgbClr val="FF0000"/>
-                          </a:solidFill>
-                          <a:effectLst/>
-                        </a:rPr>
-                        <a:t>22</a:t>
-                      </a:r>
-                      <a:endParaRPr lang="is-IS" sz="1100" b="0" i="0" u="none" strike="noStrike">
-                        <a:solidFill>
-                          <a:srgbClr val="FF0000"/>
-                        </a:solidFill>
-                        <a:effectLst/>
-                        <a:latin typeface="Calibri" charset="0"/>
-                      </a:endParaRPr>
-                    </a:p>
-                  </a:txBody>
-                  <a:tcPr marL="0" marR="0" marT="0" marB="0" anchor="b"/>
-                </a:tc>
-                <a:tc>
-                  <a:txBody>
-                    <a:bodyPr/>
-                    <a:lstStyle/>
-                    <a:p>
-                      <a:pPr algn="r" fontAlgn="b"/>
-                      <a:r>
-                        <a:rPr lang="mr-IN" sz="1100" u="none" strike="noStrike" dirty="0">
-                          <a:solidFill>
-                            <a:srgbClr val="FF0000"/>
-                          </a:solidFill>
-                          <a:effectLst/>
-                        </a:rPr>
-                        <a:t>-7</a:t>
-                      </a:r>
-                      <a:endParaRPr lang="mr-IN" sz="1100" b="0" i="0" u="none" strike="noStrike" dirty="0">
-                        <a:solidFill>
-                          <a:srgbClr val="FF0000"/>
-                        </a:solidFill>
-                        <a:effectLst/>
-                        <a:latin typeface="Calibri" charset="0"/>
-                      </a:endParaRPr>
-                    </a:p>
-                  </a:txBody>
-                  <a:tcPr marL="0" marR="0" marT="0" marB="0" anchor="b"/>
-                </a:tc>
-              </a:tr>
-            </a:tbl>
-          </a:graphicData>
-        </a:graphic>
-      </p:graphicFrame>
-      <p:graphicFrame>
-        <p:nvGraphicFramePr>
-          <p:cNvPr id="11" name="Table 10"/>
-          <p:cNvGraphicFramePr>
-            <a:graphicFrameLocks noGrp="1"/>
-          </p:cNvGraphicFramePr>
-          <p:nvPr>
-            <p:extLst>
-              <p:ext uri="{D42A27DB-BD31-4B8C-83A1-F6EECF244321}">
-                <p14:modId xmlns:p14="http://schemas.microsoft.com/office/powerpoint/2010/main" val="1875969377"/>
-              </p:ext>
-            </p:extLst>
-          </p:nvPr>
-        </p:nvGraphicFramePr>
-        <p:xfrm>
-          <a:off x="7788879" y="1384879"/>
-          <a:ext cx="3429184" cy="1722252"/>
-        </p:xfrm>
-        <a:graphic>
-          <a:graphicData uri="http://schemas.openxmlformats.org/drawingml/2006/table">
-            <a:tbl>
-              <a:tblPr>
-                <a:tableStyleId>{93296810-A885-4BE3-A3E7-6D5BEEA58F35}</a:tableStyleId>
-              </a:tblPr>
-              <a:tblGrid>
-                <a:gridCol w="1714592"/>
-                <a:gridCol w="659458"/>
-                <a:gridCol w="1055134"/>
-              </a:tblGrid>
-              <a:tr h="315220">
-                <a:tc>
-                  <a:txBody>
-                    <a:bodyPr/>
-                    <a:lstStyle/>
-                    <a:p>
-                      <a:pPr algn="l" fontAlgn="b"/>
-                      <a:r>
-                        <a:rPr lang="en-US" sz="1100" b="1" u="none" strike="noStrike" dirty="0">
-                          <a:effectLst/>
-                        </a:rPr>
-                        <a:t>Item Name</a:t>
-                      </a:r>
-                      <a:endParaRPr lang="en-US" sz="1100" b="1" i="0" u="none" strike="noStrike" dirty="0">
-                        <a:solidFill>
-                          <a:srgbClr val="000000"/>
-                        </a:solidFill>
-                        <a:effectLst/>
-                        <a:latin typeface="Calibri" charset="0"/>
-                      </a:endParaRPr>
-                    </a:p>
-                  </a:txBody>
-                  <a:tcPr marL="0" marR="0" marT="0" marB="0" anchor="ctr"/>
-                </a:tc>
-                <a:tc>
-                  <a:txBody>
-                    <a:bodyPr/>
-                    <a:lstStyle/>
-                    <a:p>
-                      <a:pPr algn="l" fontAlgn="b"/>
-                      <a:r>
-                        <a:rPr lang="en-US" sz="1100" b="1" u="none" strike="noStrike" dirty="0">
-                          <a:effectLst/>
-                        </a:rPr>
-                        <a:t>Price Change</a:t>
-                      </a:r>
-                      <a:endParaRPr lang="en-US" sz="1100" b="1" i="0" u="none" strike="noStrike" dirty="0">
-                        <a:solidFill>
-                          <a:srgbClr val="000000"/>
-                        </a:solidFill>
-                        <a:effectLst/>
-                        <a:latin typeface="Calibri" charset="0"/>
-                      </a:endParaRPr>
-                    </a:p>
-                  </a:txBody>
-                  <a:tcPr marL="0" marR="0" marT="0" marB="0" anchor="ctr"/>
-                </a:tc>
-                <a:tc>
-                  <a:txBody>
-                    <a:bodyPr/>
-                    <a:lstStyle/>
-                    <a:p>
-                      <a:pPr algn="l" fontAlgn="b"/>
-                      <a:r>
-                        <a:rPr lang="en-US" sz="1100" b="1" u="none" strike="noStrike" dirty="0">
-                          <a:effectLst/>
-                        </a:rPr>
-                        <a:t>Sales Volume Change</a:t>
-                      </a:r>
-                      <a:endParaRPr lang="en-US" sz="1100" b="1" i="0" u="none" strike="noStrike" dirty="0">
-                        <a:solidFill>
-                          <a:srgbClr val="000000"/>
-                        </a:solidFill>
-                        <a:effectLst/>
-                        <a:latin typeface="Calibri" charset="0"/>
-                      </a:endParaRPr>
-                    </a:p>
-                  </a:txBody>
-                  <a:tcPr marL="0" marR="0" marT="0" marB="0" anchor="ctr"/>
-                </a:tc>
-              </a:tr>
-              <a:tr h="179103">
-                <a:tc>
-                  <a:txBody>
-                    <a:bodyPr/>
-                    <a:lstStyle/>
-                    <a:p>
-                      <a:pPr algn="l" fontAlgn="b"/>
-                      <a:r>
-                        <a:rPr lang="mr-IN" sz="1100" u="none" strike="noStrike" dirty="0">
-                          <a:solidFill>
-                            <a:srgbClr val="FF0000"/>
-                          </a:solidFill>
-                          <a:effectLst/>
-                        </a:rPr>
-                        <a:t>SAMBUCA                       </a:t>
-                      </a:r>
-                      <a:endParaRPr lang="mr-IN" sz="1100" b="1" i="0" u="none" strike="noStrike" dirty="0">
-                        <a:solidFill>
-                          <a:srgbClr val="FF0000"/>
-                        </a:solidFill>
-                        <a:effectLst/>
-                        <a:latin typeface="Calibri" charset="0"/>
-                      </a:endParaRPr>
-                    </a:p>
-                  </a:txBody>
-                  <a:tcPr marL="0" marR="0" marT="0" marB="0" anchor="ctr"/>
-                </a:tc>
-                <a:tc>
-                  <a:txBody>
-                    <a:bodyPr/>
-                    <a:lstStyle/>
-                    <a:p>
-                      <a:pPr algn="r" fontAlgn="b"/>
-                      <a:r>
-                        <a:rPr lang="is-IS" sz="1100" u="none" strike="noStrike" dirty="0">
-                          <a:solidFill>
-                            <a:srgbClr val="FF0000"/>
-                          </a:solidFill>
-                          <a:effectLst/>
-                        </a:rPr>
-                        <a:t>28</a:t>
-                      </a:r>
-                      <a:endParaRPr lang="is-IS" sz="1100" b="0" i="0" u="none" strike="noStrike" dirty="0">
-                        <a:solidFill>
-                          <a:srgbClr val="FF0000"/>
-                        </a:solidFill>
-                        <a:effectLst/>
-                        <a:latin typeface="Calibri" charset="0"/>
-                      </a:endParaRPr>
-                    </a:p>
-                  </a:txBody>
-                  <a:tcPr marL="0" marR="0" marT="0" marB="0" anchor="ctr"/>
-                </a:tc>
-                <a:tc>
-                  <a:txBody>
-                    <a:bodyPr/>
-                    <a:lstStyle/>
-                    <a:p>
-                      <a:pPr algn="r" fontAlgn="b"/>
-                      <a:r>
-                        <a:rPr lang="mr-IN" sz="1100" u="none" strike="noStrike" dirty="0">
-                          <a:solidFill>
-                            <a:srgbClr val="FF0000"/>
-                          </a:solidFill>
-                          <a:effectLst/>
-                        </a:rPr>
-                        <a:t>-50</a:t>
-                      </a:r>
-                      <a:endParaRPr lang="mr-IN" sz="1100" b="0" i="0" u="none" strike="noStrike" dirty="0">
-                        <a:solidFill>
-                          <a:srgbClr val="FF0000"/>
-                        </a:solidFill>
-                        <a:effectLst/>
-                        <a:latin typeface="Calibri" charset="0"/>
-                      </a:endParaRPr>
-                    </a:p>
-                  </a:txBody>
-                  <a:tcPr marL="0" marR="0" marT="0" marB="0" anchor="ctr"/>
-                </a:tc>
-              </a:tr>
-              <a:tr h="179103">
-                <a:tc>
-                  <a:txBody>
-                    <a:bodyPr/>
-                    <a:lstStyle/>
-                    <a:p>
-                      <a:pPr algn="l" fontAlgn="b"/>
-                      <a:r>
-                        <a:rPr lang="en-US" sz="1100" u="none" strike="noStrike">
-                          <a:solidFill>
-                            <a:srgbClr val="FF0000"/>
-                          </a:solidFill>
-                          <a:effectLst/>
-                        </a:rPr>
-                        <a:t>SILVER APPLE SINGLE           </a:t>
-                      </a:r>
-                      <a:endParaRPr lang="en-US" sz="1100" b="1" i="0" u="none" strike="noStrike">
-                        <a:solidFill>
-                          <a:srgbClr val="FF0000"/>
-                        </a:solidFill>
-                        <a:effectLst/>
-                        <a:latin typeface="Calibri" charset="0"/>
-                      </a:endParaRPr>
-                    </a:p>
-                  </a:txBody>
-                  <a:tcPr marL="0" marR="0" marT="0" marB="0" anchor="b"/>
-                </a:tc>
-                <a:tc>
-                  <a:txBody>
-                    <a:bodyPr/>
-                    <a:lstStyle/>
-                    <a:p>
-                      <a:pPr algn="r" fontAlgn="b"/>
-                      <a:r>
-                        <a:rPr lang="is-IS" sz="1100" u="none" strike="noStrike" dirty="0">
-                          <a:solidFill>
-                            <a:srgbClr val="FF0000"/>
-                          </a:solidFill>
-                          <a:effectLst/>
-                        </a:rPr>
-                        <a:t>22</a:t>
-                      </a:r>
-                      <a:endParaRPr lang="is-IS" sz="1100" b="0" i="0" u="none" strike="noStrike" dirty="0">
-                        <a:solidFill>
-                          <a:srgbClr val="FF0000"/>
-                        </a:solidFill>
-                        <a:effectLst/>
-                        <a:latin typeface="Calibri" charset="0"/>
-                      </a:endParaRPr>
-                    </a:p>
-                  </a:txBody>
-                  <a:tcPr marL="0" marR="0" marT="0" marB="0" anchor="b"/>
-                </a:tc>
-                <a:tc>
-                  <a:txBody>
-                    <a:bodyPr/>
-                    <a:lstStyle/>
-                    <a:p>
-                      <a:pPr algn="r" fontAlgn="b"/>
-                      <a:r>
-                        <a:rPr lang="mr-IN" sz="1100" u="none" strike="noStrike" dirty="0">
-                          <a:solidFill>
-                            <a:srgbClr val="FF0000"/>
-                          </a:solidFill>
-                          <a:effectLst/>
-                        </a:rPr>
-                        <a:t>-15</a:t>
-                      </a:r>
-                      <a:endParaRPr lang="mr-IN" sz="1100" b="0" i="0" u="none" strike="noStrike" dirty="0">
-                        <a:solidFill>
-                          <a:srgbClr val="FF0000"/>
-                        </a:solidFill>
-                        <a:effectLst/>
-                        <a:latin typeface="Calibri" charset="0"/>
-                      </a:endParaRPr>
-                    </a:p>
-                  </a:txBody>
-                  <a:tcPr marL="0" marR="0" marT="0" marB="0" anchor="b"/>
-                </a:tc>
-              </a:tr>
-              <a:tr h="179103">
-                <a:tc>
-                  <a:txBody>
-                    <a:bodyPr/>
-                    <a:lstStyle/>
-                    <a:p>
-                      <a:pPr algn="l" fontAlgn="b"/>
-                      <a:r>
-                        <a:rPr lang="en-US" sz="1100" u="none" strike="noStrike" dirty="0">
-                          <a:solidFill>
-                            <a:srgbClr val="FF0000"/>
-                          </a:solidFill>
-                          <a:effectLst/>
-                        </a:rPr>
-                        <a:t>THE  CHAMPAGNE SHEESHA        </a:t>
-                      </a:r>
-                      <a:endParaRPr lang="en-US" sz="1100" b="1" i="0" u="none" strike="noStrike" dirty="0">
-                        <a:solidFill>
-                          <a:srgbClr val="FF0000"/>
-                        </a:solidFill>
-                        <a:effectLst/>
-                        <a:latin typeface="Calibri" charset="0"/>
-                      </a:endParaRPr>
-                    </a:p>
-                  </a:txBody>
-                  <a:tcPr marL="0" marR="0" marT="0" marB="0" anchor="b"/>
-                </a:tc>
-                <a:tc>
-                  <a:txBody>
-                    <a:bodyPr/>
-                    <a:lstStyle/>
-                    <a:p>
-                      <a:pPr algn="r" fontAlgn="b"/>
-                      <a:r>
-                        <a:rPr lang="en-US" sz="1100" u="none" strike="noStrike">
-                          <a:solidFill>
-                            <a:srgbClr val="FF0000"/>
-                          </a:solidFill>
-                          <a:effectLst/>
-                        </a:rPr>
-                        <a:t>6</a:t>
-                      </a:r>
-                      <a:endParaRPr lang="en-US" sz="1100" b="0" i="0" u="none" strike="noStrike">
-                        <a:solidFill>
-                          <a:srgbClr val="FF0000"/>
-                        </a:solidFill>
-                        <a:effectLst/>
-                        <a:latin typeface="Calibri" charset="0"/>
-                      </a:endParaRPr>
-                    </a:p>
-                  </a:txBody>
-                  <a:tcPr marL="0" marR="0" marT="0" marB="0" anchor="b"/>
-                </a:tc>
-                <a:tc>
-                  <a:txBody>
-                    <a:bodyPr/>
-                    <a:lstStyle/>
-                    <a:p>
-                      <a:pPr algn="r" fontAlgn="b"/>
-                      <a:r>
-                        <a:rPr lang="mr-IN" sz="1100" u="none" strike="noStrike" dirty="0">
-                          <a:solidFill>
-                            <a:srgbClr val="FF0000"/>
-                          </a:solidFill>
-                          <a:effectLst/>
-                        </a:rPr>
-                        <a:t>-30</a:t>
-                      </a:r>
-                      <a:endParaRPr lang="mr-IN" sz="1100" b="0" i="0" u="none" strike="noStrike" dirty="0">
-                        <a:solidFill>
-                          <a:srgbClr val="FF0000"/>
-                        </a:solidFill>
-                        <a:effectLst/>
-                        <a:latin typeface="Calibri" charset="0"/>
-                      </a:endParaRPr>
-                    </a:p>
-                  </a:txBody>
-                  <a:tcPr marL="0" marR="0" marT="0" marB="0" anchor="b"/>
-                </a:tc>
-              </a:tr>
-              <a:tr h="179103">
-                <a:tc>
-                  <a:txBody>
-                    <a:bodyPr/>
-                    <a:lstStyle/>
-                    <a:p>
-                      <a:pPr algn="l" fontAlgn="b"/>
-                      <a:r>
-                        <a:rPr lang="en-US" sz="1100" u="none" strike="noStrike" dirty="0">
-                          <a:solidFill>
-                            <a:srgbClr val="FF0000"/>
-                          </a:solidFill>
-                          <a:effectLst/>
-                        </a:rPr>
-                        <a:t>WHITE WINE SHEESHA            </a:t>
-                      </a:r>
-                      <a:endParaRPr lang="en-US" sz="1100" b="1" i="0" u="none" strike="noStrike" dirty="0">
-                        <a:solidFill>
-                          <a:srgbClr val="FF0000"/>
-                        </a:solidFill>
-                        <a:effectLst/>
-                        <a:latin typeface="Calibri" charset="0"/>
-                      </a:endParaRPr>
-                    </a:p>
-                  </a:txBody>
-                  <a:tcPr marL="0" marR="0" marT="0" marB="0" anchor="b"/>
-                </a:tc>
-                <a:tc>
-                  <a:txBody>
-                    <a:bodyPr/>
-                    <a:lstStyle/>
-                    <a:p>
-                      <a:pPr algn="r" fontAlgn="b"/>
-                      <a:r>
-                        <a:rPr lang="en-US" sz="1100" u="none" strike="noStrike">
-                          <a:solidFill>
-                            <a:srgbClr val="FF0000"/>
-                          </a:solidFill>
-                          <a:effectLst/>
-                        </a:rPr>
-                        <a:t>6</a:t>
-                      </a:r>
-                      <a:endParaRPr lang="en-US" sz="1100" b="0" i="0" u="none" strike="noStrike">
-                        <a:solidFill>
-                          <a:srgbClr val="FF0000"/>
-                        </a:solidFill>
-                        <a:effectLst/>
-                        <a:latin typeface="Calibri" charset="0"/>
-                      </a:endParaRPr>
-                    </a:p>
-                  </a:txBody>
-                  <a:tcPr marL="0" marR="0" marT="0" marB="0" anchor="b"/>
-                </a:tc>
-                <a:tc>
-                  <a:txBody>
-                    <a:bodyPr/>
-                    <a:lstStyle/>
-                    <a:p>
-                      <a:pPr algn="r" fontAlgn="b"/>
-                      <a:r>
-                        <a:rPr lang="mr-IN" sz="1100" u="none" strike="noStrike" dirty="0">
-                          <a:solidFill>
-                            <a:srgbClr val="FF0000"/>
-                          </a:solidFill>
-                          <a:effectLst/>
-                        </a:rPr>
-                        <a:t>-30</a:t>
-                      </a:r>
-                      <a:endParaRPr lang="mr-IN" sz="1100" b="0" i="0" u="none" strike="noStrike" dirty="0">
-                        <a:solidFill>
-                          <a:srgbClr val="FF0000"/>
-                        </a:solidFill>
-                        <a:effectLst/>
-                        <a:latin typeface="Calibri" charset="0"/>
-                      </a:endParaRPr>
-                    </a:p>
-                  </a:txBody>
-                  <a:tcPr marL="0" marR="0" marT="0" marB="0" anchor="b"/>
-                </a:tc>
-              </a:tr>
-              <a:tr h="179103">
-                <a:tc>
-                  <a:txBody>
-                    <a:bodyPr/>
-                    <a:lstStyle/>
-                    <a:p>
-                      <a:pPr algn="l" fontAlgn="b"/>
-                      <a:r>
-                        <a:rPr lang="en-US" sz="1100" u="none" strike="noStrike" dirty="0">
-                          <a:solidFill>
-                            <a:srgbClr val="FF0000"/>
-                          </a:solidFill>
-                          <a:effectLst/>
-                        </a:rPr>
-                        <a:t>GRILLED CHICKEN SAUSAGES      </a:t>
-                      </a:r>
-                      <a:endParaRPr lang="en-US" sz="1100" b="1" i="0" u="none" strike="noStrike" dirty="0">
-                        <a:solidFill>
-                          <a:srgbClr val="FF0000"/>
-                        </a:solidFill>
-                        <a:effectLst/>
-                        <a:latin typeface="Calibri" charset="0"/>
-                      </a:endParaRPr>
-                    </a:p>
-                  </a:txBody>
-                  <a:tcPr marL="0" marR="0" marT="0" marB="0" anchor="b"/>
-                </a:tc>
-                <a:tc>
-                  <a:txBody>
-                    <a:bodyPr/>
-                    <a:lstStyle/>
-                    <a:p>
-                      <a:pPr algn="r" fontAlgn="b"/>
-                      <a:r>
-                        <a:rPr lang="mr-IN" sz="1100" u="none" strike="noStrike">
-                          <a:solidFill>
-                            <a:srgbClr val="FF0000"/>
-                          </a:solidFill>
-                          <a:effectLst/>
-                        </a:rPr>
-                        <a:t>-25</a:t>
-                      </a:r>
-                      <a:endParaRPr lang="mr-IN" sz="1100" b="0" i="0" u="none" strike="noStrike">
-                        <a:solidFill>
-                          <a:srgbClr val="FF0000"/>
-                        </a:solidFill>
-                        <a:effectLst/>
-                        <a:latin typeface="Calibri" charset="0"/>
-                      </a:endParaRPr>
-                    </a:p>
-                  </a:txBody>
-                  <a:tcPr marL="0" marR="0" marT="0" marB="0" anchor="b"/>
-                </a:tc>
-                <a:tc>
-                  <a:txBody>
-                    <a:bodyPr/>
-                    <a:lstStyle/>
-                    <a:p>
-                      <a:pPr algn="r" fontAlgn="b"/>
-                      <a:r>
-                        <a:rPr lang="mr-IN" sz="1100" u="none" strike="noStrike" dirty="0">
-                          <a:solidFill>
-                            <a:srgbClr val="FF0000"/>
-                          </a:solidFill>
-                          <a:effectLst/>
-                        </a:rPr>
-                        <a:t>-44</a:t>
-                      </a:r>
-                      <a:endParaRPr lang="mr-IN" sz="1100" b="0" i="0" u="none" strike="noStrike" dirty="0">
-                        <a:solidFill>
-                          <a:srgbClr val="FF0000"/>
-                        </a:solidFill>
-                        <a:effectLst/>
-                        <a:latin typeface="Calibri" charset="0"/>
-                      </a:endParaRPr>
-                    </a:p>
-                  </a:txBody>
-                  <a:tcPr marL="0" marR="0" marT="0" marB="0" anchor="b"/>
-                </a:tc>
-              </a:tr>
-              <a:tr h="179103">
-                <a:tc>
-                  <a:txBody>
-                    <a:bodyPr/>
-                    <a:lstStyle/>
-                    <a:p>
-                      <a:pPr algn="l" fontAlgn="b"/>
-                      <a:r>
-                        <a:rPr lang="en-US" sz="1100" u="none" strike="noStrike">
-                          <a:solidFill>
-                            <a:srgbClr val="FF0000"/>
-                          </a:solidFill>
-                          <a:effectLst/>
-                        </a:rPr>
-                        <a:t>MAGGI NDLTHAI STYLE           </a:t>
-                      </a:r>
-                      <a:endParaRPr lang="en-US" sz="1100" b="1" i="0" u="none" strike="noStrike">
-                        <a:solidFill>
-                          <a:srgbClr val="FF0000"/>
-                        </a:solidFill>
-                        <a:effectLst/>
-                        <a:latin typeface="Calibri" charset="0"/>
-                      </a:endParaRPr>
-                    </a:p>
-                  </a:txBody>
-                  <a:tcPr marL="0" marR="0" marT="0" marB="0" anchor="b"/>
-                </a:tc>
-                <a:tc>
-                  <a:txBody>
-                    <a:bodyPr/>
-                    <a:lstStyle/>
-                    <a:p>
-                      <a:pPr algn="r" fontAlgn="b"/>
-                      <a:r>
-                        <a:rPr lang="mr-IN" sz="1100" u="none" strike="noStrike">
-                          <a:solidFill>
-                            <a:srgbClr val="FF0000"/>
-                          </a:solidFill>
-                          <a:effectLst/>
-                        </a:rPr>
-                        <a:t>-11</a:t>
-                      </a:r>
-                      <a:endParaRPr lang="mr-IN" sz="1100" b="0" i="0" u="none" strike="noStrike">
-                        <a:solidFill>
-                          <a:srgbClr val="FF0000"/>
-                        </a:solidFill>
-                        <a:effectLst/>
-                        <a:latin typeface="Calibri" charset="0"/>
-                      </a:endParaRPr>
-                    </a:p>
-                  </a:txBody>
-                  <a:tcPr marL="0" marR="0" marT="0" marB="0" anchor="b"/>
-                </a:tc>
-                <a:tc>
-                  <a:txBody>
-                    <a:bodyPr/>
-                    <a:lstStyle/>
-                    <a:p>
-                      <a:pPr algn="r" fontAlgn="b"/>
-                      <a:r>
-                        <a:rPr lang="mr-IN" sz="1100" u="none" strike="noStrike" dirty="0">
-                          <a:solidFill>
-                            <a:srgbClr val="FF0000"/>
-                          </a:solidFill>
-                          <a:effectLst/>
-                        </a:rPr>
-                        <a:t>-37</a:t>
-                      </a:r>
-                      <a:endParaRPr lang="mr-IN" sz="1100" b="0" i="0" u="none" strike="noStrike" dirty="0">
-                        <a:solidFill>
-                          <a:srgbClr val="FF0000"/>
-                        </a:solidFill>
-                        <a:effectLst/>
-                        <a:latin typeface="Calibri" charset="0"/>
-                      </a:endParaRPr>
-                    </a:p>
-                  </a:txBody>
-                  <a:tcPr marL="0" marR="0" marT="0" marB="0" anchor="b"/>
-                </a:tc>
-              </a:tr>
-            </a:tbl>
-          </a:graphicData>
-        </a:graphic>
-      </p:graphicFrame>
-      <p:sp>
-        <p:nvSpPr>
-          <p:cNvPr id="6" name="TextBox 5"/>
-          <p:cNvSpPr txBox="1"/>
-          <p:nvPr/>
-        </p:nvSpPr>
-        <p:spPr>
-          <a:xfrm>
-            <a:off x="7788879" y="3326524"/>
-            <a:ext cx="3625355" cy="2769989"/>
-          </a:xfrm>
-          <a:prstGeom prst="rect">
-            <a:avLst/>
-          </a:prstGeom>
-          <a:noFill/>
-        </p:spPr>
-        <p:txBody>
-          <a:bodyPr wrap="square" rtlCol="0">
-            <a:spAutoFit/>
-          </a:bodyPr>
-          <a:lstStyle/>
-          <a:p>
-            <a:pPr marL="285750" indent="-285750">
-              <a:buFont typeface="Arial" charset="0"/>
-              <a:buChar char="•"/>
-            </a:pPr>
+            <p:ph type="ctrTitle"/>
+          </p:nvPr>
+        </p:nvSpPr>
+        <p:spPr/>
+        <p:txBody>
+          <a:bodyPr/>
+          <a:lstStyle/>
+          <a:p>
             <a:r>
               <a:rPr lang="en-US" dirty="0" smtClean="0"/>
-              <a:t>17 out of 46 shown items shows positive response across categories</a:t>
-            </a:r>
-          </a:p>
-          <a:p>
-            <a:pPr marL="285750" indent="-285750">
-              <a:buFont typeface="Arial" charset="0"/>
-              <a:buChar char="•"/>
-            </a:pPr>
-            <a:r>
-              <a:rPr lang="en-US" dirty="0" smtClean="0"/>
-              <a:t>Tobacco/Hookah price increase mostly has positive or neutral response</a:t>
-            </a:r>
-          </a:p>
-          <a:p>
-            <a:pPr marL="285750" indent="-285750">
-              <a:buFont typeface="Arial" charset="0"/>
-              <a:buChar char="•"/>
-            </a:pPr>
-            <a:r>
-              <a:rPr lang="en-US" dirty="0" smtClean="0"/>
-              <a:t>Most Beverage item’s sale has been decreased post price increase</a:t>
-            </a:r>
-          </a:p>
-          <a:p>
-            <a:pPr marL="285750" indent="-285750">
-              <a:buFont typeface="Arial" charset="0"/>
-              <a:buChar char="•"/>
-            </a:pPr>
-            <a:endParaRPr lang="en-US" dirty="0"/>
-          </a:p>
-          <a:p>
-            <a:endParaRPr lang="en-US" dirty="0" smtClean="0"/>
-          </a:p>
-          <a:p>
-            <a:pPr algn="r"/>
-            <a:r>
-              <a:rPr lang="en-US" sz="1200" dirty="0" smtClean="0"/>
-              <a:t>price change </a:t>
-            </a:r>
-            <a:r>
-              <a:rPr lang="en-US" sz="1200" dirty="0" err="1" smtClean="0"/>
-              <a:t>w.e.f</a:t>
-            </a:r>
-            <a:r>
-              <a:rPr lang="en-US" sz="1200" dirty="0" smtClean="0"/>
-              <a:t>. 7</a:t>
-            </a:r>
-            <a:r>
-              <a:rPr lang="en-US" sz="1200" baseline="30000" dirty="0" smtClean="0"/>
-              <a:t>th</a:t>
-            </a:r>
-            <a:r>
-              <a:rPr lang="en-US" sz="1200" dirty="0" smtClean="0"/>
-              <a:t> Jan 2011</a:t>
-            </a:r>
-            <a:endParaRPr lang="en-US" sz="1200" dirty="0"/>
+              <a:t>Thank You</a:t>
+            </a:r>
+            <a:endParaRPr lang="en-US" dirty="0"/>
           </a:p>
         </p:txBody>
       </p:sp>
     </p:spTree>
     <p:extLst>
       <p:ext uri="{BB962C8B-B14F-4D97-AF65-F5344CB8AC3E}">
-        <p14:creationId xmlns:p14="http://schemas.microsoft.com/office/powerpoint/2010/main" val="857746939"/>
+        <p14:creationId xmlns:p14="http://schemas.microsoft.com/office/powerpoint/2010/main" val="243268139"/>
       </p:ext>
     </p:extLst>
   </p:cSld>
   <p:clrMapOvr>
     <a:masterClrMapping/>
   </p:clrMapOvr>
-  <mc:AlternateContent xmlns:mc="http://schemas.openxmlformats.org/markup-compatibility/2006" xmlns:p14="http://schemas.microsoft.com/office/powerpoint/2010/main">
-    <mc:Choice Requires="p14">
-      <p:transition p14:dur="0"/>
-    </mc:Choice>
-    <mc:Fallback xmlns="">
-      <p:transition/>
-    </mc:Fallback>
-  </mc:AlternateContent>
-  <p:timing>
-    <p:tnLst>
-      <p:par>
-        <p:cTn id="1" dur="indefinite" restart="never" nodeType="tmRoot"/>
-      </p:par>
-    </p:tnLst>
-  </p:timing>
-</p:sld>
-</file>
-
-<file path=ppt/slides/slide17.xml><?xml version="1.0" encoding="utf-8"?>
-<p:sld xmlns:a="http://schemas.openxmlformats.org/drawingml/2006/main" xmlns:r="http://schemas.openxmlformats.org/officeDocument/2006/relationships" xmlns:p="http://schemas.openxmlformats.org/presentationml/2006/main">
-  <p:cSld>
-    <p:spTree>
-      <p:nvGrpSpPr>
-        <p:cNvPr id="1" name=""/>
-        <p:cNvGrpSpPr/>
-        <p:nvPr/>
-      </p:nvGrpSpPr>
-      <p:grpSpPr>
-        <a:xfrm>
-          <a:off x="0" y="0"/>
-          <a:ext cx="0" cy="0"/>
-          <a:chOff x="0" y="0"/>
-          <a:chExt cx="0" cy="0"/>
-        </a:xfrm>
-      </p:grpSpPr>
-      <p:sp>
-        <p:nvSpPr>
-          <p:cNvPr id="2" name="Title 1"/>
-          <p:cNvSpPr>
-            <a:spLocks noGrp="1"/>
-          </p:cNvSpPr>
-          <p:nvPr>
-            <p:ph type="title" idx="4294967295"/>
-          </p:nvPr>
-        </p:nvSpPr>
-        <p:spPr>
-          <a:xfrm>
-            <a:off x="1295400" y="47292"/>
-            <a:ext cx="9601200" cy="1576552"/>
-          </a:xfrm>
-        </p:spPr>
-        <p:txBody>
-          <a:bodyPr>
-            <a:normAutofit/>
-          </a:bodyPr>
-          <a:lstStyle/>
-          <a:p>
-            <a:r>
-              <a:rPr lang="en-US" sz="3200" dirty="0" smtClean="0"/>
-              <a:t>Price Change effect plot of 46 items</a:t>
-            </a:r>
-            <a:endParaRPr lang="en-US" sz="3200" dirty="0"/>
-          </a:p>
-        </p:txBody>
-      </p:sp>
-      <p:sp>
-        <p:nvSpPr>
-          <p:cNvPr id="3" name="Content Placeholder 2"/>
-          <p:cNvSpPr>
-            <a:spLocks noGrp="1"/>
-          </p:cNvSpPr>
-          <p:nvPr>
-            <p:ph idx="4294967295"/>
-          </p:nvPr>
-        </p:nvSpPr>
-        <p:spPr>
-          <a:xfrm>
-            <a:off x="851338" y="1718429"/>
-            <a:ext cx="10562896" cy="4382826"/>
-          </a:xfrm>
-        </p:spPr>
-        <p:txBody>
-          <a:bodyPr>
-            <a:normAutofit/>
-          </a:bodyPr>
-          <a:lstStyle/>
-          <a:p>
-            <a:pPr marL="0" indent="0">
-              <a:buNone/>
-            </a:pPr>
-            <a:endParaRPr lang="en-US" dirty="0" smtClean="0"/>
-          </a:p>
-          <a:p>
-            <a:pPr marL="0" indent="0">
-              <a:buNone/>
-            </a:pPr>
-            <a:endParaRPr lang="en-US" dirty="0"/>
-          </a:p>
-        </p:txBody>
-      </p:sp>
-      <p:cxnSp>
-        <p:nvCxnSpPr>
-          <p:cNvPr id="5" name="Straight Connector 4"/>
-          <p:cNvCxnSpPr/>
-          <p:nvPr/>
-        </p:nvCxnSpPr>
-        <p:spPr>
-          <a:xfrm>
-            <a:off x="1481959" y="1292758"/>
-            <a:ext cx="9285889" cy="0"/>
-          </a:xfrm>
-          <a:prstGeom prst="line">
-            <a:avLst/>
-          </a:prstGeom>
-        </p:spPr>
-        <p:style>
-          <a:lnRef idx="1">
-            <a:schemeClr val="accent1"/>
-          </a:lnRef>
-          <a:fillRef idx="0">
-            <a:schemeClr val="accent1"/>
-          </a:fillRef>
-          <a:effectRef idx="0">
-            <a:schemeClr val="accent1"/>
-          </a:effectRef>
-          <a:fontRef idx="minor">
-            <a:schemeClr val="tx1"/>
-          </a:fontRef>
-        </p:style>
-      </p:cxnSp>
-      <p:sp>
-        <p:nvSpPr>
-          <p:cNvPr id="4" name="TextBox 3"/>
-          <p:cNvSpPr txBox="1"/>
-          <p:nvPr/>
-        </p:nvSpPr>
-        <p:spPr>
-          <a:xfrm>
-            <a:off x="4272455" y="3090041"/>
-            <a:ext cx="184731" cy="369332"/>
-          </a:xfrm>
-          <a:prstGeom prst="rect">
-            <a:avLst/>
-          </a:prstGeom>
-          <a:noFill/>
-        </p:spPr>
-        <p:txBody>
-          <a:bodyPr wrap="none" rtlCol="0">
-            <a:spAutoFit/>
-          </a:bodyPr>
-          <a:lstStyle/>
-          <a:p>
-            <a:endParaRPr lang="en-US" dirty="0"/>
-          </a:p>
-        </p:txBody>
-      </p:sp>
-      <p:pic>
-        <p:nvPicPr>
-          <p:cNvPr id="13" name="Picture 12"/>
-          <p:cNvPicPr>
-            <a:picLocks noChangeAspect="1"/>
-          </p:cNvPicPr>
-          <p:nvPr/>
-        </p:nvPicPr>
-        <p:blipFill>
-          <a:blip r:embed="rId2"/>
-          <a:stretch>
-            <a:fillRect/>
-          </a:stretch>
-        </p:blipFill>
-        <p:spPr>
-          <a:xfrm>
-            <a:off x="2166883" y="1300660"/>
-            <a:ext cx="7895607" cy="4658706"/>
-          </a:xfrm>
-          <a:prstGeom prst="rect">
-            <a:avLst/>
-          </a:prstGeom>
-        </p:spPr>
-      </p:pic>
-      <p:pic>
-        <p:nvPicPr>
-          <p:cNvPr id="25" name="Picture 24"/>
-          <p:cNvPicPr>
-            <a:picLocks noChangeAspect="1"/>
-          </p:cNvPicPr>
-          <p:nvPr/>
-        </p:nvPicPr>
-        <p:blipFill>
-          <a:blip r:embed="rId3"/>
-          <a:stretch>
-            <a:fillRect/>
-          </a:stretch>
-        </p:blipFill>
-        <p:spPr>
-          <a:xfrm>
-            <a:off x="2166883" y="1300660"/>
-            <a:ext cx="8033933" cy="4642062"/>
-          </a:xfrm>
-          <a:prstGeom prst="rect">
-            <a:avLst/>
-          </a:prstGeom>
-        </p:spPr>
-      </p:pic>
-      <p:sp>
-        <p:nvSpPr>
-          <p:cNvPr id="26" name="Rounded Rectangular Callout 25"/>
-          <p:cNvSpPr/>
-          <p:nvPr/>
-        </p:nvSpPr>
-        <p:spPr>
-          <a:xfrm>
-            <a:off x="5151528" y="5837764"/>
-            <a:ext cx="1888943" cy="247714"/>
-          </a:xfrm>
-          <a:prstGeom prst="wedgeRoundRectCallout">
-            <a:avLst>
-              <a:gd name="adj1" fmla="val -22067"/>
-              <a:gd name="adj2" fmla="val 42874"/>
-              <a:gd name="adj3" fmla="val 16667"/>
-            </a:avLst>
-          </a:prstGeom>
-        </p:spPr>
-        <p:style>
-          <a:lnRef idx="1">
-            <a:schemeClr val="accent5"/>
-          </a:lnRef>
-          <a:fillRef idx="2">
-            <a:schemeClr val="accent5"/>
-          </a:fillRef>
-          <a:effectRef idx="1">
-            <a:schemeClr val="accent5"/>
-          </a:effectRef>
-          <a:fontRef idx="minor">
-            <a:schemeClr val="dk1"/>
-          </a:fontRef>
-        </p:style>
-        <p:txBody>
-          <a:bodyPr rtlCol="0" anchor="ctr"/>
-          <a:lstStyle/>
-          <a:p>
-            <a:pPr algn="ctr"/>
-            <a:r>
-              <a:rPr lang="en-US" sz="1200" dirty="0" smtClean="0"/>
-              <a:t>% Price Change</a:t>
-            </a:r>
-            <a:endParaRPr lang="en-US" sz="1200" dirty="0"/>
-          </a:p>
-        </p:txBody>
-      </p:sp>
-      <p:sp>
-        <p:nvSpPr>
-          <p:cNvPr id="27" name="Rounded Rectangular Callout 26"/>
-          <p:cNvSpPr/>
-          <p:nvPr/>
-        </p:nvSpPr>
-        <p:spPr>
-          <a:xfrm rot="16200000">
-            <a:off x="1236416" y="3662128"/>
-            <a:ext cx="1888943" cy="247714"/>
-          </a:xfrm>
-          <a:prstGeom prst="wedgeRoundRectCallout">
-            <a:avLst>
-              <a:gd name="adj1" fmla="val -22067"/>
-              <a:gd name="adj2" fmla="val 42874"/>
-              <a:gd name="adj3" fmla="val 16667"/>
-            </a:avLst>
-          </a:prstGeom>
-        </p:spPr>
-        <p:style>
-          <a:lnRef idx="1">
-            <a:schemeClr val="accent5"/>
-          </a:lnRef>
-          <a:fillRef idx="2">
-            <a:schemeClr val="accent5"/>
-          </a:fillRef>
-          <a:effectRef idx="1">
-            <a:schemeClr val="accent5"/>
-          </a:effectRef>
-          <a:fontRef idx="minor">
-            <a:schemeClr val="dk1"/>
-          </a:fontRef>
-        </p:style>
-        <p:txBody>
-          <a:bodyPr rtlCol="0" anchor="ctr"/>
-          <a:lstStyle/>
-          <a:p>
-            <a:pPr algn="ctr"/>
-            <a:r>
-              <a:rPr lang="en-US" sz="1200" dirty="0" smtClean="0"/>
-              <a:t>% Sales Volume change</a:t>
-            </a:r>
-            <a:endParaRPr lang="en-US" sz="1200" dirty="0"/>
-          </a:p>
-        </p:txBody>
-      </p:sp>
-      <p:sp>
-        <p:nvSpPr>
-          <p:cNvPr id="28" name="Rounded Rectangular Callout 27"/>
-          <p:cNvSpPr/>
-          <p:nvPr/>
-        </p:nvSpPr>
-        <p:spPr>
-          <a:xfrm>
-            <a:off x="3357284" y="5061909"/>
-            <a:ext cx="1888943" cy="247714"/>
-          </a:xfrm>
-          <a:prstGeom prst="wedgeRoundRectCallout">
-            <a:avLst>
-              <a:gd name="adj1" fmla="val -22067"/>
-              <a:gd name="adj2" fmla="val 42874"/>
-              <a:gd name="adj3" fmla="val 16667"/>
-            </a:avLst>
-          </a:prstGeom>
-          <a:gradFill>
-            <a:gsLst>
-              <a:gs pos="100000">
-                <a:schemeClr val="accent3">
-                  <a:lumMod val="40000"/>
-                  <a:lumOff val="60000"/>
-                </a:schemeClr>
-              </a:gs>
-              <a:gs pos="100000">
-                <a:schemeClr val="accent5">
-                  <a:tint val="82000"/>
-                </a:schemeClr>
-              </a:gs>
-            </a:gsLst>
-          </a:gradFill>
-          <a:ln>
-            <a:solidFill>
-              <a:schemeClr val="accent3">
-                <a:lumMod val="40000"/>
-                <a:lumOff val="60000"/>
-              </a:schemeClr>
-            </a:solidFill>
-          </a:ln>
-        </p:spPr>
-        <p:style>
-          <a:lnRef idx="1">
-            <a:schemeClr val="accent5"/>
-          </a:lnRef>
-          <a:fillRef idx="2">
-            <a:schemeClr val="accent5"/>
-          </a:fillRef>
-          <a:effectRef idx="1">
-            <a:schemeClr val="accent5"/>
-          </a:effectRef>
-          <a:fontRef idx="minor">
-            <a:schemeClr val="dk1"/>
-          </a:fontRef>
-        </p:style>
-        <p:txBody>
-          <a:bodyPr rtlCol="0" anchor="ctr"/>
-          <a:lstStyle/>
-          <a:p>
-            <a:pPr algn="ctr"/>
-            <a:r>
-              <a:rPr lang="en-US" sz="1200" dirty="0" smtClean="0"/>
-              <a:t>Price decrease, Sale decrease</a:t>
-            </a:r>
-            <a:endParaRPr lang="en-US" sz="1200" dirty="0"/>
-          </a:p>
-        </p:txBody>
-      </p:sp>
-      <p:sp>
-        <p:nvSpPr>
-          <p:cNvPr id="29" name="Rounded Rectangular Callout 28"/>
-          <p:cNvSpPr/>
-          <p:nvPr/>
-        </p:nvSpPr>
-        <p:spPr>
-          <a:xfrm>
-            <a:off x="3357284" y="2290511"/>
-            <a:ext cx="1888943" cy="247714"/>
-          </a:xfrm>
-          <a:prstGeom prst="wedgeRoundRectCallout">
-            <a:avLst>
-              <a:gd name="adj1" fmla="val -22067"/>
-              <a:gd name="adj2" fmla="val 42874"/>
-              <a:gd name="adj3" fmla="val 16667"/>
-            </a:avLst>
-          </a:prstGeom>
-          <a:gradFill>
-            <a:gsLst>
-              <a:gs pos="100000">
-                <a:schemeClr val="accent3">
-                  <a:lumMod val="40000"/>
-                  <a:lumOff val="60000"/>
-                </a:schemeClr>
-              </a:gs>
-              <a:gs pos="100000">
-                <a:schemeClr val="accent5">
-                  <a:tint val="82000"/>
-                </a:schemeClr>
-              </a:gs>
-            </a:gsLst>
-          </a:gradFill>
-          <a:ln>
-            <a:solidFill>
-              <a:schemeClr val="accent3">
-                <a:lumMod val="40000"/>
-                <a:lumOff val="60000"/>
-              </a:schemeClr>
-            </a:solidFill>
-          </a:ln>
-        </p:spPr>
-        <p:style>
-          <a:lnRef idx="1">
-            <a:schemeClr val="accent5"/>
-          </a:lnRef>
-          <a:fillRef idx="2">
-            <a:schemeClr val="accent5"/>
-          </a:fillRef>
-          <a:effectRef idx="1">
-            <a:schemeClr val="accent5"/>
-          </a:effectRef>
-          <a:fontRef idx="minor">
-            <a:schemeClr val="dk1"/>
-          </a:fontRef>
-        </p:style>
-        <p:txBody>
-          <a:bodyPr rtlCol="0" anchor="ctr"/>
-          <a:lstStyle/>
-          <a:p>
-            <a:pPr algn="ctr"/>
-            <a:r>
-              <a:rPr lang="en-US" sz="1200" dirty="0" smtClean="0"/>
-              <a:t>Price increase, Sale decrease</a:t>
-            </a:r>
-            <a:endParaRPr lang="en-US" sz="1200" dirty="0"/>
-          </a:p>
-        </p:txBody>
-      </p:sp>
-      <p:sp>
-        <p:nvSpPr>
-          <p:cNvPr id="30" name="Rounded Rectangular Callout 29"/>
-          <p:cNvSpPr/>
-          <p:nvPr/>
-        </p:nvSpPr>
-        <p:spPr>
-          <a:xfrm>
-            <a:off x="7124689" y="5061909"/>
-            <a:ext cx="1888943" cy="247714"/>
-          </a:xfrm>
-          <a:prstGeom prst="wedgeRoundRectCallout">
-            <a:avLst>
-              <a:gd name="adj1" fmla="val -22067"/>
-              <a:gd name="adj2" fmla="val 42874"/>
-              <a:gd name="adj3" fmla="val 16667"/>
-            </a:avLst>
-          </a:prstGeom>
-          <a:gradFill>
-            <a:gsLst>
-              <a:gs pos="100000">
-                <a:schemeClr val="accent3">
-                  <a:lumMod val="40000"/>
-                  <a:lumOff val="60000"/>
-                </a:schemeClr>
-              </a:gs>
-              <a:gs pos="100000">
-                <a:schemeClr val="accent5">
-                  <a:tint val="82000"/>
-                </a:schemeClr>
-              </a:gs>
-            </a:gsLst>
-          </a:gradFill>
-          <a:ln>
-            <a:solidFill>
-              <a:schemeClr val="accent3">
-                <a:lumMod val="40000"/>
-                <a:lumOff val="60000"/>
-              </a:schemeClr>
-            </a:solidFill>
-          </a:ln>
-        </p:spPr>
-        <p:style>
-          <a:lnRef idx="1">
-            <a:schemeClr val="accent5"/>
-          </a:lnRef>
-          <a:fillRef idx="2">
-            <a:schemeClr val="accent5"/>
-          </a:fillRef>
-          <a:effectRef idx="1">
-            <a:schemeClr val="accent5"/>
-          </a:effectRef>
-          <a:fontRef idx="minor">
-            <a:schemeClr val="dk1"/>
-          </a:fontRef>
-        </p:style>
-        <p:txBody>
-          <a:bodyPr rtlCol="0" anchor="ctr"/>
-          <a:lstStyle/>
-          <a:p>
-            <a:pPr algn="ctr"/>
-            <a:r>
-              <a:rPr lang="en-US" sz="1200" dirty="0" smtClean="0"/>
-              <a:t>Price decrease, Sale increase</a:t>
-            </a:r>
-            <a:endParaRPr lang="en-US" sz="1200" dirty="0"/>
-          </a:p>
-        </p:txBody>
-      </p:sp>
-      <p:sp>
-        <p:nvSpPr>
-          <p:cNvPr id="31" name="Rounded Rectangular Callout 30"/>
-          <p:cNvSpPr/>
-          <p:nvPr/>
-        </p:nvSpPr>
-        <p:spPr>
-          <a:xfrm>
-            <a:off x="7124689" y="2288032"/>
-            <a:ext cx="1888943" cy="247714"/>
-          </a:xfrm>
-          <a:prstGeom prst="wedgeRoundRectCallout">
-            <a:avLst>
-              <a:gd name="adj1" fmla="val -22067"/>
-              <a:gd name="adj2" fmla="val 42874"/>
-              <a:gd name="adj3" fmla="val 16667"/>
-            </a:avLst>
-          </a:prstGeom>
-          <a:gradFill>
-            <a:gsLst>
-              <a:gs pos="100000">
-                <a:schemeClr val="accent3">
-                  <a:lumMod val="40000"/>
-                  <a:lumOff val="60000"/>
-                </a:schemeClr>
-              </a:gs>
-              <a:gs pos="100000">
-                <a:schemeClr val="accent5">
-                  <a:tint val="82000"/>
-                </a:schemeClr>
-              </a:gs>
-            </a:gsLst>
-          </a:gradFill>
-          <a:ln>
-            <a:solidFill>
-              <a:schemeClr val="accent3">
-                <a:lumMod val="40000"/>
-                <a:lumOff val="60000"/>
-              </a:schemeClr>
-            </a:solidFill>
-          </a:ln>
-        </p:spPr>
-        <p:style>
-          <a:lnRef idx="1">
-            <a:schemeClr val="accent5"/>
-          </a:lnRef>
-          <a:fillRef idx="2">
-            <a:schemeClr val="accent5"/>
-          </a:fillRef>
-          <a:effectRef idx="1">
-            <a:schemeClr val="accent5"/>
-          </a:effectRef>
-          <a:fontRef idx="minor">
-            <a:schemeClr val="dk1"/>
-          </a:fontRef>
-        </p:style>
-        <p:txBody>
-          <a:bodyPr rtlCol="0" anchor="ctr"/>
-          <a:lstStyle/>
-          <a:p>
-            <a:pPr algn="ctr"/>
-            <a:r>
-              <a:rPr lang="en-US" sz="1200" dirty="0" smtClean="0"/>
-              <a:t>Price increase, Sale increase</a:t>
-            </a:r>
-            <a:endParaRPr lang="en-US" sz="1200" dirty="0"/>
-          </a:p>
-        </p:txBody>
-      </p:sp>
-    </p:spTree>
-    <p:extLst>
-      <p:ext uri="{BB962C8B-B14F-4D97-AF65-F5344CB8AC3E}">
-        <p14:creationId xmlns:p14="http://schemas.microsoft.com/office/powerpoint/2010/main" val="148214896"/>
-      </p:ext>
-    </p:extLst>
-  </p:cSld>
-  <p:clrMapOvr>
-    <a:masterClrMapping/>
-  </p:clrMapOvr>
-  <mc:AlternateContent xmlns:mc="http://schemas.openxmlformats.org/markup-compatibility/2006" xmlns:p14="http://schemas.microsoft.com/office/powerpoint/2010/main">
-    <mc:Choice Requires="p14">
-      <p:transition p14:dur="0"/>
-    </mc:Choice>
-    <mc:Fallback xmlns="">
-      <p:transition/>
-    </mc:Fallback>
-  </mc:AlternateContent>
-  <p:timing>
-    <p:tnLst>
-      <p:par>
-        <p:cTn id="1" dur="indefinite" restart="never" nodeType="tmRoot"/>
-      </p:par>
-    </p:tnLst>
-  </p:timing>
-</p:sld>
-</file>
-
-<file path=ppt/slides/slide18.xml><?xml version="1.0" encoding="utf-8"?>
-<p:sld xmlns:a="http://schemas.openxmlformats.org/drawingml/2006/main" xmlns:r="http://schemas.openxmlformats.org/officeDocument/2006/relationships" xmlns:p="http://schemas.openxmlformats.org/presentationml/2006/main">
-  <p:cSld>
-    <p:spTree>
-      <p:nvGrpSpPr>
-        <p:cNvPr id="1" name=""/>
-        <p:cNvGrpSpPr/>
-        <p:nvPr/>
-      </p:nvGrpSpPr>
-      <p:grpSpPr>
-        <a:xfrm>
-          <a:off x="0" y="0"/>
-          <a:ext cx="0" cy="0"/>
-          <a:chOff x="0" y="0"/>
-          <a:chExt cx="0" cy="0"/>
-        </a:xfrm>
-      </p:grpSpPr>
-      <p:sp>
-        <p:nvSpPr>
-          <p:cNvPr id="2" name="Title 1"/>
-          <p:cNvSpPr>
-            <a:spLocks noGrp="1"/>
-          </p:cNvSpPr>
-          <p:nvPr>
-            <p:ph type="ctrTitle"/>
-          </p:nvPr>
-        </p:nvSpPr>
-        <p:spPr/>
-        <p:txBody>
-          <a:bodyPr/>
-          <a:lstStyle/>
-          <a:p>
-            <a:r>
-              <a:rPr lang="en-US" dirty="0"/>
-              <a:t>Menu delisting</a:t>
-            </a:r>
-            <a:endParaRPr lang="en-US" b="1" dirty="0"/>
-          </a:p>
-        </p:txBody>
-      </p:sp>
-      <p:sp>
-        <p:nvSpPr>
-          <p:cNvPr id="3" name="Subtitle 2"/>
-          <p:cNvSpPr>
-            <a:spLocks noGrp="1"/>
-          </p:cNvSpPr>
-          <p:nvPr>
-            <p:ph type="subTitle" idx="1"/>
-          </p:nvPr>
-        </p:nvSpPr>
-        <p:spPr/>
-        <p:txBody>
-          <a:bodyPr/>
-          <a:lstStyle/>
-          <a:p>
-            <a:r>
-              <a:rPr lang="en-US" dirty="0"/>
-              <a:t>Café Chain Analysis </a:t>
-            </a:r>
-          </a:p>
-        </p:txBody>
-      </p:sp>
-    </p:spTree>
-    <p:extLst>
-      <p:ext uri="{BB962C8B-B14F-4D97-AF65-F5344CB8AC3E}">
-        <p14:creationId xmlns:p14="http://schemas.microsoft.com/office/powerpoint/2010/main" val="1027209802"/>
-      </p:ext>
-    </p:extLst>
-  </p:cSld>
-  <p:clrMapOvr>
-    <a:masterClrMapping/>
-  </p:clrMapOvr>
-  <p:timing>
-    <p:tnLst>
-      <p:par>
-        <p:cTn id="1" dur="indefinite" restart="never" nodeType="tmRoot"/>
-      </p:par>
-    </p:tnLst>
-  </p:timing>
-</p:sld>
-</file>
-
-<file path=ppt/slides/slide19.xml><?xml version="1.0" encoding="utf-8"?>
-<p:sld xmlns:a="http://schemas.openxmlformats.org/drawingml/2006/main" xmlns:r="http://schemas.openxmlformats.org/officeDocument/2006/relationships" xmlns:p="http://schemas.openxmlformats.org/presentationml/2006/main">
-  <p:cSld>
-    <p:spTree>
-      <p:nvGrpSpPr>
-        <p:cNvPr id="1" name=""/>
-        <p:cNvGrpSpPr/>
-        <p:nvPr/>
-      </p:nvGrpSpPr>
-      <p:grpSpPr>
-        <a:xfrm>
-          <a:off x="0" y="0"/>
-          <a:ext cx="0" cy="0"/>
-          <a:chOff x="0" y="0"/>
-          <a:chExt cx="0" cy="0"/>
-        </a:xfrm>
-      </p:grpSpPr>
-      <p:sp>
-        <p:nvSpPr>
-          <p:cNvPr id="2" name="Title 1"/>
-          <p:cNvSpPr>
-            <a:spLocks noGrp="1"/>
-          </p:cNvSpPr>
-          <p:nvPr>
-            <p:ph type="title" idx="4294967295"/>
-          </p:nvPr>
-        </p:nvSpPr>
-        <p:spPr>
-          <a:xfrm>
-            <a:off x="1295400" y="141888"/>
-            <a:ext cx="9601200" cy="1576552"/>
-          </a:xfrm>
-        </p:spPr>
-        <p:txBody>
-          <a:bodyPr>
-            <a:normAutofit/>
-          </a:bodyPr>
-          <a:lstStyle/>
-          <a:p>
-            <a:r>
-              <a:rPr lang="en-US" sz="3200" dirty="0" smtClean="0"/>
-              <a:t>Lowest selling items can be removed from menu </a:t>
-            </a:r>
-            <a:r>
-              <a:rPr lang="mr-IN" sz="3200" dirty="0" smtClean="0"/>
-              <a:t>–</a:t>
-            </a:r>
-            <a:r>
-              <a:rPr lang="en-US" sz="3200" dirty="0" smtClean="0"/>
-              <a:t> 1/2</a:t>
-            </a:r>
-            <a:endParaRPr lang="en-US" sz="3200" dirty="0"/>
-          </a:p>
-        </p:txBody>
-      </p:sp>
-      <p:sp>
-        <p:nvSpPr>
-          <p:cNvPr id="3" name="Content Placeholder 2"/>
-          <p:cNvSpPr>
-            <a:spLocks noGrp="1"/>
-          </p:cNvSpPr>
-          <p:nvPr>
-            <p:ph idx="4294967295"/>
-          </p:nvPr>
-        </p:nvSpPr>
-        <p:spPr>
-          <a:xfrm>
-            <a:off x="851338" y="1718429"/>
-            <a:ext cx="10562896" cy="4382826"/>
-          </a:xfrm>
-        </p:spPr>
-        <p:txBody>
-          <a:bodyPr>
-            <a:normAutofit/>
-          </a:bodyPr>
-          <a:lstStyle/>
-          <a:p>
-            <a:pPr marL="0" indent="0">
-              <a:buNone/>
-            </a:pPr>
-            <a:endParaRPr lang="en-US" dirty="0" smtClean="0"/>
-          </a:p>
-          <a:p>
-            <a:pPr marL="0" indent="0">
-              <a:buNone/>
-            </a:pPr>
-            <a:endParaRPr lang="en-US" dirty="0"/>
-          </a:p>
-        </p:txBody>
-      </p:sp>
-      <p:cxnSp>
-        <p:nvCxnSpPr>
-          <p:cNvPr id="5" name="Straight Connector 4"/>
-          <p:cNvCxnSpPr/>
-          <p:nvPr/>
-        </p:nvCxnSpPr>
-        <p:spPr>
-          <a:xfrm>
-            <a:off x="1481959" y="1292758"/>
-            <a:ext cx="9285889" cy="0"/>
-          </a:xfrm>
-          <a:prstGeom prst="line">
-            <a:avLst/>
-          </a:prstGeom>
-        </p:spPr>
-        <p:style>
-          <a:lnRef idx="1">
-            <a:schemeClr val="accent1"/>
-          </a:lnRef>
-          <a:fillRef idx="0">
-            <a:schemeClr val="accent1"/>
-          </a:fillRef>
-          <a:effectRef idx="0">
-            <a:schemeClr val="accent1"/>
-          </a:effectRef>
-          <a:fontRef idx="minor">
-            <a:schemeClr val="tx1"/>
-          </a:fontRef>
-        </p:style>
-      </p:cxnSp>
-      <p:sp>
-        <p:nvSpPr>
-          <p:cNvPr id="4" name="TextBox 3"/>
-          <p:cNvSpPr txBox="1"/>
-          <p:nvPr/>
-        </p:nvSpPr>
-        <p:spPr>
-          <a:xfrm>
-            <a:off x="4272455" y="3090041"/>
-            <a:ext cx="184731" cy="369332"/>
-          </a:xfrm>
-          <a:prstGeom prst="rect">
-            <a:avLst/>
-          </a:prstGeom>
-          <a:noFill/>
-        </p:spPr>
-        <p:txBody>
-          <a:bodyPr wrap="none" rtlCol="0">
-            <a:spAutoFit/>
-          </a:bodyPr>
-          <a:lstStyle/>
-          <a:p>
-            <a:endParaRPr lang="en-US" dirty="0"/>
-          </a:p>
-        </p:txBody>
-      </p:sp>
-      <p:pic>
-        <p:nvPicPr>
-          <p:cNvPr id="20" name="Picture 19"/>
-          <p:cNvPicPr>
-            <a:picLocks noChangeAspect="1"/>
-          </p:cNvPicPr>
-          <p:nvPr/>
-        </p:nvPicPr>
-        <p:blipFill>
-          <a:blip r:embed="rId2"/>
-          <a:stretch>
-            <a:fillRect/>
-          </a:stretch>
-        </p:blipFill>
-        <p:spPr>
-          <a:xfrm>
-            <a:off x="6385028" y="1740782"/>
-            <a:ext cx="5943600" cy="3288425"/>
-          </a:xfrm>
-          <a:prstGeom prst="rect">
-            <a:avLst/>
-          </a:prstGeom>
-        </p:spPr>
-      </p:pic>
-      <p:pic>
-        <p:nvPicPr>
-          <p:cNvPr id="22" name="Picture 21"/>
-          <p:cNvPicPr>
-            <a:picLocks noChangeAspect="1"/>
-          </p:cNvPicPr>
-          <p:nvPr/>
-        </p:nvPicPr>
-        <p:blipFill>
-          <a:blip r:embed="rId3"/>
-          <a:stretch>
-            <a:fillRect/>
-          </a:stretch>
-        </p:blipFill>
-        <p:spPr>
-          <a:xfrm>
-            <a:off x="1169267" y="1772745"/>
-            <a:ext cx="5943600" cy="2997200"/>
-          </a:xfrm>
-          <a:prstGeom prst="rect">
-            <a:avLst/>
-          </a:prstGeom>
-        </p:spPr>
-      </p:pic>
-    </p:spTree>
-    <p:extLst>
-      <p:ext uri="{BB962C8B-B14F-4D97-AF65-F5344CB8AC3E}">
-        <p14:creationId xmlns:p14="http://schemas.microsoft.com/office/powerpoint/2010/main" val="5084672"/>
-      </p:ext>
-    </p:extLst>
-  </p:cSld>
-  <p:clrMapOvr>
-    <a:masterClrMapping/>
-  </p:clrMapOvr>
-  <mc:AlternateContent xmlns:mc="http://schemas.openxmlformats.org/markup-compatibility/2006" xmlns:p14="http://schemas.microsoft.com/office/powerpoint/2010/main">
-    <mc:Choice Requires="p14">
-      <p:transition p14:dur="0"/>
-    </mc:Choice>
-    <mc:Fallback xmlns="">
-      <p:transition/>
-    </mc:Fallback>
-  </mc:AlternateContent>
-  <p:timing>
-    <p:tnLst>
-      <p:par>
-        <p:cTn id="1" dur="indefinite" restart="never" nodeType="tmRoot"/>
-      </p:par>
-    </p:tnLst>
-  </p:timing>
 </p:sld>
 </file>
 
@@ -12745,3025 +8031,6 @@
       </p:par>
     </p:tnLst>
   </p:timing>
-</p:sld>
-</file>
-
-<file path=ppt/slides/slide20.xml><?xml version="1.0" encoding="utf-8"?>
-<p:sld xmlns:a="http://schemas.openxmlformats.org/drawingml/2006/main" xmlns:r="http://schemas.openxmlformats.org/officeDocument/2006/relationships" xmlns:p="http://schemas.openxmlformats.org/presentationml/2006/main">
-  <p:cSld>
-    <p:spTree>
-      <p:nvGrpSpPr>
-        <p:cNvPr id="1" name=""/>
-        <p:cNvGrpSpPr/>
-        <p:nvPr/>
-      </p:nvGrpSpPr>
-      <p:grpSpPr>
-        <a:xfrm>
-          <a:off x="0" y="0"/>
-          <a:ext cx="0" cy="0"/>
-          <a:chOff x="0" y="0"/>
-          <a:chExt cx="0" cy="0"/>
-        </a:xfrm>
-      </p:grpSpPr>
-      <p:sp>
-        <p:nvSpPr>
-          <p:cNvPr id="2" name="Title 1"/>
-          <p:cNvSpPr>
-            <a:spLocks noGrp="1"/>
-          </p:cNvSpPr>
-          <p:nvPr>
-            <p:ph type="title" idx="4294967295"/>
-          </p:nvPr>
-        </p:nvSpPr>
-        <p:spPr>
-          <a:xfrm>
-            <a:off x="1295400" y="141888"/>
-            <a:ext cx="9601200" cy="1576552"/>
-          </a:xfrm>
-        </p:spPr>
-        <p:txBody>
-          <a:bodyPr>
-            <a:normAutofit/>
-          </a:bodyPr>
-          <a:lstStyle/>
-          <a:p>
-            <a:r>
-              <a:rPr lang="en-US" sz="3200" dirty="0"/>
-              <a:t>Lowest selling items can be removed from menu </a:t>
-            </a:r>
-            <a:r>
-              <a:rPr lang="mr-IN" sz="3200" dirty="0"/>
-              <a:t>–</a:t>
-            </a:r>
-            <a:r>
-              <a:rPr lang="en-US" sz="3200" dirty="0"/>
-              <a:t> </a:t>
-            </a:r>
-            <a:r>
-              <a:rPr lang="en-US" sz="3200" dirty="0" smtClean="0"/>
-              <a:t>2/2</a:t>
-            </a:r>
-            <a:endParaRPr lang="en-US" sz="3200" dirty="0"/>
-          </a:p>
-        </p:txBody>
-      </p:sp>
-      <p:sp>
-        <p:nvSpPr>
-          <p:cNvPr id="3" name="Content Placeholder 2"/>
-          <p:cNvSpPr>
-            <a:spLocks noGrp="1"/>
-          </p:cNvSpPr>
-          <p:nvPr>
-            <p:ph idx="4294967295"/>
-          </p:nvPr>
-        </p:nvSpPr>
-        <p:spPr>
-          <a:xfrm>
-            <a:off x="851338" y="1718429"/>
-            <a:ext cx="10562896" cy="4382826"/>
-          </a:xfrm>
-        </p:spPr>
-        <p:txBody>
-          <a:bodyPr>
-            <a:normAutofit/>
-          </a:bodyPr>
-          <a:lstStyle/>
-          <a:p>
-            <a:pPr marL="0" indent="0">
-              <a:buNone/>
-            </a:pPr>
-            <a:endParaRPr lang="en-US" dirty="0" smtClean="0"/>
-          </a:p>
-          <a:p>
-            <a:pPr marL="0" indent="0">
-              <a:buNone/>
-            </a:pPr>
-            <a:endParaRPr lang="en-US" dirty="0"/>
-          </a:p>
-        </p:txBody>
-      </p:sp>
-      <p:cxnSp>
-        <p:nvCxnSpPr>
-          <p:cNvPr id="5" name="Straight Connector 4"/>
-          <p:cNvCxnSpPr/>
-          <p:nvPr/>
-        </p:nvCxnSpPr>
-        <p:spPr>
-          <a:xfrm>
-            <a:off x="1481959" y="1292758"/>
-            <a:ext cx="9285889" cy="0"/>
-          </a:xfrm>
-          <a:prstGeom prst="line">
-            <a:avLst/>
-          </a:prstGeom>
-        </p:spPr>
-        <p:style>
-          <a:lnRef idx="1">
-            <a:schemeClr val="accent1"/>
-          </a:lnRef>
-          <a:fillRef idx="0">
-            <a:schemeClr val="accent1"/>
-          </a:fillRef>
-          <a:effectRef idx="0">
-            <a:schemeClr val="accent1"/>
-          </a:effectRef>
-          <a:fontRef idx="minor">
-            <a:schemeClr val="tx1"/>
-          </a:fontRef>
-        </p:style>
-      </p:cxnSp>
-      <p:sp>
-        <p:nvSpPr>
-          <p:cNvPr id="4" name="TextBox 3"/>
-          <p:cNvSpPr txBox="1"/>
-          <p:nvPr/>
-        </p:nvSpPr>
-        <p:spPr>
-          <a:xfrm>
-            <a:off x="4272455" y="3090041"/>
-            <a:ext cx="184731" cy="369332"/>
-          </a:xfrm>
-          <a:prstGeom prst="rect">
-            <a:avLst/>
-          </a:prstGeom>
-          <a:noFill/>
-        </p:spPr>
-        <p:txBody>
-          <a:bodyPr wrap="none" rtlCol="0">
-            <a:spAutoFit/>
-          </a:bodyPr>
-          <a:lstStyle/>
-          <a:p>
-            <a:endParaRPr lang="en-US" dirty="0"/>
-          </a:p>
-        </p:txBody>
-      </p:sp>
-      <p:pic>
-        <p:nvPicPr>
-          <p:cNvPr id="7" name="Picture 6"/>
-          <p:cNvPicPr>
-            <a:picLocks noChangeAspect="1"/>
-          </p:cNvPicPr>
-          <p:nvPr/>
-        </p:nvPicPr>
-        <p:blipFill>
-          <a:blip r:embed="rId2"/>
-          <a:stretch>
-            <a:fillRect/>
-          </a:stretch>
-        </p:blipFill>
-        <p:spPr>
-          <a:xfrm>
-            <a:off x="1484575" y="1728289"/>
-            <a:ext cx="5943600" cy="3086100"/>
-          </a:xfrm>
-          <a:prstGeom prst="rect">
-            <a:avLst/>
-          </a:prstGeom>
-        </p:spPr>
-      </p:pic>
-      <p:pic>
-        <p:nvPicPr>
-          <p:cNvPr id="9" name="Picture 8"/>
-          <p:cNvPicPr>
-            <a:picLocks noChangeAspect="1"/>
-          </p:cNvPicPr>
-          <p:nvPr/>
-        </p:nvPicPr>
-        <p:blipFill>
-          <a:blip r:embed="rId3"/>
-          <a:stretch>
-            <a:fillRect/>
-          </a:stretch>
-        </p:blipFill>
-        <p:spPr>
-          <a:xfrm>
-            <a:off x="6293079" y="1722162"/>
-            <a:ext cx="5943600" cy="3228214"/>
-          </a:xfrm>
-          <a:prstGeom prst="rect">
-            <a:avLst/>
-          </a:prstGeom>
-        </p:spPr>
-      </p:pic>
-    </p:spTree>
-    <p:extLst>
-      <p:ext uri="{BB962C8B-B14F-4D97-AF65-F5344CB8AC3E}">
-        <p14:creationId xmlns:p14="http://schemas.microsoft.com/office/powerpoint/2010/main" val="726181851"/>
-      </p:ext>
-    </p:extLst>
-  </p:cSld>
-  <p:clrMapOvr>
-    <a:masterClrMapping/>
-  </p:clrMapOvr>
-  <mc:AlternateContent xmlns:mc="http://schemas.openxmlformats.org/markup-compatibility/2006" xmlns:p14="http://schemas.microsoft.com/office/powerpoint/2010/main">
-    <mc:Choice Requires="p14">
-      <p:transition p14:dur="0"/>
-    </mc:Choice>
-    <mc:Fallback xmlns="">
-      <p:transition/>
-    </mc:Fallback>
-  </mc:AlternateContent>
-  <p:timing>
-    <p:tnLst>
-      <p:par>
-        <p:cTn id="1" dur="indefinite" restart="never" nodeType="tmRoot"/>
-      </p:par>
-    </p:tnLst>
-  </p:timing>
-</p:sld>
-</file>
-
-<file path=ppt/slides/slide21.xml><?xml version="1.0" encoding="utf-8"?>
-<p:sld xmlns:a="http://schemas.openxmlformats.org/drawingml/2006/main" xmlns:r="http://schemas.openxmlformats.org/officeDocument/2006/relationships" xmlns:p="http://schemas.openxmlformats.org/presentationml/2006/main">
-  <p:cSld>
-    <p:spTree>
-      <p:nvGrpSpPr>
-        <p:cNvPr id="1" name=""/>
-        <p:cNvGrpSpPr/>
-        <p:nvPr/>
-      </p:nvGrpSpPr>
-      <p:grpSpPr>
-        <a:xfrm>
-          <a:off x="0" y="0"/>
-          <a:ext cx="0" cy="0"/>
-          <a:chOff x="0" y="0"/>
-          <a:chExt cx="0" cy="0"/>
-        </a:xfrm>
-      </p:grpSpPr>
-      <p:sp>
-        <p:nvSpPr>
-          <p:cNvPr id="2" name="Title 1"/>
-          <p:cNvSpPr>
-            <a:spLocks noGrp="1"/>
-          </p:cNvSpPr>
-          <p:nvPr>
-            <p:ph type="ctrTitle"/>
-          </p:nvPr>
-        </p:nvSpPr>
-        <p:spPr/>
-        <p:txBody>
-          <a:bodyPr/>
-          <a:lstStyle/>
-          <a:p>
-            <a:r>
-              <a:rPr lang="en-US" sz="3600" dirty="0"/>
-              <a:t>Mix m</a:t>
-            </a:r>
-            <a:r>
-              <a:rPr lang="en-US" sz="3600" dirty="0" smtClean="0"/>
-              <a:t>enu </a:t>
-            </a:r>
-            <a:r>
-              <a:rPr lang="en-US" sz="3600" dirty="0"/>
-              <a:t>analysis and Combo </a:t>
-            </a:r>
-            <a:r>
-              <a:rPr lang="en-US" sz="3600" dirty="0" smtClean="0"/>
-              <a:t>offer</a:t>
-            </a:r>
-            <a:endParaRPr lang="en-US" sz="3600" dirty="0"/>
-          </a:p>
-        </p:txBody>
-      </p:sp>
-      <p:sp>
-        <p:nvSpPr>
-          <p:cNvPr id="3" name="Subtitle 2"/>
-          <p:cNvSpPr>
-            <a:spLocks noGrp="1"/>
-          </p:cNvSpPr>
-          <p:nvPr>
-            <p:ph type="subTitle" idx="1"/>
-          </p:nvPr>
-        </p:nvSpPr>
-        <p:spPr/>
-        <p:txBody>
-          <a:bodyPr/>
-          <a:lstStyle/>
-          <a:p>
-            <a:r>
-              <a:rPr lang="en-US" dirty="0"/>
-              <a:t>Café Chain Analysis </a:t>
-            </a:r>
-          </a:p>
-        </p:txBody>
-      </p:sp>
-    </p:spTree>
-    <p:extLst>
-      <p:ext uri="{BB962C8B-B14F-4D97-AF65-F5344CB8AC3E}">
-        <p14:creationId xmlns:p14="http://schemas.microsoft.com/office/powerpoint/2010/main" val="1574831224"/>
-      </p:ext>
-    </p:extLst>
-  </p:cSld>
-  <p:clrMapOvr>
-    <a:masterClrMapping/>
-  </p:clrMapOvr>
-</p:sld>
-</file>
-
-<file path=ppt/slides/slide22.xml><?xml version="1.0" encoding="utf-8"?>
-<p:sld xmlns:a="http://schemas.openxmlformats.org/drawingml/2006/main" xmlns:r="http://schemas.openxmlformats.org/officeDocument/2006/relationships" xmlns:p="http://schemas.openxmlformats.org/presentationml/2006/main">
-  <p:cSld>
-    <p:spTree>
-      <p:nvGrpSpPr>
-        <p:cNvPr id="1" name=""/>
-        <p:cNvGrpSpPr/>
-        <p:nvPr/>
-      </p:nvGrpSpPr>
-      <p:grpSpPr>
-        <a:xfrm>
-          <a:off x="0" y="0"/>
-          <a:ext cx="0" cy="0"/>
-          <a:chOff x="0" y="0"/>
-          <a:chExt cx="0" cy="0"/>
-        </a:xfrm>
-      </p:grpSpPr>
-      <p:sp>
-        <p:nvSpPr>
-          <p:cNvPr id="2" name="Title 1"/>
-          <p:cNvSpPr>
-            <a:spLocks noGrp="1"/>
-          </p:cNvSpPr>
-          <p:nvPr>
-            <p:ph type="title" idx="4294967295"/>
-          </p:nvPr>
-        </p:nvSpPr>
-        <p:spPr>
-          <a:xfrm>
-            <a:off x="1295400" y="220718"/>
-            <a:ext cx="9601200" cy="1576552"/>
-          </a:xfrm>
-        </p:spPr>
-        <p:txBody>
-          <a:bodyPr>
-            <a:normAutofit/>
-          </a:bodyPr>
-          <a:lstStyle/>
-          <a:p>
-            <a:r>
-              <a:rPr lang="en-US" sz="3200" dirty="0" smtClean="0"/>
-              <a:t>Offer combo delights and generate more revenue - 1/2</a:t>
-            </a:r>
-            <a:endParaRPr lang="en-US" sz="3200" dirty="0"/>
-          </a:p>
-        </p:txBody>
-      </p:sp>
-      <p:sp>
-        <p:nvSpPr>
-          <p:cNvPr id="3" name="Content Placeholder 2"/>
-          <p:cNvSpPr>
-            <a:spLocks noGrp="1"/>
-          </p:cNvSpPr>
-          <p:nvPr>
-            <p:ph idx="4294967295"/>
-          </p:nvPr>
-        </p:nvSpPr>
-        <p:spPr>
-          <a:xfrm>
-            <a:off x="851338" y="1513471"/>
-            <a:ext cx="10562896" cy="4382826"/>
-          </a:xfrm>
-        </p:spPr>
-        <p:txBody>
-          <a:bodyPr>
-            <a:normAutofit/>
-          </a:bodyPr>
-          <a:lstStyle/>
-          <a:p>
-            <a:pPr marL="0" lvl="0" indent="0" algn="ctr">
-              <a:buNone/>
-            </a:pPr>
-            <a:r>
-              <a:rPr lang="en-US" b="1" dirty="0" smtClean="0"/>
-              <a:t>Tobacco </a:t>
-            </a:r>
-            <a:r>
-              <a:rPr lang="en-US" b="1" dirty="0"/>
-              <a:t>+ Food </a:t>
-            </a:r>
-            <a:r>
-              <a:rPr lang="en-US" b="1" dirty="0" smtClean="0"/>
-              <a:t>combo</a:t>
-            </a:r>
-            <a:endParaRPr lang="en-US" dirty="0" smtClean="0"/>
-          </a:p>
-          <a:p>
-            <a:pPr marL="0" indent="0">
-              <a:buNone/>
-            </a:pPr>
-            <a:r>
-              <a:rPr lang="en-US" dirty="0" smtClean="0"/>
-              <a:t> </a:t>
-            </a:r>
-            <a:endParaRPr lang="en-US" dirty="0"/>
-          </a:p>
-        </p:txBody>
-      </p:sp>
-      <p:cxnSp>
-        <p:nvCxnSpPr>
-          <p:cNvPr id="5" name="Straight Connector 4"/>
-          <p:cNvCxnSpPr/>
-          <p:nvPr/>
-        </p:nvCxnSpPr>
-        <p:spPr>
-          <a:xfrm>
-            <a:off x="1481959" y="1513482"/>
-            <a:ext cx="9285889" cy="0"/>
-          </a:xfrm>
-          <a:prstGeom prst="line">
-            <a:avLst/>
-          </a:prstGeom>
-        </p:spPr>
-        <p:style>
-          <a:lnRef idx="1">
-            <a:schemeClr val="accent1"/>
-          </a:lnRef>
-          <a:fillRef idx="0">
-            <a:schemeClr val="accent1"/>
-          </a:fillRef>
-          <a:effectRef idx="0">
-            <a:schemeClr val="accent1"/>
-          </a:effectRef>
-          <a:fontRef idx="minor">
-            <a:schemeClr val="tx1"/>
-          </a:fontRef>
-        </p:style>
-      </p:cxnSp>
-      <p:pic>
-        <p:nvPicPr>
-          <p:cNvPr id="8" name="Picture 7"/>
-          <p:cNvPicPr>
-            <a:picLocks noChangeAspect="1"/>
-          </p:cNvPicPr>
-          <p:nvPr/>
-        </p:nvPicPr>
-        <p:blipFill>
-          <a:blip r:embed="rId2"/>
-          <a:stretch>
-            <a:fillRect/>
-          </a:stretch>
-        </p:blipFill>
-        <p:spPr>
-          <a:xfrm>
-            <a:off x="4038602" y="2057623"/>
-            <a:ext cx="5943600" cy="3759853"/>
-          </a:xfrm>
-          <a:prstGeom prst="rect">
-            <a:avLst/>
-          </a:prstGeom>
-        </p:spPr>
-      </p:pic>
-      <p:sp>
-        <p:nvSpPr>
-          <p:cNvPr id="9" name="Cloud Callout 8"/>
-          <p:cNvSpPr/>
-          <p:nvPr/>
-        </p:nvSpPr>
-        <p:spPr>
-          <a:xfrm>
-            <a:off x="8739353" y="1773836"/>
-            <a:ext cx="1765738" cy="1623848"/>
-          </a:xfrm>
-          <a:prstGeom prst="cloudCallout">
-            <a:avLst>
-              <a:gd name="adj1" fmla="val -78869"/>
-              <a:gd name="adj2" fmla="val 78034"/>
-            </a:avLst>
-          </a:prstGeom>
-        </p:spPr>
-        <p:style>
-          <a:lnRef idx="2">
-            <a:schemeClr val="accent1">
-              <a:shade val="50000"/>
-            </a:schemeClr>
-          </a:lnRef>
-          <a:fillRef idx="1">
-            <a:schemeClr val="accent1"/>
-          </a:fillRef>
-          <a:effectRef idx="0">
-            <a:schemeClr val="accent1"/>
-          </a:effectRef>
-          <a:fontRef idx="minor">
-            <a:schemeClr val="lt1"/>
-          </a:fontRef>
-        </p:style>
-        <p:txBody>
-          <a:bodyPr rtlCol="0" anchor="ctr"/>
-          <a:lstStyle/>
-          <a:p>
-            <a:pPr algn="ctr"/>
-            <a:r>
-              <a:rPr lang="en-US" dirty="0" smtClean="0"/>
-              <a:t>10.5lacs </a:t>
-            </a:r>
-            <a:r>
-              <a:rPr lang="mr-IN" dirty="0" smtClean="0"/>
-              <a:t>–</a:t>
-            </a:r>
-            <a:r>
-              <a:rPr lang="en-US" dirty="0" smtClean="0"/>
-              <a:t> If 50% conversion</a:t>
-            </a:r>
-            <a:endParaRPr lang="en-US" dirty="0"/>
-          </a:p>
-        </p:txBody>
-      </p:sp>
-      <p:sp>
-        <p:nvSpPr>
-          <p:cNvPr id="10" name="Cloud Callout 9"/>
-          <p:cNvSpPr/>
-          <p:nvPr/>
-        </p:nvSpPr>
-        <p:spPr>
-          <a:xfrm>
-            <a:off x="1640930" y="1805376"/>
-            <a:ext cx="1765738" cy="1623848"/>
-          </a:xfrm>
-          <a:prstGeom prst="cloudCallout">
-            <a:avLst>
-              <a:gd name="adj1" fmla="val 81846"/>
-              <a:gd name="adj2" fmla="val 75121"/>
-            </a:avLst>
-          </a:prstGeom>
-        </p:spPr>
-        <p:style>
-          <a:lnRef idx="2">
-            <a:schemeClr val="accent1">
-              <a:shade val="50000"/>
-            </a:schemeClr>
-          </a:lnRef>
-          <a:fillRef idx="1">
-            <a:schemeClr val="accent1"/>
-          </a:fillRef>
-          <a:effectRef idx="0">
-            <a:schemeClr val="accent1"/>
-          </a:effectRef>
-          <a:fontRef idx="minor">
-            <a:schemeClr val="lt1"/>
-          </a:fontRef>
-        </p:style>
-        <p:txBody>
-          <a:bodyPr rtlCol="0" anchor="ctr"/>
-          <a:lstStyle/>
-          <a:p>
-            <a:pPr algn="ctr"/>
-            <a:r>
-              <a:rPr lang="en-US" dirty="0" smtClean="0"/>
-              <a:t>21lacs </a:t>
-            </a:r>
-            <a:r>
-              <a:rPr lang="mr-IN" dirty="0" smtClean="0"/>
-              <a:t>–</a:t>
-            </a:r>
-            <a:r>
-              <a:rPr lang="en-US" dirty="0" smtClean="0"/>
-              <a:t> If 100% conversion</a:t>
-            </a:r>
-            <a:endParaRPr lang="en-US" dirty="0"/>
-          </a:p>
-        </p:txBody>
-      </p:sp>
-    </p:spTree>
-    <p:extLst>
-      <p:ext uri="{BB962C8B-B14F-4D97-AF65-F5344CB8AC3E}">
-        <p14:creationId xmlns:p14="http://schemas.microsoft.com/office/powerpoint/2010/main" val="1672289094"/>
-      </p:ext>
-    </p:extLst>
-  </p:cSld>
-  <p:clrMapOvr>
-    <a:masterClrMapping/>
-  </p:clrMapOvr>
-  <mc:AlternateContent xmlns:mc="http://schemas.openxmlformats.org/markup-compatibility/2006" xmlns:p14="http://schemas.microsoft.com/office/powerpoint/2010/main">
-    <mc:Choice Requires="p14">
-      <p:transition p14:dur="0"/>
-    </mc:Choice>
-    <mc:Fallback xmlns="">
-      <p:transition/>
-    </mc:Fallback>
-  </mc:AlternateContent>
-  <p:timing>
-    <p:tnLst>
-      <p:par>
-        <p:cTn id="1" dur="indefinite" restart="never" nodeType="tmRoot"/>
-      </p:par>
-    </p:tnLst>
-  </p:timing>
-</p:sld>
-</file>
-
-<file path=ppt/slides/slide23.xml><?xml version="1.0" encoding="utf-8"?>
-<p:sld xmlns:a="http://schemas.openxmlformats.org/drawingml/2006/main" xmlns:r="http://schemas.openxmlformats.org/officeDocument/2006/relationships" xmlns:p="http://schemas.openxmlformats.org/presentationml/2006/main">
-  <p:cSld>
-    <p:spTree>
-      <p:nvGrpSpPr>
-        <p:cNvPr id="1" name=""/>
-        <p:cNvGrpSpPr/>
-        <p:nvPr/>
-      </p:nvGrpSpPr>
-      <p:grpSpPr>
-        <a:xfrm>
-          <a:off x="0" y="0"/>
-          <a:ext cx="0" cy="0"/>
-          <a:chOff x="0" y="0"/>
-          <a:chExt cx="0" cy="0"/>
-        </a:xfrm>
-      </p:grpSpPr>
-      <p:sp>
-        <p:nvSpPr>
-          <p:cNvPr id="2" name="Title 1"/>
-          <p:cNvSpPr>
-            <a:spLocks noGrp="1"/>
-          </p:cNvSpPr>
-          <p:nvPr>
-            <p:ph type="title" idx="4294967295"/>
-          </p:nvPr>
-        </p:nvSpPr>
-        <p:spPr>
-          <a:xfrm>
-            <a:off x="1295400" y="206863"/>
-            <a:ext cx="9601200" cy="1576552"/>
-          </a:xfrm>
-        </p:spPr>
-        <p:txBody>
-          <a:bodyPr>
-            <a:normAutofit/>
-          </a:bodyPr>
-          <a:lstStyle/>
-          <a:p>
-            <a:r>
-              <a:rPr lang="en-US" sz="3200" dirty="0" smtClean="0"/>
-              <a:t>Offer combo delights and generate more revenue - 2/2</a:t>
-            </a:r>
-            <a:endParaRPr lang="en-US" sz="3200" dirty="0"/>
-          </a:p>
-        </p:txBody>
-      </p:sp>
-      <p:sp>
-        <p:nvSpPr>
-          <p:cNvPr id="3" name="Content Placeholder 2"/>
-          <p:cNvSpPr>
-            <a:spLocks noGrp="1"/>
-          </p:cNvSpPr>
-          <p:nvPr>
-            <p:ph idx="4294967295"/>
-          </p:nvPr>
-        </p:nvSpPr>
-        <p:spPr>
-          <a:xfrm>
-            <a:off x="851338" y="1513471"/>
-            <a:ext cx="10562896" cy="4382826"/>
-          </a:xfrm>
-        </p:spPr>
-        <p:txBody>
-          <a:bodyPr>
-            <a:normAutofit/>
-          </a:bodyPr>
-          <a:lstStyle/>
-          <a:p>
-            <a:pPr marL="0" lvl="0" indent="0" algn="ctr">
-              <a:buNone/>
-            </a:pPr>
-            <a:r>
-              <a:rPr lang="en-US" b="1" dirty="0" smtClean="0"/>
-              <a:t>Food + Beverage combo</a:t>
-            </a:r>
-            <a:endParaRPr lang="en-US" dirty="0" smtClean="0"/>
-          </a:p>
-          <a:p>
-            <a:pPr marL="0" indent="0">
-              <a:buNone/>
-            </a:pPr>
-            <a:r>
-              <a:rPr lang="en-US" dirty="0" smtClean="0"/>
-              <a:t> </a:t>
-            </a:r>
-            <a:endParaRPr lang="en-US" dirty="0"/>
-          </a:p>
-        </p:txBody>
-      </p:sp>
-      <p:cxnSp>
-        <p:nvCxnSpPr>
-          <p:cNvPr id="5" name="Straight Connector 4"/>
-          <p:cNvCxnSpPr/>
-          <p:nvPr/>
-        </p:nvCxnSpPr>
-        <p:spPr>
-          <a:xfrm>
-            <a:off x="1481959" y="1513482"/>
-            <a:ext cx="9285889" cy="0"/>
-          </a:xfrm>
-          <a:prstGeom prst="line">
-            <a:avLst/>
-          </a:prstGeom>
-        </p:spPr>
-        <p:style>
-          <a:lnRef idx="1">
-            <a:schemeClr val="accent1"/>
-          </a:lnRef>
-          <a:fillRef idx="0">
-            <a:schemeClr val="accent1"/>
-          </a:fillRef>
-          <a:effectRef idx="0">
-            <a:schemeClr val="accent1"/>
-          </a:effectRef>
-          <a:fontRef idx="minor">
-            <a:schemeClr val="tx1"/>
-          </a:fontRef>
-        </p:style>
-      </p:cxnSp>
-      <p:sp>
-        <p:nvSpPr>
-          <p:cNvPr id="9" name="Cloud Callout 8"/>
-          <p:cNvSpPr/>
-          <p:nvPr/>
-        </p:nvSpPr>
-        <p:spPr>
-          <a:xfrm>
-            <a:off x="8739353" y="1773836"/>
-            <a:ext cx="1765738" cy="1623848"/>
-          </a:xfrm>
-          <a:prstGeom prst="cloudCallout">
-            <a:avLst>
-              <a:gd name="adj1" fmla="val -78869"/>
-              <a:gd name="adj2" fmla="val 78034"/>
-            </a:avLst>
-          </a:prstGeom>
-        </p:spPr>
-        <p:style>
-          <a:lnRef idx="2">
-            <a:schemeClr val="accent1">
-              <a:shade val="50000"/>
-            </a:schemeClr>
-          </a:lnRef>
-          <a:fillRef idx="1">
-            <a:schemeClr val="accent1"/>
-          </a:fillRef>
-          <a:effectRef idx="0">
-            <a:schemeClr val="accent1"/>
-          </a:effectRef>
-          <a:fontRef idx="minor">
-            <a:schemeClr val="lt1"/>
-          </a:fontRef>
-        </p:style>
-        <p:txBody>
-          <a:bodyPr rtlCol="0" anchor="ctr"/>
-          <a:lstStyle/>
-          <a:p>
-            <a:pPr algn="ctr"/>
-            <a:r>
-              <a:rPr lang="en-US" dirty="0" smtClean="0"/>
-              <a:t>8.9lacs </a:t>
-            </a:r>
-            <a:r>
-              <a:rPr lang="mr-IN" dirty="0" smtClean="0"/>
-              <a:t>–</a:t>
-            </a:r>
-            <a:r>
-              <a:rPr lang="en-US" dirty="0" smtClean="0"/>
-              <a:t> If 50% conversion</a:t>
-            </a:r>
-            <a:endParaRPr lang="en-US" dirty="0"/>
-          </a:p>
-        </p:txBody>
-      </p:sp>
-      <p:sp>
-        <p:nvSpPr>
-          <p:cNvPr id="10" name="Cloud Callout 9"/>
-          <p:cNvSpPr/>
-          <p:nvPr/>
-        </p:nvSpPr>
-        <p:spPr>
-          <a:xfrm>
-            <a:off x="1640930" y="1805376"/>
-            <a:ext cx="1765738" cy="1623848"/>
-          </a:xfrm>
-          <a:prstGeom prst="cloudCallout">
-            <a:avLst>
-              <a:gd name="adj1" fmla="val 81846"/>
-              <a:gd name="adj2" fmla="val 75121"/>
-            </a:avLst>
-          </a:prstGeom>
-        </p:spPr>
-        <p:style>
-          <a:lnRef idx="2">
-            <a:schemeClr val="accent1">
-              <a:shade val="50000"/>
-            </a:schemeClr>
-          </a:lnRef>
-          <a:fillRef idx="1">
-            <a:schemeClr val="accent1"/>
-          </a:fillRef>
-          <a:effectRef idx="0">
-            <a:schemeClr val="accent1"/>
-          </a:effectRef>
-          <a:fontRef idx="minor">
-            <a:schemeClr val="lt1"/>
-          </a:fontRef>
-        </p:style>
-        <p:txBody>
-          <a:bodyPr rtlCol="0" anchor="ctr"/>
-          <a:lstStyle/>
-          <a:p>
-            <a:pPr algn="ctr"/>
-            <a:r>
-              <a:rPr lang="en-US" dirty="0" smtClean="0"/>
-              <a:t>18lacs </a:t>
-            </a:r>
-            <a:r>
-              <a:rPr lang="mr-IN" dirty="0" smtClean="0"/>
-              <a:t>–</a:t>
-            </a:r>
-            <a:r>
-              <a:rPr lang="en-US" dirty="0" smtClean="0"/>
-              <a:t> If 100% conversion</a:t>
-            </a:r>
-            <a:endParaRPr lang="en-US" dirty="0"/>
-          </a:p>
-        </p:txBody>
-      </p:sp>
-      <p:graphicFrame>
-        <p:nvGraphicFramePr>
-          <p:cNvPr id="4" name="Table 3"/>
-          <p:cNvGraphicFramePr>
-            <a:graphicFrameLocks noGrp="1"/>
-          </p:cNvGraphicFramePr>
-          <p:nvPr>
-            <p:extLst>
-              <p:ext uri="{D42A27DB-BD31-4B8C-83A1-F6EECF244321}">
-                <p14:modId xmlns:p14="http://schemas.microsoft.com/office/powerpoint/2010/main" val="1063285287"/>
-              </p:ext>
-            </p:extLst>
-          </p:nvPr>
-        </p:nvGraphicFramePr>
-        <p:xfrm>
-          <a:off x="4066312" y="2050467"/>
-          <a:ext cx="4068817" cy="3734723"/>
-        </p:xfrm>
-        <a:graphic>
-          <a:graphicData uri="http://schemas.openxmlformats.org/drawingml/2006/table">
-            <a:tbl>
-              <a:tblPr firstRow="1" firstCol="1" bandRow="1"/>
-              <a:tblGrid>
-                <a:gridCol w="3525625"/>
-                <a:gridCol w="543192"/>
-              </a:tblGrid>
-              <a:tr h="225663">
-                <a:tc>
-                  <a:txBody>
-                    <a:bodyPr/>
-                    <a:lstStyle/>
-                    <a:p>
-                      <a:pPr>
-                        <a:spcAft>
-                          <a:spcPts val="0"/>
-                        </a:spcAft>
-                      </a:pPr>
-                      <a:r>
-                        <a:rPr lang="en-GB" sz="1200" b="1" dirty="0">
-                          <a:effectLst/>
-                          <a:latin typeface="Times New Roman" charset="0"/>
-                          <a:ea typeface="Calibri" charset="0"/>
-                        </a:rPr>
-                        <a:t>Total bills in a years data</a:t>
-                      </a:r>
-                      <a:endParaRPr lang="en-GB" sz="1200" dirty="0">
-                        <a:effectLst/>
-                        <a:latin typeface="Times New Roman" charset="0"/>
-                        <a:ea typeface="Calibri" charset="0"/>
-                      </a:endParaRPr>
-                    </a:p>
-                  </a:txBody>
-                  <a:tcPr marL="68580" marR="68580" marT="0" marB="0">
-                    <a:lnL>
-                      <a:noFill/>
-                    </a:lnL>
-                    <a:lnR>
-                      <a:noFill/>
-                    </a:lnR>
-                    <a:lnT>
-                      <a:noFill/>
-                    </a:lnT>
-                    <a:lnB w="19050" cap="flat" cmpd="sng" algn="ctr">
-                      <a:solidFill>
-                        <a:srgbClr val="F4B083"/>
-                      </a:solidFill>
-                      <a:prstDash val="solid"/>
-                      <a:round/>
-                      <a:headEnd type="none" w="med" len="med"/>
-                      <a:tailEnd type="none" w="med" len="med"/>
-                    </a:lnB>
-                    <a:solidFill>
-                      <a:srgbClr val="FFFFFF"/>
-                    </a:solidFill>
-                  </a:tcPr>
-                </a:tc>
-                <a:tc>
-                  <a:txBody>
-                    <a:bodyPr/>
-                    <a:lstStyle/>
-                    <a:p>
-                      <a:pPr>
-                        <a:spcAft>
-                          <a:spcPts val="0"/>
-                        </a:spcAft>
-                      </a:pPr>
-                      <a:r>
-                        <a:rPr lang="en-GB" sz="1200" b="1">
-                          <a:effectLst/>
-                          <a:latin typeface="Times New Roman" charset="0"/>
-                          <a:ea typeface="Calibri" charset="0"/>
-                        </a:rPr>
-                        <a:t>69982</a:t>
-                      </a:r>
-                      <a:endParaRPr lang="en-GB" sz="1200">
-                        <a:effectLst/>
-                        <a:latin typeface="Times New Roman" charset="0"/>
-                        <a:ea typeface="Calibri" charset="0"/>
-                      </a:endParaRPr>
-                    </a:p>
-                  </a:txBody>
-                  <a:tcPr marL="68580" marR="68580" marT="0" marB="0">
-                    <a:lnL>
-                      <a:noFill/>
-                    </a:lnL>
-                    <a:lnR>
-                      <a:noFill/>
-                    </a:lnR>
-                    <a:lnT>
-                      <a:noFill/>
-                    </a:lnT>
-                    <a:lnB w="19050" cap="flat" cmpd="sng" algn="ctr">
-                      <a:solidFill>
-                        <a:srgbClr val="F4B083"/>
-                      </a:solidFill>
-                      <a:prstDash val="solid"/>
-                      <a:round/>
-                      <a:headEnd type="none" w="med" len="med"/>
-                      <a:tailEnd type="none" w="med" len="med"/>
-                    </a:lnB>
-                    <a:solidFill>
-                      <a:srgbClr val="FFFFFF"/>
-                    </a:solidFill>
-                  </a:tcPr>
-                </a:tc>
-              </a:tr>
-              <a:tr h="211559">
-                <a:tc>
-                  <a:txBody>
-                    <a:bodyPr/>
-                    <a:lstStyle/>
-                    <a:p>
-                      <a:endParaRPr lang="en-GB" sz="1200" dirty="0">
-                        <a:effectLst/>
-                        <a:latin typeface="Calibri" charset="0"/>
-                      </a:endParaRPr>
-                    </a:p>
-                  </a:txBody>
-                  <a:tcPr marL="68580" marR="68580" marT="0" marB="0">
-                    <a:lnL>
-                      <a:noFill/>
-                    </a:lnL>
-                    <a:lnR w="12700" cap="flat" cmpd="sng" algn="ctr">
-                      <a:solidFill>
-                        <a:srgbClr val="F4B083"/>
-                      </a:solidFill>
-                      <a:prstDash val="solid"/>
-                      <a:round/>
-                      <a:headEnd type="none" w="med" len="med"/>
-                      <a:tailEnd type="none" w="med" len="med"/>
-                    </a:lnR>
-                    <a:lnT w="19050" cap="flat" cmpd="sng" algn="ctr">
-                      <a:solidFill>
-                        <a:srgbClr val="F4B083"/>
-                      </a:solidFill>
-                      <a:prstDash val="solid"/>
-                      <a:round/>
-                      <a:headEnd type="none" w="med" len="med"/>
-                      <a:tailEnd type="none" w="med" len="med"/>
-                    </a:lnT>
-                    <a:lnB w="12700" cap="flat" cmpd="sng" algn="ctr">
-                      <a:solidFill>
-                        <a:srgbClr val="F4B083"/>
-                      </a:solidFill>
-                      <a:prstDash val="solid"/>
-                      <a:round/>
-                      <a:headEnd type="none" w="med" len="med"/>
-                      <a:tailEnd type="none" w="med" len="med"/>
-                    </a:lnB>
-                    <a:solidFill>
-                      <a:srgbClr val="FBE4D5"/>
-                    </a:solidFill>
-                  </a:tcPr>
-                </a:tc>
-                <a:tc>
-                  <a:txBody>
-                    <a:bodyPr/>
-                    <a:lstStyle/>
-                    <a:p>
-                      <a:endParaRPr lang="en-GB" sz="1200">
-                        <a:effectLst/>
-                        <a:latin typeface="Calibri" charset="0"/>
-                      </a:endParaRPr>
-                    </a:p>
-                  </a:txBody>
-                  <a:tcPr marL="68580" marR="68580" marT="0" marB="0">
-                    <a:lnL w="12700" cap="flat" cmpd="sng" algn="ctr">
-                      <a:solidFill>
-                        <a:srgbClr val="F4B083"/>
-                      </a:solidFill>
-                      <a:prstDash val="solid"/>
-                      <a:round/>
-                      <a:headEnd type="none" w="med" len="med"/>
-                      <a:tailEnd type="none" w="med" len="med"/>
-                    </a:lnL>
-                    <a:lnR>
-                      <a:noFill/>
-                    </a:lnR>
-                    <a:lnT w="19050" cap="flat" cmpd="sng" algn="ctr">
-                      <a:solidFill>
-                        <a:srgbClr val="F4B083"/>
-                      </a:solidFill>
-                      <a:prstDash val="solid"/>
-                      <a:round/>
-                      <a:headEnd type="none" w="med" len="med"/>
-                      <a:tailEnd type="none" w="med" len="med"/>
-                    </a:lnT>
-                    <a:lnB w="12700" cap="flat" cmpd="sng" algn="ctr">
-                      <a:solidFill>
-                        <a:srgbClr val="F4B083"/>
-                      </a:solidFill>
-                      <a:prstDash val="solid"/>
-                      <a:round/>
-                      <a:headEnd type="none" w="med" len="med"/>
-                      <a:tailEnd type="none" w="med" len="med"/>
-                    </a:lnB>
-                    <a:solidFill>
-                      <a:srgbClr val="FBE4D5"/>
-                    </a:solidFill>
-                  </a:tcPr>
-                </a:tc>
-              </a:tr>
-              <a:tr h="225663">
-                <a:tc>
-                  <a:txBody>
-                    <a:bodyPr/>
-                    <a:lstStyle/>
-                    <a:p>
-                      <a:pPr>
-                        <a:spcAft>
-                          <a:spcPts val="0"/>
-                        </a:spcAft>
-                      </a:pPr>
-                      <a:r>
-                        <a:rPr lang="en-GB" sz="1200" b="1">
-                          <a:effectLst/>
-                          <a:latin typeface="Times New Roman" charset="0"/>
-                          <a:ea typeface="Calibri" charset="0"/>
-                        </a:rPr>
-                        <a:t>Food </a:t>
-                      </a:r>
-                      <a:endParaRPr lang="en-GB" sz="1200">
-                        <a:effectLst/>
-                        <a:latin typeface="Times New Roman" charset="0"/>
-                        <a:ea typeface="Calibri" charset="0"/>
-                      </a:endParaRPr>
-                    </a:p>
-                  </a:txBody>
-                  <a:tcPr marL="68580" marR="68580" marT="0" marB="0">
-                    <a:lnL>
-                      <a:noFill/>
-                    </a:lnL>
-                    <a:lnR w="12700" cap="flat" cmpd="sng" algn="ctr">
-                      <a:solidFill>
-                        <a:srgbClr val="F4B083"/>
-                      </a:solidFill>
-                      <a:prstDash val="solid"/>
-                      <a:round/>
-                      <a:headEnd type="none" w="med" len="med"/>
-                      <a:tailEnd type="none" w="med" len="med"/>
-                    </a:lnR>
-                    <a:lnT w="12700" cap="flat" cmpd="sng" algn="ctr">
-                      <a:solidFill>
-                        <a:srgbClr val="F4B083"/>
-                      </a:solidFill>
-                      <a:prstDash val="solid"/>
-                      <a:round/>
-                      <a:headEnd type="none" w="med" len="med"/>
-                      <a:tailEnd type="none" w="med" len="med"/>
-                    </a:lnT>
-                    <a:lnB w="12700" cap="flat" cmpd="sng" algn="ctr">
-                      <a:solidFill>
-                        <a:srgbClr val="F4B083"/>
-                      </a:solidFill>
-                      <a:prstDash val="solid"/>
-                      <a:round/>
-                      <a:headEnd type="none" w="med" len="med"/>
-                      <a:tailEnd type="none" w="med" len="med"/>
-                    </a:lnB>
-                    <a:solidFill>
-                      <a:srgbClr val="FFFFFF"/>
-                    </a:solidFill>
-                  </a:tcPr>
-                </a:tc>
-                <a:tc>
-                  <a:txBody>
-                    <a:bodyPr/>
-                    <a:lstStyle/>
-                    <a:p>
-                      <a:endParaRPr lang="en-GB" sz="1200">
-                        <a:effectLst/>
-                        <a:latin typeface="Calibri" charset="0"/>
-                      </a:endParaRPr>
-                    </a:p>
-                  </a:txBody>
-                  <a:tcPr marL="68580" marR="68580" marT="0" marB="0">
-                    <a:lnL w="12700" cap="flat" cmpd="sng" algn="ctr">
-                      <a:solidFill>
-                        <a:srgbClr val="F4B083"/>
-                      </a:solidFill>
-                      <a:prstDash val="solid"/>
-                      <a:round/>
-                      <a:headEnd type="none" w="med" len="med"/>
-                      <a:tailEnd type="none" w="med" len="med"/>
-                    </a:lnL>
-                    <a:lnR>
-                      <a:noFill/>
-                    </a:lnR>
-                    <a:lnT w="12700" cap="flat" cmpd="sng" algn="ctr">
-                      <a:solidFill>
-                        <a:srgbClr val="F4B083"/>
-                      </a:solidFill>
-                      <a:prstDash val="solid"/>
-                      <a:round/>
-                      <a:headEnd type="none" w="med" len="med"/>
-                      <a:tailEnd type="none" w="med" len="med"/>
-                    </a:lnT>
-                    <a:lnB w="12700" cap="flat" cmpd="sng" algn="ctr">
-                      <a:solidFill>
-                        <a:srgbClr val="F4B083"/>
-                      </a:solidFill>
-                      <a:prstDash val="solid"/>
-                      <a:round/>
-                      <a:headEnd type="none" w="med" len="med"/>
-                      <a:tailEnd type="none" w="med" len="med"/>
-                    </a:lnB>
-                    <a:solidFill>
-                      <a:srgbClr val="FFFFFF"/>
-                    </a:solidFill>
-                  </a:tcPr>
-                </a:tc>
-              </a:tr>
-              <a:tr h="225663">
-                <a:tc>
-                  <a:txBody>
-                    <a:bodyPr/>
-                    <a:lstStyle/>
-                    <a:p>
-                      <a:pPr>
-                        <a:spcAft>
-                          <a:spcPts val="0"/>
-                        </a:spcAft>
-                      </a:pPr>
-                      <a:r>
-                        <a:rPr lang="en-GB" sz="1200" b="1">
-                          <a:effectLst/>
-                          <a:latin typeface="Times New Roman" charset="0"/>
-                          <a:ea typeface="Calibri" charset="0"/>
-                        </a:rPr>
-                        <a:t>No. of bills with Food item</a:t>
-                      </a:r>
-                      <a:endParaRPr lang="en-GB" sz="1200">
-                        <a:effectLst/>
-                        <a:latin typeface="Times New Roman" charset="0"/>
-                        <a:ea typeface="Calibri" charset="0"/>
-                      </a:endParaRPr>
-                    </a:p>
-                  </a:txBody>
-                  <a:tcPr marL="68580" marR="68580" marT="0" marB="0">
-                    <a:lnL>
-                      <a:noFill/>
-                    </a:lnL>
-                    <a:lnR w="12700" cap="flat" cmpd="sng" algn="ctr">
-                      <a:solidFill>
-                        <a:srgbClr val="F4B083"/>
-                      </a:solidFill>
-                      <a:prstDash val="solid"/>
-                      <a:round/>
-                      <a:headEnd type="none" w="med" len="med"/>
-                      <a:tailEnd type="none" w="med" len="med"/>
-                    </a:lnR>
-                    <a:lnT w="12700" cap="flat" cmpd="sng" algn="ctr">
-                      <a:solidFill>
-                        <a:srgbClr val="F4B083"/>
-                      </a:solidFill>
-                      <a:prstDash val="solid"/>
-                      <a:round/>
-                      <a:headEnd type="none" w="med" len="med"/>
-                      <a:tailEnd type="none" w="med" len="med"/>
-                    </a:lnT>
-                    <a:lnB w="12700" cap="flat" cmpd="sng" algn="ctr">
-                      <a:solidFill>
-                        <a:srgbClr val="F4B083"/>
-                      </a:solidFill>
-                      <a:prstDash val="solid"/>
-                      <a:round/>
-                      <a:headEnd type="none" w="med" len="med"/>
-                      <a:tailEnd type="none" w="med" len="med"/>
-                    </a:lnB>
-                    <a:solidFill>
-                      <a:srgbClr val="FBE4D5"/>
-                    </a:solidFill>
-                  </a:tcPr>
-                </a:tc>
-                <a:tc>
-                  <a:txBody>
-                    <a:bodyPr/>
-                    <a:lstStyle/>
-                    <a:p>
-                      <a:pPr>
-                        <a:spcAft>
-                          <a:spcPts val="0"/>
-                        </a:spcAft>
-                      </a:pPr>
-                      <a:r>
-                        <a:rPr lang="en-GB" sz="1200">
-                          <a:effectLst/>
-                          <a:latin typeface="Times New Roman" charset="0"/>
-                          <a:ea typeface="Calibri" charset="0"/>
-                        </a:rPr>
-                        <a:t>32422</a:t>
-                      </a:r>
-                    </a:p>
-                  </a:txBody>
-                  <a:tcPr marL="68580" marR="68580" marT="0" marB="0">
-                    <a:lnL w="12700" cap="flat" cmpd="sng" algn="ctr">
-                      <a:solidFill>
-                        <a:srgbClr val="F4B083"/>
-                      </a:solidFill>
-                      <a:prstDash val="solid"/>
-                      <a:round/>
-                      <a:headEnd type="none" w="med" len="med"/>
-                      <a:tailEnd type="none" w="med" len="med"/>
-                    </a:lnL>
-                    <a:lnR>
-                      <a:noFill/>
-                    </a:lnR>
-                    <a:lnT w="12700" cap="flat" cmpd="sng" algn="ctr">
-                      <a:solidFill>
-                        <a:srgbClr val="F4B083"/>
-                      </a:solidFill>
-                      <a:prstDash val="solid"/>
-                      <a:round/>
-                      <a:headEnd type="none" w="med" len="med"/>
-                      <a:tailEnd type="none" w="med" len="med"/>
-                    </a:lnT>
-                    <a:lnB w="12700" cap="flat" cmpd="sng" algn="ctr">
-                      <a:solidFill>
-                        <a:srgbClr val="F4B083"/>
-                      </a:solidFill>
-                      <a:prstDash val="solid"/>
-                      <a:round/>
-                      <a:headEnd type="none" w="med" len="med"/>
-                      <a:tailEnd type="none" w="med" len="med"/>
-                    </a:lnB>
-                    <a:solidFill>
-                      <a:srgbClr val="FBE4D5"/>
-                    </a:solidFill>
-                  </a:tcPr>
-                </a:tc>
-              </a:tr>
-              <a:tr h="225663">
-                <a:tc>
-                  <a:txBody>
-                    <a:bodyPr/>
-                    <a:lstStyle/>
-                    <a:p>
-                      <a:endParaRPr lang="en-GB" sz="1200">
-                        <a:effectLst/>
-                        <a:latin typeface="Calibri" charset="0"/>
-                      </a:endParaRPr>
-                    </a:p>
-                  </a:txBody>
-                  <a:tcPr marL="68580" marR="68580" marT="0" marB="0">
-                    <a:lnL>
-                      <a:noFill/>
-                    </a:lnL>
-                    <a:lnR w="12700" cap="flat" cmpd="sng" algn="ctr">
-                      <a:solidFill>
-                        <a:srgbClr val="F4B083"/>
-                      </a:solidFill>
-                      <a:prstDash val="solid"/>
-                      <a:round/>
-                      <a:headEnd type="none" w="med" len="med"/>
-                      <a:tailEnd type="none" w="med" len="med"/>
-                    </a:lnR>
-                    <a:lnT w="12700" cap="flat" cmpd="sng" algn="ctr">
-                      <a:solidFill>
-                        <a:srgbClr val="F4B083"/>
-                      </a:solidFill>
-                      <a:prstDash val="solid"/>
-                      <a:round/>
-                      <a:headEnd type="none" w="med" len="med"/>
-                      <a:tailEnd type="none" w="med" len="med"/>
-                    </a:lnT>
-                    <a:lnB w="12700" cap="flat" cmpd="sng" algn="ctr">
-                      <a:solidFill>
-                        <a:srgbClr val="F4B083"/>
-                      </a:solidFill>
-                      <a:prstDash val="solid"/>
-                      <a:round/>
-                      <a:headEnd type="none" w="med" len="med"/>
-                      <a:tailEnd type="none" w="med" len="med"/>
-                    </a:lnB>
-                    <a:solidFill>
-                      <a:srgbClr val="FFFFFF"/>
-                    </a:solidFill>
-                  </a:tcPr>
-                </a:tc>
-                <a:tc>
-                  <a:txBody>
-                    <a:bodyPr/>
-                    <a:lstStyle/>
-                    <a:p>
-                      <a:endParaRPr lang="en-GB" sz="1200">
-                        <a:effectLst/>
-                        <a:latin typeface="Calibri" charset="0"/>
-                      </a:endParaRPr>
-                    </a:p>
-                  </a:txBody>
-                  <a:tcPr marL="68580" marR="68580" marT="0" marB="0">
-                    <a:lnL w="12700" cap="flat" cmpd="sng" algn="ctr">
-                      <a:solidFill>
-                        <a:srgbClr val="F4B083"/>
-                      </a:solidFill>
-                      <a:prstDash val="solid"/>
-                      <a:round/>
-                      <a:headEnd type="none" w="med" len="med"/>
-                      <a:tailEnd type="none" w="med" len="med"/>
-                    </a:lnL>
-                    <a:lnR>
-                      <a:noFill/>
-                    </a:lnR>
-                    <a:lnT w="12700" cap="flat" cmpd="sng" algn="ctr">
-                      <a:solidFill>
-                        <a:srgbClr val="F4B083"/>
-                      </a:solidFill>
-                      <a:prstDash val="solid"/>
-                      <a:round/>
-                      <a:headEnd type="none" w="med" len="med"/>
-                      <a:tailEnd type="none" w="med" len="med"/>
-                    </a:lnT>
-                    <a:lnB w="12700" cap="flat" cmpd="sng" algn="ctr">
-                      <a:solidFill>
-                        <a:srgbClr val="F4B083"/>
-                      </a:solidFill>
-                      <a:prstDash val="solid"/>
-                      <a:round/>
-                      <a:headEnd type="none" w="med" len="med"/>
-                      <a:tailEnd type="none" w="med" len="med"/>
-                    </a:lnB>
-                    <a:solidFill>
-                      <a:srgbClr val="FFFFFF"/>
-                    </a:solidFill>
-                  </a:tcPr>
-                </a:tc>
-              </a:tr>
-              <a:tr h="225663">
-                <a:tc>
-                  <a:txBody>
-                    <a:bodyPr/>
-                    <a:lstStyle/>
-                    <a:p>
-                      <a:pPr>
-                        <a:spcAft>
-                          <a:spcPts val="0"/>
-                        </a:spcAft>
-                      </a:pPr>
-                      <a:r>
-                        <a:rPr lang="en-GB" sz="1200" b="1">
-                          <a:effectLst/>
-                          <a:latin typeface="Times New Roman" charset="0"/>
-                          <a:ea typeface="Calibri" charset="0"/>
-                        </a:rPr>
-                        <a:t>Beverage</a:t>
-                      </a:r>
-                      <a:endParaRPr lang="en-GB" sz="1200">
-                        <a:effectLst/>
-                        <a:latin typeface="Times New Roman" charset="0"/>
-                        <a:ea typeface="Calibri" charset="0"/>
-                      </a:endParaRPr>
-                    </a:p>
-                  </a:txBody>
-                  <a:tcPr marL="68580" marR="68580" marT="0" marB="0">
-                    <a:lnL>
-                      <a:noFill/>
-                    </a:lnL>
-                    <a:lnR w="12700" cap="flat" cmpd="sng" algn="ctr">
-                      <a:solidFill>
-                        <a:srgbClr val="F4B083"/>
-                      </a:solidFill>
-                      <a:prstDash val="solid"/>
-                      <a:round/>
-                      <a:headEnd type="none" w="med" len="med"/>
-                      <a:tailEnd type="none" w="med" len="med"/>
-                    </a:lnR>
-                    <a:lnT w="12700" cap="flat" cmpd="sng" algn="ctr">
-                      <a:solidFill>
-                        <a:srgbClr val="F4B083"/>
-                      </a:solidFill>
-                      <a:prstDash val="solid"/>
-                      <a:round/>
-                      <a:headEnd type="none" w="med" len="med"/>
-                      <a:tailEnd type="none" w="med" len="med"/>
-                    </a:lnT>
-                    <a:lnB w="12700" cap="flat" cmpd="sng" algn="ctr">
-                      <a:solidFill>
-                        <a:srgbClr val="F4B083"/>
-                      </a:solidFill>
-                      <a:prstDash val="solid"/>
-                      <a:round/>
-                      <a:headEnd type="none" w="med" len="med"/>
-                      <a:tailEnd type="none" w="med" len="med"/>
-                    </a:lnB>
-                    <a:solidFill>
-                      <a:srgbClr val="FBE4D5"/>
-                    </a:solidFill>
-                  </a:tcPr>
-                </a:tc>
-                <a:tc>
-                  <a:txBody>
-                    <a:bodyPr/>
-                    <a:lstStyle/>
-                    <a:p>
-                      <a:endParaRPr lang="en-GB" sz="1200">
-                        <a:effectLst/>
-                        <a:latin typeface="Calibri" charset="0"/>
-                      </a:endParaRPr>
-                    </a:p>
-                  </a:txBody>
-                  <a:tcPr marL="68580" marR="68580" marT="0" marB="0">
-                    <a:lnL w="12700" cap="flat" cmpd="sng" algn="ctr">
-                      <a:solidFill>
-                        <a:srgbClr val="F4B083"/>
-                      </a:solidFill>
-                      <a:prstDash val="solid"/>
-                      <a:round/>
-                      <a:headEnd type="none" w="med" len="med"/>
-                      <a:tailEnd type="none" w="med" len="med"/>
-                    </a:lnL>
-                    <a:lnR>
-                      <a:noFill/>
-                    </a:lnR>
-                    <a:lnT w="12700" cap="flat" cmpd="sng" algn="ctr">
-                      <a:solidFill>
-                        <a:srgbClr val="F4B083"/>
-                      </a:solidFill>
-                      <a:prstDash val="solid"/>
-                      <a:round/>
-                      <a:headEnd type="none" w="med" len="med"/>
-                      <a:tailEnd type="none" w="med" len="med"/>
-                    </a:lnT>
-                    <a:lnB w="12700" cap="flat" cmpd="sng" algn="ctr">
-                      <a:solidFill>
-                        <a:srgbClr val="F4B083"/>
-                      </a:solidFill>
-                      <a:prstDash val="solid"/>
-                      <a:round/>
-                      <a:headEnd type="none" w="med" len="med"/>
-                      <a:tailEnd type="none" w="med" len="med"/>
-                    </a:lnB>
-                    <a:solidFill>
-                      <a:srgbClr val="FBE4D5"/>
-                    </a:solidFill>
-                  </a:tcPr>
-                </a:tc>
-              </a:tr>
-              <a:tr h="225663">
-                <a:tc>
-                  <a:txBody>
-                    <a:bodyPr/>
-                    <a:lstStyle/>
-                    <a:p>
-                      <a:endParaRPr lang="en-GB" sz="1200">
-                        <a:effectLst/>
-                        <a:latin typeface="Calibri" charset="0"/>
-                      </a:endParaRPr>
-                    </a:p>
-                  </a:txBody>
-                  <a:tcPr marL="68580" marR="68580" marT="0" marB="0">
-                    <a:lnL>
-                      <a:noFill/>
-                    </a:lnL>
-                    <a:lnR w="12700" cap="flat" cmpd="sng" algn="ctr">
-                      <a:solidFill>
-                        <a:srgbClr val="F4B083"/>
-                      </a:solidFill>
-                      <a:prstDash val="solid"/>
-                      <a:round/>
-                      <a:headEnd type="none" w="med" len="med"/>
-                      <a:tailEnd type="none" w="med" len="med"/>
-                    </a:lnR>
-                    <a:lnT w="12700" cap="flat" cmpd="sng" algn="ctr">
-                      <a:solidFill>
-                        <a:srgbClr val="F4B083"/>
-                      </a:solidFill>
-                      <a:prstDash val="solid"/>
-                      <a:round/>
-                      <a:headEnd type="none" w="med" len="med"/>
-                      <a:tailEnd type="none" w="med" len="med"/>
-                    </a:lnT>
-                    <a:lnB w="12700" cap="flat" cmpd="sng" algn="ctr">
-                      <a:solidFill>
-                        <a:srgbClr val="F4B083"/>
-                      </a:solidFill>
-                      <a:prstDash val="solid"/>
-                      <a:round/>
-                      <a:headEnd type="none" w="med" len="med"/>
-                      <a:tailEnd type="none" w="med" len="med"/>
-                    </a:lnB>
-                    <a:solidFill>
-                      <a:srgbClr val="FFFFFF"/>
-                    </a:solidFill>
-                  </a:tcPr>
-                </a:tc>
-                <a:tc>
-                  <a:txBody>
-                    <a:bodyPr/>
-                    <a:lstStyle/>
-                    <a:p>
-                      <a:endParaRPr lang="en-GB" sz="1200">
-                        <a:effectLst/>
-                        <a:latin typeface="Calibri" charset="0"/>
-                      </a:endParaRPr>
-                    </a:p>
-                  </a:txBody>
-                  <a:tcPr marL="68580" marR="68580" marT="0" marB="0">
-                    <a:lnL w="12700" cap="flat" cmpd="sng" algn="ctr">
-                      <a:solidFill>
-                        <a:srgbClr val="F4B083"/>
-                      </a:solidFill>
-                      <a:prstDash val="solid"/>
-                      <a:round/>
-                      <a:headEnd type="none" w="med" len="med"/>
-                      <a:tailEnd type="none" w="med" len="med"/>
-                    </a:lnL>
-                    <a:lnR>
-                      <a:noFill/>
-                    </a:lnR>
-                    <a:lnT w="12700" cap="flat" cmpd="sng" algn="ctr">
-                      <a:solidFill>
-                        <a:srgbClr val="F4B083"/>
-                      </a:solidFill>
-                      <a:prstDash val="solid"/>
-                      <a:round/>
-                      <a:headEnd type="none" w="med" len="med"/>
-                      <a:tailEnd type="none" w="med" len="med"/>
-                    </a:lnT>
-                    <a:lnB w="12700" cap="flat" cmpd="sng" algn="ctr">
-                      <a:solidFill>
-                        <a:srgbClr val="F4B083"/>
-                      </a:solidFill>
-                      <a:prstDash val="solid"/>
-                      <a:round/>
-                      <a:headEnd type="none" w="med" len="med"/>
-                      <a:tailEnd type="none" w="med" len="med"/>
-                    </a:lnB>
-                    <a:solidFill>
-                      <a:srgbClr val="FFFFFF"/>
-                    </a:solidFill>
-                  </a:tcPr>
-                </a:tc>
-              </a:tr>
-              <a:tr h="225663">
-                <a:tc>
-                  <a:txBody>
-                    <a:bodyPr/>
-                    <a:lstStyle/>
-                    <a:p>
-                      <a:pPr>
-                        <a:spcAft>
-                          <a:spcPts val="0"/>
-                        </a:spcAft>
-                      </a:pPr>
-                      <a:r>
-                        <a:rPr lang="en-GB" sz="1200" b="1">
-                          <a:effectLst/>
-                          <a:latin typeface="Times New Roman" charset="0"/>
-                          <a:ea typeface="Calibri" charset="0"/>
-                        </a:rPr>
-                        <a:t>No. of Bills with Food &amp; Beverage</a:t>
-                      </a:r>
-                      <a:endParaRPr lang="en-GB" sz="1200">
-                        <a:effectLst/>
-                        <a:latin typeface="Times New Roman" charset="0"/>
-                        <a:ea typeface="Calibri" charset="0"/>
-                      </a:endParaRPr>
-                    </a:p>
-                  </a:txBody>
-                  <a:tcPr marL="68580" marR="68580" marT="0" marB="0">
-                    <a:lnL>
-                      <a:noFill/>
-                    </a:lnL>
-                    <a:lnR w="12700" cap="flat" cmpd="sng" algn="ctr">
-                      <a:solidFill>
-                        <a:srgbClr val="F4B083"/>
-                      </a:solidFill>
-                      <a:prstDash val="solid"/>
-                      <a:round/>
-                      <a:headEnd type="none" w="med" len="med"/>
-                      <a:tailEnd type="none" w="med" len="med"/>
-                    </a:lnR>
-                    <a:lnT w="12700" cap="flat" cmpd="sng" algn="ctr">
-                      <a:solidFill>
-                        <a:srgbClr val="F4B083"/>
-                      </a:solidFill>
-                      <a:prstDash val="solid"/>
-                      <a:round/>
-                      <a:headEnd type="none" w="med" len="med"/>
-                      <a:tailEnd type="none" w="med" len="med"/>
-                    </a:lnT>
-                    <a:lnB w="12700" cap="flat" cmpd="sng" algn="ctr">
-                      <a:solidFill>
-                        <a:srgbClr val="F4B083"/>
-                      </a:solidFill>
-                      <a:prstDash val="solid"/>
-                      <a:round/>
-                      <a:headEnd type="none" w="med" len="med"/>
-                      <a:tailEnd type="none" w="med" len="med"/>
-                    </a:lnB>
-                    <a:solidFill>
-                      <a:srgbClr val="FBE4D5"/>
-                    </a:solidFill>
-                  </a:tcPr>
-                </a:tc>
-                <a:tc>
-                  <a:txBody>
-                    <a:bodyPr/>
-                    <a:lstStyle/>
-                    <a:p>
-                      <a:pPr>
-                        <a:spcAft>
-                          <a:spcPts val="0"/>
-                        </a:spcAft>
-                      </a:pPr>
-                      <a:r>
-                        <a:rPr lang="en-GB" sz="1200">
-                          <a:effectLst/>
-                          <a:latin typeface="Times New Roman" charset="0"/>
-                          <a:ea typeface="Calibri" charset="0"/>
-                        </a:rPr>
-                        <a:t>15774</a:t>
-                      </a:r>
-                    </a:p>
-                  </a:txBody>
-                  <a:tcPr marL="68580" marR="68580" marT="0" marB="0">
-                    <a:lnL w="12700" cap="flat" cmpd="sng" algn="ctr">
-                      <a:solidFill>
-                        <a:srgbClr val="F4B083"/>
-                      </a:solidFill>
-                      <a:prstDash val="solid"/>
-                      <a:round/>
-                      <a:headEnd type="none" w="med" len="med"/>
-                      <a:tailEnd type="none" w="med" len="med"/>
-                    </a:lnL>
-                    <a:lnR>
-                      <a:noFill/>
-                    </a:lnR>
-                    <a:lnT w="12700" cap="flat" cmpd="sng" algn="ctr">
-                      <a:solidFill>
-                        <a:srgbClr val="F4B083"/>
-                      </a:solidFill>
-                      <a:prstDash val="solid"/>
-                      <a:round/>
-                      <a:headEnd type="none" w="med" len="med"/>
-                      <a:tailEnd type="none" w="med" len="med"/>
-                    </a:lnT>
-                    <a:lnB w="12700" cap="flat" cmpd="sng" algn="ctr">
-                      <a:solidFill>
-                        <a:srgbClr val="F4B083"/>
-                      </a:solidFill>
-                      <a:prstDash val="solid"/>
-                      <a:round/>
-                      <a:headEnd type="none" w="med" len="med"/>
-                      <a:tailEnd type="none" w="med" len="med"/>
-                    </a:lnB>
-                    <a:solidFill>
-                      <a:srgbClr val="FBE4D5"/>
-                    </a:solidFill>
-                  </a:tcPr>
-                </a:tc>
-              </a:tr>
-              <a:tr h="225663">
-                <a:tc>
-                  <a:txBody>
-                    <a:bodyPr/>
-                    <a:lstStyle/>
-                    <a:p>
-                      <a:pPr>
-                        <a:spcAft>
-                          <a:spcPts val="0"/>
-                        </a:spcAft>
-                      </a:pPr>
-                      <a:r>
-                        <a:rPr lang="en-GB" sz="1200" b="1">
-                          <a:effectLst/>
-                          <a:latin typeface="Times New Roman" charset="0"/>
-                          <a:ea typeface="Calibri" charset="0"/>
-                        </a:rPr>
-                        <a:t>No. of bills -food without beverage </a:t>
-                      </a:r>
-                      <a:endParaRPr lang="en-GB" sz="1200">
-                        <a:effectLst/>
-                        <a:latin typeface="Times New Roman" charset="0"/>
-                        <a:ea typeface="Calibri" charset="0"/>
-                      </a:endParaRPr>
-                    </a:p>
-                  </a:txBody>
-                  <a:tcPr marL="68580" marR="68580" marT="0" marB="0">
-                    <a:lnL>
-                      <a:noFill/>
-                    </a:lnL>
-                    <a:lnR w="12700" cap="flat" cmpd="sng" algn="ctr">
-                      <a:solidFill>
-                        <a:srgbClr val="F4B083"/>
-                      </a:solidFill>
-                      <a:prstDash val="solid"/>
-                      <a:round/>
-                      <a:headEnd type="none" w="med" len="med"/>
-                      <a:tailEnd type="none" w="med" len="med"/>
-                    </a:lnR>
-                    <a:lnT w="12700" cap="flat" cmpd="sng" algn="ctr">
-                      <a:solidFill>
-                        <a:srgbClr val="F4B083"/>
-                      </a:solidFill>
-                      <a:prstDash val="solid"/>
-                      <a:round/>
-                      <a:headEnd type="none" w="med" len="med"/>
-                      <a:tailEnd type="none" w="med" len="med"/>
-                    </a:lnT>
-                    <a:lnB w="12700" cap="flat" cmpd="sng" algn="ctr">
-                      <a:solidFill>
-                        <a:srgbClr val="F4B083"/>
-                      </a:solidFill>
-                      <a:prstDash val="solid"/>
-                      <a:round/>
-                      <a:headEnd type="none" w="med" len="med"/>
-                      <a:tailEnd type="none" w="med" len="med"/>
-                    </a:lnB>
-                    <a:solidFill>
-                      <a:srgbClr val="FFFFFF"/>
-                    </a:solidFill>
-                  </a:tcPr>
-                </a:tc>
-                <a:tc>
-                  <a:txBody>
-                    <a:bodyPr/>
-                    <a:lstStyle/>
-                    <a:p>
-                      <a:pPr>
-                        <a:spcAft>
-                          <a:spcPts val="0"/>
-                        </a:spcAft>
-                      </a:pPr>
-                      <a:r>
-                        <a:rPr lang="en-GB" sz="1200">
-                          <a:effectLst/>
-                          <a:latin typeface="Times New Roman" charset="0"/>
-                          <a:ea typeface="Calibri" charset="0"/>
-                        </a:rPr>
-                        <a:t>16648</a:t>
-                      </a:r>
-                    </a:p>
-                  </a:txBody>
-                  <a:tcPr marL="68580" marR="68580" marT="0" marB="0">
-                    <a:lnL w="12700" cap="flat" cmpd="sng" algn="ctr">
-                      <a:solidFill>
-                        <a:srgbClr val="F4B083"/>
-                      </a:solidFill>
-                      <a:prstDash val="solid"/>
-                      <a:round/>
-                      <a:headEnd type="none" w="med" len="med"/>
-                      <a:tailEnd type="none" w="med" len="med"/>
-                    </a:lnL>
-                    <a:lnR>
-                      <a:noFill/>
-                    </a:lnR>
-                    <a:lnT w="12700" cap="flat" cmpd="sng" algn="ctr">
-                      <a:solidFill>
-                        <a:srgbClr val="F4B083"/>
-                      </a:solidFill>
-                      <a:prstDash val="solid"/>
-                      <a:round/>
-                      <a:headEnd type="none" w="med" len="med"/>
-                      <a:tailEnd type="none" w="med" len="med"/>
-                    </a:lnT>
-                    <a:lnB w="12700" cap="flat" cmpd="sng" algn="ctr">
-                      <a:solidFill>
-                        <a:srgbClr val="F4B083"/>
-                      </a:solidFill>
-                      <a:prstDash val="solid"/>
-                      <a:round/>
-                      <a:headEnd type="none" w="med" len="med"/>
-                      <a:tailEnd type="none" w="med" len="med"/>
-                    </a:lnB>
-                    <a:solidFill>
-                      <a:srgbClr val="FFFFFF"/>
-                    </a:solidFill>
-                  </a:tcPr>
-                </a:tc>
-              </a:tr>
-              <a:tr h="211559">
-                <a:tc>
-                  <a:txBody>
-                    <a:bodyPr/>
-                    <a:lstStyle/>
-                    <a:p>
-                      <a:endParaRPr lang="en-GB" sz="1200" dirty="0">
-                        <a:effectLst/>
-                        <a:latin typeface="Calibri" charset="0"/>
-                      </a:endParaRPr>
-                    </a:p>
-                  </a:txBody>
-                  <a:tcPr marL="68580" marR="68580" marT="0" marB="0">
-                    <a:lnL>
-                      <a:noFill/>
-                    </a:lnL>
-                    <a:lnR w="12700" cap="flat" cmpd="sng" algn="ctr">
-                      <a:solidFill>
-                        <a:srgbClr val="F4B083"/>
-                      </a:solidFill>
-                      <a:prstDash val="solid"/>
-                      <a:round/>
-                      <a:headEnd type="none" w="med" len="med"/>
-                      <a:tailEnd type="none" w="med" len="med"/>
-                    </a:lnR>
-                    <a:lnT w="12700" cap="flat" cmpd="sng" algn="ctr">
-                      <a:solidFill>
-                        <a:srgbClr val="F4B083"/>
-                      </a:solidFill>
-                      <a:prstDash val="solid"/>
-                      <a:round/>
-                      <a:headEnd type="none" w="med" len="med"/>
-                      <a:tailEnd type="none" w="med" len="med"/>
-                    </a:lnT>
-                    <a:lnB w="12700" cap="flat" cmpd="sng" algn="ctr">
-                      <a:solidFill>
-                        <a:srgbClr val="F4B083"/>
-                      </a:solidFill>
-                      <a:prstDash val="solid"/>
-                      <a:round/>
-                      <a:headEnd type="none" w="med" len="med"/>
-                      <a:tailEnd type="none" w="med" len="med"/>
-                    </a:lnB>
-                    <a:solidFill>
-                      <a:srgbClr val="FBE4D5"/>
-                    </a:solidFill>
-                  </a:tcPr>
-                </a:tc>
-                <a:tc>
-                  <a:txBody>
-                    <a:bodyPr/>
-                    <a:lstStyle/>
-                    <a:p>
-                      <a:endParaRPr lang="en-GB" sz="1200">
-                        <a:effectLst/>
-                        <a:latin typeface="Calibri" charset="0"/>
-                      </a:endParaRPr>
-                    </a:p>
-                  </a:txBody>
-                  <a:tcPr marL="68580" marR="68580" marT="0" marB="0">
-                    <a:lnL w="12700" cap="flat" cmpd="sng" algn="ctr">
-                      <a:solidFill>
-                        <a:srgbClr val="F4B083"/>
-                      </a:solidFill>
-                      <a:prstDash val="solid"/>
-                      <a:round/>
-                      <a:headEnd type="none" w="med" len="med"/>
-                      <a:tailEnd type="none" w="med" len="med"/>
-                    </a:lnL>
-                    <a:lnR>
-                      <a:noFill/>
-                    </a:lnR>
-                    <a:lnT w="12700" cap="flat" cmpd="sng" algn="ctr">
-                      <a:solidFill>
-                        <a:srgbClr val="F4B083"/>
-                      </a:solidFill>
-                      <a:prstDash val="solid"/>
-                      <a:round/>
-                      <a:headEnd type="none" w="med" len="med"/>
-                      <a:tailEnd type="none" w="med" len="med"/>
-                    </a:lnT>
-                    <a:lnB w="12700" cap="flat" cmpd="sng" algn="ctr">
-                      <a:solidFill>
-                        <a:srgbClr val="F4B083"/>
-                      </a:solidFill>
-                      <a:prstDash val="solid"/>
-                      <a:round/>
-                      <a:headEnd type="none" w="med" len="med"/>
-                      <a:tailEnd type="none" w="med" len="med"/>
-                    </a:lnB>
-                    <a:solidFill>
-                      <a:srgbClr val="FBE4D5"/>
-                    </a:solidFill>
-                  </a:tcPr>
-                </a:tc>
-              </a:tr>
-              <a:tr h="225663">
-                <a:tc>
-                  <a:txBody>
-                    <a:bodyPr/>
-                    <a:lstStyle/>
-                    <a:p>
-                      <a:pPr>
-                        <a:spcAft>
-                          <a:spcPts val="0"/>
-                        </a:spcAft>
-                      </a:pPr>
-                      <a:r>
-                        <a:rPr lang="en-GB" sz="1200" b="1">
-                          <a:effectLst/>
-                          <a:latin typeface="Times New Roman" charset="0"/>
-                          <a:ea typeface="Calibri" charset="0"/>
-                        </a:rPr>
-                        <a:t>Most bought beverage - Great lakes shake</a:t>
-                      </a:r>
-                      <a:endParaRPr lang="en-GB" sz="1200">
-                        <a:effectLst/>
-                        <a:latin typeface="Times New Roman" charset="0"/>
-                        <a:ea typeface="Calibri" charset="0"/>
-                      </a:endParaRPr>
-                    </a:p>
-                  </a:txBody>
-                  <a:tcPr marL="68580" marR="68580" marT="0" marB="0">
-                    <a:lnL>
-                      <a:noFill/>
-                    </a:lnL>
-                    <a:lnR w="12700" cap="flat" cmpd="sng" algn="ctr">
-                      <a:solidFill>
-                        <a:srgbClr val="F4B083"/>
-                      </a:solidFill>
-                      <a:prstDash val="solid"/>
-                      <a:round/>
-                      <a:headEnd type="none" w="med" len="med"/>
-                      <a:tailEnd type="none" w="med" len="med"/>
-                    </a:lnR>
-                    <a:lnT w="12700" cap="flat" cmpd="sng" algn="ctr">
-                      <a:solidFill>
-                        <a:srgbClr val="F4B083"/>
-                      </a:solidFill>
-                      <a:prstDash val="solid"/>
-                      <a:round/>
-                      <a:headEnd type="none" w="med" len="med"/>
-                      <a:tailEnd type="none" w="med" len="med"/>
-                    </a:lnT>
-                    <a:lnB w="12700" cap="flat" cmpd="sng" algn="ctr">
-                      <a:solidFill>
-                        <a:srgbClr val="F4B083"/>
-                      </a:solidFill>
-                      <a:prstDash val="solid"/>
-                      <a:round/>
-                      <a:headEnd type="none" w="med" len="med"/>
-                      <a:tailEnd type="none" w="med" len="med"/>
-                    </a:lnB>
-                    <a:solidFill>
-                      <a:srgbClr val="FFFFFF"/>
-                    </a:solidFill>
-                  </a:tcPr>
-                </a:tc>
-                <a:tc>
-                  <a:txBody>
-                    <a:bodyPr/>
-                    <a:lstStyle/>
-                    <a:p>
-                      <a:pPr>
-                        <a:spcAft>
-                          <a:spcPts val="0"/>
-                        </a:spcAft>
-                      </a:pPr>
-                      <a:r>
-                        <a:rPr lang="en-GB" sz="1200">
-                          <a:effectLst/>
-                          <a:latin typeface="Times New Roman" charset="0"/>
-                          <a:ea typeface="Calibri" charset="0"/>
-                        </a:rPr>
-                        <a:t>5914</a:t>
-                      </a:r>
-                    </a:p>
-                  </a:txBody>
-                  <a:tcPr marL="68580" marR="68580" marT="0" marB="0">
-                    <a:lnL w="12700" cap="flat" cmpd="sng" algn="ctr">
-                      <a:solidFill>
-                        <a:srgbClr val="F4B083"/>
-                      </a:solidFill>
-                      <a:prstDash val="solid"/>
-                      <a:round/>
-                      <a:headEnd type="none" w="med" len="med"/>
-                      <a:tailEnd type="none" w="med" len="med"/>
-                    </a:lnL>
-                    <a:lnR>
-                      <a:noFill/>
-                    </a:lnR>
-                    <a:lnT w="12700" cap="flat" cmpd="sng" algn="ctr">
-                      <a:solidFill>
-                        <a:srgbClr val="F4B083"/>
-                      </a:solidFill>
-                      <a:prstDash val="solid"/>
-                      <a:round/>
-                      <a:headEnd type="none" w="med" len="med"/>
-                      <a:tailEnd type="none" w="med" len="med"/>
-                    </a:lnT>
-                    <a:lnB w="12700" cap="flat" cmpd="sng" algn="ctr">
-                      <a:solidFill>
-                        <a:srgbClr val="F4B083"/>
-                      </a:solidFill>
-                      <a:prstDash val="solid"/>
-                      <a:round/>
-                      <a:headEnd type="none" w="med" len="med"/>
-                      <a:tailEnd type="none" w="med" len="med"/>
-                    </a:lnB>
-                    <a:solidFill>
-                      <a:srgbClr val="FFFFFF"/>
-                    </a:solidFill>
-                  </a:tcPr>
-                </a:tc>
-              </a:tr>
-              <a:tr h="225663">
-                <a:tc>
-                  <a:txBody>
-                    <a:bodyPr/>
-                    <a:lstStyle/>
-                    <a:p>
-                      <a:pPr>
-                        <a:spcAft>
-                          <a:spcPts val="0"/>
-                        </a:spcAft>
-                      </a:pPr>
-                      <a:r>
-                        <a:rPr lang="en-GB" sz="1200" b="1">
-                          <a:effectLst/>
-                          <a:latin typeface="Times New Roman" charset="0"/>
-                          <a:ea typeface="Calibri" charset="0"/>
-                        </a:rPr>
-                        <a:t>price per shake </a:t>
-                      </a:r>
-                      <a:endParaRPr lang="en-GB" sz="1200">
-                        <a:effectLst/>
-                        <a:latin typeface="Times New Roman" charset="0"/>
-                        <a:ea typeface="Calibri" charset="0"/>
-                      </a:endParaRPr>
-                    </a:p>
-                  </a:txBody>
-                  <a:tcPr marL="68580" marR="68580" marT="0" marB="0">
-                    <a:lnL>
-                      <a:noFill/>
-                    </a:lnL>
-                    <a:lnR w="12700" cap="flat" cmpd="sng" algn="ctr">
-                      <a:solidFill>
-                        <a:srgbClr val="F4B083"/>
-                      </a:solidFill>
-                      <a:prstDash val="solid"/>
-                      <a:round/>
-                      <a:headEnd type="none" w="med" len="med"/>
-                      <a:tailEnd type="none" w="med" len="med"/>
-                    </a:lnR>
-                    <a:lnT w="12700" cap="flat" cmpd="sng" algn="ctr">
-                      <a:solidFill>
-                        <a:srgbClr val="F4B083"/>
-                      </a:solidFill>
-                      <a:prstDash val="solid"/>
-                      <a:round/>
-                      <a:headEnd type="none" w="med" len="med"/>
-                      <a:tailEnd type="none" w="med" len="med"/>
-                    </a:lnT>
-                    <a:lnB w="12700" cap="flat" cmpd="sng" algn="ctr">
-                      <a:solidFill>
-                        <a:srgbClr val="F4B083"/>
-                      </a:solidFill>
-                      <a:prstDash val="solid"/>
-                      <a:round/>
-                      <a:headEnd type="none" w="med" len="med"/>
-                      <a:tailEnd type="none" w="med" len="med"/>
-                    </a:lnB>
-                    <a:solidFill>
-                      <a:srgbClr val="FBE4D5"/>
-                    </a:solidFill>
-                  </a:tcPr>
-                </a:tc>
-                <a:tc>
-                  <a:txBody>
-                    <a:bodyPr/>
-                    <a:lstStyle/>
-                    <a:p>
-                      <a:pPr>
-                        <a:spcAft>
-                          <a:spcPts val="0"/>
-                        </a:spcAft>
-                      </a:pPr>
-                      <a:r>
-                        <a:rPr lang="en-GB" sz="1200">
-                          <a:effectLst/>
-                          <a:latin typeface="Times New Roman" charset="0"/>
-                          <a:ea typeface="Calibri" charset="0"/>
-                        </a:rPr>
-                        <a:t>135</a:t>
-                      </a:r>
-                    </a:p>
-                  </a:txBody>
-                  <a:tcPr marL="68580" marR="68580" marT="0" marB="0">
-                    <a:lnL w="12700" cap="flat" cmpd="sng" algn="ctr">
-                      <a:solidFill>
-                        <a:srgbClr val="F4B083"/>
-                      </a:solidFill>
-                      <a:prstDash val="solid"/>
-                      <a:round/>
-                      <a:headEnd type="none" w="med" len="med"/>
-                      <a:tailEnd type="none" w="med" len="med"/>
-                    </a:lnL>
-                    <a:lnR>
-                      <a:noFill/>
-                    </a:lnR>
-                    <a:lnT w="12700" cap="flat" cmpd="sng" algn="ctr">
-                      <a:solidFill>
-                        <a:srgbClr val="F4B083"/>
-                      </a:solidFill>
-                      <a:prstDash val="solid"/>
-                      <a:round/>
-                      <a:headEnd type="none" w="med" len="med"/>
-                      <a:tailEnd type="none" w="med" len="med"/>
-                    </a:lnT>
-                    <a:lnB w="12700" cap="flat" cmpd="sng" algn="ctr">
-                      <a:solidFill>
-                        <a:srgbClr val="F4B083"/>
-                      </a:solidFill>
-                      <a:prstDash val="solid"/>
-                      <a:round/>
-                      <a:headEnd type="none" w="med" len="med"/>
-                      <a:tailEnd type="none" w="med" len="med"/>
-                    </a:lnB>
-                    <a:solidFill>
-                      <a:srgbClr val="FBE4D5"/>
-                    </a:solidFill>
-                  </a:tcPr>
-                </a:tc>
-              </a:tr>
-              <a:tr h="211559">
-                <a:tc>
-                  <a:txBody>
-                    <a:bodyPr/>
-                    <a:lstStyle/>
-                    <a:p>
-                      <a:endParaRPr lang="en-GB" sz="1200">
-                        <a:effectLst/>
-                        <a:latin typeface="Calibri" charset="0"/>
-                      </a:endParaRPr>
-                    </a:p>
-                  </a:txBody>
-                  <a:tcPr marL="68580" marR="68580" marT="0" marB="0">
-                    <a:lnL>
-                      <a:noFill/>
-                    </a:lnL>
-                    <a:lnR w="12700" cap="flat" cmpd="sng" algn="ctr">
-                      <a:solidFill>
-                        <a:srgbClr val="F4B083"/>
-                      </a:solidFill>
-                      <a:prstDash val="solid"/>
-                      <a:round/>
-                      <a:headEnd type="none" w="med" len="med"/>
-                      <a:tailEnd type="none" w="med" len="med"/>
-                    </a:lnR>
-                    <a:lnT w="12700" cap="flat" cmpd="sng" algn="ctr">
-                      <a:solidFill>
-                        <a:srgbClr val="F4B083"/>
-                      </a:solidFill>
-                      <a:prstDash val="solid"/>
-                      <a:round/>
-                      <a:headEnd type="none" w="med" len="med"/>
-                      <a:tailEnd type="none" w="med" len="med"/>
-                    </a:lnT>
-                    <a:lnB w="12700" cap="flat" cmpd="sng" algn="ctr">
-                      <a:solidFill>
-                        <a:srgbClr val="F4B083"/>
-                      </a:solidFill>
-                      <a:prstDash val="solid"/>
-                      <a:round/>
-                      <a:headEnd type="none" w="med" len="med"/>
-                      <a:tailEnd type="none" w="med" len="med"/>
-                    </a:lnB>
-                    <a:solidFill>
-                      <a:srgbClr val="FFFFFF"/>
-                    </a:solidFill>
-                  </a:tcPr>
-                </a:tc>
-                <a:tc>
-                  <a:txBody>
-                    <a:bodyPr/>
-                    <a:lstStyle/>
-                    <a:p>
-                      <a:endParaRPr lang="en-GB" sz="1200" dirty="0">
-                        <a:effectLst/>
-                        <a:latin typeface="Calibri" charset="0"/>
-                      </a:endParaRPr>
-                    </a:p>
-                  </a:txBody>
-                  <a:tcPr marL="68580" marR="68580" marT="0" marB="0">
-                    <a:lnL w="12700" cap="flat" cmpd="sng" algn="ctr">
-                      <a:solidFill>
-                        <a:srgbClr val="F4B083"/>
-                      </a:solidFill>
-                      <a:prstDash val="solid"/>
-                      <a:round/>
-                      <a:headEnd type="none" w="med" len="med"/>
-                      <a:tailEnd type="none" w="med" len="med"/>
-                    </a:lnL>
-                    <a:lnR>
-                      <a:noFill/>
-                    </a:lnR>
-                    <a:lnT w="12700" cap="flat" cmpd="sng" algn="ctr">
-                      <a:solidFill>
-                        <a:srgbClr val="F4B083"/>
-                      </a:solidFill>
-                      <a:prstDash val="solid"/>
-                      <a:round/>
-                      <a:headEnd type="none" w="med" len="med"/>
-                      <a:tailEnd type="none" w="med" len="med"/>
-                    </a:lnT>
-                    <a:lnB w="12700" cap="flat" cmpd="sng" algn="ctr">
-                      <a:solidFill>
-                        <a:srgbClr val="F4B083"/>
-                      </a:solidFill>
-                      <a:prstDash val="solid"/>
-                      <a:round/>
-                      <a:headEnd type="none" w="med" len="med"/>
-                      <a:tailEnd type="none" w="med" len="med"/>
-                    </a:lnB>
-                    <a:solidFill>
-                      <a:srgbClr val="FFFFFF"/>
-                    </a:solidFill>
-                  </a:tcPr>
-                </a:tc>
-              </a:tr>
-              <a:tr h="225663">
-                <a:tc>
-                  <a:txBody>
-                    <a:bodyPr/>
-                    <a:lstStyle/>
-                    <a:p>
-                      <a:pPr>
-                        <a:spcAft>
-                          <a:spcPts val="0"/>
-                        </a:spcAft>
-                      </a:pPr>
-                      <a:r>
-                        <a:rPr lang="en-GB" sz="1200" b="1">
-                          <a:effectLst/>
-                          <a:latin typeface="Times New Roman" charset="0"/>
-                          <a:ea typeface="Calibri" charset="0"/>
-                        </a:rPr>
-                        <a:t>Discount if bought with food</a:t>
-                      </a:r>
-                      <a:endParaRPr lang="en-GB" sz="1200">
-                        <a:effectLst/>
-                        <a:latin typeface="Times New Roman" charset="0"/>
-                        <a:ea typeface="Calibri" charset="0"/>
-                      </a:endParaRPr>
-                    </a:p>
-                  </a:txBody>
-                  <a:tcPr marL="68580" marR="68580" marT="0" marB="0">
-                    <a:lnL>
-                      <a:noFill/>
-                    </a:lnL>
-                    <a:lnR w="12700" cap="flat" cmpd="sng" algn="ctr">
-                      <a:solidFill>
-                        <a:srgbClr val="F4B083"/>
-                      </a:solidFill>
-                      <a:prstDash val="solid"/>
-                      <a:round/>
-                      <a:headEnd type="none" w="med" len="med"/>
-                      <a:tailEnd type="none" w="med" len="med"/>
-                    </a:lnR>
-                    <a:lnT w="12700" cap="flat" cmpd="sng" algn="ctr">
-                      <a:solidFill>
-                        <a:srgbClr val="F4B083"/>
-                      </a:solidFill>
-                      <a:prstDash val="solid"/>
-                      <a:round/>
-                      <a:headEnd type="none" w="med" len="med"/>
-                      <a:tailEnd type="none" w="med" len="med"/>
-                    </a:lnT>
-                    <a:lnB w="12700" cap="flat" cmpd="sng" algn="ctr">
-                      <a:solidFill>
-                        <a:srgbClr val="F4B083"/>
-                      </a:solidFill>
-                      <a:prstDash val="solid"/>
-                      <a:round/>
-                      <a:headEnd type="none" w="med" len="med"/>
-                      <a:tailEnd type="none" w="med" len="med"/>
-                    </a:lnB>
-                    <a:solidFill>
-                      <a:srgbClr val="FBE4D5"/>
-                    </a:solidFill>
-                  </a:tcPr>
-                </a:tc>
-                <a:tc>
-                  <a:txBody>
-                    <a:bodyPr/>
-                    <a:lstStyle/>
-                    <a:p>
-                      <a:pPr>
-                        <a:spcAft>
-                          <a:spcPts val="0"/>
-                        </a:spcAft>
-                      </a:pPr>
-                      <a:r>
-                        <a:rPr lang="en-GB" sz="1200">
-                          <a:effectLst/>
-                          <a:latin typeface="Times New Roman" charset="0"/>
-                          <a:ea typeface="Calibri" charset="0"/>
-                        </a:rPr>
-                        <a:t>20%</a:t>
-                      </a:r>
-                    </a:p>
-                  </a:txBody>
-                  <a:tcPr marL="68580" marR="68580" marT="0" marB="0">
-                    <a:lnL w="12700" cap="flat" cmpd="sng" algn="ctr">
-                      <a:solidFill>
-                        <a:srgbClr val="F4B083"/>
-                      </a:solidFill>
-                      <a:prstDash val="solid"/>
-                      <a:round/>
-                      <a:headEnd type="none" w="med" len="med"/>
-                      <a:tailEnd type="none" w="med" len="med"/>
-                    </a:lnL>
-                    <a:lnR>
-                      <a:noFill/>
-                    </a:lnR>
-                    <a:lnT w="12700" cap="flat" cmpd="sng" algn="ctr">
-                      <a:solidFill>
-                        <a:srgbClr val="F4B083"/>
-                      </a:solidFill>
-                      <a:prstDash val="solid"/>
-                      <a:round/>
-                      <a:headEnd type="none" w="med" len="med"/>
-                      <a:tailEnd type="none" w="med" len="med"/>
-                    </a:lnT>
-                    <a:lnB w="12700" cap="flat" cmpd="sng" algn="ctr">
-                      <a:solidFill>
-                        <a:srgbClr val="F4B083"/>
-                      </a:solidFill>
-                      <a:prstDash val="solid"/>
-                      <a:round/>
-                      <a:headEnd type="none" w="med" len="med"/>
-                      <a:tailEnd type="none" w="med" len="med"/>
-                    </a:lnB>
-                    <a:solidFill>
-                      <a:srgbClr val="FBE4D5"/>
-                    </a:solidFill>
-                  </a:tcPr>
-                </a:tc>
-              </a:tr>
-              <a:tr h="211559">
-                <a:tc>
-                  <a:txBody>
-                    <a:bodyPr/>
-                    <a:lstStyle/>
-                    <a:p>
-                      <a:endParaRPr lang="en-GB" sz="1200">
-                        <a:effectLst/>
-                        <a:latin typeface="Calibri" charset="0"/>
-                      </a:endParaRPr>
-                    </a:p>
-                  </a:txBody>
-                  <a:tcPr marL="68580" marR="68580" marT="0" marB="0">
-                    <a:lnL>
-                      <a:noFill/>
-                    </a:lnL>
-                    <a:lnR w="12700" cap="flat" cmpd="sng" algn="ctr">
-                      <a:solidFill>
-                        <a:srgbClr val="F4B083"/>
-                      </a:solidFill>
-                      <a:prstDash val="solid"/>
-                      <a:round/>
-                      <a:headEnd type="none" w="med" len="med"/>
-                      <a:tailEnd type="none" w="med" len="med"/>
-                    </a:lnR>
-                    <a:lnT w="12700" cap="flat" cmpd="sng" algn="ctr">
-                      <a:solidFill>
-                        <a:srgbClr val="F4B083"/>
-                      </a:solidFill>
-                      <a:prstDash val="solid"/>
-                      <a:round/>
-                      <a:headEnd type="none" w="med" len="med"/>
-                      <a:tailEnd type="none" w="med" len="med"/>
-                    </a:lnT>
-                    <a:lnB w="12700" cap="flat" cmpd="sng" algn="ctr">
-                      <a:solidFill>
-                        <a:srgbClr val="F4B083"/>
-                      </a:solidFill>
-                      <a:prstDash val="solid"/>
-                      <a:round/>
-                      <a:headEnd type="none" w="med" len="med"/>
-                      <a:tailEnd type="none" w="med" len="med"/>
-                    </a:lnB>
-                    <a:solidFill>
-                      <a:srgbClr val="FFFFFF"/>
-                    </a:solidFill>
-                  </a:tcPr>
-                </a:tc>
-                <a:tc>
-                  <a:txBody>
-                    <a:bodyPr/>
-                    <a:lstStyle/>
-                    <a:p>
-                      <a:endParaRPr lang="en-GB" sz="1200">
-                        <a:effectLst/>
-                        <a:latin typeface="Calibri" charset="0"/>
-                      </a:endParaRPr>
-                    </a:p>
-                  </a:txBody>
-                  <a:tcPr marL="68580" marR="68580" marT="0" marB="0">
-                    <a:lnL w="12700" cap="flat" cmpd="sng" algn="ctr">
-                      <a:solidFill>
-                        <a:srgbClr val="F4B083"/>
-                      </a:solidFill>
-                      <a:prstDash val="solid"/>
-                      <a:round/>
-                      <a:headEnd type="none" w="med" len="med"/>
-                      <a:tailEnd type="none" w="med" len="med"/>
-                    </a:lnL>
-                    <a:lnR>
-                      <a:noFill/>
-                    </a:lnR>
-                    <a:lnT w="12700" cap="flat" cmpd="sng" algn="ctr">
-                      <a:solidFill>
-                        <a:srgbClr val="F4B083"/>
-                      </a:solidFill>
-                      <a:prstDash val="solid"/>
-                      <a:round/>
-                      <a:headEnd type="none" w="med" len="med"/>
-                      <a:tailEnd type="none" w="med" len="med"/>
-                    </a:lnT>
-                    <a:lnB w="12700" cap="flat" cmpd="sng" algn="ctr">
-                      <a:solidFill>
-                        <a:srgbClr val="F4B083"/>
-                      </a:solidFill>
-                      <a:prstDash val="solid"/>
-                      <a:round/>
-                      <a:headEnd type="none" w="med" len="med"/>
-                      <a:tailEnd type="none" w="med" len="med"/>
-                    </a:lnB>
-                    <a:solidFill>
-                      <a:srgbClr val="FFFFFF"/>
-                    </a:solidFill>
-                  </a:tcPr>
-                </a:tc>
-              </a:tr>
-              <a:tr h="406194">
-                <a:tc>
-                  <a:txBody>
-                    <a:bodyPr/>
-                    <a:lstStyle/>
-                    <a:p>
-                      <a:pPr>
-                        <a:spcAft>
-                          <a:spcPts val="0"/>
-                        </a:spcAft>
-                      </a:pPr>
-                      <a:r>
-                        <a:rPr lang="en-GB" sz="1200" b="1">
-                          <a:effectLst/>
-                          <a:latin typeface="Times New Roman" charset="0"/>
-                          <a:ea typeface="Calibri" charset="0"/>
-                        </a:rPr>
-                        <a:t>Max beverage quantity allowed in a given combo/per bill</a:t>
-                      </a:r>
-                      <a:endParaRPr lang="en-GB" sz="1200">
-                        <a:effectLst/>
-                        <a:latin typeface="Times New Roman" charset="0"/>
-                        <a:ea typeface="Calibri" charset="0"/>
-                      </a:endParaRPr>
-                    </a:p>
-                  </a:txBody>
-                  <a:tcPr marL="68580" marR="68580" marT="0" marB="0">
-                    <a:lnL>
-                      <a:noFill/>
-                    </a:lnL>
-                    <a:lnR w="12700" cap="flat" cmpd="sng" algn="ctr">
-                      <a:solidFill>
-                        <a:srgbClr val="F4B083"/>
-                      </a:solidFill>
-                      <a:prstDash val="solid"/>
-                      <a:round/>
-                      <a:headEnd type="none" w="med" len="med"/>
-                      <a:tailEnd type="none" w="med" len="med"/>
-                    </a:lnR>
-                    <a:lnT w="12700" cap="flat" cmpd="sng" algn="ctr">
-                      <a:solidFill>
-                        <a:srgbClr val="F4B083"/>
-                      </a:solidFill>
-                      <a:prstDash val="solid"/>
-                      <a:round/>
-                      <a:headEnd type="none" w="med" len="med"/>
-                      <a:tailEnd type="none" w="med" len="med"/>
-                    </a:lnT>
-                    <a:lnB w="12700" cap="flat" cmpd="sng" algn="ctr">
-                      <a:solidFill>
-                        <a:srgbClr val="F4B083"/>
-                      </a:solidFill>
-                      <a:prstDash val="solid"/>
-                      <a:round/>
-                      <a:headEnd type="none" w="med" len="med"/>
-                      <a:tailEnd type="none" w="med" len="med"/>
-                    </a:lnB>
-                    <a:solidFill>
-                      <a:srgbClr val="FBE4D5"/>
-                    </a:solidFill>
-                  </a:tcPr>
-                </a:tc>
-                <a:tc>
-                  <a:txBody>
-                    <a:bodyPr/>
-                    <a:lstStyle/>
-                    <a:p>
-                      <a:pPr>
-                        <a:spcAft>
-                          <a:spcPts val="0"/>
-                        </a:spcAft>
-                      </a:pPr>
-                      <a:r>
-                        <a:rPr lang="en-GB" sz="1200" dirty="0">
-                          <a:effectLst/>
-                          <a:latin typeface="Times New Roman" charset="0"/>
-                          <a:ea typeface="Calibri" charset="0"/>
-                        </a:rPr>
-                        <a:t>1</a:t>
-                      </a:r>
-                    </a:p>
-                  </a:txBody>
-                  <a:tcPr marL="68580" marR="68580" marT="0" marB="0">
-                    <a:lnL w="12700" cap="flat" cmpd="sng" algn="ctr">
-                      <a:solidFill>
-                        <a:srgbClr val="F4B083"/>
-                      </a:solidFill>
-                      <a:prstDash val="solid"/>
-                      <a:round/>
-                      <a:headEnd type="none" w="med" len="med"/>
-                      <a:tailEnd type="none" w="med" len="med"/>
-                    </a:lnL>
-                    <a:lnR>
-                      <a:noFill/>
-                    </a:lnR>
-                    <a:lnT w="12700" cap="flat" cmpd="sng" algn="ctr">
-                      <a:solidFill>
-                        <a:srgbClr val="F4B083"/>
-                      </a:solidFill>
-                      <a:prstDash val="solid"/>
-                      <a:round/>
-                      <a:headEnd type="none" w="med" len="med"/>
-                      <a:tailEnd type="none" w="med" len="med"/>
-                    </a:lnT>
-                    <a:lnB w="12700" cap="flat" cmpd="sng" algn="ctr">
-                      <a:solidFill>
-                        <a:srgbClr val="F4B083"/>
-                      </a:solidFill>
-                      <a:prstDash val="solid"/>
-                      <a:round/>
-                      <a:headEnd type="none" w="med" len="med"/>
-                      <a:tailEnd type="none" w="med" len="med"/>
-                    </a:lnB>
-                    <a:solidFill>
-                      <a:srgbClr val="FBE4D5"/>
-                    </a:solidFill>
-                  </a:tcPr>
-                </a:tc>
-              </a:tr>
-            </a:tbl>
-          </a:graphicData>
-        </a:graphic>
-      </p:graphicFrame>
-    </p:spTree>
-    <p:extLst>
-      <p:ext uri="{BB962C8B-B14F-4D97-AF65-F5344CB8AC3E}">
-        <p14:creationId xmlns:p14="http://schemas.microsoft.com/office/powerpoint/2010/main" val="310409559"/>
-      </p:ext>
-    </p:extLst>
-  </p:cSld>
-  <p:clrMapOvr>
-    <a:masterClrMapping/>
-  </p:clrMapOvr>
-  <mc:AlternateContent xmlns:mc="http://schemas.openxmlformats.org/markup-compatibility/2006" xmlns:p14="http://schemas.microsoft.com/office/powerpoint/2010/main">
-    <mc:Choice Requires="p14">
-      <p:transition p14:dur="0"/>
-    </mc:Choice>
-    <mc:Fallback xmlns="">
-      <p:transition/>
-    </mc:Fallback>
-  </mc:AlternateContent>
-  <p:timing>
-    <p:tnLst>
-      <p:par>
-        <p:cTn id="1" dur="indefinite" restart="never" nodeType="tmRoot"/>
-      </p:par>
-    </p:tnLst>
-  </p:timing>
-</p:sld>
-</file>
-
-<file path=ppt/slides/slide24.xml><?xml version="1.0" encoding="utf-8"?>
-<p:sld xmlns:a="http://schemas.openxmlformats.org/drawingml/2006/main" xmlns:r="http://schemas.openxmlformats.org/officeDocument/2006/relationships" xmlns:p="http://schemas.openxmlformats.org/presentationml/2006/main">
-  <p:cSld>
-    <p:spTree>
-      <p:nvGrpSpPr>
-        <p:cNvPr id="1" name=""/>
-        <p:cNvGrpSpPr/>
-        <p:nvPr/>
-      </p:nvGrpSpPr>
-      <p:grpSpPr>
-        <a:xfrm>
-          <a:off x="0" y="0"/>
-          <a:ext cx="0" cy="0"/>
-          <a:chOff x="0" y="0"/>
-          <a:chExt cx="0" cy="0"/>
-        </a:xfrm>
-      </p:grpSpPr>
-      <p:sp>
-        <p:nvSpPr>
-          <p:cNvPr id="2" name="Title 1"/>
-          <p:cNvSpPr>
-            <a:spLocks noGrp="1"/>
-          </p:cNvSpPr>
-          <p:nvPr>
-            <p:ph type="title" idx="4294967295"/>
-          </p:nvPr>
-        </p:nvSpPr>
-        <p:spPr>
-          <a:xfrm>
-            <a:off x="1295400" y="317703"/>
-            <a:ext cx="9601200" cy="1576552"/>
-          </a:xfrm>
-        </p:spPr>
-        <p:txBody>
-          <a:bodyPr/>
-          <a:lstStyle/>
-          <a:p>
-            <a:r>
-              <a:rPr lang="en-US" dirty="0"/>
-              <a:t>Conclusion/Recommendation</a:t>
-            </a:r>
-          </a:p>
-        </p:txBody>
-      </p:sp>
-      <p:sp>
-        <p:nvSpPr>
-          <p:cNvPr id="3" name="Content Placeholder 2"/>
-          <p:cNvSpPr>
-            <a:spLocks noGrp="1"/>
-          </p:cNvSpPr>
-          <p:nvPr>
-            <p:ph idx="4294967295"/>
-          </p:nvPr>
-        </p:nvSpPr>
-        <p:spPr>
-          <a:xfrm>
-            <a:off x="851338" y="1801559"/>
-            <a:ext cx="10562896" cy="4382826"/>
-          </a:xfrm>
-        </p:spPr>
-        <p:txBody>
-          <a:bodyPr>
-            <a:normAutofit/>
-          </a:bodyPr>
-          <a:lstStyle/>
-          <a:p>
-            <a:r>
-              <a:rPr lang="en-US" b="1" dirty="0"/>
-              <a:t>39.9 % of total transaction </a:t>
-            </a:r>
-            <a:r>
-              <a:rPr lang="en-US" dirty="0"/>
-              <a:t>is solo trips and </a:t>
-            </a:r>
-            <a:r>
-              <a:rPr lang="en-US" b="1" dirty="0"/>
-              <a:t>mostly Tobacco</a:t>
-            </a:r>
-            <a:r>
-              <a:rPr lang="en-US" dirty="0"/>
-              <a:t> which is </a:t>
-            </a:r>
-            <a:r>
-              <a:rPr lang="en-US" b="1" dirty="0"/>
-              <a:t>alarming</a:t>
-            </a:r>
-            <a:r>
-              <a:rPr lang="en-US" dirty="0"/>
-              <a:t>.</a:t>
-            </a:r>
-          </a:p>
-          <a:p>
-            <a:r>
-              <a:rPr lang="en-US" dirty="0"/>
-              <a:t>Introduction of Combo offers will be game changer to move traffic towards food and Beverage and not only tobacco</a:t>
-            </a:r>
-            <a:r>
-              <a:rPr lang="en-US" dirty="0" smtClean="0"/>
-              <a:t>.</a:t>
-            </a:r>
-          </a:p>
-          <a:p>
-            <a:r>
-              <a:rPr lang="en-US" dirty="0" smtClean="0"/>
-              <a:t>Café needs to </a:t>
-            </a:r>
-            <a:r>
-              <a:rPr lang="en-US" b="1" dirty="0" smtClean="0"/>
-              <a:t>review</a:t>
-            </a:r>
-            <a:r>
-              <a:rPr lang="en-US" dirty="0" smtClean="0"/>
-              <a:t> their </a:t>
-            </a:r>
-            <a:r>
-              <a:rPr lang="en-US" b="1" dirty="0" smtClean="0"/>
-              <a:t>price change strategy </a:t>
-            </a:r>
-            <a:r>
-              <a:rPr lang="en-US" dirty="0" smtClean="0"/>
-              <a:t>for non tobacco items.</a:t>
-            </a:r>
-          </a:p>
-          <a:p>
-            <a:r>
-              <a:rPr lang="en-US" dirty="0" smtClean="0"/>
-              <a:t>Café can </a:t>
-            </a:r>
-            <a:r>
-              <a:rPr lang="en-US" b="1" dirty="0" smtClean="0"/>
-              <a:t>save resourcing fees/salary</a:t>
-            </a:r>
-            <a:r>
-              <a:rPr lang="en-US" dirty="0" smtClean="0"/>
-              <a:t> by changing Café opening hours as per day analysis</a:t>
-            </a:r>
-          </a:p>
-          <a:p>
-            <a:r>
-              <a:rPr lang="en-US" dirty="0" smtClean="0"/>
-              <a:t>There are many </a:t>
-            </a:r>
-            <a:r>
-              <a:rPr lang="en-US" b="1" dirty="0" smtClean="0"/>
-              <a:t>menu items </a:t>
-            </a:r>
-            <a:r>
-              <a:rPr lang="en-US" dirty="0" smtClean="0"/>
-              <a:t>hardly called and needs </a:t>
-            </a:r>
-            <a:r>
-              <a:rPr lang="en-US" b="1" dirty="0" smtClean="0"/>
-              <a:t>to be delisted</a:t>
-            </a:r>
-            <a:r>
-              <a:rPr lang="en-US" dirty="0" smtClean="0"/>
-              <a:t> to save preparation cost and time.</a:t>
-            </a:r>
-            <a:endParaRPr lang="en-US" dirty="0"/>
-          </a:p>
-          <a:p>
-            <a:pPr marL="0" indent="0">
-              <a:buNone/>
-            </a:pPr>
-            <a:endParaRPr lang="en-US" dirty="0"/>
-          </a:p>
-        </p:txBody>
-      </p:sp>
-      <p:cxnSp>
-        <p:nvCxnSpPr>
-          <p:cNvPr id="5" name="Straight Connector 4"/>
-          <p:cNvCxnSpPr/>
-          <p:nvPr/>
-        </p:nvCxnSpPr>
-        <p:spPr>
-          <a:xfrm>
-            <a:off x="1481959" y="1596612"/>
-            <a:ext cx="9285889" cy="0"/>
-          </a:xfrm>
-          <a:prstGeom prst="line">
-            <a:avLst/>
-          </a:prstGeom>
-        </p:spPr>
-        <p:style>
-          <a:lnRef idx="1">
-            <a:schemeClr val="accent1"/>
-          </a:lnRef>
-          <a:fillRef idx="0">
-            <a:schemeClr val="accent1"/>
-          </a:fillRef>
-          <a:effectRef idx="0">
-            <a:schemeClr val="accent1"/>
-          </a:effectRef>
-          <a:fontRef idx="minor">
-            <a:schemeClr val="tx1"/>
-          </a:fontRef>
-        </p:style>
-      </p:cxnSp>
-    </p:spTree>
-    <p:extLst>
-      <p:ext uri="{BB962C8B-B14F-4D97-AF65-F5344CB8AC3E}">
-        <p14:creationId xmlns:p14="http://schemas.microsoft.com/office/powerpoint/2010/main" val="1526901068"/>
-      </p:ext>
-    </p:extLst>
-  </p:cSld>
-  <p:clrMapOvr>
-    <a:masterClrMapping/>
-  </p:clrMapOvr>
-  <mc:AlternateContent xmlns:mc="http://schemas.openxmlformats.org/markup-compatibility/2006" xmlns:p14="http://schemas.microsoft.com/office/powerpoint/2010/main">
-    <mc:Choice Requires="p14">
-      <p:transition p14:dur="0"/>
-    </mc:Choice>
-    <mc:Fallback xmlns="">
-      <p:transition/>
-    </mc:Fallback>
-  </mc:AlternateContent>
-  <p:timing>
-    <p:tnLst>
-      <p:par>
-        <p:cTn id="1" dur="indefinite" restart="never" nodeType="tmRoot"/>
-      </p:par>
-    </p:tnLst>
-  </p:timing>
-</p:sld>
-</file>
-
-<file path=ppt/slides/slide25.xml><?xml version="1.0" encoding="utf-8"?>
-<p:sld xmlns:a="http://schemas.openxmlformats.org/drawingml/2006/main" xmlns:r="http://schemas.openxmlformats.org/officeDocument/2006/relationships" xmlns:p="http://schemas.openxmlformats.org/presentationml/2006/main">
-  <p:cSld>
-    <p:spTree>
-      <p:nvGrpSpPr>
-        <p:cNvPr id="1" name=""/>
-        <p:cNvGrpSpPr/>
-        <p:nvPr/>
-      </p:nvGrpSpPr>
-      <p:grpSpPr>
-        <a:xfrm>
-          <a:off x="0" y="0"/>
-          <a:ext cx="0" cy="0"/>
-          <a:chOff x="0" y="0"/>
-          <a:chExt cx="0" cy="0"/>
-        </a:xfrm>
-      </p:grpSpPr>
-      <p:sp>
-        <p:nvSpPr>
-          <p:cNvPr id="2" name="Title 1"/>
-          <p:cNvSpPr>
-            <a:spLocks noGrp="1"/>
-          </p:cNvSpPr>
-          <p:nvPr>
-            <p:ph type="title"/>
-          </p:nvPr>
-        </p:nvSpPr>
-        <p:spPr/>
-        <p:txBody>
-          <a:bodyPr>
-            <a:normAutofit/>
-          </a:bodyPr>
-          <a:lstStyle/>
-          <a:p>
-            <a:r>
-              <a:rPr lang="en-US" sz="3600" dirty="0" smtClean="0"/>
-              <a:t>Conclusion/Recommendation</a:t>
-            </a:r>
-            <a:endParaRPr lang="en-US" sz="3600" dirty="0"/>
-          </a:p>
-        </p:txBody>
-      </p:sp>
-      <p:sp>
-        <p:nvSpPr>
-          <p:cNvPr id="3" name="Content Placeholder 2"/>
-          <p:cNvSpPr>
-            <a:spLocks noGrp="1"/>
-          </p:cNvSpPr>
-          <p:nvPr>
-            <p:ph idx="1"/>
-          </p:nvPr>
-        </p:nvSpPr>
-        <p:spPr/>
-        <p:txBody>
-          <a:bodyPr/>
-          <a:lstStyle/>
-          <a:p>
-            <a:r>
-              <a:rPr lang="en-US" b="1" dirty="0" smtClean="0"/>
-              <a:t>To promote café as food joint too </a:t>
-            </a:r>
-            <a:r>
-              <a:rPr lang="en-US" dirty="0" smtClean="0"/>
-              <a:t>- Offer discounts for higher spent on food items group discounts, corporate discounts etc.</a:t>
-            </a:r>
-          </a:p>
-          <a:p>
-            <a:r>
-              <a:rPr lang="en-US" dirty="0"/>
-              <a:t>lastly </a:t>
-            </a:r>
-            <a:r>
-              <a:rPr lang="mr-IN" dirty="0"/>
-              <a:t>–</a:t>
-            </a:r>
-            <a:r>
-              <a:rPr lang="en-US" dirty="0"/>
-              <a:t> </a:t>
-            </a:r>
-            <a:r>
-              <a:rPr lang="en-US" b="1" dirty="0"/>
-              <a:t>To implement loyalty program </a:t>
-            </a:r>
-            <a:r>
-              <a:rPr lang="en-US" dirty="0" smtClean="0"/>
-              <a:t>more effectively</a:t>
-            </a:r>
-            <a:r>
-              <a:rPr lang="en-US" dirty="0"/>
-              <a:t>, café needs to </a:t>
-            </a:r>
-            <a:r>
-              <a:rPr lang="en-US" b="1" dirty="0"/>
-              <a:t>start collecting customer details.</a:t>
-            </a:r>
-          </a:p>
-          <a:p>
-            <a:endParaRPr lang="en-US" dirty="0" smtClean="0"/>
-          </a:p>
-          <a:p>
-            <a:pPr marL="0" indent="0">
-              <a:buNone/>
-            </a:pPr>
-            <a:endParaRPr lang="en-US" dirty="0" smtClean="0"/>
-          </a:p>
-        </p:txBody>
-      </p:sp>
-    </p:spTree>
-    <p:extLst>
-      <p:ext uri="{BB962C8B-B14F-4D97-AF65-F5344CB8AC3E}">
-        <p14:creationId xmlns:p14="http://schemas.microsoft.com/office/powerpoint/2010/main" val="1917820531"/>
-      </p:ext>
-    </p:extLst>
-  </p:cSld>
-  <p:clrMapOvr>
-    <a:masterClrMapping/>
-  </p:clrMapOvr>
-</p:sld>
-</file>
-
-<file path=ppt/slides/slide26.xml><?xml version="1.0" encoding="utf-8"?>
-<p:sld xmlns:a="http://schemas.openxmlformats.org/drawingml/2006/main" xmlns:r="http://schemas.openxmlformats.org/officeDocument/2006/relationships" xmlns:p="http://schemas.openxmlformats.org/presentationml/2006/main">
-  <p:cSld>
-    <p:spTree>
-      <p:nvGrpSpPr>
-        <p:cNvPr id="1" name=""/>
-        <p:cNvGrpSpPr/>
-        <p:nvPr/>
-      </p:nvGrpSpPr>
-      <p:grpSpPr>
-        <a:xfrm>
-          <a:off x="0" y="0"/>
-          <a:ext cx="0" cy="0"/>
-          <a:chOff x="0" y="0"/>
-          <a:chExt cx="0" cy="0"/>
-        </a:xfrm>
-      </p:grpSpPr>
-      <p:sp>
-        <p:nvSpPr>
-          <p:cNvPr id="2" name="Title 1"/>
-          <p:cNvSpPr>
-            <a:spLocks noGrp="1"/>
-          </p:cNvSpPr>
-          <p:nvPr>
-            <p:ph type="ctrTitle"/>
-          </p:nvPr>
-        </p:nvSpPr>
-        <p:spPr/>
-        <p:txBody>
-          <a:bodyPr/>
-          <a:lstStyle/>
-          <a:p>
-            <a:r>
-              <a:rPr lang="en-US" dirty="0" smtClean="0"/>
-              <a:t>Thank You</a:t>
-            </a:r>
-            <a:endParaRPr lang="en-US" dirty="0"/>
-          </a:p>
-        </p:txBody>
-      </p:sp>
-    </p:spTree>
-    <p:extLst>
-      <p:ext uri="{BB962C8B-B14F-4D97-AF65-F5344CB8AC3E}">
-        <p14:creationId xmlns:p14="http://schemas.microsoft.com/office/powerpoint/2010/main" val="243268139"/>
-      </p:ext>
-    </p:extLst>
-  </p:cSld>
-  <p:clrMapOvr>
-    <a:masterClrMapping/>
-  </p:clrMapOvr>
 </p:sld>
 </file>
 
@@ -16997,11 +9264,7 @@
             <a:pPr algn="ctr"/>
             <a:r>
               <a:rPr lang="en-US" smtClean="0"/>
-              <a:t>Randomly </a:t>
-            </a:r>
-            <a:r>
-              <a:rPr lang="en-US" smtClean="0"/>
-              <a:t>Distributed</a:t>
+              <a:t>Randomly Distributed</a:t>
             </a:r>
             <a:endParaRPr lang="en-US" dirty="0"/>
           </a:p>
@@ -17262,7 +9525,7 @@
   <a:extraClrSchemeLst/>
   <a:extLst>
     <a:ext uri="{05A4C25C-085E-4340-85A3-A5531E510DB2}">
-      <thm15:themeFamily xmlns:thm15="http://schemas.microsoft.com/office/thememl/2012/main" name="Organic" id="{28CDC826-8792-45C0-861B-85EB3ADEDA33}" vid="{7DAC20F1-423D-49E2-BD0B-50532748BAD0}"/>
+      <thm15:themeFamily xmlns:thm15="http://schemas.microsoft.com/office/thememl/2012/main" xmlns="" name="Organic" id="{28CDC826-8792-45C0-861B-85EB3ADEDA33}" vid="{7DAC20F1-423D-49E2-BD0B-50532748BAD0}"/>
     </a:ext>
   </a:extLst>
 </a:theme>
